--- a/Document/KAMISHIBAI.pptx
+++ b/Document/KAMISHIBAI.pptx
@@ -3755,7 +3755,7 @@
                 <a:ea typeface="M+ 1c light" panose="020B0403020204020204" pitchFamily="50" charset="-128"/>
                 <a:cs typeface="M+ 1c light" panose="020B0403020204020204" pitchFamily="50" charset="-128"/>
               </a:rPr>
-              <a:t>[Behavior]</a:t>
+              <a:t>[NavigationBehavior]</a:t>
             </a:r>
           </a:p>
           <a:p>
@@ -3854,7 +3854,7 @@
                 <a:ea typeface="M+ 1c light" panose="020B0403020204020204" pitchFamily="50" charset="-128"/>
                 <a:cs typeface="M+ 1c light" panose="020B0403020204020204" pitchFamily="50" charset="-128"/>
               </a:rPr>
-              <a:t>[Behavior]</a:t>
+              <a:t>[NavigationBehavior]</a:t>
             </a:r>
           </a:p>
           <a:p>
@@ -4150,10 +4150,10 @@
         </p:nvGrpSpPr>
         <p:grpSpPr>
           <a:xfrm>
-            <a:off x="3340723" y="1653370"/>
-            <a:ext cx="1471906" cy="369332"/>
-            <a:chOff x="3340768" y="1653370"/>
-            <a:chExt cx="1471906" cy="369332"/>
+            <a:off x="3308639" y="1637981"/>
+            <a:ext cx="1375698" cy="369332"/>
+            <a:chOff x="3308684" y="1637981"/>
+            <a:chExt cx="1375698" cy="369332"/>
           </a:xfrm>
         </p:grpSpPr>
         <p:cxnSp>
@@ -4212,7 +4212,7 @@
           </p:nvSpPr>
           <p:spPr>
             <a:xfrm>
-              <a:off x="3436976" y="1653370"/>
+              <a:off x="3308684" y="1637981"/>
               <a:ext cx="1375698" cy="369332"/>
             </a:xfrm>
             <a:prstGeom prst="rect">

--- a/Document/KAMISHIBAI.pptx
+++ b/Document/KAMISHIBAI.pptx
@@ -4,8 +4,14 @@
   <p:sldMasterIdLst>
     <p:sldMasterId id="2147483648" r:id="rId1"/>
   </p:sldMasterIdLst>
+  <p:notesMasterIdLst>
+    <p:notesMasterId r:id="rId6"/>
+  </p:notesMasterIdLst>
   <p:sldIdLst>
     <p:sldId id="256" r:id="rId2"/>
+    <p:sldId id="257" r:id="rId3"/>
+    <p:sldId id="261" r:id="rId4"/>
+    <p:sldId id="262" r:id="rId5"/>
   </p:sldIdLst>
   <p:sldSz cx="12192000" cy="6858000"/>
   <p:notesSz cx="6858000" cy="9144000"/>
@@ -116,6 +122,387 @@
 <p1510:revInfo xmlns:a="http://schemas.openxmlformats.org/drawingml/2006/main" xmlns:r="http://schemas.openxmlformats.org/officeDocument/2006/relationships" xmlns:p1510="http://schemas.microsoft.com/office/powerpoint/2015/10/main"/>
 </file>
 
+<file path=ppt/notesMasters/notesMaster1.xml><?xml version="1.0" encoding="utf-8"?>
+<p:notesMaster xmlns:a="http://schemas.openxmlformats.org/drawingml/2006/main" xmlns:r="http://schemas.openxmlformats.org/officeDocument/2006/relationships" xmlns:p="http://schemas.openxmlformats.org/presentationml/2006/main">
+  <p:cSld>
+    <p:bg>
+      <p:bgRef idx="1001">
+        <a:schemeClr val="bg1"/>
+      </p:bgRef>
+    </p:bg>
+    <p:spTree>
+      <p:nvGrpSpPr>
+        <p:cNvPr id="1" name=""/>
+        <p:cNvGrpSpPr/>
+        <p:nvPr/>
+      </p:nvGrpSpPr>
+      <p:grpSpPr>
+        <a:xfrm>
+          <a:off x="0" y="0"/>
+          <a:ext cx="0" cy="0"/>
+          <a:chOff x="0" y="0"/>
+          <a:chExt cx="0" cy="0"/>
+        </a:xfrm>
+      </p:grpSpPr>
+      <p:sp>
+        <p:nvSpPr>
+          <p:cNvPr id="2" name="ヘッダー プレースホルダー 1"/>
+          <p:cNvSpPr>
+            <a:spLocks noGrp="1"/>
+          </p:cNvSpPr>
+          <p:nvPr>
+            <p:ph type="hdr" sz="quarter"/>
+          </p:nvPr>
+        </p:nvSpPr>
+        <p:spPr>
+          <a:xfrm>
+            <a:off x="0" y="0"/>
+            <a:ext cx="2971800" cy="458788"/>
+          </a:xfrm>
+          <a:prstGeom prst="rect">
+            <a:avLst/>
+          </a:prstGeom>
+        </p:spPr>
+        <p:txBody>
+          <a:bodyPr vert="horz" lIns="91440" tIns="45720" rIns="91440" bIns="45720" rtlCol="0"/>
+          <a:lstStyle>
+            <a:lvl1pPr algn="l">
+              <a:defRPr sz="1200"/>
+            </a:lvl1pPr>
+          </a:lstStyle>
+          <a:p>
+            <a:endParaRPr kumimoji="1" lang="ja-JP" altLang="en-US"/>
+          </a:p>
+        </p:txBody>
+      </p:sp>
+      <p:sp>
+        <p:nvSpPr>
+          <p:cNvPr id="3" name="日付プレースホルダー 2"/>
+          <p:cNvSpPr>
+            <a:spLocks noGrp="1"/>
+          </p:cNvSpPr>
+          <p:nvPr>
+            <p:ph type="dt" idx="1"/>
+          </p:nvPr>
+        </p:nvSpPr>
+        <p:spPr>
+          <a:xfrm>
+            <a:off x="3884613" y="0"/>
+            <a:ext cx="2971800" cy="458788"/>
+          </a:xfrm>
+          <a:prstGeom prst="rect">
+            <a:avLst/>
+          </a:prstGeom>
+        </p:spPr>
+        <p:txBody>
+          <a:bodyPr vert="horz" lIns="91440" tIns="45720" rIns="91440" bIns="45720" rtlCol="0"/>
+          <a:lstStyle>
+            <a:lvl1pPr algn="r">
+              <a:defRPr sz="1200"/>
+            </a:lvl1pPr>
+          </a:lstStyle>
+          <a:p>
+            <a:fld id="{B15ACF1A-C72A-47D1-A6AC-7756B8413643}" type="datetimeFigureOut">
+              <a:rPr kumimoji="1" lang="ja-JP" altLang="en-US" smtClean="0"/>
+              <a:t>2017/8/13</a:t>
+            </a:fld>
+            <a:endParaRPr kumimoji="1" lang="ja-JP" altLang="en-US"/>
+          </a:p>
+        </p:txBody>
+      </p:sp>
+      <p:sp>
+        <p:nvSpPr>
+          <p:cNvPr id="4" name="スライド イメージ プレースホルダー 3"/>
+          <p:cNvSpPr>
+            <a:spLocks noGrp="1" noRot="1" noChangeAspect="1"/>
+          </p:cNvSpPr>
+          <p:nvPr>
+            <p:ph type="sldImg" idx="2"/>
+          </p:nvPr>
+        </p:nvSpPr>
+        <p:spPr>
+          <a:xfrm>
+            <a:off x="685800" y="1143000"/>
+            <a:ext cx="5486400" cy="3086100"/>
+          </a:xfrm>
+          <a:prstGeom prst="rect">
+            <a:avLst/>
+          </a:prstGeom>
+          <a:noFill/>
+          <a:ln w="12700">
+            <a:solidFill>
+              <a:prstClr val="black"/>
+            </a:solidFill>
+          </a:ln>
+        </p:spPr>
+        <p:txBody>
+          <a:bodyPr vert="horz" lIns="91440" tIns="45720" rIns="91440" bIns="45720" rtlCol="0" anchor="ctr"/>
+          <a:lstStyle/>
+          <a:p>
+            <a:endParaRPr lang="ja-JP" altLang="en-US"/>
+          </a:p>
+        </p:txBody>
+      </p:sp>
+      <p:sp>
+        <p:nvSpPr>
+          <p:cNvPr id="5" name="ノート プレースホルダー 4"/>
+          <p:cNvSpPr>
+            <a:spLocks noGrp="1"/>
+          </p:cNvSpPr>
+          <p:nvPr>
+            <p:ph type="body" sz="quarter" idx="3"/>
+          </p:nvPr>
+        </p:nvSpPr>
+        <p:spPr>
+          <a:xfrm>
+            <a:off x="685800" y="4400550"/>
+            <a:ext cx="5486400" cy="3600450"/>
+          </a:xfrm>
+          <a:prstGeom prst="rect">
+            <a:avLst/>
+          </a:prstGeom>
+        </p:spPr>
+        <p:txBody>
+          <a:bodyPr vert="horz" lIns="91440" tIns="45720" rIns="91440" bIns="45720" rtlCol="0"/>
+          <a:lstStyle/>
+          <a:p>
+            <a:pPr lvl="0"/>
+            <a:r>
+              <a:rPr kumimoji="1" lang="ja-JP" altLang="en-US"/>
+              <a:t>マスター テキストの書式設定</a:t>
+            </a:r>
+          </a:p>
+          <a:p>
+            <a:pPr lvl="1"/>
+            <a:r>
+              <a:rPr kumimoji="1" lang="ja-JP" altLang="en-US"/>
+              <a:t>第 </a:t>
+            </a:r>
+            <a:r>
+              <a:rPr kumimoji="1" lang="en-US" altLang="ja-JP"/>
+              <a:t>2 </a:t>
+            </a:r>
+            <a:r>
+              <a:rPr kumimoji="1" lang="ja-JP" altLang="en-US"/>
+              <a:t>レベル</a:t>
+            </a:r>
+          </a:p>
+          <a:p>
+            <a:pPr lvl="2"/>
+            <a:r>
+              <a:rPr kumimoji="1" lang="ja-JP" altLang="en-US"/>
+              <a:t>第 </a:t>
+            </a:r>
+            <a:r>
+              <a:rPr kumimoji="1" lang="en-US" altLang="ja-JP"/>
+              <a:t>3 </a:t>
+            </a:r>
+            <a:r>
+              <a:rPr kumimoji="1" lang="ja-JP" altLang="en-US"/>
+              <a:t>レベル</a:t>
+            </a:r>
+          </a:p>
+          <a:p>
+            <a:pPr lvl="3"/>
+            <a:r>
+              <a:rPr kumimoji="1" lang="ja-JP" altLang="en-US"/>
+              <a:t>第 </a:t>
+            </a:r>
+            <a:r>
+              <a:rPr kumimoji="1" lang="en-US" altLang="ja-JP"/>
+              <a:t>4 </a:t>
+            </a:r>
+            <a:r>
+              <a:rPr kumimoji="1" lang="ja-JP" altLang="en-US"/>
+              <a:t>レベル</a:t>
+            </a:r>
+          </a:p>
+          <a:p>
+            <a:pPr lvl="4"/>
+            <a:r>
+              <a:rPr kumimoji="1" lang="ja-JP" altLang="en-US"/>
+              <a:t>第 </a:t>
+            </a:r>
+            <a:r>
+              <a:rPr kumimoji="1" lang="en-US" altLang="ja-JP"/>
+              <a:t>5 </a:t>
+            </a:r>
+            <a:r>
+              <a:rPr kumimoji="1" lang="ja-JP" altLang="en-US"/>
+              <a:t>レベル</a:t>
+            </a:r>
+          </a:p>
+        </p:txBody>
+      </p:sp>
+      <p:sp>
+        <p:nvSpPr>
+          <p:cNvPr id="6" name="フッター プレースホルダー 5"/>
+          <p:cNvSpPr>
+            <a:spLocks noGrp="1"/>
+          </p:cNvSpPr>
+          <p:nvPr>
+            <p:ph type="ftr" sz="quarter" idx="4"/>
+          </p:nvPr>
+        </p:nvSpPr>
+        <p:spPr>
+          <a:xfrm>
+            <a:off x="0" y="8685213"/>
+            <a:ext cx="2971800" cy="458787"/>
+          </a:xfrm>
+          <a:prstGeom prst="rect">
+            <a:avLst/>
+          </a:prstGeom>
+        </p:spPr>
+        <p:txBody>
+          <a:bodyPr vert="horz" lIns="91440" tIns="45720" rIns="91440" bIns="45720" rtlCol="0" anchor="b"/>
+          <a:lstStyle>
+            <a:lvl1pPr algn="l">
+              <a:defRPr sz="1200"/>
+            </a:lvl1pPr>
+          </a:lstStyle>
+          <a:p>
+            <a:endParaRPr kumimoji="1" lang="ja-JP" altLang="en-US"/>
+          </a:p>
+        </p:txBody>
+      </p:sp>
+      <p:sp>
+        <p:nvSpPr>
+          <p:cNvPr id="7" name="スライド番号プレースホルダー 6"/>
+          <p:cNvSpPr>
+            <a:spLocks noGrp="1"/>
+          </p:cNvSpPr>
+          <p:nvPr>
+            <p:ph type="sldNum" sz="quarter" idx="5"/>
+          </p:nvPr>
+        </p:nvSpPr>
+        <p:spPr>
+          <a:xfrm>
+            <a:off x="3884613" y="8685213"/>
+            <a:ext cx="2971800" cy="458787"/>
+          </a:xfrm>
+          <a:prstGeom prst="rect">
+            <a:avLst/>
+          </a:prstGeom>
+        </p:spPr>
+        <p:txBody>
+          <a:bodyPr vert="horz" lIns="91440" tIns="45720" rIns="91440" bIns="45720" rtlCol="0" anchor="b"/>
+          <a:lstStyle>
+            <a:lvl1pPr algn="r">
+              <a:defRPr sz="1200"/>
+            </a:lvl1pPr>
+          </a:lstStyle>
+          <a:p>
+            <a:fld id="{EF3C337F-3300-43CF-974E-CB8A2DBD4C17}" type="slidenum">
+              <a:rPr kumimoji="1" lang="ja-JP" altLang="en-US" smtClean="0"/>
+              <a:t>‹#›</a:t>
+            </a:fld>
+            <a:endParaRPr kumimoji="1" lang="ja-JP" altLang="en-US"/>
+          </a:p>
+        </p:txBody>
+      </p:sp>
+    </p:spTree>
+    <p:extLst>
+      <p:ext uri="{BB962C8B-B14F-4D97-AF65-F5344CB8AC3E}">
+        <p14:creationId xmlns:p14="http://schemas.microsoft.com/office/powerpoint/2010/main" val="757405669"/>
+      </p:ext>
+    </p:extLst>
+  </p:cSld>
+  <p:clrMap bg1="lt1" tx1="dk1" bg2="lt2" tx2="dk2" accent1="accent1" accent2="accent2" accent3="accent3" accent4="accent4" accent5="accent5" accent6="accent6" hlink="hlink" folHlink="folHlink"/>
+  <p:notesStyle>
+    <a:lvl1pPr marL="0" algn="l" defTabSz="914400" rtl="0" eaLnBrk="1" latinLnBrk="0" hangingPunct="1">
+      <a:defRPr kumimoji="1" sz="1200" kern="1200">
+        <a:solidFill>
+          <a:schemeClr val="tx1"/>
+        </a:solidFill>
+        <a:latin typeface="+mn-lt"/>
+        <a:ea typeface="+mn-ea"/>
+        <a:cs typeface="+mn-cs"/>
+      </a:defRPr>
+    </a:lvl1pPr>
+    <a:lvl2pPr marL="457200" algn="l" defTabSz="914400" rtl="0" eaLnBrk="1" latinLnBrk="0" hangingPunct="1">
+      <a:defRPr kumimoji="1" sz="1200" kern="1200">
+        <a:solidFill>
+          <a:schemeClr val="tx1"/>
+        </a:solidFill>
+        <a:latin typeface="+mn-lt"/>
+        <a:ea typeface="+mn-ea"/>
+        <a:cs typeface="+mn-cs"/>
+      </a:defRPr>
+    </a:lvl2pPr>
+    <a:lvl3pPr marL="914400" algn="l" defTabSz="914400" rtl="0" eaLnBrk="1" latinLnBrk="0" hangingPunct="1">
+      <a:defRPr kumimoji="1" sz="1200" kern="1200">
+        <a:solidFill>
+          <a:schemeClr val="tx1"/>
+        </a:solidFill>
+        <a:latin typeface="+mn-lt"/>
+        <a:ea typeface="+mn-ea"/>
+        <a:cs typeface="+mn-cs"/>
+      </a:defRPr>
+    </a:lvl3pPr>
+    <a:lvl4pPr marL="1371600" algn="l" defTabSz="914400" rtl="0" eaLnBrk="1" latinLnBrk="0" hangingPunct="1">
+      <a:defRPr kumimoji="1" sz="1200" kern="1200">
+        <a:solidFill>
+          <a:schemeClr val="tx1"/>
+        </a:solidFill>
+        <a:latin typeface="+mn-lt"/>
+        <a:ea typeface="+mn-ea"/>
+        <a:cs typeface="+mn-cs"/>
+      </a:defRPr>
+    </a:lvl4pPr>
+    <a:lvl5pPr marL="1828800" algn="l" defTabSz="914400" rtl="0" eaLnBrk="1" latinLnBrk="0" hangingPunct="1">
+      <a:defRPr kumimoji="1" sz="1200" kern="1200">
+        <a:solidFill>
+          <a:schemeClr val="tx1"/>
+        </a:solidFill>
+        <a:latin typeface="+mn-lt"/>
+        <a:ea typeface="+mn-ea"/>
+        <a:cs typeface="+mn-cs"/>
+      </a:defRPr>
+    </a:lvl5pPr>
+    <a:lvl6pPr marL="2286000" algn="l" defTabSz="914400" rtl="0" eaLnBrk="1" latinLnBrk="0" hangingPunct="1">
+      <a:defRPr kumimoji="1" sz="1200" kern="1200">
+        <a:solidFill>
+          <a:schemeClr val="tx1"/>
+        </a:solidFill>
+        <a:latin typeface="+mn-lt"/>
+        <a:ea typeface="+mn-ea"/>
+        <a:cs typeface="+mn-cs"/>
+      </a:defRPr>
+    </a:lvl6pPr>
+    <a:lvl7pPr marL="2743200" algn="l" defTabSz="914400" rtl="0" eaLnBrk="1" latinLnBrk="0" hangingPunct="1">
+      <a:defRPr kumimoji="1" sz="1200" kern="1200">
+        <a:solidFill>
+          <a:schemeClr val="tx1"/>
+        </a:solidFill>
+        <a:latin typeface="+mn-lt"/>
+        <a:ea typeface="+mn-ea"/>
+        <a:cs typeface="+mn-cs"/>
+      </a:defRPr>
+    </a:lvl7pPr>
+    <a:lvl8pPr marL="3200400" algn="l" defTabSz="914400" rtl="0" eaLnBrk="1" latinLnBrk="0" hangingPunct="1">
+      <a:defRPr kumimoji="1" sz="1200" kern="1200">
+        <a:solidFill>
+          <a:schemeClr val="tx1"/>
+        </a:solidFill>
+        <a:latin typeface="+mn-lt"/>
+        <a:ea typeface="+mn-ea"/>
+        <a:cs typeface="+mn-cs"/>
+      </a:defRPr>
+    </a:lvl8pPr>
+    <a:lvl9pPr marL="3657600" algn="l" defTabSz="914400" rtl="0" eaLnBrk="1" latinLnBrk="0" hangingPunct="1">
+      <a:defRPr kumimoji="1" sz="1200" kern="1200">
+        <a:solidFill>
+          <a:schemeClr val="tx1"/>
+        </a:solidFill>
+        <a:latin typeface="+mn-lt"/>
+        <a:ea typeface="+mn-ea"/>
+        <a:cs typeface="+mn-cs"/>
+      </a:defRPr>
+    </a:lvl9pPr>
+  </p:notesStyle>
+</p:notesMaster>
+</file>
+
 <file path=ppt/slideLayouts/slideLayout1.xml><?xml version="1.0" encoding="utf-8"?>
 <p:sldLayout xmlns:a="http://schemas.openxmlformats.org/drawingml/2006/main" xmlns:r="http://schemas.openxmlformats.org/officeDocument/2006/relationships" xmlns:p="http://schemas.openxmlformats.org/presentationml/2006/main" type="title" preserve="1">
   <p:cSld name="タイトル スライド">
@@ -263,7 +650,7 @@
           <a:p>
             <a:fld id="{BFC482EF-C22B-45D2-953C-CE8B08414BAC}" type="datetimeFigureOut">
               <a:rPr kumimoji="1" lang="ja-JP" altLang="en-US" smtClean="0"/>
-              <a:t>2017/8/6</a:t>
+              <a:t>2017/8/13</a:t>
             </a:fld>
             <a:endParaRPr kumimoji="1" lang="ja-JP" altLang="en-US"/>
           </a:p>
@@ -493,7 +880,7 @@
           <a:p>
             <a:fld id="{BFC482EF-C22B-45D2-953C-CE8B08414BAC}" type="datetimeFigureOut">
               <a:rPr kumimoji="1" lang="ja-JP" altLang="en-US" smtClean="0"/>
-              <a:t>2017/8/6</a:t>
+              <a:t>2017/8/13</a:t>
             </a:fld>
             <a:endParaRPr kumimoji="1" lang="ja-JP" altLang="en-US"/>
           </a:p>
@@ -733,7 +1120,7 @@
           <a:p>
             <a:fld id="{BFC482EF-C22B-45D2-953C-CE8B08414BAC}" type="datetimeFigureOut">
               <a:rPr kumimoji="1" lang="ja-JP" altLang="en-US" smtClean="0"/>
-              <a:t>2017/8/6</a:t>
+              <a:t>2017/8/13</a:t>
             </a:fld>
             <a:endParaRPr kumimoji="1" lang="ja-JP" altLang="en-US"/>
           </a:p>
@@ -963,7 +1350,7 @@
           <a:p>
             <a:fld id="{BFC482EF-C22B-45D2-953C-CE8B08414BAC}" type="datetimeFigureOut">
               <a:rPr kumimoji="1" lang="ja-JP" altLang="en-US" smtClean="0"/>
-              <a:t>2017/8/6</a:t>
+              <a:t>2017/8/13</a:t>
             </a:fld>
             <a:endParaRPr kumimoji="1" lang="ja-JP" altLang="en-US"/>
           </a:p>
@@ -1238,7 +1625,7 @@
           <a:p>
             <a:fld id="{BFC482EF-C22B-45D2-953C-CE8B08414BAC}" type="datetimeFigureOut">
               <a:rPr kumimoji="1" lang="ja-JP" altLang="en-US" smtClean="0"/>
-              <a:t>2017/8/6</a:t>
+              <a:t>2017/8/13</a:t>
             </a:fld>
             <a:endParaRPr kumimoji="1" lang="ja-JP" altLang="en-US"/>
           </a:p>
@@ -1567,7 +1954,7 @@
           <a:p>
             <a:fld id="{BFC482EF-C22B-45D2-953C-CE8B08414BAC}" type="datetimeFigureOut">
               <a:rPr kumimoji="1" lang="ja-JP" altLang="en-US" smtClean="0"/>
-              <a:t>2017/8/6</a:t>
+              <a:t>2017/8/13</a:t>
             </a:fld>
             <a:endParaRPr kumimoji="1" lang="ja-JP" altLang="en-US"/>
           </a:p>
@@ -2043,7 +2430,7 @@
           <a:p>
             <a:fld id="{BFC482EF-C22B-45D2-953C-CE8B08414BAC}" type="datetimeFigureOut">
               <a:rPr kumimoji="1" lang="ja-JP" altLang="en-US" smtClean="0"/>
-              <a:t>2017/8/6</a:t>
+              <a:t>2017/8/13</a:t>
             </a:fld>
             <a:endParaRPr kumimoji="1" lang="ja-JP" altLang="en-US"/>
           </a:p>
@@ -2184,7 +2571,7 @@
           <a:p>
             <a:fld id="{BFC482EF-C22B-45D2-953C-CE8B08414BAC}" type="datetimeFigureOut">
               <a:rPr kumimoji="1" lang="ja-JP" altLang="en-US" smtClean="0"/>
-              <a:t>2017/8/6</a:t>
+              <a:t>2017/8/13</a:t>
             </a:fld>
             <a:endParaRPr kumimoji="1" lang="ja-JP" altLang="en-US"/>
           </a:p>
@@ -2297,7 +2684,7 @@
           <a:p>
             <a:fld id="{BFC482EF-C22B-45D2-953C-CE8B08414BAC}" type="datetimeFigureOut">
               <a:rPr kumimoji="1" lang="ja-JP" altLang="en-US" smtClean="0"/>
-              <a:t>2017/8/6</a:t>
+              <a:t>2017/8/13</a:t>
             </a:fld>
             <a:endParaRPr kumimoji="1" lang="ja-JP" altLang="en-US"/>
           </a:p>
@@ -2640,7 +3027,7 @@
           <a:p>
             <a:fld id="{BFC482EF-C22B-45D2-953C-CE8B08414BAC}" type="datetimeFigureOut">
               <a:rPr kumimoji="1" lang="ja-JP" altLang="en-US" smtClean="0"/>
-              <a:t>2017/8/6</a:t>
+              <a:t>2017/8/13</a:t>
             </a:fld>
             <a:endParaRPr kumimoji="1" lang="ja-JP" altLang="en-US"/>
           </a:p>
@@ -2928,7 +3315,7 @@
           <a:p>
             <a:fld id="{BFC482EF-C22B-45D2-953C-CE8B08414BAC}" type="datetimeFigureOut">
               <a:rPr kumimoji="1" lang="ja-JP" altLang="en-US" smtClean="0"/>
-              <a:t>2017/8/6</a:t>
+              <a:t>2017/8/13</a:t>
             </a:fld>
             <a:endParaRPr kumimoji="1" lang="ja-JP" altLang="en-US"/>
           </a:p>
@@ -3201,7 +3588,7 @@
           <a:p>
             <a:fld id="{BFC482EF-C22B-45D2-953C-CE8B08414BAC}" type="datetimeFigureOut">
               <a:rPr kumimoji="1" lang="ja-JP" altLang="en-US" smtClean="0"/>
-              <a:t>2017/8/6</a:t>
+              <a:t>2017/8/13</a:t>
             </a:fld>
             <a:endParaRPr kumimoji="1" lang="ja-JP" altLang="en-US"/>
           </a:p>
@@ -3935,6 +4322,9 @@
                 <a:solidFill>
                   <a:srgbClr val="002060"/>
                 </a:solidFill>
+                <a:latin typeface="M+ 1c light" panose="020B0403020204020204" pitchFamily="50" charset="-128"/>
+                <a:ea typeface="M+ 1c light" panose="020B0403020204020204" pitchFamily="50" charset="-128"/>
+                <a:cs typeface="M+ 1c light" panose="020B0403020204020204" pitchFamily="50" charset="-128"/>
               </a:rPr>
               <a:t>・</a:t>
             </a:r>
@@ -3942,6 +4332,9 @@
               <a:solidFill>
                 <a:srgbClr val="002060"/>
               </a:solidFill>
+              <a:latin typeface="M+ 1c light" panose="020B0403020204020204" pitchFamily="50" charset="-128"/>
+              <a:ea typeface="M+ 1c light" panose="020B0403020204020204" pitchFamily="50" charset="-128"/>
+              <a:cs typeface="M+ 1c light" panose="020B0403020204020204" pitchFamily="50" charset="-128"/>
             </a:endParaRPr>
           </a:p>
           <a:p>
@@ -3950,6 +4343,9 @@
                 <a:solidFill>
                   <a:srgbClr val="002060"/>
                 </a:solidFill>
+                <a:latin typeface="M+ 1c light" panose="020B0403020204020204" pitchFamily="50" charset="-128"/>
+                <a:ea typeface="M+ 1c light" panose="020B0403020204020204" pitchFamily="50" charset="-128"/>
+                <a:cs typeface="M+ 1c light" panose="020B0403020204020204" pitchFamily="50" charset="-128"/>
               </a:rPr>
               <a:t>・</a:t>
             </a:r>
@@ -3957,6 +4353,9 @@
               <a:solidFill>
                 <a:srgbClr val="002060"/>
               </a:solidFill>
+              <a:latin typeface="M+ 1c light" panose="020B0403020204020204" pitchFamily="50" charset="-128"/>
+              <a:ea typeface="M+ 1c light" panose="020B0403020204020204" pitchFamily="50" charset="-128"/>
+              <a:cs typeface="M+ 1c light" panose="020B0403020204020204" pitchFamily="50" charset="-128"/>
             </a:endParaRPr>
           </a:p>
           <a:p>
@@ -3965,6 +4364,9 @@
                 <a:solidFill>
                   <a:srgbClr val="002060"/>
                 </a:solidFill>
+                <a:latin typeface="M+ 1c light" panose="020B0403020204020204" pitchFamily="50" charset="-128"/>
+                <a:ea typeface="M+ 1c light" panose="020B0403020204020204" pitchFamily="50" charset="-128"/>
+                <a:cs typeface="M+ 1c light" panose="020B0403020204020204" pitchFamily="50" charset="-128"/>
               </a:rPr>
               <a:t>・</a:t>
             </a:r>
@@ -3972,6 +4374,9 @@
               <a:solidFill>
                 <a:srgbClr val="002060"/>
               </a:solidFill>
+              <a:latin typeface="M+ 1c light" panose="020B0403020204020204" pitchFamily="50" charset="-128"/>
+              <a:ea typeface="M+ 1c light" panose="020B0403020204020204" pitchFamily="50" charset="-128"/>
+              <a:cs typeface="M+ 1c light" panose="020B0403020204020204" pitchFamily="50" charset="-128"/>
             </a:endParaRPr>
           </a:p>
         </p:txBody>
@@ -4232,6 +4637,9 @@
                   <a:solidFill>
                     <a:srgbClr val="002060"/>
                   </a:solidFill>
+                  <a:latin typeface="M+ 1c light" panose="020B0403020204020204" pitchFamily="50" charset="-128"/>
+                  <a:ea typeface="M+ 1c light" panose="020B0403020204020204" pitchFamily="50" charset="-128"/>
+                  <a:cs typeface="M+ 1c light" panose="020B0403020204020204" pitchFamily="50" charset="-128"/>
                 </a:rPr>
                 <a:t>Bind &amp; Call</a:t>
               </a:r>
@@ -4239,6 +4647,9 @@
                 <a:solidFill>
                   <a:srgbClr val="002060"/>
                 </a:solidFill>
+                <a:latin typeface="M+ 1c light" panose="020B0403020204020204" pitchFamily="50" charset="-128"/>
+                <a:ea typeface="M+ 1c light" panose="020B0403020204020204" pitchFamily="50" charset="-128"/>
+                <a:cs typeface="M+ 1c light" panose="020B0403020204020204" pitchFamily="50" charset="-128"/>
               </a:endParaRPr>
             </a:p>
           </p:txBody>
@@ -4339,6 +4750,9 @@
                   <a:solidFill>
                     <a:srgbClr val="002060"/>
                   </a:solidFill>
+                  <a:latin typeface="M+ 1c light" panose="020B0403020204020204" pitchFamily="50" charset="-128"/>
+                  <a:ea typeface="M+ 1c light" panose="020B0403020204020204" pitchFamily="50" charset="-128"/>
+                  <a:cs typeface="M+ 1c light" panose="020B0403020204020204" pitchFamily="50" charset="-128"/>
                 </a:rPr>
                 <a:t>Bind &amp; Call</a:t>
               </a:r>
@@ -4346,6 +4760,9 @@
                 <a:solidFill>
                   <a:srgbClr val="002060"/>
                 </a:solidFill>
+                <a:latin typeface="M+ 1c light" panose="020B0403020204020204" pitchFamily="50" charset="-128"/>
+                <a:ea typeface="M+ 1c light" panose="020B0403020204020204" pitchFamily="50" charset="-128"/>
+                <a:cs typeface="M+ 1c light" panose="020B0403020204020204" pitchFamily="50" charset="-128"/>
               </a:endParaRPr>
             </a:p>
           </p:txBody>
@@ -4365,10 +4782,10 @@
         </p:nvGrpSpPr>
         <p:grpSpPr>
           <a:xfrm>
-            <a:off x="7549391" y="1653370"/>
-            <a:ext cx="1428596" cy="338554"/>
-            <a:chOff x="3410528" y="1653370"/>
-            <a:chExt cx="1428596" cy="338554"/>
+            <a:off x="7539773" y="1653370"/>
+            <a:ext cx="1447832" cy="338554"/>
+            <a:chOff x="3400910" y="1653370"/>
+            <a:chExt cx="1447832" cy="338554"/>
           </a:xfrm>
         </p:grpSpPr>
         <p:cxnSp>
@@ -4426,8 +4843,8 @@
           </p:nvSpPr>
           <p:spPr>
             <a:xfrm>
-              <a:off x="3410528" y="1653370"/>
-              <a:ext cx="1428596" cy="338554"/>
+              <a:off x="3400910" y="1653370"/>
+              <a:ext cx="1447832" cy="338554"/>
             </a:xfrm>
             <a:prstGeom prst="rect">
               <a:avLst/>
@@ -4446,6 +4863,9 @@
                   <a:solidFill>
                     <a:srgbClr val="002060"/>
                   </a:solidFill>
+                  <a:latin typeface="M+ 1c light" panose="020B0403020204020204" pitchFamily="50" charset="-128"/>
+                  <a:ea typeface="M+ 1c light" panose="020B0403020204020204" pitchFamily="50" charset="-128"/>
+                  <a:cs typeface="M+ 1c light" panose="020B0403020204020204" pitchFamily="50" charset="-128"/>
                 </a:rPr>
                 <a:t>Attach &amp; Call</a:t>
               </a:r>
@@ -4453,6 +4873,9 @@
                 <a:solidFill>
                   <a:srgbClr val="002060"/>
                 </a:solidFill>
+                <a:latin typeface="M+ 1c light" panose="020B0403020204020204" pitchFamily="50" charset="-128"/>
+                <a:ea typeface="M+ 1c light" panose="020B0403020204020204" pitchFamily="50" charset="-128"/>
+                <a:cs typeface="M+ 1c light" panose="020B0403020204020204" pitchFamily="50" charset="-128"/>
               </a:endParaRPr>
             </a:p>
           </p:txBody>
@@ -4472,10 +4895,10 @@
         </p:nvGrpSpPr>
         <p:grpSpPr>
           <a:xfrm>
-            <a:off x="7549390" y="3063660"/>
-            <a:ext cx="1428596" cy="338554"/>
-            <a:chOff x="3410528" y="1653370"/>
-            <a:chExt cx="1428596" cy="338554"/>
+            <a:off x="7539772" y="3063660"/>
+            <a:ext cx="1447832" cy="338554"/>
+            <a:chOff x="3400910" y="1653370"/>
+            <a:chExt cx="1447832" cy="338554"/>
           </a:xfrm>
         </p:grpSpPr>
         <p:cxnSp>
@@ -4533,8 +4956,8 @@
           </p:nvSpPr>
           <p:spPr>
             <a:xfrm>
-              <a:off x="3410528" y="1653370"/>
-              <a:ext cx="1428596" cy="338554"/>
+              <a:off x="3400910" y="1653370"/>
+              <a:ext cx="1447832" cy="338554"/>
             </a:xfrm>
             <a:prstGeom prst="rect">
               <a:avLst/>
@@ -4553,6 +4976,9 @@
                   <a:solidFill>
                     <a:srgbClr val="002060"/>
                   </a:solidFill>
+                  <a:latin typeface="M+ 1c light" panose="020B0403020204020204" pitchFamily="50" charset="-128"/>
+                  <a:ea typeface="M+ 1c light" panose="020B0403020204020204" pitchFamily="50" charset="-128"/>
+                  <a:cs typeface="M+ 1c light" panose="020B0403020204020204" pitchFamily="50" charset="-128"/>
                 </a:rPr>
                 <a:t>Attach &amp; Call</a:t>
               </a:r>
@@ -4560,6 +4986,9 @@
                 <a:solidFill>
                   <a:srgbClr val="002060"/>
                 </a:solidFill>
+                <a:latin typeface="M+ 1c light" panose="020B0403020204020204" pitchFamily="50" charset="-128"/>
+                <a:ea typeface="M+ 1c light" panose="020B0403020204020204" pitchFamily="50" charset="-128"/>
+                <a:cs typeface="M+ 1c light" panose="020B0403020204020204" pitchFamily="50" charset="-128"/>
               </a:endParaRPr>
             </a:p>
           </p:txBody>
@@ -4642,6 +5071,9 @@
                 <a:solidFill>
                   <a:srgbClr val="002060"/>
                 </a:solidFill>
+                <a:latin typeface="M+ 1c light" panose="020B0403020204020204" pitchFamily="50" charset="-128"/>
+                <a:ea typeface="M+ 1c light" panose="020B0403020204020204" pitchFamily="50" charset="-128"/>
+                <a:cs typeface="M+ 1c light" panose="020B0403020204020204" pitchFamily="50" charset="-128"/>
               </a:rPr>
               <a:t>Call</a:t>
             </a:r>
@@ -4649,6 +5081,9 @@
               <a:solidFill>
                 <a:srgbClr val="002060"/>
               </a:solidFill>
+              <a:latin typeface="M+ 1c light" panose="020B0403020204020204" pitchFamily="50" charset="-128"/>
+              <a:ea typeface="M+ 1c light" panose="020B0403020204020204" pitchFamily="50" charset="-128"/>
+              <a:cs typeface="M+ 1c light" panose="020B0403020204020204" pitchFamily="50" charset="-128"/>
             </a:endParaRPr>
           </a:p>
         </p:txBody>
@@ -4799,6 +5234,7637 @@
     <p:extLst>
       <p:ext uri="{BB962C8B-B14F-4D97-AF65-F5344CB8AC3E}">
         <p14:creationId xmlns:p14="http://schemas.microsoft.com/office/powerpoint/2010/main" val="1860715735"/>
+      </p:ext>
+    </p:extLst>
+  </p:cSld>
+  <p:clrMapOvr>
+    <a:masterClrMapping/>
+  </p:clrMapOvr>
+</p:sld>
+</file>
+
+<file path=ppt/slides/slide2.xml><?xml version="1.0" encoding="utf-8"?>
+<p:sld xmlns:a="http://schemas.openxmlformats.org/drawingml/2006/main" xmlns:r="http://schemas.openxmlformats.org/officeDocument/2006/relationships" xmlns:p="http://schemas.openxmlformats.org/presentationml/2006/main">
+  <p:cSld>
+    <p:spTree>
+      <p:nvGrpSpPr>
+        <p:cNvPr id="1" name=""/>
+        <p:cNvGrpSpPr/>
+        <p:nvPr/>
+      </p:nvGrpSpPr>
+      <p:grpSpPr>
+        <a:xfrm>
+          <a:off x="0" y="0"/>
+          <a:ext cx="0" cy="0"/>
+          <a:chOff x="0" y="0"/>
+          <a:chExt cx="0" cy="0"/>
+        </a:xfrm>
+      </p:grpSpPr>
+      <p:sp>
+        <p:nvSpPr>
+          <p:cNvPr id="26" name="正方形/長方形 25">
+            <a:extLst>
+              <a:ext uri="{FF2B5EF4-FFF2-40B4-BE49-F238E27FC236}">
+                <a16:creationId xmlns:a16="http://schemas.microsoft.com/office/drawing/2014/main" id="{91A7D5FE-1977-42E9-8A82-84E56426F230}"/>
+              </a:ext>
+            </a:extLst>
+          </p:cNvPr>
+          <p:cNvSpPr/>
+          <p:nvPr/>
+        </p:nvSpPr>
+        <p:spPr>
+          <a:xfrm>
+            <a:off x="3093622" y="959305"/>
+            <a:ext cx="2802355" cy="4490287"/>
+          </a:xfrm>
+          <a:prstGeom prst="rect">
+            <a:avLst/>
+          </a:prstGeom>
+          <a:noFill/>
+          <a:ln w="6350">
+            <a:solidFill>
+              <a:schemeClr val="tx1"/>
+            </a:solidFill>
+            <a:prstDash val="dash"/>
+          </a:ln>
+        </p:spPr>
+        <p:style>
+          <a:lnRef idx="2">
+            <a:schemeClr val="accent1">
+              <a:shade val="50000"/>
+            </a:schemeClr>
+          </a:lnRef>
+          <a:fillRef idx="1">
+            <a:schemeClr val="accent1"/>
+          </a:fillRef>
+          <a:effectRef idx="0">
+            <a:schemeClr val="accent1"/>
+          </a:effectRef>
+          <a:fontRef idx="minor">
+            <a:schemeClr val="lt1"/>
+          </a:fontRef>
+        </p:style>
+        <p:txBody>
+          <a:bodyPr rtlCol="0" anchor="t"/>
+          <a:lstStyle/>
+          <a:p>
+            <a:pPr algn="ctr"/>
+            <a:r>
+              <a:rPr lang="en-US" altLang="ja-JP" dirty="0">
+                <a:solidFill>
+                  <a:schemeClr val="tx1"/>
+                </a:solidFill>
+                <a:latin typeface="M+ 1c light" panose="020B0403020204020204" pitchFamily="50" charset="-128"/>
+                <a:ea typeface="M+ 1c light" panose="020B0403020204020204" pitchFamily="50" charset="-128"/>
+                <a:cs typeface="M+ 1c light" panose="020B0403020204020204" pitchFamily="50" charset="-128"/>
+              </a:rPr>
+              <a:t>Forward Navigation</a:t>
+            </a:r>
+            <a:endParaRPr kumimoji="1" lang="ja-JP" altLang="en-US" dirty="0">
+              <a:solidFill>
+                <a:schemeClr val="tx1"/>
+              </a:solidFill>
+              <a:latin typeface="M+ 1c light" panose="020B0403020204020204" pitchFamily="50" charset="-128"/>
+              <a:ea typeface="M+ 1c light" panose="020B0403020204020204" pitchFamily="50" charset="-128"/>
+              <a:cs typeface="M+ 1c light" panose="020B0403020204020204" pitchFamily="50" charset="-128"/>
+            </a:endParaRPr>
+          </a:p>
+        </p:txBody>
+      </p:sp>
+      <p:grpSp>
+        <p:nvGrpSpPr>
+          <p:cNvPr id="37" name="グループ化 36">
+            <a:extLst>
+              <a:ext uri="{FF2B5EF4-FFF2-40B4-BE49-F238E27FC236}">
+                <a16:creationId xmlns:a16="http://schemas.microsoft.com/office/drawing/2014/main" id="{B5A5DDAB-098A-45BB-89DE-D5C0BF37A3F4}"/>
+              </a:ext>
+            </a:extLst>
+          </p:cNvPr>
+          <p:cNvGrpSpPr/>
+          <p:nvPr/>
+        </p:nvGrpSpPr>
+        <p:grpSpPr>
+          <a:xfrm>
+            <a:off x="3401969" y="3557376"/>
+            <a:ext cx="2204289" cy="1644314"/>
+            <a:chOff x="2094996" y="3457072"/>
+            <a:chExt cx="1887958" cy="1451812"/>
+          </a:xfrm>
+        </p:grpSpPr>
+        <p:sp>
+          <p:nvSpPr>
+            <p:cNvPr id="29" name="正方形/長方形 28">
+              <a:extLst>
+                <a:ext uri="{FF2B5EF4-FFF2-40B4-BE49-F238E27FC236}">
+                  <a16:creationId xmlns:a16="http://schemas.microsoft.com/office/drawing/2014/main" id="{64224B44-5198-4D88-9573-A9AA26F0206A}"/>
+                </a:ext>
+              </a:extLst>
+            </p:cNvPr>
+            <p:cNvSpPr/>
+            <p:nvPr/>
+          </p:nvSpPr>
+          <p:spPr>
+            <a:xfrm>
+              <a:off x="2094996" y="3457072"/>
+              <a:ext cx="1887958" cy="1451812"/>
+            </a:xfrm>
+            <a:prstGeom prst="rect">
+              <a:avLst/>
+            </a:prstGeom>
+            <a:noFill/>
+            <a:ln/>
+          </p:spPr>
+          <p:style>
+            <a:lnRef idx="2">
+              <a:schemeClr val="accent5"/>
+            </a:lnRef>
+            <a:fillRef idx="1">
+              <a:schemeClr val="lt1"/>
+            </a:fillRef>
+            <a:effectRef idx="0">
+              <a:schemeClr val="accent5"/>
+            </a:effectRef>
+            <a:fontRef idx="minor">
+              <a:schemeClr val="dk1"/>
+            </a:fontRef>
+          </p:style>
+          <p:txBody>
+            <a:bodyPr rtlCol="0" anchor="ctr"/>
+            <a:lstStyle/>
+            <a:p>
+              <a:pPr algn="ctr">
+                <a:lnSpc>
+                  <a:spcPct val="150000"/>
+                </a:lnSpc>
+              </a:pPr>
+              <a:r>
+                <a:rPr lang="en-US" altLang="ja-JP" sz="2400" dirty="0">
+                  <a:solidFill>
+                    <a:srgbClr val="002060"/>
+                  </a:solidFill>
+                  <a:latin typeface="M+ 1c light" panose="020B0403020204020204" pitchFamily="50" charset="-128"/>
+                  <a:ea typeface="M+ 1c light" panose="020B0403020204020204" pitchFamily="50" charset="-128"/>
+                  <a:cs typeface="M+ 1c light" panose="020B0403020204020204" pitchFamily="50" charset="-128"/>
+                </a:rPr>
+                <a:t>Page2</a:t>
+              </a:r>
+            </a:p>
+          </p:txBody>
+        </p:sp>
+        <p:sp>
+          <p:nvSpPr>
+            <p:cNvPr id="33" name="テキスト ボックス 32">
+              <a:extLst>
+                <a:ext uri="{FF2B5EF4-FFF2-40B4-BE49-F238E27FC236}">
+                  <a16:creationId xmlns:a16="http://schemas.microsoft.com/office/drawing/2014/main" id="{65A207C0-D1D2-4A82-B423-58FA80B0CC8C}"/>
+                </a:ext>
+              </a:extLst>
+            </p:cNvPr>
+            <p:cNvSpPr txBox="1"/>
+            <p:nvPr/>
+          </p:nvSpPr>
+          <p:spPr>
+            <a:xfrm>
+              <a:off x="2094996" y="3457072"/>
+              <a:ext cx="1370888" cy="738664"/>
+            </a:xfrm>
+            <a:prstGeom prst="rect">
+              <a:avLst/>
+            </a:prstGeom>
+            <a:noFill/>
+          </p:spPr>
+          <p:txBody>
+            <a:bodyPr wrap="none" rtlCol="0">
+              <a:spAutoFit/>
+            </a:bodyPr>
+            <a:lstStyle/>
+            <a:p>
+              <a:r>
+                <a:rPr lang="ja-JP" altLang="en-US" sz="1400" dirty="0">
+                  <a:solidFill>
+                    <a:srgbClr val="FF0000"/>
+                  </a:solidFill>
+                  <a:latin typeface="M+ 1c light" panose="020B0403020204020204" pitchFamily="50" charset="-128"/>
+                  <a:ea typeface="M+ 1c light" panose="020B0403020204020204" pitchFamily="50" charset="-128"/>
+                  <a:cs typeface="M+ 1c light" panose="020B0403020204020204" pitchFamily="50" charset="-128"/>
+                </a:rPr>
+                <a:t>① </a:t>
+              </a:r>
+              <a:r>
+                <a:rPr lang="en-US" altLang="ja-JP" sz="1400" dirty="0">
+                  <a:solidFill>
+                    <a:srgbClr val="FF0000"/>
+                  </a:solidFill>
+                  <a:latin typeface="M+ 1c light" panose="020B0403020204020204" pitchFamily="50" charset="-128"/>
+                  <a:ea typeface="M+ 1c light" panose="020B0403020204020204" pitchFamily="50" charset="-128"/>
+                  <a:cs typeface="M+ 1c light" panose="020B0403020204020204" pitchFamily="50" charset="-128"/>
+                </a:rPr>
+                <a:t>new</a:t>
+              </a:r>
+              <a:endParaRPr kumimoji="1" lang="en-US" altLang="ja-JP" sz="1400" dirty="0">
+                <a:solidFill>
+                  <a:srgbClr val="FF0000"/>
+                </a:solidFill>
+                <a:latin typeface="M+ 1c light" panose="020B0403020204020204" pitchFamily="50" charset="-128"/>
+                <a:ea typeface="M+ 1c light" panose="020B0403020204020204" pitchFamily="50" charset="-128"/>
+                <a:cs typeface="M+ 1c light" panose="020B0403020204020204" pitchFamily="50" charset="-128"/>
+              </a:endParaRPr>
+            </a:p>
+            <a:p>
+              <a:r>
+                <a:rPr kumimoji="1" lang="ja-JP" altLang="en-US" sz="1400" dirty="0">
+                  <a:solidFill>
+                    <a:srgbClr val="FF0000"/>
+                  </a:solidFill>
+                  <a:latin typeface="M+ 1c light" panose="020B0403020204020204" pitchFamily="50" charset="-128"/>
+                  <a:ea typeface="M+ 1c light" panose="020B0403020204020204" pitchFamily="50" charset="-128"/>
+                  <a:cs typeface="M+ 1c light" panose="020B0403020204020204" pitchFamily="50" charset="-128"/>
+                </a:rPr>
+                <a:t>② </a:t>
+              </a:r>
+              <a:r>
+                <a:rPr kumimoji="1" lang="en-US" altLang="ja-JP" sz="1400" dirty="0">
+                  <a:solidFill>
+                    <a:srgbClr val="FF0000"/>
+                  </a:solidFill>
+                  <a:latin typeface="M+ 1c light" panose="020B0403020204020204" pitchFamily="50" charset="-128"/>
+                  <a:ea typeface="M+ 1c light" panose="020B0403020204020204" pitchFamily="50" charset="-128"/>
+                  <a:cs typeface="M+ 1c light" panose="020B0403020204020204" pitchFamily="50" charset="-128"/>
+                </a:rPr>
+                <a:t>OnInitialize</a:t>
+              </a:r>
+            </a:p>
+            <a:p>
+              <a:r>
+                <a:rPr lang="ja-JP" altLang="en-US" sz="1400" dirty="0">
+                  <a:solidFill>
+                    <a:srgbClr val="FF0000"/>
+                  </a:solidFill>
+                  <a:latin typeface="M+ 1c light" panose="020B0403020204020204" pitchFamily="50" charset="-128"/>
+                  <a:ea typeface="M+ 1c light" panose="020B0403020204020204" pitchFamily="50" charset="-128"/>
+                  <a:cs typeface="M+ 1c light" panose="020B0403020204020204" pitchFamily="50" charset="-128"/>
+                </a:rPr>
+                <a:t>④ </a:t>
+              </a:r>
+              <a:r>
+                <a:rPr lang="en-US" altLang="ja-JP" sz="1400" dirty="0">
+                  <a:solidFill>
+                    <a:srgbClr val="FF0000"/>
+                  </a:solidFill>
+                  <a:latin typeface="M+ 1c light" panose="020B0403020204020204" pitchFamily="50" charset="-128"/>
+                  <a:ea typeface="M+ 1c light" panose="020B0403020204020204" pitchFamily="50" charset="-128"/>
+                  <a:cs typeface="M+ 1c light" panose="020B0403020204020204" pitchFamily="50" charset="-128"/>
+                </a:rPr>
+                <a:t>OnLoaded</a:t>
+              </a:r>
+              <a:endParaRPr kumimoji="1" lang="ja-JP" altLang="en-US" sz="1400" dirty="0">
+                <a:solidFill>
+                  <a:srgbClr val="FF0000"/>
+                </a:solidFill>
+                <a:latin typeface="M+ 1c light" panose="020B0403020204020204" pitchFamily="50" charset="-128"/>
+                <a:ea typeface="M+ 1c light" panose="020B0403020204020204" pitchFamily="50" charset="-128"/>
+                <a:cs typeface="M+ 1c light" panose="020B0403020204020204" pitchFamily="50" charset="-128"/>
+              </a:endParaRPr>
+            </a:p>
+          </p:txBody>
+        </p:sp>
+      </p:grpSp>
+      <p:cxnSp>
+        <p:nvCxnSpPr>
+          <p:cNvPr id="31" name="直線矢印コネクタ 30">
+            <a:extLst>
+              <a:ext uri="{FF2B5EF4-FFF2-40B4-BE49-F238E27FC236}">
+                <a16:creationId xmlns:a16="http://schemas.microsoft.com/office/drawing/2014/main" id="{68077DE2-2B30-4019-95A5-BAD7A2B494D5}"/>
+              </a:ext>
+            </a:extLst>
+          </p:cNvPr>
+          <p:cNvCxnSpPr>
+            <a:cxnSpLocks/>
+            <a:stCxn id="28" idx="2"/>
+            <a:endCxn id="29" idx="0"/>
+          </p:cNvCxnSpPr>
+          <p:nvPr/>
+        </p:nvCxnSpPr>
+        <p:spPr>
+          <a:xfrm>
+            <a:off x="4504114" y="3014199"/>
+            <a:ext cx="0" cy="543177"/>
+          </a:xfrm>
+          <a:prstGeom prst="straightConnector1">
+            <a:avLst/>
+          </a:prstGeom>
+          <a:ln w="9525">
+            <a:tailEnd type="triangle" w="lg" len="lg"/>
+          </a:ln>
+        </p:spPr>
+        <p:style>
+          <a:lnRef idx="1">
+            <a:schemeClr val="accent1"/>
+          </a:lnRef>
+          <a:fillRef idx="0">
+            <a:schemeClr val="accent1"/>
+          </a:fillRef>
+          <a:effectRef idx="0">
+            <a:schemeClr val="accent1"/>
+          </a:effectRef>
+          <a:fontRef idx="minor">
+            <a:schemeClr val="tx1"/>
+          </a:fontRef>
+        </p:style>
+      </p:cxnSp>
+      <p:sp>
+        <p:nvSpPr>
+          <p:cNvPr id="34" name="テキスト ボックス 33">
+            <a:extLst>
+              <a:ext uri="{FF2B5EF4-FFF2-40B4-BE49-F238E27FC236}">
+                <a16:creationId xmlns:a16="http://schemas.microsoft.com/office/drawing/2014/main" id="{52BCF789-D766-41EF-95C2-E7C6EDE6E0A6}"/>
+              </a:ext>
+            </a:extLst>
+          </p:cNvPr>
+          <p:cNvSpPr txBox="1"/>
+          <p:nvPr/>
+        </p:nvSpPr>
+        <p:spPr>
+          <a:xfrm>
+            <a:off x="4487407" y="3131899"/>
+            <a:ext cx="801823" cy="307777"/>
+          </a:xfrm>
+          <a:prstGeom prst="rect">
+            <a:avLst/>
+          </a:prstGeom>
+          <a:noFill/>
+        </p:spPr>
+        <p:txBody>
+          <a:bodyPr wrap="none" rtlCol="0">
+            <a:spAutoFit/>
+          </a:bodyPr>
+          <a:lstStyle/>
+          <a:p>
+            <a:r>
+              <a:rPr lang="ja-JP" altLang="en-US" sz="1400" dirty="0">
+                <a:solidFill>
+                  <a:srgbClr val="FF0000"/>
+                </a:solidFill>
+                <a:latin typeface="M+ 1c light" panose="020B0403020204020204" pitchFamily="50" charset="-128"/>
+                <a:ea typeface="M+ 1c light" panose="020B0403020204020204" pitchFamily="50" charset="-128"/>
+                <a:cs typeface="M+ 1c light" panose="020B0403020204020204" pitchFamily="50" charset="-128"/>
+              </a:rPr>
+              <a:t>③</a:t>
+            </a:r>
+            <a:r>
+              <a:rPr kumimoji="1" lang="ja-JP" altLang="en-US" sz="1400" dirty="0">
+                <a:solidFill>
+                  <a:srgbClr val="FF0000"/>
+                </a:solidFill>
+                <a:latin typeface="M+ 1c light" panose="020B0403020204020204" pitchFamily="50" charset="-128"/>
+                <a:ea typeface="M+ 1c light" panose="020B0403020204020204" pitchFamily="50" charset="-128"/>
+                <a:cs typeface="M+ 1c light" panose="020B0403020204020204" pitchFamily="50" charset="-128"/>
+              </a:rPr>
+              <a:t> </a:t>
+            </a:r>
+            <a:r>
+              <a:rPr kumimoji="1" lang="en-US" altLang="ja-JP" sz="1400" dirty="0">
+                <a:solidFill>
+                  <a:srgbClr val="FF0000"/>
+                </a:solidFill>
+                <a:latin typeface="M+ 1c light" panose="020B0403020204020204" pitchFamily="50" charset="-128"/>
+                <a:ea typeface="M+ 1c light" panose="020B0403020204020204" pitchFamily="50" charset="-128"/>
+                <a:cs typeface="M+ 1c light" panose="020B0403020204020204" pitchFamily="50" charset="-128"/>
+              </a:rPr>
+              <a:t>Push</a:t>
+            </a:r>
+            <a:endParaRPr kumimoji="1" lang="ja-JP" altLang="en-US" sz="1400" dirty="0">
+              <a:solidFill>
+                <a:srgbClr val="FF0000"/>
+              </a:solidFill>
+              <a:latin typeface="M+ 1c light" panose="020B0403020204020204" pitchFamily="50" charset="-128"/>
+              <a:ea typeface="M+ 1c light" panose="020B0403020204020204" pitchFamily="50" charset="-128"/>
+              <a:cs typeface="M+ 1c light" panose="020B0403020204020204" pitchFamily="50" charset="-128"/>
+            </a:endParaRPr>
+          </a:p>
+        </p:txBody>
+      </p:sp>
+      <p:grpSp>
+        <p:nvGrpSpPr>
+          <p:cNvPr id="38" name="グループ化 37">
+            <a:extLst>
+              <a:ext uri="{FF2B5EF4-FFF2-40B4-BE49-F238E27FC236}">
+                <a16:creationId xmlns:a16="http://schemas.microsoft.com/office/drawing/2014/main" id="{F4DD19B6-6324-43FA-BA69-D0467D7C0445}"/>
+              </a:ext>
+            </a:extLst>
+          </p:cNvPr>
+          <p:cNvGrpSpPr/>
+          <p:nvPr/>
+        </p:nvGrpSpPr>
+        <p:grpSpPr>
+          <a:xfrm>
+            <a:off x="3399924" y="1400466"/>
+            <a:ext cx="2204288" cy="1613733"/>
+            <a:chOff x="2094996" y="970548"/>
+            <a:chExt cx="1891469" cy="1187115"/>
+          </a:xfrm>
+        </p:grpSpPr>
+        <p:sp>
+          <p:nvSpPr>
+            <p:cNvPr id="28" name="正方形/長方形 27">
+              <a:extLst>
+                <a:ext uri="{FF2B5EF4-FFF2-40B4-BE49-F238E27FC236}">
+                  <a16:creationId xmlns:a16="http://schemas.microsoft.com/office/drawing/2014/main" id="{99F3F675-4868-46B6-B31C-FC195A51865E}"/>
+                </a:ext>
+              </a:extLst>
+            </p:cNvPr>
+            <p:cNvSpPr/>
+            <p:nvPr/>
+          </p:nvSpPr>
+          <p:spPr>
+            <a:xfrm>
+              <a:off x="2098507" y="970548"/>
+              <a:ext cx="1887958" cy="1187115"/>
+            </a:xfrm>
+            <a:prstGeom prst="rect">
+              <a:avLst/>
+            </a:prstGeom>
+            <a:noFill/>
+            <a:ln/>
+          </p:spPr>
+          <p:style>
+            <a:lnRef idx="2">
+              <a:schemeClr val="accent5"/>
+            </a:lnRef>
+            <a:fillRef idx="1">
+              <a:schemeClr val="lt1"/>
+            </a:fillRef>
+            <a:effectRef idx="0">
+              <a:schemeClr val="accent5"/>
+            </a:effectRef>
+            <a:fontRef idx="minor">
+              <a:schemeClr val="dk1"/>
+            </a:fontRef>
+          </p:style>
+          <p:txBody>
+            <a:bodyPr rtlCol="0" anchor="ctr"/>
+            <a:lstStyle/>
+            <a:p>
+              <a:pPr algn="ctr">
+                <a:lnSpc>
+                  <a:spcPct val="150000"/>
+                </a:lnSpc>
+              </a:pPr>
+              <a:r>
+                <a:rPr lang="en-US" altLang="ja-JP" sz="2400" dirty="0">
+                  <a:solidFill>
+                    <a:srgbClr val="002060"/>
+                  </a:solidFill>
+                  <a:latin typeface="M+ 1c light" panose="020B0403020204020204" pitchFamily="50" charset="-128"/>
+                  <a:ea typeface="M+ 1c light" panose="020B0403020204020204" pitchFamily="50" charset="-128"/>
+                  <a:cs typeface="M+ 1c light" panose="020B0403020204020204" pitchFamily="50" charset="-128"/>
+                </a:rPr>
+                <a:t>Page1</a:t>
+              </a:r>
+            </a:p>
+          </p:txBody>
+        </p:sp>
+        <p:sp>
+          <p:nvSpPr>
+            <p:cNvPr id="36" name="テキスト ボックス 35">
+              <a:extLst>
+                <a:ext uri="{FF2B5EF4-FFF2-40B4-BE49-F238E27FC236}">
+                  <a16:creationId xmlns:a16="http://schemas.microsoft.com/office/drawing/2014/main" id="{D97E5F6A-3896-4AB8-A469-41FF98681C20}"/>
+                </a:ext>
+              </a:extLst>
+            </p:cNvPr>
+            <p:cNvSpPr txBox="1"/>
+            <p:nvPr/>
+          </p:nvSpPr>
+          <p:spPr>
+            <a:xfrm>
+              <a:off x="2094996" y="970548"/>
+              <a:ext cx="1396536" cy="307777"/>
+            </a:xfrm>
+            <a:prstGeom prst="rect">
+              <a:avLst/>
+            </a:prstGeom>
+            <a:noFill/>
+          </p:spPr>
+          <p:txBody>
+            <a:bodyPr wrap="none" rtlCol="0">
+              <a:spAutoFit/>
+            </a:bodyPr>
+            <a:lstStyle/>
+            <a:p>
+              <a:r>
+                <a:rPr lang="ja-JP" altLang="en-US" sz="1400" dirty="0">
+                  <a:solidFill>
+                    <a:srgbClr val="FF0000"/>
+                  </a:solidFill>
+                  <a:latin typeface="M+ 1c light" panose="020B0403020204020204" pitchFamily="50" charset="-128"/>
+                  <a:ea typeface="M+ 1c light" panose="020B0403020204020204" pitchFamily="50" charset="-128"/>
+                  <a:cs typeface="M+ 1c light" panose="020B0403020204020204" pitchFamily="50" charset="-128"/>
+                </a:rPr>
+                <a:t>⑤</a:t>
+              </a:r>
+              <a:r>
+                <a:rPr kumimoji="1" lang="ja-JP" altLang="en-US" sz="1400" dirty="0">
+                  <a:solidFill>
+                    <a:srgbClr val="FF0000"/>
+                  </a:solidFill>
+                  <a:latin typeface="M+ 1c light" panose="020B0403020204020204" pitchFamily="50" charset="-128"/>
+                  <a:ea typeface="M+ 1c light" panose="020B0403020204020204" pitchFamily="50" charset="-128"/>
+                  <a:cs typeface="M+ 1c light" panose="020B0403020204020204" pitchFamily="50" charset="-128"/>
+                </a:rPr>
+                <a:t> </a:t>
+              </a:r>
+              <a:r>
+                <a:rPr kumimoji="1" lang="en-US" altLang="ja-JP" sz="1400" dirty="0">
+                  <a:solidFill>
+                    <a:srgbClr val="FF0000"/>
+                  </a:solidFill>
+                  <a:latin typeface="M+ 1c light" panose="020B0403020204020204" pitchFamily="50" charset="-128"/>
+                  <a:ea typeface="M+ 1c light" panose="020B0403020204020204" pitchFamily="50" charset="-128"/>
+                  <a:cs typeface="M+ 1c light" panose="020B0403020204020204" pitchFamily="50" charset="-128"/>
+                </a:rPr>
+                <a:t>OnUnloaded</a:t>
+              </a:r>
+              <a:endParaRPr kumimoji="1" lang="ja-JP" altLang="en-US" sz="1400" dirty="0">
+                <a:solidFill>
+                  <a:srgbClr val="FF0000"/>
+                </a:solidFill>
+                <a:latin typeface="M+ 1c light" panose="020B0403020204020204" pitchFamily="50" charset="-128"/>
+                <a:ea typeface="M+ 1c light" panose="020B0403020204020204" pitchFamily="50" charset="-128"/>
+                <a:cs typeface="M+ 1c light" panose="020B0403020204020204" pitchFamily="50" charset="-128"/>
+              </a:endParaRPr>
+            </a:p>
+          </p:txBody>
+        </p:sp>
+      </p:grpSp>
+      <p:sp>
+        <p:nvSpPr>
+          <p:cNvPr id="40" name="正方形/長方形 39">
+            <a:extLst>
+              <a:ext uri="{FF2B5EF4-FFF2-40B4-BE49-F238E27FC236}">
+                <a16:creationId xmlns:a16="http://schemas.microsoft.com/office/drawing/2014/main" id="{51B86ED7-EB8E-4818-97E6-F3E898100350}"/>
+              </a:ext>
+            </a:extLst>
+          </p:cNvPr>
+          <p:cNvSpPr/>
+          <p:nvPr/>
+        </p:nvSpPr>
+        <p:spPr>
+          <a:xfrm>
+            <a:off x="6281989" y="959305"/>
+            <a:ext cx="2795336" cy="4490287"/>
+          </a:xfrm>
+          <a:prstGeom prst="rect">
+            <a:avLst/>
+          </a:prstGeom>
+          <a:noFill/>
+          <a:ln w="6350">
+            <a:solidFill>
+              <a:schemeClr val="tx1"/>
+            </a:solidFill>
+            <a:prstDash val="dash"/>
+          </a:ln>
+        </p:spPr>
+        <p:style>
+          <a:lnRef idx="2">
+            <a:schemeClr val="accent1">
+              <a:shade val="50000"/>
+            </a:schemeClr>
+          </a:lnRef>
+          <a:fillRef idx="1">
+            <a:schemeClr val="accent1"/>
+          </a:fillRef>
+          <a:effectRef idx="0">
+            <a:schemeClr val="accent1"/>
+          </a:effectRef>
+          <a:fontRef idx="minor">
+            <a:schemeClr val="lt1"/>
+          </a:fontRef>
+        </p:style>
+        <p:txBody>
+          <a:bodyPr rtlCol="0" anchor="t"/>
+          <a:lstStyle/>
+          <a:p>
+            <a:pPr algn="ctr"/>
+            <a:r>
+              <a:rPr lang="en-US" altLang="ja-JP" dirty="0">
+                <a:solidFill>
+                  <a:schemeClr val="tx1"/>
+                </a:solidFill>
+                <a:latin typeface="M+ 1c light" panose="020B0403020204020204" pitchFamily="50" charset="-128"/>
+                <a:ea typeface="M+ 1c light" panose="020B0403020204020204" pitchFamily="50" charset="-128"/>
+                <a:cs typeface="M+ 1c light" panose="020B0403020204020204" pitchFamily="50" charset="-128"/>
+              </a:rPr>
+              <a:t>Backward Navigation</a:t>
+            </a:r>
+            <a:endParaRPr kumimoji="1" lang="ja-JP" altLang="en-US" dirty="0">
+              <a:solidFill>
+                <a:schemeClr val="tx1"/>
+              </a:solidFill>
+              <a:latin typeface="M+ 1c light" panose="020B0403020204020204" pitchFamily="50" charset="-128"/>
+              <a:ea typeface="M+ 1c light" panose="020B0403020204020204" pitchFamily="50" charset="-128"/>
+              <a:cs typeface="M+ 1c light" panose="020B0403020204020204" pitchFamily="50" charset="-128"/>
+            </a:endParaRPr>
+          </a:p>
+        </p:txBody>
+      </p:sp>
+      <p:grpSp>
+        <p:nvGrpSpPr>
+          <p:cNvPr id="41" name="グループ化 40">
+            <a:extLst>
+              <a:ext uri="{FF2B5EF4-FFF2-40B4-BE49-F238E27FC236}">
+                <a16:creationId xmlns:a16="http://schemas.microsoft.com/office/drawing/2014/main" id="{88C559DB-C481-4FD9-84B9-97B08CEFD1D7}"/>
+              </a:ext>
+            </a:extLst>
+          </p:cNvPr>
+          <p:cNvGrpSpPr/>
+          <p:nvPr/>
+        </p:nvGrpSpPr>
+        <p:grpSpPr>
+          <a:xfrm>
+            <a:off x="6593844" y="3557375"/>
+            <a:ext cx="2204289" cy="1644314"/>
+            <a:chOff x="2094996" y="3457072"/>
+            <a:chExt cx="1887958" cy="1451812"/>
+          </a:xfrm>
+        </p:grpSpPr>
+        <p:sp>
+          <p:nvSpPr>
+            <p:cNvPr id="42" name="正方形/長方形 41">
+              <a:extLst>
+                <a:ext uri="{FF2B5EF4-FFF2-40B4-BE49-F238E27FC236}">
+                  <a16:creationId xmlns:a16="http://schemas.microsoft.com/office/drawing/2014/main" id="{0ACDC586-CCA8-4CFF-BB3E-535DCA9FC97B}"/>
+                </a:ext>
+              </a:extLst>
+            </p:cNvPr>
+            <p:cNvSpPr/>
+            <p:nvPr/>
+          </p:nvSpPr>
+          <p:spPr>
+            <a:xfrm>
+              <a:off x="2094996" y="3457072"/>
+              <a:ext cx="1887958" cy="1451812"/>
+            </a:xfrm>
+            <a:prstGeom prst="rect">
+              <a:avLst/>
+            </a:prstGeom>
+            <a:noFill/>
+            <a:ln/>
+          </p:spPr>
+          <p:style>
+            <a:lnRef idx="2">
+              <a:schemeClr val="accent5"/>
+            </a:lnRef>
+            <a:fillRef idx="1">
+              <a:schemeClr val="lt1"/>
+            </a:fillRef>
+            <a:effectRef idx="0">
+              <a:schemeClr val="accent5"/>
+            </a:effectRef>
+            <a:fontRef idx="minor">
+              <a:schemeClr val="dk1"/>
+            </a:fontRef>
+          </p:style>
+          <p:txBody>
+            <a:bodyPr rtlCol="0" anchor="ctr"/>
+            <a:lstStyle/>
+            <a:p>
+              <a:pPr algn="ctr">
+                <a:lnSpc>
+                  <a:spcPct val="150000"/>
+                </a:lnSpc>
+              </a:pPr>
+              <a:r>
+                <a:rPr lang="en-US" altLang="ja-JP" sz="2400" dirty="0">
+                  <a:solidFill>
+                    <a:srgbClr val="002060"/>
+                  </a:solidFill>
+                  <a:latin typeface="M+ 1c light" panose="020B0403020204020204" pitchFamily="50" charset="-128"/>
+                  <a:ea typeface="M+ 1c light" panose="020B0403020204020204" pitchFamily="50" charset="-128"/>
+                  <a:cs typeface="M+ 1c light" panose="020B0403020204020204" pitchFamily="50" charset="-128"/>
+                </a:rPr>
+                <a:t>Page2</a:t>
+              </a:r>
+            </a:p>
+          </p:txBody>
+        </p:sp>
+        <p:sp>
+          <p:nvSpPr>
+            <p:cNvPr id="43" name="テキスト ボックス 42">
+              <a:extLst>
+                <a:ext uri="{FF2B5EF4-FFF2-40B4-BE49-F238E27FC236}">
+                  <a16:creationId xmlns:a16="http://schemas.microsoft.com/office/drawing/2014/main" id="{2A353D41-87EA-42FA-8D43-BE9F78B93043}"/>
+                </a:ext>
+              </a:extLst>
+            </p:cNvPr>
+            <p:cNvSpPr txBox="1"/>
+            <p:nvPr/>
+          </p:nvSpPr>
+          <p:spPr>
+            <a:xfrm>
+              <a:off x="2094996" y="3457072"/>
+              <a:ext cx="1180131" cy="307777"/>
+            </a:xfrm>
+            <a:prstGeom prst="rect">
+              <a:avLst/>
+            </a:prstGeom>
+            <a:noFill/>
+          </p:spPr>
+          <p:txBody>
+            <a:bodyPr wrap="none" rtlCol="0">
+              <a:spAutoFit/>
+            </a:bodyPr>
+            <a:lstStyle/>
+            <a:p>
+              <a:r>
+                <a:rPr lang="ja-JP" altLang="en-US" sz="1400" dirty="0">
+                  <a:solidFill>
+                    <a:srgbClr val="FF0000"/>
+                  </a:solidFill>
+                  <a:latin typeface="M+ 1c light" panose="020B0403020204020204" pitchFamily="50" charset="-128"/>
+                  <a:ea typeface="M+ 1c light" panose="020B0403020204020204" pitchFamily="50" charset="-128"/>
+                  <a:cs typeface="M+ 1c light" panose="020B0403020204020204" pitchFamily="50" charset="-128"/>
+                </a:rPr>
+                <a:t>③ </a:t>
+              </a:r>
+              <a:r>
+                <a:rPr lang="en-US" altLang="ja-JP" sz="1400" dirty="0">
+                  <a:solidFill>
+                    <a:srgbClr val="FF0000"/>
+                  </a:solidFill>
+                  <a:latin typeface="M+ 1c light" panose="020B0403020204020204" pitchFamily="50" charset="-128"/>
+                  <a:ea typeface="M+ 1c light" panose="020B0403020204020204" pitchFamily="50" charset="-128"/>
+                  <a:cs typeface="M+ 1c light" panose="020B0403020204020204" pitchFamily="50" charset="-128"/>
+                </a:rPr>
+                <a:t>OnClosed</a:t>
+              </a:r>
+              <a:endParaRPr kumimoji="1" lang="ja-JP" altLang="en-US" sz="1400" dirty="0">
+                <a:solidFill>
+                  <a:srgbClr val="FF0000"/>
+                </a:solidFill>
+                <a:latin typeface="M+ 1c light" panose="020B0403020204020204" pitchFamily="50" charset="-128"/>
+                <a:ea typeface="M+ 1c light" panose="020B0403020204020204" pitchFamily="50" charset="-128"/>
+                <a:cs typeface="M+ 1c light" panose="020B0403020204020204" pitchFamily="50" charset="-128"/>
+              </a:endParaRPr>
+            </a:p>
+          </p:txBody>
+        </p:sp>
+      </p:grpSp>
+      <p:cxnSp>
+        <p:nvCxnSpPr>
+          <p:cNvPr id="44" name="直線矢印コネクタ 43">
+            <a:extLst>
+              <a:ext uri="{FF2B5EF4-FFF2-40B4-BE49-F238E27FC236}">
+                <a16:creationId xmlns:a16="http://schemas.microsoft.com/office/drawing/2014/main" id="{DBEAA1BC-D39F-4EB5-98BF-35D8B131F41B}"/>
+              </a:ext>
+            </a:extLst>
+          </p:cNvPr>
+          <p:cNvCxnSpPr>
+            <a:cxnSpLocks/>
+            <a:stCxn id="47" idx="2"/>
+            <a:endCxn id="42" idx="0"/>
+          </p:cNvCxnSpPr>
+          <p:nvPr/>
+        </p:nvCxnSpPr>
+        <p:spPr>
+          <a:xfrm flipH="1">
+            <a:off x="7695989" y="3014198"/>
+            <a:ext cx="1" cy="543177"/>
+          </a:xfrm>
+          <a:prstGeom prst="straightConnector1">
+            <a:avLst/>
+          </a:prstGeom>
+          <a:ln w="9525">
+            <a:headEnd type="triangle" w="lg" len="lg"/>
+            <a:tailEnd type="none" w="lg" len="lg"/>
+          </a:ln>
+        </p:spPr>
+        <p:style>
+          <a:lnRef idx="1">
+            <a:schemeClr val="accent1"/>
+          </a:lnRef>
+          <a:fillRef idx="0">
+            <a:schemeClr val="accent1"/>
+          </a:fillRef>
+          <a:effectRef idx="0">
+            <a:schemeClr val="accent1"/>
+          </a:effectRef>
+          <a:fontRef idx="minor">
+            <a:schemeClr val="tx1"/>
+          </a:fontRef>
+        </p:style>
+      </p:cxnSp>
+      <p:sp>
+        <p:nvSpPr>
+          <p:cNvPr id="45" name="テキスト ボックス 44">
+            <a:extLst>
+              <a:ext uri="{FF2B5EF4-FFF2-40B4-BE49-F238E27FC236}">
+                <a16:creationId xmlns:a16="http://schemas.microsoft.com/office/drawing/2014/main" id="{F22CE8D5-8735-4995-8B8E-F6BC039F5996}"/>
+              </a:ext>
+            </a:extLst>
+          </p:cNvPr>
+          <p:cNvSpPr txBox="1"/>
+          <p:nvPr/>
+        </p:nvSpPr>
+        <p:spPr>
+          <a:xfrm>
+            <a:off x="7695988" y="3135947"/>
+            <a:ext cx="715260" cy="307777"/>
+          </a:xfrm>
+          <a:prstGeom prst="rect">
+            <a:avLst/>
+          </a:prstGeom>
+          <a:noFill/>
+        </p:spPr>
+        <p:txBody>
+          <a:bodyPr wrap="none" rtlCol="0">
+            <a:spAutoFit/>
+          </a:bodyPr>
+          <a:lstStyle/>
+          <a:p>
+            <a:r>
+              <a:rPr lang="ja-JP" altLang="en-US" sz="1400" dirty="0">
+                <a:solidFill>
+                  <a:srgbClr val="FF0000"/>
+                </a:solidFill>
+                <a:latin typeface="M+ 1c light" panose="020B0403020204020204" pitchFamily="50" charset="-128"/>
+                <a:ea typeface="M+ 1c light" panose="020B0403020204020204" pitchFamily="50" charset="-128"/>
+                <a:cs typeface="M+ 1c light" panose="020B0403020204020204" pitchFamily="50" charset="-128"/>
+              </a:rPr>
+              <a:t>①</a:t>
+            </a:r>
+            <a:r>
+              <a:rPr kumimoji="1" lang="ja-JP" altLang="en-US" sz="1400" dirty="0">
+                <a:solidFill>
+                  <a:srgbClr val="FF0000"/>
+                </a:solidFill>
+                <a:latin typeface="M+ 1c light" panose="020B0403020204020204" pitchFamily="50" charset="-128"/>
+                <a:ea typeface="M+ 1c light" panose="020B0403020204020204" pitchFamily="50" charset="-128"/>
+                <a:cs typeface="M+ 1c light" panose="020B0403020204020204" pitchFamily="50" charset="-128"/>
+              </a:rPr>
+              <a:t> </a:t>
+            </a:r>
+            <a:r>
+              <a:rPr lang="en-US" altLang="ja-JP" sz="1400" dirty="0">
+                <a:solidFill>
+                  <a:srgbClr val="FF0000"/>
+                </a:solidFill>
+                <a:latin typeface="M+ 1c light" panose="020B0403020204020204" pitchFamily="50" charset="-128"/>
+                <a:ea typeface="M+ 1c light" panose="020B0403020204020204" pitchFamily="50" charset="-128"/>
+                <a:cs typeface="M+ 1c light" panose="020B0403020204020204" pitchFamily="50" charset="-128"/>
+              </a:rPr>
+              <a:t>Pop</a:t>
+            </a:r>
+            <a:endParaRPr kumimoji="1" lang="ja-JP" altLang="en-US" sz="1400" dirty="0">
+              <a:solidFill>
+                <a:srgbClr val="FF0000"/>
+              </a:solidFill>
+              <a:latin typeface="M+ 1c light" panose="020B0403020204020204" pitchFamily="50" charset="-128"/>
+              <a:ea typeface="M+ 1c light" panose="020B0403020204020204" pitchFamily="50" charset="-128"/>
+              <a:cs typeface="M+ 1c light" panose="020B0403020204020204" pitchFamily="50" charset="-128"/>
+            </a:endParaRPr>
+          </a:p>
+        </p:txBody>
+      </p:sp>
+      <p:grpSp>
+        <p:nvGrpSpPr>
+          <p:cNvPr id="46" name="グループ化 45">
+            <a:extLst>
+              <a:ext uri="{FF2B5EF4-FFF2-40B4-BE49-F238E27FC236}">
+                <a16:creationId xmlns:a16="http://schemas.microsoft.com/office/drawing/2014/main" id="{E1B3AB69-7235-4B8A-BA00-1680D209D8D1}"/>
+              </a:ext>
+            </a:extLst>
+          </p:cNvPr>
+          <p:cNvGrpSpPr/>
+          <p:nvPr/>
+        </p:nvGrpSpPr>
+        <p:grpSpPr>
+          <a:xfrm>
+            <a:off x="6591799" y="1369884"/>
+            <a:ext cx="2204289" cy="1644314"/>
+            <a:chOff x="2094996" y="970548"/>
+            <a:chExt cx="1891469" cy="1187115"/>
+          </a:xfrm>
+        </p:grpSpPr>
+        <p:sp>
+          <p:nvSpPr>
+            <p:cNvPr id="47" name="正方形/長方形 46">
+              <a:extLst>
+                <a:ext uri="{FF2B5EF4-FFF2-40B4-BE49-F238E27FC236}">
+                  <a16:creationId xmlns:a16="http://schemas.microsoft.com/office/drawing/2014/main" id="{C0E0D70A-5184-474F-8BFD-1095D743E5FF}"/>
+                </a:ext>
+              </a:extLst>
+            </p:cNvPr>
+            <p:cNvSpPr/>
+            <p:nvPr/>
+          </p:nvSpPr>
+          <p:spPr>
+            <a:xfrm>
+              <a:off x="2098507" y="970548"/>
+              <a:ext cx="1887958" cy="1187115"/>
+            </a:xfrm>
+            <a:prstGeom prst="rect">
+              <a:avLst/>
+            </a:prstGeom>
+            <a:noFill/>
+            <a:ln/>
+          </p:spPr>
+          <p:style>
+            <a:lnRef idx="2">
+              <a:schemeClr val="accent5"/>
+            </a:lnRef>
+            <a:fillRef idx="1">
+              <a:schemeClr val="lt1"/>
+            </a:fillRef>
+            <a:effectRef idx="0">
+              <a:schemeClr val="accent5"/>
+            </a:effectRef>
+            <a:fontRef idx="minor">
+              <a:schemeClr val="dk1"/>
+            </a:fontRef>
+          </p:style>
+          <p:txBody>
+            <a:bodyPr rtlCol="0" anchor="ctr"/>
+            <a:lstStyle/>
+            <a:p>
+              <a:pPr algn="ctr">
+                <a:lnSpc>
+                  <a:spcPct val="150000"/>
+                </a:lnSpc>
+              </a:pPr>
+              <a:r>
+                <a:rPr lang="en-US" altLang="ja-JP" sz="2400" dirty="0">
+                  <a:solidFill>
+                    <a:srgbClr val="002060"/>
+                  </a:solidFill>
+                  <a:latin typeface="M+ 1c light" panose="020B0403020204020204" pitchFamily="50" charset="-128"/>
+                  <a:ea typeface="M+ 1c light" panose="020B0403020204020204" pitchFamily="50" charset="-128"/>
+                  <a:cs typeface="M+ 1c light" panose="020B0403020204020204" pitchFamily="50" charset="-128"/>
+                </a:rPr>
+                <a:t>Page1</a:t>
+              </a:r>
+            </a:p>
+          </p:txBody>
+        </p:sp>
+        <p:sp>
+          <p:nvSpPr>
+            <p:cNvPr id="48" name="テキスト ボックス 47">
+              <a:extLst>
+                <a:ext uri="{FF2B5EF4-FFF2-40B4-BE49-F238E27FC236}">
+                  <a16:creationId xmlns:a16="http://schemas.microsoft.com/office/drawing/2014/main" id="{ED86B3A7-31AE-4BD1-8896-EF9AACBC26ED}"/>
+                </a:ext>
+              </a:extLst>
+            </p:cNvPr>
+            <p:cNvSpPr txBox="1"/>
+            <p:nvPr/>
+          </p:nvSpPr>
+          <p:spPr>
+            <a:xfrm>
+              <a:off x="2094996" y="970548"/>
+              <a:ext cx="1229824" cy="307777"/>
+            </a:xfrm>
+            <a:prstGeom prst="rect">
+              <a:avLst/>
+            </a:prstGeom>
+            <a:noFill/>
+          </p:spPr>
+          <p:txBody>
+            <a:bodyPr wrap="none" rtlCol="0">
+              <a:spAutoFit/>
+            </a:bodyPr>
+            <a:lstStyle/>
+            <a:p>
+              <a:r>
+                <a:rPr kumimoji="1" lang="ja-JP" altLang="en-US" sz="1400" dirty="0">
+                  <a:solidFill>
+                    <a:srgbClr val="FF0000"/>
+                  </a:solidFill>
+                  <a:latin typeface="M+ 1c light" panose="020B0403020204020204" pitchFamily="50" charset="-128"/>
+                  <a:ea typeface="M+ 1c light" panose="020B0403020204020204" pitchFamily="50" charset="-128"/>
+                  <a:cs typeface="M+ 1c light" panose="020B0403020204020204" pitchFamily="50" charset="-128"/>
+                </a:rPr>
+                <a:t>② </a:t>
+              </a:r>
+              <a:r>
+                <a:rPr kumimoji="1" lang="en-US" altLang="ja-JP" sz="1400" dirty="0">
+                  <a:solidFill>
+                    <a:srgbClr val="FF0000"/>
+                  </a:solidFill>
+                  <a:latin typeface="M+ 1c light" panose="020B0403020204020204" pitchFamily="50" charset="-128"/>
+                  <a:ea typeface="M+ 1c light" panose="020B0403020204020204" pitchFamily="50" charset="-128"/>
+                  <a:cs typeface="M+ 1c light" panose="020B0403020204020204" pitchFamily="50" charset="-128"/>
+                </a:rPr>
+                <a:t>OnLoaded</a:t>
+              </a:r>
+              <a:endParaRPr kumimoji="1" lang="ja-JP" altLang="en-US" sz="1400" dirty="0">
+                <a:solidFill>
+                  <a:srgbClr val="FF0000"/>
+                </a:solidFill>
+                <a:latin typeface="M+ 1c light" panose="020B0403020204020204" pitchFamily="50" charset="-128"/>
+                <a:ea typeface="M+ 1c light" panose="020B0403020204020204" pitchFamily="50" charset="-128"/>
+                <a:cs typeface="M+ 1c light" panose="020B0403020204020204" pitchFamily="50" charset="-128"/>
+              </a:endParaRPr>
+            </a:p>
+          </p:txBody>
+        </p:sp>
+      </p:grpSp>
+      <p:sp>
+        <p:nvSpPr>
+          <p:cNvPr id="49" name="テキスト ボックス 48">
+            <a:extLst>
+              <a:ext uri="{FF2B5EF4-FFF2-40B4-BE49-F238E27FC236}">
+                <a16:creationId xmlns:a16="http://schemas.microsoft.com/office/drawing/2014/main" id="{5E85C461-08C2-401A-8227-74F07743644D}"/>
+              </a:ext>
+            </a:extLst>
+          </p:cNvPr>
+          <p:cNvSpPr txBox="1"/>
+          <p:nvPr/>
+        </p:nvSpPr>
+        <p:spPr>
+          <a:xfrm>
+            <a:off x="3972702" y="445446"/>
+            <a:ext cx="4618573" cy="461665"/>
+          </a:xfrm>
+          <a:prstGeom prst="rect">
+            <a:avLst/>
+          </a:prstGeom>
+          <a:noFill/>
+        </p:spPr>
+        <p:txBody>
+          <a:bodyPr wrap="none" rtlCol="0">
+            <a:spAutoFit/>
+          </a:bodyPr>
+          <a:lstStyle/>
+          <a:p>
+            <a:pPr algn="ctr"/>
+            <a:r>
+              <a:rPr lang="en-US" altLang="ja-JP" sz="2400" dirty="0">
+                <a:solidFill>
+                  <a:srgbClr val="002060"/>
+                </a:solidFill>
+                <a:latin typeface="M+ 1c light" panose="020B0403020204020204" pitchFamily="50" charset="-128"/>
+                <a:ea typeface="M+ 1c light" panose="020B0403020204020204" pitchFamily="50" charset="-128"/>
+                <a:cs typeface="M+ 1c light" panose="020B0403020204020204" pitchFamily="50" charset="-128"/>
+              </a:rPr>
+              <a:t>Consistent Event Notifications</a:t>
+            </a:r>
+            <a:endParaRPr kumimoji="1" lang="ja-JP" altLang="en-US" sz="2400" dirty="0">
+              <a:solidFill>
+                <a:srgbClr val="002060"/>
+              </a:solidFill>
+              <a:latin typeface="M+ 1c light" panose="020B0403020204020204" pitchFamily="50" charset="-128"/>
+              <a:ea typeface="M+ 1c light" panose="020B0403020204020204" pitchFamily="50" charset="-128"/>
+              <a:cs typeface="M+ 1c light" panose="020B0403020204020204" pitchFamily="50" charset="-128"/>
+            </a:endParaRPr>
+          </a:p>
+        </p:txBody>
+      </p:sp>
+      <p:sp>
+        <p:nvSpPr>
+          <p:cNvPr id="50" name="テキスト ボックス 49">
+            <a:extLst>
+              <a:ext uri="{FF2B5EF4-FFF2-40B4-BE49-F238E27FC236}">
+                <a16:creationId xmlns:a16="http://schemas.microsoft.com/office/drawing/2014/main" id="{82355B15-4A3D-4D10-B044-8214F2B0CF3C}"/>
+              </a:ext>
+            </a:extLst>
+          </p:cNvPr>
+          <p:cNvSpPr txBox="1"/>
+          <p:nvPr/>
+        </p:nvSpPr>
+        <p:spPr>
+          <a:xfrm>
+            <a:off x="3093622" y="5501786"/>
+            <a:ext cx="6168676" cy="769441"/>
+          </a:xfrm>
+          <a:prstGeom prst="rect">
+            <a:avLst/>
+          </a:prstGeom>
+          <a:noFill/>
+        </p:spPr>
+        <p:txBody>
+          <a:bodyPr wrap="none" rtlCol="0">
+            <a:spAutoFit/>
+          </a:bodyPr>
+          <a:lstStyle/>
+          <a:p>
+            <a:r>
+              <a:rPr lang="en-US" altLang="ja-JP" dirty="0">
+                <a:latin typeface="M+ 1c light" panose="020B0403020204020204" pitchFamily="50" charset="-128"/>
+                <a:ea typeface="M+ 1c light" panose="020B0403020204020204" pitchFamily="50" charset="-128"/>
+                <a:cs typeface="M+ 1c light" panose="020B0403020204020204" pitchFamily="50" charset="-128"/>
+              </a:rPr>
+              <a:t>All Page navigation</a:t>
+            </a:r>
+            <a:r>
+              <a:rPr lang="ja-JP" altLang="en-US" dirty="0">
+                <a:latin typeface="M+ 1c light" panose="020B0403020204020204" pitchFamily="50" charset="-128"/>
+                <a:ea typeface="M+ 1c light" panose="020B0403020204020204" pitchFamily="50" charset="-128"/>
+                <a:cs typeface="M+ 1c light" panose="020B0403020204020204" pitchFamily="50" charset="-128"/>
+              </a:rPr>
+              <a:t> </a:t>
+            </a:r>
+            <a:r>
+              <a:rPr lang="en-US" altLang="ja-JP" dirty="0">
+                <a:latin typeface="M+ 1c light" panose="020B0403020204020204" pitchFamily="50" charset="-128"/>
+                <a:ea typeface="M+ 1c light" panose="020B0403020204020204" pitchFamily="50" charset="-128"/>
+                <a:cs typeface="M+ 1c light" panose="020B0403020204020204" pitchFamily="50" charset="-128"/>
+              </a:rPr>
+              <a:t>patterns keeps this rule.</a:t>
+            </a:r>
+          </a:p>
+          <a:p>
+            <a:r>
+              <a:rPr lang="en-US" altLang="ja-JP" sz="1300" dirty="0">
+                <a:latin typeface="M+ 1c light" panose="020B0403020204020204" pitchFamily="50" charset="-128"/>
+                <a:ea typeface="M+ 1c light" panose="020B0403020204020204" pitchFamily="50" charset="-128"/>
+                <a:cs typeface="M+ 1c light" panose="020B0403020204020204" pitchFamily="50" charset="-128"/>
+              </a:rPr>
+              <a:t>PushAsync, PushModalAsync, PopAsync, PopToRootAsync, PopModalAsync, </a:t>
+            </a:r>
+          </a:p>
+          <a:p>
+            <a:r>
+              <a:rPr lang="en-US" altLang="ja-JP" sz="1300" dirty="0">
+                <a:solidFill>
+                  <a:srgbClr val="C00000"/>
+                </a:solidFill>
+                <a:latin typeface="M+ 1c light" panose="020B0403020204020204" pitchFamily="50" charset="-128"/>
+                <a:ea typeface="M+ 1c light" panose="020B0403020204020204" pitchFamily="50" charset="-128"/>
+                <a:cs typeface="M+ 1c light" panose="020B0403020204020204" pitchFamily="50" charset="-128"/>
+              </a:rPr>
+              <a:t>Navigation Bar, Physical Back Button</a:t>
+            </a:r>
+            <a:r>
+              <a:rPr lang="ja-JP" altLang="en-US" sz="1300" dirty="0">
+                <a:solidFill>
+                  <a:srgbClr val="C00000"/>
+                </a:solidFill>
+                <a:latin typeface="M+ 1c light" panose="020B0403020204020204" pitchFamily="50" charset="-128"/>
+                <a:ea typeface="M+ 1c light" panose="020B0403020204020204" pitchFamily="50" charset="-128"/>
+                <a:cs typeface="M+ 1c light" panose="020B0403020204020204" pitchFamily="50" charset="-128"/>
+              </a:rPr>
+              <a:t> </a:t>
+            </a:r>
+            <a:r>
+              <a:rPr lang="en-US" altLang="ja-JP" sz="1300" dirty="0">
+                <a:solidFill>
+                  <a:srgbClr val="C00000"/>
+                </a:solidFill>
+                <a:latin typeface="M+ 1c light" panose="020B0403020204020204" pitchFamily="50" charset="-128"/>
+                <a:ea typeface="M+ 1c light" panose="020B0403020204020204" pitchFamily="50" charset="-128"/>
+                <a:cs typeface="M+ 1c light" panose="020B0403020204020204" pitchFamily="50" charset="-128"/>
+              </a:rPr>
+              <a:t>is</a:t>
+            </a:r>
+            <a:r>
+              <a:rPr lang="ja-JP" altLang="en-US" sz="1300" dirty="0">
+                <a:solidFill>
+                  <a:srgbClr val="C00000"/>
+                </a:solidFill>
+                <a:latin typeface="M+ 1c light" panose="020B0403020204020204" pitchFamily="50" charset="-128"/>
+                <a:ea typeface="M+ 1c light" panose="020B0403020204020204" pitchFamily="50" charset="-128"/>
+                <a:cs typeface="M+ 1c light" panose="020B0403020204020204" pitchFamily="50" charset="-128"/>
+              </a:rPr>
+              <a:t> </a:t>
+            </a:r>
+            <a:r>
+              <a:rPr lang="en-US" altLang="ja-JP" sz="1300" dirty="0">
+                <a:solidFill>
+                  <a:srgbClr val="C00000"/>
+                </a:solidFill>
+                <a:latin typeface="M+ 1c light" panose="020B0403020204020204" pitchFamily="50" charset="-128"/>
+                <a:ea typeface="M+ 1c light" panose="020B0403020204020204" pitchFamily="50" charset="-128"/>
+                <a:cs typeface="M+ 1c light" panose="020B0403020204020204" pitchFamily="50" charset="-128"/>
+              </a:rPr>
+              <a:t>Pressed, Swipe, Change Tab</a:t>
+            </a:r>
+            <a:r>
+              <a:rPr lang="en-US" altLang="ja-JP" sz="1300" dirty="0">
+                <a:latin typeface="M+ 1c light" panose="020B0403020204020204" pitchFamily="50" charset="-128"/>
+                <a:ea typeface="M+ 1c light" panose="020B0403020204020204" pitchFamily="50" charset="-128"/>
+                <a:cs typeface="M+ 1c light" panose="020B0403020204020204" pitchFamily="50" charset="-128"/>
+              </a:rPr>
+              <a:t> and other.</a:t>
+            </a:r>
+            <a:endParaRPr kumimoji="1" lang="ja-JP" altLang="en-US" sz="1300" dirty="0">
+              <a:latin typeface="M+ 1c light" panose="020B0403020204020204" pitchFamily="50" charset="-128"/>
+              <a:ea typeface="M+ 1c light" panose="020B0403020204020204" pitchFamily="50" charset="-128"/>
+              <a:cs typeface="M+ 1c light" panose="020B0403020204020204" pitchFamily="50" charset="-128"/>
+            </a:endParaRPr>
+          </a:p>
+        </p:txBody>
+      </p:sp>
+    </p:spTree>
+    <p:extLst>
+      <p:ext uri="{BB962C8B-B14F-4D97-AF65-F5344CB8AC3E}">
+        <p14:creationId xmlns:p14="http://schemas.microsoft.com/office/powerpoint/2010/main" val="3484160901"/>
+      </p:ext>
+    </p:extLst>
+  </p:cSld>
+  <p:clrMapOvr>
+    <a:masterClrMapping/>
+  </p:clrMapOvr>
+</p:sld>
+</file>
+
+<file path=ppt/slides/slide3.xml><?xml version="1.0" encoding="utf-8"?>
+<p:sld xmlns:a="http://schemas.openxmlformats.org/drawingml/2006/main" xmlns:r="http://schemas.openxmlformats.org/officeDocument/2006/relationships" xmlns:p="http://schemas.openxmlformats.org/presentationml/2006/main">
+  <p:cSld>
+    <p:spTree>
+      <p:nvGrpSpPr>
+        <p:cNvPr id="1" name=""/>
+        <p:cNvGrpSpPr/>
+        <p:nvPr/>
+      </p:nvGrpSpPr>
+      <p:grpSpPr>
+        <a:xfrm>
+          <a:off x="0" y="0"/>
+          <a:ext cx="0" cy="0"/>
+          <a:chOff x="0" y="0"/>
+          <a:chExt cx="0" cy="0"/>
+        </a:xfrm>
+      </p:grpSpPr>
+      <p:sp>
+        <p:nvSpPr>
+          <p:cNvPr id="97" name="テキスト ボックス 96">
+            <a:extLst>
+              <a:ext uri="{FF2B5EF4-FFF2-40B4-BE49-F238E27FC236}">
+                <a16:creationId xmlns:a16="http://schemas.microsoft.com/office/drawing/2014/main" id="{2699F2E9-5459-4ABC-A455-173407F6A7BC}"/>
+              </a:ext>
+            </a:extLst>
+          </p:cNvPr>
+          <p:cNvSpPr txBox="1"/>
+          <p:nvPr/>
+        </p:nvSpPr>
+        <p:spPr>
+          <a:xfrm>
+            <a:off x="2073266" y="99808"/>
+            <a:ext cx="7327648" cy="461665"/>
+          </a:xfrm>
+          <a:prstGeom prst="rect">
+            <a:avLst/>
+          </a:prstGeom>
+          <a:noFill/>
+        </p:spPr>
+        <p:txBody>
+          <a:bodyPr wrap="none" rtlCol="0">
+            <a:spAutoFit/>
+          </a:bodyPr>
+          <a:lstStyle/>
+          <a:p>
+            <a:pPr algn="ctr"/>
+            <a:r>
+              <a:rPr lang="en-US" altLang="ja-JP" sz="2400" dirty="0">
+                <a:solidFill>
+                  <a:srgbClr val="002060"/>
+                </a:solidFill>
+                <a:latin typeface="M+ 1c light" panose="020B0403020204020204" pitchFamily="50" charset="-128"/>
+                <a:ea typeface="M+ 1c light" panose="020B0403020204020204" pitchFamily="50" charset="-128"/>
+                <a:cs typeface="M+ 1c light" panose="020B0403020204020204" pitchFamily="50" charset="-128"/>
+              </a:rPr>
+              <a:t>Recursive</a:t>
+            </a:r>
+            <a:r>
+              <a:rPr lang="ja-JP" altLang="en-US" sz="2400" dirty="0">
+                <a:solidFill>
+                  <a:srgbClr val="002060"/>
+                </a:solidFill>
+                <a:latin typeface="M+ 1c light" panose="020B0403020204020204" pitchFamily="50" charset="-128"/>
+                <a:ea typeface="M+ 1c light" panose="020B0403020204020204" pitchFamily="50" charset="-128"/>
+                <a:cs typeface="M+ 1c light" panose="020B0403020204020204" pitchFamily="50" charset="-128"/>
+              </a:rPr>
+              <a:t> </a:t>
+            </a:r>
+            <a:r>
+              <a:rPr lang="en-US" altLang="ja-JP" sz="2400" dirty="0">
+                <a:solidFill>
+                  <a:srgbClr val="002060"/>
+                </a:solidFill>
+                <a:latin typeface="M+ 1c light" panose="020B0403020204020204" pitchFamily="50" charset="-128"/>
+                <a:ea typeface="M+ 1c light" panose="020B0403020204020204" pitchFamily="50" charset="-128"/>
+                <a:cs typeface="M+ 1c light" panose="020B0403020204020204" pitchFamily="50" charset="-128"/>
+              </a:rPr>
+              <a:t>Event Notifications</a:t>
+            </a:r>
+            <a:r>
+              <a:rPr lang="ja-JP" altLang="en-US" sz="2400" dirty="0">
+                <a:solidFill>
+                  <a:srgbClr val="002060"/>
+                </a:solidFill>
+                <a:latin typeface="M+ 1c light" panose="020B0403020204020204" pitchFamily="50" charset="-128"/>
+                <a:ea typeface="M+ 1c light" panose="020B0403020204020204" pitchFamily="50" charset="-128"/>
+                <a:cs typeface="M+ 1c light" panose="020B0403020204020204" pitchFamily="50" charset="-128"/>
+              </a:rPr>
+              <a:t> </a:t>
+            </a:r>
+            <a:r>
+              <a:rPr lang="en-US" altLang="ja-JP" sz="2400" dirty="0">
+                <a:solidFill>
+                  <a:srgbClr val="002060"/>
+                </a:solidFill>
+                <a:latin typeface="M+ 1c light" panose="020B0403020204020204" pitchFamily="50" charset="-128"/>
+                <a:ea typeface="M+ 1c light" panose="020B0403020204020204" pitchFamily="50" charset="-128"/>
+                <a:cs typeface="M+ 1c light" panose="020B0403020204020204" pitchFamily="50" charset="-128"/>
+              </a:rPr>
+              <a:t>to Composite Pages</a:t>
+            </a:r>
+            <a:endParaRPr kumimoji="1" lang="ja-JP" altLang="en-US" sz="2400" dirty="0">
+              <a:solidFill>
+                <a:srgbClr val="002060"/>
+              </a:solidFill>
+              <a:latin typeface="M+ 1c light" panose="020B0403020204020204" pitchFamily="50" charset="-128"/>
+              <a:ea typeface="M+ 1c light" panose="020B0403020204020204" pitchFamily="50" charset="-128"/>
+              <a:cs typeface="M+ 1c light" panose="020B0403020204020204" pitchFamily="50" charset="-128"/>
+            </a:endParaRPr>
+          </a:p>
+        </p:txBody>
+      </p:sp>
+      <p:grpSp>
+        <p:nvGrpSpPr>
+          <p:cNvPr id="158" name="グループ化 157">
+            <a:extLst>
+              <a:ext uri="{FF2B5EF4-FFF2-40B4-BE49-F238E27FC236}">
+                <a16:creationId xmlns:a16="http://schemas.microsoft.com/office/drawing/2014/main" id="{B18EAEE3-DEFC-4042-AD8C-8B8685BE107F}"/>
+              </a:ext>
+            </a:extLst>
+          </p:cNvPr>
+          <p:cNvGrpSpPr/>
+          <p:nvPr/>
+        </p:nvGrpSpPr>
+        <p:grpSpPr>
+          <a:xfrm>
+            <a:off x="2155294" y="951147"/>
+            <a:ext cx="7163591" cy="5834662"/>
+            <a:chOff x="1274532" y="477906"/>
+            <a:chExt cx="7163591" cy="5834662"/>
+          </a:xfrm>
+        </p:grpSpPr>
+        <p:grpSp>
+          <p:nvGrpSpPr>
+            <p:cNvPr id="110" name="グループ化 109">
+              <a:extLst>
+                <a:ext uri="{FF2B5EF4-FFF2-40B4-BE49-F238E27FC236}">
+                  <a16:creationId xmlns:a16="http://schemas.microsoft.com/office/drawing/2014/main" id="{F048BC8D-CAE7-4E81-9995-6D726EE08525}"/>
+                </a:ext>
+              </a:extLst>
+            </p:cNvPr>
+            <p:cNvGrpSpPr/>
+            <p:nvPr/>
+          </p:nvGrpSpPr>
+          <p:grpSpPr>
+            <a:xfrm>
+              <a:off x="1274532" y="477906"/>
+              <a:ext cx="3474439" cy="5834662"/>
+              <a:chOff x="1274532" y="477906"/>
+              <a:chExt cx="3474439" cy="5834662"/>
+            </a:xfrm>
+          </p:grpSpPr>
+          <p:sp>
+            <p:nvSpPr>
+              <p:cNvPr id="47" name="正方形/長方形 46">
+                <a:extLst>
+                  <a:ext uri="{FF2B5EF4-FFF2-40B4-BE49-F238E27FC236}">
+                    <a16:creationId xmlns:a16="http://schemas.microsoft.com/office/drawing/2014/main" id="{7D8B378B-1D83-44D5-8D3C-0AC8B797973F}"/>
+                  </a:ext>
+                </a:extLst>
+              </p:cNvPr>
+              <p:cNvSpPr/>
+              <p:nvPr/>
+            </p:nvSpPr>
+            <p:spPr>
+              <a:xfrm>
+                <a:off x="1274532" y="477906"/>
+                <a:ext cx="3474439" cy="5834662"/>
+              </a:xfrm>
+              <a:prstGeom prst="rect">
+                <a:avLst/>
+              </a:prstGeom>
+              <a:noFill/>
+              <a:ln w="6350">
+                <a:solidFill>
+                  <a:schemeClr val="tx1"/>
+                </a:solidFill>
+                <a:prstDash val="dash"/>
+              </a:ln>
+            </p:spPr>
+            <p:style>
+              <a:lnRef idx="2">
+                <a:schemeClr val="accent1">
+                  <a:shade val="50000"/>
+                </a:schemeClr>
+              </a:lnRef>
+              <a:fillRef idx="1">
+                <a:schemeClr val="accent1"/>
+              </a:fillRef>
+              <a:effectRef idx="0">
+                <a:schemeClr val="accent1"/>
+              </a:effectRef>
+              <a:fontRef idx="minor">
+                <a:schemeClr val="lt1"/>
+              </a:fontRef>
+            </p:style>
+            <p:txBody>
+              <a:bodyPr rtlCol="0" anchor="t"/>
+              <a:lstStyle/>
+              <a:p>
+                <a:pPr algn="ctr"/>
+                <a:r>
+                  <a:rPr lang="en-US" altLang="ja-JP" dirty="0">
+                    <a:solidFill>
+                      <a:schemeClr val="tx1"/>
+                    </a:solidFill>
+                    <a:latin typeface="M+ 1c light" panose="020B0403020204020204" pitchFamily="50" charset="-128"/>
+                    <a:ea typeface="M+ 1c light" panose="020B0403020204020204" pitchFamily="50" charset="-128"/>
+                    <a:cs typeface="M+ 1c light" panose="020B0403020204020204" pitchFamily="50" charset="-128"/>
+                  </a:rPr>
+                  <a:t>OnInitialize and OnLoaded</a:t>
+                </a:r>
+              </a:p>
+              <a:p>
+                <a:pPr algn="r"/>
+                <a:r>
+                  <a:rPr lang="en-US" altLang="ja-JP" dirty="0">
+                    <a:solidFill>
+                      <a:srgbClr val="C00000"/>
+                    </a:solidFill>
+                    <a:latin typeface="M+ 1c light" panose="020B0403020204020204" pitchFamily="50" charset="-128"/>
+                    <a:ea typeface="M+ 1c light" panose="020B0403020204020204" pitchFamily="50" charset="-128"/>
+                    <a:cs typeface="M+ 1c light" panose="020B0403020204020204" pitchFamily="50" charset="-128"/>
+                  </a:rPr>
+                  <a:t>Top-down</a:t>
+                </a:r>
+              </a:p>
+              <a:p>
+                <a:pPr algn="r"/>
+                <a:r>
+                  <a:rPr lang="en-US" altLang="ja-JP" dirty="0">
+                    <a:solidFill>
+                      <a:srgbClr val="C00000"/>
+                    </a:solidFill>
+                    <a:latin typeface="M+ 1c light" panose="020B0403020204020204" pitchFamily="50" charset="-128"/>
+                    <a:ea typeface="M+ 1c light" panose="020B0403020204020204" pitchFamily="50" charset="-128"/>
+                    <a:cs typeface="M+ 1c light" panose="020B0403020204020204" pitchFamily="50" charset="-128"/>
+                  </a:rPr>
+                  <a:t>Notification</a:t>
+                </a:r>
+              </a:p>
+            </p:txBody>
+          </p:sp>
+          <p:pic>
+            <p:nvPicPr>
+              <p:cNvPr id="7" name="図 6">
+                <a:extLst>
+                  <a:ext uri="{FF2B5EF4-FFF2-40B4-BE49-F238E27FC236}">
+                    <a16:creationId xmlns:a16="http://schemas.microsoft.com/office/drawing/2014/main" id="{05E915FF-3C0F-45F7-BB3B-6BD3F55DDB34}"/>
+                  </a:ext>
+                </a:extLst>
+              </p:cNvPr>
+              <p:cNvPicPr>
+                <a:picLocks noChangeAspect="1"/>
+              </p:cNvPicPr>
+              <p:nvPr/>
+            </p:nvPicPr>
+            <p:blipFill>
+              <a:blip r:embed="rId2">
+                <a:extLst>
+                  <a:ext uri="{28A0092B-C50C-407E-A947-70E740481C1C}">
+                    <a14:useLocalDpi xmlns:a14="http://schemas.microsoft.com/office/drawing/2010/main" val="0"/>
+                  </a:ext>
+                </a:extLst>
+              </a:blip>
+              <a:stretch>
+                <a:fillRect/>
+              </a:stretch>
+            </p:blipFill>
+            <p:spPr>
+              <a:xfrm>
+                <a:off x="2401453" y="862041"/>
+                <a:ext cx="538909" cy="936000"/>
+              </a:xfrm>
+              <a:prstGeom prst="rect">
+                <a:avLst/>
+              </a:prstGeom>
+            </p:spPr>
+          </p:pic>
+          <p:sp>
+            <p:nvSpPr>
+              <p:cNvPr id="8" name="テキスト ボックス 7">
+                <a:extLst>
+                  <a:ext uri="{FF2B5EF4-FFF2-40B4-BE49-F238E27FC236}">
+                    <a16:creationId xmlns:a16="http://schemas.microsoft.com/office/drawing/2014/main" id="{CDB674C0-E7E4-478C-8D5D-5E91BAAED74C}"/>
+                  </a:ext>
+                </a:extLst>
+              </p:cNvPr>
+              <p:cNvSpPr txBox="1"/>
+              <p:nvPr/>
+            </p:nvSpPr>
+            <p:spPr>
+              <a:xfrm>
+                <a:off x="2030905" y="1781029"/>
+                <a:ext cx="1268296" cy="246221"/>
+              </a:xfrm>
+              <a:prstGeom prst="rect">
+                <a:avLst/>
+              </a:prstGeom>
+              <a:noFill/>
+            </p:spPr>
+            <p:txBody>
+              <a:bodyPr wrap="none" rtlCol="0">
+                <a:spAutoFit/>
+              </a:bodyPr>
+              <a:lstStyle/>
+              <a:p>
+                <a:pPr algn="ctr"/>
+                <a:r>
+                  <a:rPr lang="en-US" altLang="ja-JP" sz="1000" dirty="0">
+                    <a:latin typeface="M+ 2p light" panose="020B0402020203020204" pitchFamily="50" charset="-128"/>
+                    <a:ea typeface="M+ 2p light" panose="020B0402020203020204" pitchFamily="50" charset="-128"/>
+                    <a:cs typeface="M+ 2p light" panose="020B0402020203020204" pitchFamily="50" charset="-128"/>
+                  </a:rPr>
+                  <a:t>MasterDetailPage</a:t>
+                </a:r>
+                <a:endParaRPr lang="ja-JP" altLang="en-US" sz="1000" dirty="0">
+                  <a:latin typeface="M+ 2p light" panose="020B0402020203020204" pitchFamily="50" charset="-128"/>
+                  <a:ea typeface="M+ 2p light" panose="020B0402020203020204" pitchFamily="50" charset="-128"/>
+                  <a:cs typeface="M+ 2p light" panose="020B0402020203020204" pitchFamily="50" charset="-128"/>
+                </a:endParaRPr>
+              </a:p>
+            </p:txBody>
+          </p:sp>
+          <p:sp>
+            <p:nvSpPr>
+              <p:cNvPr id="6" name="テキスト ボックス 5">
+                <a:extLst>
+                  <a:ext uri="{FF2B5EF4-FFF2-40B4-BE49-F238E27FC236}">
+                    <a16:creationId xmlns:a16="http://schemas.microsoft.com/office/drawing/2014/main" id="{EB8E24CE-1D83-4B91-96FB-FC828262CD1C}"/>
+                  </a:ext>
+                </a:extLst>
+              </p:cNvPr>
+              <p:cNvSpPr txBox="1"/>
+              <p:nvPr/>
+            </p:nvSpPr>
+            <p:spPr>
+              <a:xfrm>
+                <a:off x="2235531" y="1188158"/>
+                <a:ext cx="870751" cy="276999"/>
+              </a:xfrm>
+              <a:prstGeom prst="rect">
+                <a:avLst/>
+              </a:prstGeom>
+              <a:noFill/>
+            </p:spPr>
+            <p:txBody>
+              <a:bodyPr wrap="none" rtlCol="0">
+                <a:spAutoFit/>
+              </a:bodyPr>
+              <a:lstStyle/>
+              <a:p>
+                <a:pPr algn="ctr"/>
+                <a:r>
+                  <a:rPr lang="en-US" altLang="ja-JP" sz="1200" dirty="0">
+                    <a:solidFill>
+                      <a:srgbClr val="002060"/>
+                    </a:solidFill>
+                    <a:latin typeface="M+ 2p light" panose="020B0402020203020204" pitchFamily="50" charset="-128"/>
+                    <a:ea typeface="M+ 2p light" panose="020B0402020203020204" pitchFamily="50" charset="-128"/>
+                    <a:cs typeface="M+ 2p light" panose="020B0402020203020204" pitchFamily="50" charset="-128"/>
+                  </a:rPr>
+                  <a:t>MainPage</a:t>
+                </a:r>
+                <a:endParaRPr lang="ja-JP" altLang="en-US" sz="1200" dirty="0">
+                  <a:solidFill>
+                    <a:srgbClr val="002060"/>
+                  </a:solidFill>
+                  <a:latin typeface="M+ 2p light" panose="020B0402020203020204" pitchFamily="50" charset="-128"/>
+                  <a:ea typeface="M+ 2p light" panose="020B0402020203020204" pitchFamily="50" charset="-128"/>
+                  <a:cs typeface="M+ 2p light" panose="020B0402020203020204" pitchFamily="50" charset="-128"/>
+                </a:endParaRPr>
+              </a:p>
+            </p:txBody>
+          </p:sp>
+          <p:grpSp>
+            <p:nvGrpSpPr>
+              <p:cNvPr id="103" name="グループ化 102">
+                <a:extLst>
+                  <a:ext uri="{FF2B5EF4-FFF2-40B4-BE49-F238E27FC236}">
+                    <a16:creationId xmlns:a16="http://schemas.microsoft.com/office/drawing/2014/main" id="{4C5B8D45-3903-4594-BCD3-777667268F19}"/>
+                  </a:ext>
+                </a:extLst>
+              </p:cNvPr>
+              <p:cNvGrpSpPr/>
+              <p:nvPr/>
+            </p:nvGrpSpPr>
+            <p:grpSpPr>
+              <a:xfrm>
+                <a:off x="2363787" y="4805088"/>
+                <a:ext cx="978152" cy="1398012"/>
+                <a:chOff x="2363787" y="5238222"/>
+                <a:chExt cx="978152" cy="1398012"/>
+              </a:xfrm>
+            </p:grpSpPr>
+            <p:pic>
+              <p:nvPicPr>
+                <p:cNvPr id="9" name="図 8">
+                  <a:extLst>
+                    <a:ext uri="{FF2B5EF4-FFF2-40B4-BE49-F238E27FC236}">
+                      <a16:creationId xmlns:a16="http://schemas.microsoft.com/office/drawing/2014/main" id="{D7AB81FE-D661-49B9-B57B-82BF65465522}"/>
+                    </a:ext>
+                  </a:extLst>
+                </p:cNvPr>
+                <p:cNvPicPr>
+                  <a:picLocks noChangeAspect="1"/>
+                </p:cNvPicPr>
+                <p:nvPr/>
+              </p:nvPicPr>
+              <p:blipFill>
+                <a:blip r:embed="rId3">
+                  <a:extLst>
+                    <a:ext uri="{28A0092B-C50C-407E-A947-70E740481C1C}">
+                      <a14:useLocalDpi xmlns:a14="http://schemas.microsoft.com/office/drawing/2010/main" val="0"/>
+                    </a:ext>
+                  </a:extLst>
+                </a:blip>
+                <a:stretch>
+                  <a:fillRect/>
+                </a:stretch>
+              </p:blipFill>
+              <p:spPr>
+                <a:xfrm>
+                  <a:off x="2583409" y="5454013"/>
+                  <a:ext cx="538909" cy="936000"/>
+                </a:xfrm>
+                <a:prstGeom prst="rect">
+                  <a:avLst/>
+                </a:prstGeom>
+              </p:spPr>
+            </p:pic>
+            <p:sp>
+              <p:nvSpPr>
+                <p:cNvPr id="32" name="テキスト ボックス 31">
+                  <a:extLst>
+                    <a:ext uri="{FF2B5EF4-FFF2-40B4-BE49-F238E27FC236}">
+                      <a16:creationId xmlns:a16="http://schemas.microsoft.com/office/drawing/2014/main" id="{FD545DCA-4B37-4C6C-B275-8C6CE6775790}"/>
+                    </a:ext>
+                  </a:extLst>
+                </p:cNvPr>
+                <p:cNvSpPr txBox="1"/>
+                <p:nvPr/>
+              </p:nvSpPr>
+              <p:spPr>
+                <a:xfrm>
+                  <a:off x="2472791" y="5855513"/>
+                  <a:ext cx="760144" cy="276999"/>
+                </a:xfrm>
+                <a:prstGeom prst="rect">
+                  <a:avLst/>
+                </a:prstGeom>
+                <a:noFill/>
+              </p:spPr>
+              <p:txBody>
+                <a:bodyPr wrap="none" rtlCol="0">
+                  <a:spAutoFit/>
+                </a:bodyPr>
+                <a:lstStyle/>
+                <a:p>
+                  <a:pPr algn="ctr"/>
+                  <a:r>
+                    <a:rPr lang="en-US" altLang="ja-JP" sz="1200" dirty="0">
+                      <a:solidFill>
+                        <a:srgbClr val="002060"/>
+                      </a:solidFill>
+                      <a:latin typeface="M+ 2p light" panose="020B0402020203020204" pitchFamily="50" charset="-128"/>
+                      <a:ea typeface="M+ 2p light" panose="020B0402020203020204" pitchFamily="50" charset="-128"/>
+                      <a:cs typeface="M+ 2p light" panose="020B0402020203020204" pitchFamily="50" charset="-128"/>
+                    </a:rPr>
+                    <a:t>Current</a:t>
+                  </a:r>
+                  <a:endParaRPr lang="ja-JP" altLang="en-US" sz="1200" dirty="0">
+                    <a:solidFill>
+                      <a:srgbClr val="002060"/>
+                    </a:solidFill>
+                    <a:latin typeface="M+ 2p light" panose="020B0402020203020204" pitchFamily="50" charset="-128"/>
+                    <a:ea typeface="M+ 2p light" panose="020B0402020203020204" pitchFamily="50" charset="-128"/>
+                    <a:cs typeface="M+ 2p light" panose="020B0402020203020204" pitchFamily="50" charset="-128"/>
+                  </a:endParaRPr>
+                </a:p>
+              </p:txBody>
+            </p:sp>
+            <p:sp>
+              <p:nvSpPr>
+                <p:cNvPr id="37" name="テキスト ボックス 36">
+                  <a:extLst>
+                    <a:ext uri="{FF2B5EF4-FFF2-40B4-BE49-F238E27FC236}">
+                      <a16:creationId xmlns:a16="http://schemas.microsoft.com/office/drawing/2014/main" id="{00F1FBEE-BF9E-484C-9A67-DDD521CAAF27}"/>
+                    </a:ext>
+                  </a:extLst>
+                </p:cNvPr>
+                <p:cNvSpPr txBox="1"/>
+                <p:nvPr/>
+              </p:nvSpPr>
+              <p:spPr>
+                <a:xfrm>
+                  <a:off x="2363787" y="6390013"/>
+                  <a:ext cx="978152" cy="246221"/>
+                </a:xfrm>
+                <a:prstGeom prst="rect">
+                  <a:avLst/>
+                </a:prstGeom>
+                <a:noFill/>
+              </p:spPr>
+              <p:txBody>
+                <a:bodyPr wrap="none" rtlCol="0">
+                  <a:spAutoFit/>
+                </a:bodyPr>
+                <a:lstStyle/>
+                <a:p>
+                  <a:pPr algn="ctr"/>
+                  <a:r>
+                    <a:rPr lang="en-US" altLang="ja-JP" sz="1000" dirty="0">
+                      <a:latin typeface="M+ 2p light" panose="020B0402020203020204" pitchFamily="50" charset="-128"/>
+                      <a:ea typeface="M+ 2p light" panose="020B0402020203020204" pitchFamily="50" charset="-128"/>
+                      <a:cs typeface="M+ 2p light" panose="020B0402020203020204" pitchFamily="50" charset="-128"/>
+                    </a:rPr>
+                    <a:t>ContentPage</a:t>
+                  </a:r>
+                  <a:endParaRPr lang="ja-JP" altLang="en-US" sz="1000" dirty="0">
+                    <a:latin typeface="M+ 2p light" panose="020B0402020203020204" pitchFamily="50" charset="-128"/>
+                    <a:ea typeface="M+ 2p light" panose="020B0402020203020204" pitchFamily="50" charset="-128"/>
+                    <a:cs typeface="M+ 2p light" panose="020B0402020203020204" pitchFamily="50" charset="-128"/>
+                  </a:endParaRPr>
+                </a:p>
+              </p:txBody>
+            </p:sp>
+            <p:sp>
+              <p:nvSpPr>
+                <p:cNvPr id="39" name="三角形 14">
+                  <a:extLst>
+                    <a:ext uri="{FF2B5EF4-FFF2-40B4-BE49-F238E27FC236}">
+                      <a16:creationId xmlns:a16="http://schemas.microsoft.com/office/drawing/2014/main" id="{E467953B-47CD-4A5F-B08C-7F55BDBF4EB3}"/>
+                    </a:ext>
+                  </a:extLst>
+                </p:cNvPr>
+                <p:cNvSpPr/>
+                <p:nvPr/>
+              </p:nvSpPr>
+              <p:spPr>
+                <a:xfrm rot="10800000">
+                  <a:off x="2721168" y="5238222"/>
+                  <a:ext cx="263391" cy="167557"/>
+                </a:xfrm>
+                <a:prstGeom prst="triangle">
+                  <a:avLst/>
+                </a:prstGeom>
+                <a:solidFill>
+                  <a:srgbClr val="0099FF"/>
+                </a:solidFill>
+                <a:ln>
+                  <a:noFill/>
+                </a:ln>
+              </p:spPr>
+              <p:style>
+                <a:lnRef idx="2">
+                  <a:schemeClr val="accent1">
+                    <a:shade val="50000"/>
+                  </a:schemeClr>
+                </a:lnRef>
+                <a:fillRef idx="1">
+                  <a:schemeClr val="accent1"/>
+                </a:fillRef>
+                <a:effectRef idx="0">
+                  <a:schemeClr val="accent1"/>
+                </a:effectRef>
+                <a:fontRef idx="minor">
+                  <a:schemeClr val="lt1"/>
+                </a:fontRef>
+              </p:style>
+              <p:txBody>
+                <a:bodyPr rtlCol="0" anchor="ctr"/>
+                <a:lstStyle/>
+                <a:p>
+                  <a:pPr algn="ctr"/>
+                  <a:endParaRPr lang="ja-JP" altLang="en-US" sz="1000" dirty="0">
+                    <a:latin typeface="M+ 2p light" panose="020B0402020203020204" pitchFamily="50" charset="-128"/>
+                    <a:ea typeface="M+ 2p light" panose="020B0402020203020204" pitchFamily="50" charset="-128"/>
+                    <a:cs typeface="M+ 2p light" panose="020B0402020203020204" pitchFamily="50" charset="-128"/>
+                  </a:endParaRPr>
+                </a:p>
+              </p:txBody>
+            </p:sp>
+          </p:grpSp>
+          <p:grpSp>
+            <p:nvGrpSpPr>
+              <p:cNvPr id="102" name="グループ化 101">
+                <a:extLst>
+                  <a:ext uri="{FF2B5EF4-FFF2-40B4-BE49-F238E27FC236}">
+                    <a16:creationId xmlns:a16="http://schemas.microsoft.com/office/drawing/2014/main" id="{C39A84CB-4798-495F-B08C-2057058F4FCA}"/>
+                  </a:ext>
+                </a:extLst>
+              </p:cNvPr>
+              <p:cNvGrpSpPr/>
+              <p:nvPr/>
+            </p:nvGrpSpPr>
+            <p:grpSpPr>
+              <a:xfrm>
+                <a:off x="3481884" y="4811724"/>
+                <a:ext cx="978152" cy="1360565"/>
+                <a:chOff x="3481884" y="5252879"/>
+                <a:chExt cx="978152" cy="1360565"/>
+              </a:xfrm>
+            </p:grpSpPr>
+            <p:pic>
+              <p:nvPicPr>
+                <p:cNvPr id="29" name="図 28">
+                  <a:extLst>
+                    <a:ext uri="{FF2B5EF4-FFF2-40B4-BE49-F238E27FC236}">
+                      <a16:creationId xmlns:a16="http://schemas.microsoft.com/office/drawing/2014/main" id="{59911F09-4545-4941-9F46-427B69C2F45C}"/>
+                    </a:ext>
+                  </a:extLst>
+                </p:cNvPr>
+                <p:cNvPicPr>
+                  <a:picLocks noChangeAspect="1"/>
+                </p:cNvPicPr>
+                <p:nvPr/>
+              </p:nvPicPr>
+              <p:blipFill>
+                <a:blip r:embed="rId3">
+                  <a:extLst>
+                    <a:ext uri="{28A0092B-C50C-407E-A947-70E740481C1C}">
+                      <a14:useLocalDpi xmlns:a14="http://schemas.microsoft.com/office/drawing/2010/main" val="0"/>
+                    </a:ext>
+                  </a:extLst>
+                </a:blip>
+                <a:stretch>
+                  <a:fillRect/>
+                </a:stretch>
+              </p:blipFill>
+              <p:spPr>
+                <a:xfrm>
+                  <a:off x="3701506" y="5454013"/>
+                  <a:ext cx="538909" cy="936000"/>
+                </a:xfrm>
+                <a:prstGeom prst="rect">
+                  <a:avLst/>
+                </a:prstGeom>
+              </p:spPr>
+            </p:pic>
+            <p:sp>
+              <p:nvSpPr>
+                <p:cNvPr id="34" name="テキスト ボックス 33">
+                  <a:extLst>
+                    <a:ext uri="{FF2B5EF4-FFF2-40B4-BE49-F238E27FC236}">
+                      <a16:creationId xmlns:a16="http://schemas.microsoft.com/office/drawing/2014/main" id="{0AE98377-A1F1-4CB0-9593-334AF5E1E5F7}"/>
+                    </a:ext>
+                  </a:extLst>
+                </p:cNvPr>
+                <p:cNvSpPr txBox="1"/>
+                <p:nvPr/>
+              </p:nvSpPr>
+              <p:spPr>
+                <a:xfrm>
+                  <a:off x="3590888" y="5855513"/>
+                  <a:ext cx="760144" cy="276999"/>
+                </a:xfrm>
+                <a:prstGeom prst="rect">
+                  <a:avLst/>
+                </a:prstGeom>
+                <a:noFill/>
+              </p:spPr>
+              <p:txBody>
+                <a:bodyPr wrap="none" rtlCol="0">
+                  <a:spAutoFit/>
+                </a:bodyPr>
+                <a:lstStyle/>
+                <a:p>
+                  <a:pPr algn="ctr"/>
+                  <a:r>
+                    <a:rPr lang="en-US" altLang="ja-JP" sz="1200" dirty="0">
+                      <a:solidFill>
+                        <a:srgbClr val="002060"/>
+                      </a:solidFill>
+                      <a:latin typeface="M+ 2p light" panose="020B0402020203020204" pitchFamily="50" charset="-128"/>
+                      <a:ea typeface="M+ 2p light" panose="020B0402020203020204" pitchFamily="50" charset="-128"/>
+                      <a:cs typeface="M+ 2p light" panose="020B0402020203020204" pitchFamily="50" charset="-128"/>
+                    </a:rPr>
+                    <a:t>Current</a:t>
+                  </a:r>
+                  <a:endParaRPr lang="ja-JP" altLang="en-US" sz="1200" dirty="0">
+                    <a:solidFill>
+                      <a:srgbClr val="002060"/>
+                    </a:solidFill>
+                    <a:latin typeface="M+ 2p light" panose="020B0402020203020204" pitchFamily="50" charset="-128"/>
+                    <a:ea typeface="M+ 2p light" panose="020B0402020203020204" pitchFamily="50" charset="-128"/>
+                    <a:cs typeface="M+ 2p light" panose="020B0402020203020204" pitchFamily="50" charset="-128"/>
+                  </a:endParaRPr>
+                </a:p>
+              </p:txBody>
+            </p:sp>
+            <p:sp>
+              <p:nvSpPr>
+                <p:cNvPr id="38" name="テキスト ボックス 37">
+                  <a:extLst>
+                    <a:ext uri="{FF2B5EF4-FFF2-40B4-BE49-F238E27FC236}">
+                      <a16:creationId xmlns:a16="http://schemas.microsoft.com/office/drawing/2014/main" id="{E4407B84-8818-4865-AD21-AA618113C7EE}"/>
+                    </a:ext>
+                  </a:extLst>
+                </p:cNvPr>
+                <p:cNvSpPr txBox="1"/>
+                <p:nvPr/>
+              </p:nvSpPr>
+              <p:spPr>
+                <a:xfrm>
+                  <a:off x="3481884" y="6367223"/>
+                  <a:ext cx="978152" cy="246221"/>
+                </a:xfrm>
+                <a:prstGeom prst="rect">
+                  <a:avLst/>
+                </a:prstGeom>
+                <a:noFill/>
+              </p:spPr>
+              <p:txBody>
+                <a:bodyPr wrap="none" rtlCol="0">
+                  <a:spAutoFit/>
+                </a:bodyPr>
+                <a:lstStyle/>
+                <a:p>
+                  <a:pPr algn="ctr"/>
+                  <a:r>
+                    <a:rPr lang="en-US" altLang="ja-JP" sz="1000" dirty="0">
+                      <a:latin typeface="M+ 2p light" panose="020B0402020203020204" pitchFamily="50" charset="-128"/>
+                      <a:ea typeface="M+ 2p light" panose="020B0402020203020204" pitchFamily="50" charset="-128"/>
+                      <a:cs typeface="M+ 2p light" panose="020B0402020203020204" pitchFamily="50" charset="-128"/>
+                    </a:rPr>
+                    <a:t>ContentPage</a:t>
+                  </a:r>
+                  <a:endParaRPr lang="ja-JP" altLang="en-US" sz="1000" dirty="0">
+                    <a:latin typeface="M+ 2p light" panose="020B0402020203020204" pitchFamily="50" charset="-128"/>
+                    <a:ea typeface="M+ 2p light" panose="020B0402020203020204" pitchFamily="50" charset="-128"/>
+                    <a:cs typeface="M+ 2p light" panose="020B0402020203020204" pitchFamily="50" charset="-128"/>
+                  </a:endParaRPr>
+                </a:p>
+              </p:txBody>
+            </p:sp>
+            <p:sp>
+              <p:nvSpPr>
+                <p:cNvPr id="40" name="三角形 14">
+                  <a:extLst>
+                    <a:ext uri="{FF2B5EF4-FFF2-40B4-BE49-F238E27FC236}">
+                      <a16:creationId xmlns:a16="http://schemas.microsoft.com/office/drawing/2014/main" id="{721B7F63-3167-44AD-B1B2-296962DC812F}"/>
+                    </a:ext>
+                  </a:extLst>
+                </p:cNvPr>
+                <p:cNvSpPr/>
+                <p:nvPr/>
+              </p:nvSpPr>
+              <p:spPr>
+                <a:xfrm rot="10800000">
+                  <a:off x="3839265" y="5252879"/>
+                  <a:ext cx="263391" cy="167557"/>
+                </a:xfrm>
+                <a:prstGeom prst="triangle">
+                  <a:avLst/>
+                </a:prstGeom>
+                <a:solidFill>
+                  <a:srgbClr val="0099FF"/>
+                </a:solidFill>
+                <a:ln>
+                  <a:noFill/>
+                </a:ln>
+              </p:spPr>
+              <p:style>
+                <a:lnRef idx="2">
+                  <a:schemeClr val="accent1">
+                    <a:shade val="50000"/>
+                  </a:schemeClr>
+                </a:lnRef>
+                <a:fillRef idx="1">
+                  <a:schemeClr val="accent1"/>
+                </a:fillRef>
+                <a:effectRef idx="0">
+                  <a:schemeClr val="accent1"/>
+                </a:effectRef>
+                <a:fontRef idx="minor">
+                  <a:schemeClr val="lt1"/>
+                </a:fontRef>
+              </p:style>
+              <p:txBody>
+                <a:bodyPr rtlCol="0" anchor="ctr"/>
+                <a:lstStyle/>
+                <a:p>
+                  <a:pPr algn="ctr"/>
+                  <a:endParaRPr lang="ja-JP" altLang="en-US" sz="1000" dirty="0">
+                    <a:latin typeface="M+ 2p light" panose="020B0402020203020204" pitchFamily="50" charset="-128"/>
+                    <a:ea typeface="M+ 2p light" panose="020B0402020203020204" pitchFamily="50" charset="-128"/>
+                    <a:cs typeface="M+ 2p light" panose="020B0402020203020204" pitchFamily="50" charset="-128"/>
+                  </a:endParaRPr>
+                </a:p>
+              </p:txBody>
+            </p:sp>
+          </p:grpSp>
+          <p:grpSp>
+            <p:nvGrpSpPr>
+              <p:cNvPr id="101" name="グループ化 100">
+                <a:extLst>
+                  <a:ext uri="{FF2B5EF4-FFF2-40B4-BE49-F238E27FC236}">
+                    <a16:creationId xmlns:a16="http://schemas.microsoft.com/office/drawing/2014/main" id="{099C3C20-CF4F-4602-93A2-8836D40B4ED4}"/>
+                  </a:ext>
+                </a:extLst>
+              </p:cNvPr>
+              <p:cNvGrpSpPr/>
+              <p:nvPr/>
+            </p:nvGrpSpPr>
+            <p:grpSpPr>
+              <a:xfrm>
+                <a:off x="2264072" y="3417337"/>
+                <a:ext cx="1133644" cy="1376850"/>
+                <a:chOff x="2264072" y="3706093"/>
+                <a:chExt cx="1133644" cy="1376850"/>
+              </a:xfrm>
+            </p:grpSpPr>
+            <p:pic>
+              <p:nvPicPr>
+                <p:cNvPr id="15" name="図 14">
+                  <a:extLst>
+                    <a:ext uri="{FF2B5EF4-FFF2-40B4-BE49-F238E27FC236}">
+                      <a16:creationId xmlns:a16="http://schemas.microsoft.com/office/drawing/2014/main" id="{F9794258-0EEC-46CB-B32D-BB81A350F9A0}"/>
+                    </a:ext>
+                  </a:extLst>
+                </p:cNvPr>
+                <p:cNvPicPr>
+                  <a:picLocks noChangeAspect="1"/>
+                </p:cNvPicPr>
+                <p:nvPr/>
+              </p:nvPicPr>
+              <p:blipFill>
+                <a:blip r:embed="rId4">
+                  <a:extLst>
+                    <a:ext uri="{28A0092B-C50C-407E-A947-70E740481C1C}">
+                      <a14:useLocalDpi xmlns:a14="http://schemas.microsoft.com/office/drawing/2010/main" val="0"/>
+                    </a:ext>
+                  </a:extLst>
+                </a:blip>
+                <a:stretch>
+                  <a:fillRect/>
+                </a:stretch>
+              </p:blipFill>
+              <p:spPr>
+                <a:xfrm>
+                  <a:off x="2561440" y="3916818"/>
+                  <a:ext cx="538909" cy="936000"/>
+                </a:xfrm>
+                <a:prstGeom prst="rect">
+                  <a:avLst/>
+                </a:prstGeom>
+              </p:spPr>
+            </p:pic>
+            <p:sp>
+              <p:nvSpPr>
+                <p:cNvPr id="16" name="テキスト ボックス 15">
+                  <a:extLst>
+                    <a:ext uri="{FF2B5EF4-FFF2-40B4-BE49-F238E27FC236}">
+                      <a16:creationId xmlns:a16="http://schemas.microsoft.com/office/drawing/2014/main" id="{9C88A583-1C35-4D6C-A38A-4C9A742CE068}"/>
+                    </a:ext>
+                  </a:extLst>
+                </p:cNvPr>
+                <p:cNvSpPr txBox="1"/>
+                <p:nvPr/>
+              </p:nvSpPr>
+              <p:spPr>
+                <a:xfrm>
+                  <a:off x="2264072" y="4836722"/>
+                  <a:ext cx="1133644" cy="246221"/>
+                </a:xfrm>
+                <a:prstGeom prst="rect">
+                  <a:avLst/>
+                </a:prstGeom>
+                <a:noFill/>
+              </p:spPr>
+              <p:txBody>
+                <a:bodyPr wrap="none" rtlCol="0">
+                  <a:spAutoFit/>
+                </a:bodyPr>
+                <a:lstStyle/>
+                <a:p>
+                  <a:pPr algn="ctr"/>
+                  <a:r>
+                    <a:rPr lang="en-US" altLang="ja-JP" sz="1000" dirty="0">
+                      <a:latin typeface="M+ 2p light" panose="020B0402020203020204" pitchFamily="50" charset="-128"/>
+                      <a:ea typeface="M+ 2p light" panose="020B0402020203020204" pitchFamily="50" charset="-128"/>
+                      <a:cs typeface="M+ 2p light" panose="020B0402020203020204" pitchFamily="50" charset="-128"/>
+                    </a:rPr>
+                    <a:t>NavigationPage</a:t>
+                  </a:r>
+                  <a:endParaRPr lang="ja-JP" altLang="en-US" sz="1000" dirty="0">
+                    <a:latin typeface="M+ 2p light" panose="020B0402020203020204" pitchFamily="50" charset="-128"/>
+                    <a:ea typeface="M+ 2p light" panose="020B0402020203020204" pitchFamily="50" charset="-128"/>
+                    <a:cs typeface="M+ 2p light" panose="020B0402020203020204" pitchFamily="50" charset="-128"/>
+                  </a:endParaRPr>
+                </a:p>
+              </p:txBody>
+            </p:sp>
+            <p:sp>
+              <p:nvSpPr>
+                <p:cNvPr id="13" name="テキスト ボックス 12">
+                  <a:extLst>
+                    <a:ext uri="{FF2B5EF4-FFF2-40B4-BE49-F238E27FC236}">
+                      <a16:creationId xmlns:a16="http://schemas.microsoft.com/office/drawing/2014/main" id="{28BABBEB-D44F-41DF-8D00-3ED076D01993}"/>
+                    </a:ext>
+                  </a:extLst>
+                </p:cNvPr>
+                <p:cNvSpPr txBox="1"/>
+                <p:nvPr/>
+              </p:nvSpPr>
+              <p:spPr>
+                <a:xfrm>
+                  <a:off x="2555017" y="4318318"/>
+                  <a:ext cx="551754" cy="276999"/>
+                </a:xfrm>
+                <a:prstGeom prst="rect">
+                  <a:avLst/>
+                </a:prstGeom>
+                <a:noFill/>
+              </p:spPr>
+              <p:txBody>
+                <a:bodyPr wrap="none" rtlCol="0">
+                  <a:spAutoFit/>
+                </a:bodyPr>
+                <a:lstStyle/>
+                <a:p>
+                  <a:pPr algn="ctr"/>
+                  <a:r>
+                    <a:rPr lang="en-US" altLang="ja-JP" sz="1200" dirty="0">
+                      <a:solidFill>
+                        <a:srgbClr val="002060"/>
+                      </a:solidFill>
+                      <a:latin typeface="M+ 2p light" panose="020B0402020203020204" pitchFamily="50" charset="-128"/>
+                      <a:ea typeface="M+ 2p light" panose="020B0402020203020204" pitchFamily="50" charset="-128"/>
+                      <a:cs typeface="M+ 2p light" panose="020B0402020203020204" pitchFamily="50" charset="-128"/>
+                    </a:rPr>
+                    <a:t>Tab1</a:t>
+                  </a:r>
+                  <a:endParaRPr lang="ja-JP" altLang="en-US" sz="1200" dirty="0">
+                    <a:solidFill>
+                      <a:srgbClr val="002060"/>
+                    </a:solidFill>
+                    <a:latin typeface="M+ 2p light" panose="020B0402020203020204" pitchFamily="50" charset="-128"/>
+                    <a:ea typeface="M+ 2p light" panose="020B0402020203020204" pitchFamily="50" charset="-128"/>
+                    <a:cs typeface="M+ 2p light" panose="020B0402020203020204" pitchFamily="50" charset="-128"/>
+                  </a:endParaRPr>
+                </a:p>
+              </p:txBody>
+            </p:sp>
+            <p:sp>
+              <p:nvSpPr>
+                <p:cNvPr id="41" name="三角形 14">
+                  <a:extLst>
+                    <a:ext uri="{FF2B5EF4-FFF2-40B4-BE49-F238E27FC236}">
+                      <a16:creationId xmlns:a16="http://schemas.microsoft.com/office/drawing/2014/main" id="{2A0FB2DA-E362-4D32-A07C-C2AAD9FE665F}"/>
+                    </a:ext>
+                  </a:extLst>
+                </p:cNvPr>
+                <p:cNvSpPr/>
+                <p:nvPr/>
+              </p:nvSpPr>
+              <p:spPr>
+                <a:xfrm rot="10800000">
+                  <a:off x="2699199" y="3706093"/>
+                  <a:ext cx="263391" cy="167557"/>
+                </a:xfrm>
+                <a:prstGeom prst="triangle">
+                  <a:avLst/>
+                </a:prstGeom>
+                <a:solidFill>
+                  <a:srgbClr val="0099FF"/>
+                </a:solidFill>
+                <a:ln>
+                  <a:noFill/>
+                </a:ln>
+              </p:spPr>
+              <p:style>
+                <a:lnRef idx="2">
+                  <a:schemeClr val="accent1">
+                    <a:shade val="50000"/>
+                  </a:schemeClr>
+                </a:lnRef>
+                <a:fillRef idx="1">
+                  <a:schemeClr val="accent1"/>
+                </a:fillRef>
+                <a:effectRef idx="0">
+                  <a:schemeClr val="accent1"/>
+                </a:effectRef>
+                <a:fontRef idx="minor">
+                  <a:schemeClr val="lt1"/>
+                </a:fontRef>
+              </p:style>
+              <p:txBody>
+                <a:bodyPr rtlCol="0" anchor="ctr"/>
+                <a:lstStyle/>
+                <a:p>
+                  <a:pPr algn="ctr"/>
+                  <a:endParaRPr lang="ja-JP" altLang="en-US" sz="1000" dirty="0">
+                    <a:latin typeface="M+ 2p light" panose="020B0402020203020204" pitchFamily="50" charset="-128"/>
+                    <a:ea typeface="M+ 2p light" panose="020B0402020203020204" pitchFamily="50" charset="-128"/>
+                    <a:cs typeface="M+ 2p light" panose="020B0402020203020204" pitchFamily="50" charset="-128"/>
+                  </a:endParaRPr>
+                </a:p>
+              </p:txBody>
+            </p:sp>
+          </p:grpSp>
+          <p:grpSp>
+            <p:nvGrpSpPr>
+              <p:cNvPr id="24" name="グループ化 23">
+                <a:extLst>
+                  <a:ext uri="{FF2B5EF4-FFF2-40B4-BE49-F238E27FC236}">
+                    <a16:creationId xmlns:a16="http://schemas.microsoft.com/office/drawing/2014/main" id="{337B86F3-E8EF-459D-BC46-ACD4E2A5E7DF}"/>
+                  </a:ext>
+                </a:extLst>
+              </p:cNvPr>
+              <p:cNvGrpSpPr/>
+              <p:nvPr/>
+            </p:nvGrpSpPr>
+            <p:grpSpPr>
+              <a:xfrm>
+                <a:off x="3404138" y="3417337"/>
+                <a:ext cx="1133644" cy="1376851"/>
+                <a:chOff x="3404138" y="3706093"/>
+                <a:chExt cx="1133644" cy="1376851"/>
+              </a:xfrm>
+            </p:grpSpPr>
+            <p:pic>
+              <p:nvPicPr>
+                <p:cNvPr id="35" name="図 34">
+                  <a:extLst>
+                    <a:ext uri="{FF2B5EF4-FFF2-40B4-BE49-F238E27FC236}">
+                      <a16:creationId xmlns:a16="http://schemas.microsoft.com/office/drawing/2014/main" id="{CDED84D3-E659-42F5-8AB9-6100C484A4F2}"/>
+                    </a:ext>
+                  </a:extLst>
+                </p:cNvPr>
+                <p:cNvPicPr>
+                  <a:picLocks noChangeAspect="1"/>
+                </p:cNvPicPr>
+                <p:nvPr/>
+              </p:nvPicPr>
+              <p:blipFill>
+                <a:blip r:embed="rId4">
+                  <a:extLst>
+                    <a:ext uri="{28A0092B-C50C-407E-A947-70E740481C1C}">
+                      <a14:useLocalDpi xmlns:a14="http://schemas.microsoft.com/office/drawing/2010/main" val="0"/>
+                    </a:ext>
+                  </a:extLst>
+                </a:blip>
+                <a:stretch>
+                  <a:fillRect/>
+                </a:stretch>
+              </p:blipFill>
+              <p:spPr>
+                <a:xfrm>
+                  <a:off x="3701506" y="3908164"/>
+                  <a:ext cx="538909" cy="936000"/>
+                </a:xfrm>
+                <a:prstGeom prst="rect">
+                  <a:avLst/>
+                </a:prstGeom>
+              </p:spPr>
+            </p:pic>
+            <p:sp>
+              <p:nvSpPr>
+                <p:cNvPr id="36" name="テキスト ボックス 35">
+                  <a:extLst>
+                    <a:ext uri="{FF2B5EF4-FFF2-40B4-BE49-F238E27FC236}">
+                      <a16:creationId xmlns:a16="http://schemas.microsoft.com/office/drawing/2014/main" id="{12617F71-8857-461C-B328-0F8ABEC8110F}"/>
+                    </a:ext>
+                  </a:extLst>
+                </p:cNvPr>
+                <p:cNvSpPr txBox="1"/>
+                <p:nvPr/>
+              </p:nvSpPr>
+              <p:spPr>
+                <a:xfrm>
+                  <a:off x="3404138" y="4836723"/>
+                  <a:ext cx="1133644" cy="246221"/>
+                </a:xfrm>
+                <a:prstGeom prst="rect">
+                  <a:avLst/>
+                </a:prstGeom>
+                <a:noFill/>
+              </p:spPr>
+              <p:txBody>
+                <a:bodyPr wrap="none" rtlCol="0">
+                  <a:spAutoFit/>
+                </a:bodyPr>
+                <a:lstStyle/>
+                <a:p>
+                  <a:pPr algn="ctr"/>
+                  <a:r>
+                    <a:rPr lang="en-US" altLang="ja-JP" sz="1000" dirty="0">
+                      <a:latin typeface="M+ 2p light" panose="020B0402020203020204" pitchFamily="50" charset="-128"/>
+                      <a:ea typeface="M+ 2p light" panose="020B0402020203020204" pitchFamily="50" charset="-128"/>
+                      <a:cs typeface="M+ 2p light" panose="020B0402020203020204" pitchFamily="50" charset="-128"/>
+                    </a:rPr>
+                    <a:t>NavigationPage</a:t>
+                  </a:r>
+                  <a:endParaRPr lang="ja-JP" altLang="en-US" sz="1000" dirty="0">
+                    <a:latin typeface="M+ 2p light" panose="020B0402020203020204" pitchFamily="50" charset="-128"/>
+                    <a:ea typeface="M+ 2p light" panose="020B0402020203020204" pitchFamily="50" charset="-128"/>
+                    <a:cs typeface="M+ 2p light" panose="020B0402020203020204" pitchFamily="50" charset="-128"/>
+                  </a:endParaRPr>
+                </a:p>
+              </p:txBody>
+            </p:sp>
+            <p:sp>
+              <p:nvSpPr>
+                <p:cNvPr id="33" name="テキスト ボックス 32">
+                  <a:extLst>
+                    <a:ext uri="{FF2B5EF4-FFF2-40B4-BE49-F238E27FC236}">
+                      <a16:creationId xmlns:a16="http://schemas.microsoft.com/office/drawing/2014/main" id="{721969A1-EE76-490F-B6EB-E1476046A11E}"/>
+                    </a:ext>
+                  </a:extLst>
+                </p:cNvPr>
+                <p:cNvSpPr txBox="1"/>
+                <p:nvPr/>
+              </p:nvSpPr>
+              <p:spPr>
+                <a:xfrm>
+                  <a:off x="3695083" y="4309664"/>
+                  <a:ext cx="551754" cy="276999"/>
+                </a:xfrm>
+                <a:prstGeom prst="rect">
+                  <a:avLst/>
+                </a:prstGeom>
+                <a:noFill/>
+              </p:spPr>
+              <p:txBody>
+                <a:bodyPr wrap="none" rtlCol="0">
+                  <a:spAutoFit/>
+                </a:bodyPr>
+                <a:lstStyle/>
+                <a:p>
+                  <a:pPr algn="ctr"/>
+                  <a:r>
+                    <a:rPr lang="en-US" altLang="ja-JP" sz="1200" dirty="0">
+                      <a:solidFill>
+                        <a:srgbClr val="002060"/>
+                      </a:solidFill>
+                      <a:latin typeface="M+ 2p light" panose="020B0402020203020204" pitchFamily="50" charset="-128"/>
+                      <a:ea typeface="M+ 2p light" panose="020B0402020203020204" pitchFamily="50" charset="-128"/>
+                      <a:cs typeface="M+ 2p light" panose="020B0402020203020204" pitchFamily="50" charset="-128"/>
+                    </a:rPr>
+                    <a:t>Tab2</a:t>
+                  </a:r>
+                  <a:endParaRPr lang="ja-JP" altLang="en-US" sz="1200" dirty="0">
+                    <a:solidFill>
+                      <a:srgbClr val="002060"/>
+                    </a:solidFill>
+                    <a:latin typeface="M+ 2p light" panose="020B0402020203020204" pitchFamily="50" charset="-128"/>
+                    <a:ea typeface="M+ 2p light" panose="020B0402020203020204" pitchFamily="50" charset="-128"/>
+                    <a:cs typeface="M+ 2p light" panose="020B0402020203020204" pitchFamily="50" charset="-128"/>
+                  </a:endParaRPr>
+                </a:p>
+              </p:txBody>
+            </p:sp>
+            <p:sp>
+              <p:nvSpPr>
+                <p:cNvPr id="42" name="三角形 14">
+                  <a:extLst>
+                    <a:ext uri="{FF2B5EF4-FFF2-40B4-BE49-F238E27FC236}">
+                      <a16:creationId xmlns:a16="http://schemas.microsoft.com/office/drawing/2014/main" id="{C6739ED5-1181-4AB5-B226-F2BDCA03DA3A}"/>
+                    </a:ext>
+                  </a:extLst>
+                </p:cNvPr>
+                <p:cNvSpPr/>
+                <p:nvPr/>
+              </p:nvSpPr>
+              <p:spPr>
+                <a:xfrm rot="10800000">
+                  <a:off x="3839265" y="3706093"/>
+                  <a:ext cx="263391" cy="167557"/>
+                </a:xfrm>
+                <a:prstGeom prst="triangle">
+                  <a:avLst/>
+                </a:prstGeom>
+                <a:solidFill>
+                  <a:srgbClr val="0099FF"/>
+                </a:solidFill>
+                <a:ln>
+                  <a:noFill/>
+                </a:ln>
+              </p:spPr>
+              <p:style>
+                <a:lnRef idx="2">
+                  <a:schemeClr val="accent1">
+                    <a:shade val="50000"/>
+                  </a:schemeClr>
+                </a:lnRef>
+                <a:fillRef idx="1">
+                  <a:schemeClr val="accent1"/>
+                </a:fillRef>
+                <a:effectRef idx="0">
+                  <a:schemeClr val="accent1"/>
+                </a:effectRef>
+                <a:fontRef idx="minor">
+                  <a:schemeClr val="lt1"/>
+                </a:fontRef>
+              </p:style>
+              <p:txBody>
+                <a:bodyPr rtlCol="0" anchor="ctr"/>
+                <a:lstStyle/>
+                <a:p>
+                  <a:pPr algn="ctr"/>
+                  <a:endParaRPr lang="ja-JP" altLang="en-US" sz="1000" dirty="0">
+                    <a:latin typeface="M+ 2p light" panose="020B0402020203020204" pitchFamily="50" charset="-128"/>
+                    <a:ea typeface="M+ 2p light" panose="020B0402020203020204" pitchFamily="50" charset="-128"/>
+                    <a:cs typeface="M+ 2p light" panose="020B0402020203020204" pitchFamily="50" charset="-128"/>
+                  </a:endParaRPr>
+                </a:p>
+              </p:txBody>
+            </p:sp>
+          </p:grpSp>
+          <p:sp>
+            <p:nvSpPr>
+              <p:cNvPr id="83" name="テキスト ボックス 82">
+                <a:extLst>
+                  <a:ext uri="{FF2B5EF4-FFF2-40B4-BE49-F238E27FC236}">
+                    <a16:creationId xmlns:a16="http://schemas.microsoft.com/office/drawing/2014/main" id="{CD356094-D536-4A47-ADA5-467A753CD5A3}"/>
+                  </a:ext>
+                </a:extLst>
+              </p:cNvPr>
+              <p:cNvSpPr txBox="1"/>
+              <p:nvPr/>
+            </p:nvSpPr>
+            <p:spPr>
+              <a:xfrm>
+                <a:off x="2142263" y="788702"/>
+                <a:ext cx="441146" cy="400110"/>
+              </a:xfrm>
+              <a:prstGeom prst="rect">
+                <a:avLst/>
+              </a:prstGeom>
+              <a:noFill/>
+            </p:spPr>
+            <p:txBody>
+              <a:bodyPr wrap="none" rtlCol="0">
+                <a:spAutoFit/>
+              </a:bodyPr>
+              <a:lstStyle/>
+              <a:p>
+                <a:r>
+                  <a:rPr kumimoji="1" lang="ja-JP" altLang="en-US" sz="2000" dirty="0">
+                    <a:solidFill>
+                      <a:srgbClr val="FF0000"/>
+                    </a:solidFill>
+                    <a:latin typeface="M+ 1c light" panose="020B0403020204020204" pitchFamily="50" charset="-128"/>
+                    <a:ea typeface="M+ 1c light" panose="020B0403020204020204" pitchFamily="50" charset="-128"/>
+                    <a:cs typeface="M+ 1c light" panose="020B0403020204020204" pitchFamily="50" charset="-128"/>
+                  </a:rPr>
+                  <a:t>①</a:t>
+                </a:r>
+              </a:p>
+            </p:txBody>
+          </p:sp>
+          <p:sp>
+            <p:nvSpPr>
+              <p:cNvPr id="14" name="矢印: 下 13">
+                <a:extLst>
+                  <a:ext uri="{FF2B5EF4-FFF2-40B4-BE49-F238E27FC236}">
+                    <a16:creationId xmlns:a16="http://schemas.microsoft.com/office/drawing/2014/main" id="{23DE3DE7-27DD-43E7-A9B2-F1C1ED656DAC}"/>
+                  </a:ext>
+                </a:extLst>
+              </p:cNvPr>
+              <p:cNvSpPr/>
+              <p:nvPr/>
+            </p:nvSpPr>
+            <p:spPr>
+              <a:xfrm>
+                <a:off x="4468854" y="1436369"/>
+                <a:ext cx="213330" cy="4766731"/>
+              </a:xfrm>
+              <a:prstGeom prst="downArrow">
+                <a:avLst/>
+              </a:prstGeom>
+              <a:solidFill>
+                <a:srgbClr val="C00000"/>
+              </a:solidFill>
+              <a:ln>
+                <a:solidFill>
+                  <a:srgbClr val="C00000"/>
+                </a:solidFill>
+              </a:ln>
+            </p:spPr>
+            <p:style>
+              <a:lnRef idx="2">
+                <a:schemeClr val="accent1">
+                  <a:shade val="50000"/>
+                </a:schemeClr>
+              </a:lnRef>
+              <a:fillRef idx="1">
+                <a:schemeClr val="accent1"/>
+              </a:fillRef>
+              <a:effectRef idx="0">
+                <a:schemeClr val="accent1"/>
+              </a:effectRef>
+              <a:fontRef idx="minor">
+                <a:schemeClr val="lt1"/>
+              </a:fontRef>
+            </p:style>
+            <p:txBody>
+              <a:bodyPr rtlCol="0" anchor="ctr"/>
+              <a:lstStyle/>
+              <a:p>
+                <a:pPr algn="ctr"/>
+                <a:endParaRPr kumimoji="1" lang="ja-JP" altLang="en-US"/>
+              </a:p>
+            </p:txBody>
+          </p:sp>
+          <p:grpSp>
+            <p:nvGrpSpPr>
+              <p:cNvPr id="20" name="グループ化 19">
+                <a:extLst>
+                  <a:ext uri="{FF2B5EF4-FFF2-40B4-BE49-F238E27FC236}">
+                    <a16:creationId xmlns:a16="http://schemas.microsoft.com/office/drawing/2014/main" id="{63B12ABD-94AC-4DE4-AF97-7463CD4C366F}"/>
+                  </a:ext>
+                </a:extLst>
+              </p:cNvPr>
+              <p:cNvGrpSpPr/>
+              <p:nvPr/>
+            </p:nvGrpSpPr>
+            <p:grpSpPr>
+              <a:xfrm>
+                <a:off x="1533192" y="2035630"/>
+                <a:ext cx="978152" cy="1383198"/>
+                <a:chOff x="1533192" y="2123861"/>
+                <a:chExt cx="978152" cy="1383198"/>
+              </a:xfrm>
+            </p:grpSpPr>
+            <p:sp>
+              <p:nvSpPr>
+                <p:cNvPr id="28" name="テキスト ボックス 27">
+                  <a:extLst>
+                    <a:ext uri="{FF2B5EF4-FFF2-40B4-BE49-F238E27FC236}">
+                      <a16:creationId xmlns:a16="http://schemas.microsoft.com/office/drawing/2014/main" id="{19B25D43-8440-40BD-AFD7-59AE09EDFC6A}"/>
+                    </a:ext>
+                  </a:extLst>
+                </p:cNvPr>
+                <p:cNvSpPr txBox="1"/>
+                <p:nvPr/>
+              </p:nvSpPr>
+              <p:spPr>
+                <a:xfrm>
+                  <a:off x="1533192" y="3260838"/>
+                  <a:ext cx="978152" cy="246221"/>
+                </a:xfrm>
+                <a:prstGeom prst="rect">
+                  <a:avLst/>
+                </a:prstGeom>
+                <a:noFill/>
+              </p:spPr>
+              <p:txBody>
+                <a:bodyPr wrap="none" rtlCol="0">
+                  <a:spAutoFit/>
+                </a:bodyPr>
+                <a:lstStyle/>
+                <a:p>
+                  <a:pPr algn="ctr"/>
+                  <a:r>
+                    <a:rPr lang="en-US" altLang="ja-JP" sz="1000" dirty="0">
+                      <a:latin typeface="M+ 2p light" panose="020B0402020203020204" pitchFamily="50" charset="-128"/>
+                      <a:ea typeface="M+ 2p light" panose="020B0402020203020204" pitchFamily="50" charset="-128"/>
+                      <a:cs typeface="M+ 2p light" panose="020B0402020203020204" pitchFamily="50" charset="-128"/>
+                    </a:rPr>
+                    <a:t>ContentPage</a:t>
+                  </a:r>
+                  <a:endParaRPr lang="ja-JP" altLang="en-US" sz="1000" dirty="0">
+                    <a:latin typeface="M+ 2p light" panose="020B0402020203020204" pitchFamily="50" charset="-128"/>
+                    <a:ea typeface="M+ 2p light" panose="020B0402020203020204" pitchFamily="50" charset="-128"/>
+                    <a:cs typeface="M+ 2p light" panose="020B0402020203020204" pitchFamily="50" charset="-128"/>
+                  </a:endParaRPr>
+                </a:p>
+              </p:txBody>
+            </p:sp>
+            <p:sp>
+              <p:nvSpPr>
+                <p:cNvPr id="25" name="テキスト ボックス 24">
+                  <a:extLst>
+                    <a:ext uri="{FF2B5EF4-FFF2-40B4-BE49-F238E27FC236}">
+                      <a16:creationId xmlns:a16="http://schemas.microsoft.com/office/drawing/2014/main" id="{E2AF0C28-6EAF-4E09-BC77-F23FE92F5E07}"/>
+                    </a:ext>
+                  </a:extLst>
+                </p:cNvPr>
+                <p:cNvSpPr txBox="1"/>
+                <p:nvPr/>
+              </p:nvSpPr>
+              <p:spPr>
+                <a:xfrm>
+                  <a:off x="1665118" y="2728172"/>
+                  <a:ext cx="697627" cy="276999"/>
+                </a:xfrm>
+                <a:prstGeom prst="rect">
+                  <a:avLst/>
+                </a:prstGeom>
+                <a:noFill/>
+              </p:spPr>
+              <p:txBody>
+                <a:bodyPr wrap="none" rtlCol="0">
+                  <a:spAutoFit/>
+                </a:bodyPr>
+                <a:lstStyle/>
+                <a:p>
+                  <a:pPr algn="ctr"/>
+                  <a:r>
+                    <a:rPr lang="en-US" altLang="ja-JP" sz="1200" dirty="0">
+                      <a:solidFill>
+                        <a:srgbClr val="002060"/>
+                      </a:solidFill>
+                      <a:latin typeface="M+ 2p light" panose="020B0402020203020204" pitchFamily="50" charset="-128"/>
+                      <a:ea typeface="M+ 2p light" panose="020B0402020203020204" pitchFamily="50" charset="-128"/>
+                      <a:cs typeface="M+ 2p light" panose="020B0402020203020204" pitchFamily="50" charset="-128"/>
+                    </a:rPr>
+                    <a:t>Master</a:t>
+                  </a:r>
+                  <a:endParaRPr lang="ja-JP" altLang="en-US" sz="1200" dirty="0">
+                    <a:solidFill>
+                      <a:srgbClr val="002060"/>
+                    </a:solidFill>
+                    <a:latin typeface="M+ 2p light" panose="020B0402020203020204" pitchFamily="50" charset="-128"/>
+                    <a:ea typeface="M+ 2p light" panose="020B0402020203020204" pitchFamily="50" charset="-128"/>
+                    <a:cs typeface="M+ 2p light" panose="020B0402020203020204" pitchFamily="50" charset="-128"/>
+                  </a:endParaRPr>
+                </a:p>
+              </p:txBody>
+            </p:sp>
+            <p:grpSp>
+              <p:nvGrpSpPr>
+                <p:cNvPr id="18" name="グループ化 17">
+                  <a:extLst>
+                    <a:ext uri="{FF2B5EF4-FFF2-40B4-BE49-F238E27FC236}">
+                      <a16:creationId xmlns:a16="http://schemas.microsoft.com/office/drawing/2014/main" id="{C69F0F37-B942-430D-8DCA-62F51FD16695}"/>
+                    </a:ext>
+                  </a:extLst>
+                </p:cNvPr>
+                <p:cNvGrpSpPr/>
+                <p:nvPr/>
+              </p:nvGrpSpPr>
+              <p:grpSpPr>
+                <a:xfrm>
+                  <a:off x="1742668" y="2123861"/>
+                  <a:ext cx="538909" cy="1163249"/>
+                  <a:chOff x="1742668" y="2123861"/>
+                  <a:chExt cx="538909" cy="1163249"/>
+                </a:xfrm>
+              </p:grpSpPr>
+              <p:pic>
+                <p:nvPicPr>
+                  <p:cNvPr id="27" name="図 26">
+                    <a:extLst>
+                      <a:ext uri="{FF2B5EF4-FFF2-40B4-BE49-F238E27FC236}">
+                        <a16:creationId xmlns:a16="http://schemas.microsoft.com/office/drawing/2014/main" id="{4AD3A452-317E-43D5-86D5-91D02E31E5B8}"/>
+                      </a:ext>
+                    </a:extLst>
+                  </p:cNvPr>
+                  <p:cNvPicPr>
+                    <a:picLocks noChangeAspect="1"/>
+                  </p:cNvPicPr>
+                  <p:nvPr/>
+                </p:nvPicPr>
+                <p:blipFill>
+                  <a:blip r:embed="rId3">
+                    <a:extLst>
+                      <a:ext uri="{28A0092B-C50C-407E-A947-70E740481C1C}">
+                        <a14:useLocalDpi xmlns:a14="http://schemas.microsoft.com/office/drawing/2010/main" val="0"/>
+                      </a:ext>
+                    </a:extLst>
+                  </a:blip>
+                  <a:stretch>
+                    <a:fillRect/>
+                  </a:stretch>
+                </p:blipFill>
+                <p:spPr>
+                  <a:xfrm>
+                    <a:off x="1742668" y="2351110"/>
+                    <a:ext cx="538909" cy="936000"/>
+                  </a:xfrm>
+                  <a:prstGeom prst="rect">
+                    <a:avLst/>
+                  </a:prstGeom>
+                </p:spPr>
+              </p:pic>
+              <p:sp>
+                <p:nvSpPr>
+                  <p:cNvPr id="26" name="三角形 14">
+                    <a:extLst>
+                      <a:ext uri="{FF2B5EF4-FFF2-40B4-BE49-F238E27FC236}">
+                        <a16:creationId xmlns:a16="http://schemas.microsoft.com/office/drawing/2014/main" id="{0EEDC5F9-5F04-4956-AFDB-919933905C85}"/>
+                      </a:ext>
+                    </a:extLst>
+                  </p:cNvPr>
+                  <p:cNvSpPr/>
+                  <p:nvPr/>
+                </p:nvSpPr>
+                <p:spPr>
+                  <a:xfrm rot="10800000">
+                    <a:off x="1876599" y="2123861"/>
+                    <a:ext cx="263391" cy="167557"/>
+                  </a:xfrm>
+                  <a:prstGeom prst="triangle">
+                    <a:avLst/>
+                  </a:prstGeom>
+                  <a:solidFill>
+                    <a:srgbClr val="0099FF"/>
+                  </a:solidFill>
+                  <a:ln>
+                    <a:noFill/>
+                  </a:ln>
+                </p:spPr>
+                <p:style>
+                  <a:lnRef idx="2">
+                    <a:schemeClr val="accent1">
+                      <a:shade val="50000"/>
+                    </a:schemeClr>
+                  </a:lnRef>
+                  <a:fillRef idx="1">
+                    <a:schemeClr val="accent1"/>
+                  </a:fillRef>
+                  <a:effectRef idx="0">
+                    <a:schemeClr val="accent1"/>
+                  </a:effectRef>
+                  <a:fontRef idx="minor">
+                    <a:schemeClr val="lt1"/>
+                  </a:fontRef>
+                </p:style>
+                <p:txBody>
+                  <a:bodyPr rtlCol="0" anchor="ctr"/>
+                  <a:lstStyle/>
+                  <a:p>
+                    <a:pPr algn="ctr"/>
+                    <a:endParaRPr lang="ja-JP" altLang="en-US" sz="1000" dirty="0">
+                      <a:latin typeface="M+ 2p light" panose="020B0402020203020204" pitchFamily="50" charset="-128"/>
+                      <a:ea typeface="M+ 2p light" panose="020B0402020203020204" pitchFamily="50" charset="-128"/>
+                      <a:cs typeface="M+ 2p light" panose="020B0402020203020204" pitchFamily="50" charset="-128"/>
+                    </a:endParaRPr>
+                  </a:p>
+                </p:txBody>
+              </p:sp>
+            </p:grpSp>
+            <p:sp>
+              <p:nvSpPr>
+                <p:cNvPr id="99" name="テキスト ボックス 98">
+                  <a:extLst>
+                    <a:ext uri="{FF2B5EF4-FFF2-40B4-BE49-F238E27FC236}">
+                      <a16:creationId xmlns:a16="http://schemas.microsoft.com/office/drawing/2014/main" id="{5D232805-C3AF-41D7-A280-4C16CB78032C}"/>
+                    </a:ext>
+                  </a:extLst>
+                </p:cNvPr>
+                <p:cNvSpPr txBox="1"/>
+                <p:nvPr/>
+              </p:nvSpPr>
+              <p:spPr>
+                <a:xfrm>
+                  <a:off x="1665118" y="2668938"/>
+                  <a:ext cx="697627" cy="276999"/>
+                </a:xfrm>
+                <a:prstGeom prst="rect">
+                  <a:avLst/>
+                </a:prstGeom>
+                <a:noFill/>
+              </p:spPr>
+              <p:txBody>
+                <a:bodyPr wrap="none" rtlCol="0">
+                  <a:spAutoFit/>
+                </a:bodyPr>
+                <a:lstStyle/>
+                <a:p>
+                  <a:pPr algn="ctr"/>
+                  <a:r>
+                    <a:rPr lang="en-US" altLang="ja-JP" sz="1200" dirty="0">
+                      <a:solidFill>
+                        <a:srgbClr val="002060"/>
+                      </a:solidFill>
+                      <a:latin typeface="M+ 2p light" panose="020B0402020203020204" pitchFamily="50" charset="-128"/>
+                      <a:ea typeface="M+ 2p light" panose="020B0402020203020204" pitchFamily="50" charset="-128"/>
+                      <a:cs typeface="M+ 2p light" panose="020B0402020203020204" pitchFamily="50" charset="-128"/>
+                    </a:rPr>
+                    <a:t>Master</a:t>
+                  </a:r>
+                  <a:endParaRPr lang="ja-JP" altLang="en-US" sz="1200" dirty="0">
+                    <a:solidFill>
+                      <a:srgbClr val="002060"/>
+                    </a:solidFill>
+                    <a:latin typeface="M+ 2p light" panose="020B0402020203020204" pitchFamily="50" charset="-128"/>
+                    <a:ea typeface="M+ 2p light" panose="020B0402020203020204" pitchFamily="50" charset="-128"/>
+                    <a:cs typeface="M+ 2p light" panose="020B0402020203020204" pitchFamily="50" charset="-128"/>
+                  </a:endParaRPr>
+                </a:p>
+              </p:txBody>
+            </p:sp>
+          </p:grpSp>
+          <p:grpSp>
+            <p:nvGrpSpPr>
+              <p:cNvPr id="23" name="グループ化 22">
+                <a:extLst>
+                  <a:ext uri="{FF2B5EF4-FFF2-40B4-BE49-F238E27FC236}">
+                    <a16:creationId xmlns:a16="http://schemas.microsoft.com/office/drawing/2014/main" id="{B522541F-2349-4ACA-AC37-D6D5783C6FF0}"/>
+                  </a:ext>
+                </a:extLst>
+              </p:cNvPr>
+              <p:cNvGrpSpPr/>
+              <p:nvPr/>
+            </p:nvGrpSpPr>
+            <p:grpSpPr>
+              <a:xfrm>
+                <a:off x="2906639" y="2039197"/>
+                <a:ext cx="914032" cy="1379631"/>
+                <a:chOff x="2906639" y="2127428"/>
+                <a:chExt cx="914032" cy="1379631"/>
+              </a:xfrm>
+            </p:grpSpPr>
+            <p:sp>
+              <p:nvSpPr>
+                <p:cNvPr id="22" name="テキスト ボックス 21">
+                  <a:extLst>
+                    <a:ext uri="{FF2B5EF4-FFF2-40B4-BE49-F238E27FC236}">
+                      <a16:creationId xmlns:a16="http://schemas.microsoft.com/office/drawing/2014/main" id="{2F678393-4AC1-4FA2-A7E4-096712CDCC21}"/>
+                    </a:ext>
+                  </a:extLst>
+                </p:cNvPr>
+                <p:cNvSpPr txBox="1"/>
+                <p:nvPr/>
+              </p:nvSpPr>
+              <p:spPr>
+                <a:xfrm>
+                  <a:off x="2906639" y="3260838"/>
+                  <a:ext cx="914032" cy="246221"/>
+                </a:xfrm>
+                <a:prstGeom prst="rect">
+                  <a:avLst/>
+                </a:prstGeom>
+                <a:noFill/>
+              </p:spPr>
+              <p:txBody>
+                <a:bodyPr wrap="none" rtlCol="0">
+                  <a:spAutoFit/>
+                </a:bodyPr>
+                <a:lstStyle/>
+                <a:p>
+                  <a:pPr algn="ctr"/>
+                  <a:r>
+                    <a:rPr lang="en-US" altLang="ja-JP" sz="1000" dirty="0">
+                      <a:latin typeface="M+ 2p light" panose="020B0402020203020204" pitchFamily="50" charset="-128"/>
+                      <a:ea typeface="M+ 2p light" panose="020B0402020203020204" pitchFamily="50" charset="-128"/>
+                      <a:cs typeface="M+ 2p light" panose="020B0402020203020204" pitchFamily="50" charset="-128"/>
+                    </a:rPr>
+                    <a:t>TabbedPage</a:t>
+                  </a:r>
+                  <a:endParaRPr lang="ja-JP" altLang="en-US" sz="1000" dirty="0">
+                    <a:latin typeface="M+ 2p light" panose="020B0402020203020204" pitchFamily="50" charset="-128"/>
+                    <a:ea typeface="M+ 2p light" panose="020B0402020203020204" pitchFamily="50" charset="-128"/>
+                    <a:cs typeface="M+ 2p light" panose="020B0402020203020204" pitchFamily="50" charset="-128"/>
+                  </a:endParaRPr>
+                </a:p>
+              </p:txBody>
+            </p:sp>
+            <p:sp>
+              <p:nvSpPr>
+                <p:cNvPr id="19" name="テキスト ボックス 18">
+                  <a:extLst>
+                    <a:ext uri="{FF2B5EF4-FFF2-40B4-BE49-F238E27FC236}">
+                      <a16:creationId xmlns:a16="http://schemas.microsoft.com/office/drawing/2014/main" id="{B8660603-9570-4915-9DA7-8BE56A55FFF7}"/>
+                    </a:ext>
+                  </a:extLst>
+                </p:cNvPr>
+                <p:cNvSpPr txBox="1"/>
+                <p:nvPr/>
+              </p:nvSpPr>
+              <p:spPr>
+                <a:xfrm>
+                  <a:off x="3052512" y="2754701"/>
+                  <a:ext cx="622286" cy="276999"/>
+                </a:xfrm>
+                <a:prstGeom prst="rect">
+                  <a:avLst/>
+                </a:prstGeom>
+                <a:noFill/>
+              </p:spPr>
+              <p:txBody>
+                <a:bodyPr wrap="none" rtlCol="0">
+                  <a:spAutoFit/>
+                </a:bodyPr>
+                <a:lstStyle/>
+                <a:p>
+                  <a:pPr algn="r"/>
+                  <a:r>
+                    <a:rPr lang="en-US" altLang="ja-JP" sz="1200" dirty="0">
+                      <a:solidFill>
+                        <a:srgbClr val="002060"/>
+                      </a:solidFill>
+                      <a:latin typeface="M+ 2p light" panose="020B0402020203020204" pitchFamily="50" charset="-128"/>
+                      <a:ea typeface="M+ 2p light" panose="020B0402020203020204" pitchFamily="50" charset="-128"/>
+                      <a:cs typeface="M+ 2p light" panose="020B0402020203020204" pitchFamily="50" charset="-128"/>
+                    </a:rPr>
+                    <a:t>Detail</a:t>
+                  </a:r>
+                  <a:endParaRPr lang="ja-JP" altLang="en-US" sz="1200" dirty="0">
+                    <a:solidFill>
+                      <a:srgbClr val="002060"/>
+                    </a:solidFill>
+                    <a:latin typeface="M+ 2p light" panose="020B0402020203020204" pitchFamily="50" charset="-128"/>
+                    <a:ea typeface="M+ 2p light" panose="020B0402020203020204" pitchFamily="50" charset="-128"/>
+                    <a:cs typeface="M+ 2p light" panose="020B0402020203020204" pitchFamily="50" charset="-128"/>
+                  </a:endParaRPr>
+                </a:p>
+              </p:txBody>
+            </p:sp>
+            <p:grpSp>
+              <p:nvGrpSpPr>
+                <p:cNvPr id="17" name="グループ化 16">
+                  <a:extLst>
+                    <a:ext uri="{FF2B5EF4-FFF2-40B4-BE49-F238E27FC236}">
+                      <a16:creationId xmlns:a16="http://schemas.microsoft.com/office/drawing/2014/main" id="{26523A72-9164-462E-83B5-89FFB517D53D}"/>
+                    </a:ext>
+                  </a:extLst>
+                </p:cNvPr>
+                <p:cNvGrpSpPr/>
+                <p:nvPr/>
+              </p:nvGrpSpPr>
+              <p:grpSpPr>
+                <a:xfrm>
+                  <a:off x="3094201" y="2127428"/>
+                  <a:ext cx="538909" cy="1146538"/>
+                  <a:chOff x="3082970" y="2127428"/>
+                  <a:chExt cx="538909" cy="1146538"/>
+                </a:xfrm>
+              </p:grpSpPr>
+              <p:pic>
+                <p:nvPicPr>
+                  <p:cNvPr id="21" name="図 20">
+                    <a:extLst>
+                      <a:ext uri="{FF2B5EF4-FFF2-40B4-BE49-F238E27FC236}">
+                        <a16:creationId xmlns:a16="http://schemas.microsoft.com/office/drawing/2014/main" id="{D453A6A6-266C-49EE-A1F6-458CC888148D}"/>
+                      </a:ext>
+                    </a:extLst>
+                  </p:cNvPr>
+                  <p:cNvPicPr>
+                    <a:picLocks noChangeAspect="1"/>
+                  </p:cNvPicPr>
+                  <p:nvPr/>
+                </p:nvPicPr>
+                <p:blipFill>
+                  <a:blip r:embed="rId5">
+                    <a:extLst>
+                      <a:ext uri="{28A0092B-C50C-407E-A947-70E740481C1C}">
+                        <a14:useLocalDpi xmlns:a14="http://schemas.microsoft.com/office/drawing/2010/main" val="0"/>
+                      </a:ext>
+                    </a:extLst>
+                  </a:blip>
+                  <a:stretch>
+                    <a:fillRect/>
+                  </a:stretch>
+                </p:blipFill>
+                <p:spPr>
+                  <a:xfrm>
+                    <a:off x="3082970" y="2337966"/>
+                    <a:ext cx="538909" cy="936000"/>
+                  </a:xfrm>
+                  <a:prstGeom prst="rect">
+                    <a:avLst/>
+                  </a:prstGeom>
+                </p:spPr>
+              </p:pic>
+              <p:sp>
+                <p:nvSpPr>
+                  <p:cNvPr id="31" name="三角形 14">
+                    <a:extLst>
+                      <a:ext uri="{FF2B5EF4-FFF2-40B4-BE49-F238E27FC236}">
+                        <a16:creationId xmlns:a16="http://schemas.microsoft.com/office/drawing/2014/main" id="{E6C5EBF7-7E07-4616-8631-F6CFE8A7559B}"/>
+                      </a:ext>
+                    </a:extLst>
+                  </p:cNvPr>
+                  <p:cNvSpPr/>
+                  <p:nvPr/>
+                </p:nvSpPr>
+                <p:spPr>
+                  <a:xfrm rot="10800000">
+                    <a:off x="3231960" y="2127428"/>
+                    <a:ext cx="263391" cy="167557"/>
+                  </a:xfrm>
+                  <a:prstGeom prst="triangle">
+                    <a:avLst/>
+                  </a:prstGeom>
+                  <a:solidFill>
+                    <a:srgbClr val="0099FF"/>
+                  </a:solidFill>
+                  <a:ln>
+                    <a:noFill/>
+                  </a:ln>
+                </p:spPr>
+                <p:style>
+                  <a:lnRef idx="2">
+                    <a:schemeClr val="accent1">
+                      <a:shade val="50000"/>
+                    </a:schemeClr>
+                  </a:lnRef>
+                  <a:fillRef idx="1">
+                    <a:schemeClr val="accent1"/>
+                  </a:fillRef>
+                  <a:effectRef idx="0">
+                    <a:schemeClr val="accent1"/>
+                  </a:effectRef>
+                  <a:fontRef idx="minor">
+                    <a:schemeClr val="lt1"/>
+                  </a:fontRef>
+                </p:style>
+                <p:txBody>
+                  <a:bodyPr rtlCol="0" anchor="ctr"/>
+                  <a:lstStyle/>
+                  <a:p>
+                    <a:pPr algn="ctr"/>
+                    <a:endParaRPr lang="ja-JP" altLang="en-US" sz="1000" dirty="0">
+                      <a:latin typeface="M+ 2p light" panose="020B0402020203020204" pitchFamily="50" charset="-128"/>
+                      <a:ea typeface="M+ 2p light" panose="020B0402020203020204" pitchFamily="50" charset="-128"/>
+                      <a:cs typeface="M+ 2p light" panose="020B0402020203020204" pitchFamily="50" charset="-128"/>
+                    </a:endParaRPr>
+                  </a:p>
+                </p:txBody>
+              </p:sp>
+            </p:grpSp>
+            <p:sp>
+              <p:nvSpPr>
+                <p:cNvPr id="100" name="テキスト ボックス 99">
+                  <a:extLst>
+                    <a:ext uri="{FF2B5EF4-FFF2-40B4-BE49-F238E27FC236}">
+                      <a16:creationId xmlns:a16="http://schemas.microsoft.com/office/drawing/2014/main" id="{89048E3E-A139-4530-BF61-D5382D626CA6}"/>
+                    </a:ext>
+                  </a:extLst>
+                </p:cNvPr>
+                <p:cNvSpPr txBox="1"/>
+                <p:nvPr/>
+              </p:nvSpPr>
+              <p:spPr>
+                <a:xfrm>
+                  <a:off x="3052512" y="2684528"/>
+                  <a:ext cx="622286" cy="276999"/>
+                </a:xfrm>
+                <a:prstGeom prst="rect">
+                  <a:avLst/>
+                </a:prstGeom>
+                <a:noFill/>
+              </p:spPr>
+              <p:txBody>
+                <a:bodyPr wrap="none" rtlCol="0">
+                  <a:spAutoFit/>
+                </a:bodyPr>
+                <a:lstStyle/>
+                <a:p>
+                  <a:pPr algn="ctr"/>
+                  <a:r>
+                    <a:rPr lang="en-US" altLang="ja-JP" sz="1200" dirty="0">
+                      <a:solidFill>
+                        <a:srgbClr val="002060"/>
+                      </a:solidFill>
+                      <a:latin typeface="M+ 2p light" panose="020B0402020203020204" pitchFamily="50" charset="-128"/>
+                      <a:ea typeface="M+ 2p light" panose="020B0402020203020204" pitchFamily="50" charset="-128"/>
+                      <a:cs typeface="M+ 2p light" panose="020B0402020203020204" pitchFamily="50" charset="-128"/>
+                    </a:rPr>
+                    <a:t>Detail</a:t>
+                  </a:r>
+                  <a:endParaRPr lang="ja-JP" altLang="en-US" sz="1200" dirty="0">
+                    <a:solidFill>
+                      <a:srgbClr val="002060"/>
+                    </a:solidFill>
+                    <a:latin typeface="M+ 2p light" panose="020B0402020203020204" pitchFamily="50" charset="-128"/>
+                    <a:ea typeface="M+ 2p light" panose="020B0402020203020204" pitchFamily="50" charset="-128"/>
+                    <a:cs typeface="M+ 2p light" panose="020B0402020203020204" pitchFamily="50" charset="-128"/>
+                  </a:endParaRPr>
+                </a:p>
+              </p:txBody>
+            </p:sp>
+          </p:grpSp>
+          <p:sp>
+            <p:nvSpPr>
+              <p:cNvPr id="104" name="テキスト ボックス 103">
+                <a:extLst>
+                  <a:ext uri="{FF2B5EF4-FFF2-40B4-BE49-F238E27FC236}">
+                    <a16:creationId xmlns:a16="http://schemas.microsoft.com/office/drawing/2014/main" id="{916ED9B5-8D16-49FC-B117-A9D27394D537}"/>
+                  </a:ext>
+                </a:extLst>
+              </p:cNvPr>
+              <p:cNvSpPr txBox="1"/>
+              <p:nvPr/>
+            </p:nvSpPr>
+            <p:spPr>
+              <a:xfrm>
+                <a:off x="1460732" y="2182587"/>
+                <a:ext cx="441146" cy="400110"/>
+              </a:xfrm>
+              <a:prstGeom prst="rect">
+                <a:avLst/>
+              </a:prstGeom>
+              <a:noFill/>
+            </p:spPr>
+            <p:txBody>
+              <a:bodyPr wrap="none" rtlCol="0">
+                <a:spAutoFit/>
+              </a:bodyPr>
+              <a:lstStyle/>
+              <a:p>
+                <a:r>
+                  <a:rPr kumimoji="1" lang="ja-JP" altLang="en-US" sz="2000" dirty="0">
+                    <a:solidFill>
+                      <a:srgbClr val="FF0000"/>
+                    </a:solidFill>
+                    <a:latin typeface="M+ 1c light" panose="020B0403020204020204" pitchFamily="50" charset="-128"/>
+                    <a:ea typeface="M+ 1c light" panose="020B0403020204020204" pitchFamily="50" charset="-128"/>
+                    <a:cs typeface="M+ 1c light" panose="020B0403020204020204" pitchFamily="50" charset="-128"/>
+                  </a:rPr>
+                  <a:t>②</a:t>
+                </a:r>
+              </a:p>
+            </p:txBody>
+          </p:sp>
+          <p:sp>
+            <p:nvSpPr>
+              <p:cNvPr id="105" name="テキスト ボックス 104">
+                <a:extLst>
+                  <a:ext uri="{FF2B5EF4-FFF2-40B4-BE49-F238E27FC236}">
+                    <a16:creationId xmlns:a16="http://schemas.microsoft.com/office/drawing/2014/main" id="{4013C5F0-7591-4188-A2A2-67F811FA3868}"/>
+                  </a:ext>
+                </a:extLst>
+              </p:cNvPr>
+              <p:cNvSpPr txBox="1"/>
+              <p:nvPr/>
+            </p:nvSpPr>
+            <p:spPr>
+              <a:xfrm>
+                <a:off x="2852784" y="2176966"/>
+                <a:ext cx="441146" cy="400110"/>
+              </a:xfrm>
+              <a:prstGeom prst="rect">
+                <a:avLst/>
+              </a:prstGeom>
+              <a:noFill/>
+            </p:spPr>
+            <p:txBody>
+              <a:bodyPr wrap="none" rtlCol="0">
+                <a:spAutoFit/>
+              </a:bodyPr>
+              <a:lstStyle/>
+              <a:p>
+                <a:r>
+                  <a:rPr kumimoji="1" lang="ja-JP" altLang="en-US" sz="2000" dirty="0">
+                    <a:solidFill>
+                      <a:srgbClr val="FF0000"/>
+                    </a:solidFill>
+                    <a:latin typeface="M+ 1c light" panose="020B0403020204020204" pitchFamily="50" charset="-128"/>
+                    <a:ea typeface="M+ 1c light" panose="020B0403020204020204" pitchFamily="50" charset="-128"/>
+                    <a:cs typeface="M+ 1c light" panose="020B0403020204020204" pitchFamily="50" charset="-128"/>
+                  </a:rPr>
+                  <a:t>③</a:t>
+                </a:r>
+              </a:p>
+            </p:txBody>
+          </p:sp>
+          <p:sp>
+            <p:nvSpPr>
+              <p:cNvPr id="106" name="テキスト ボックス 105">
+                <a:extLst>
+                  <a:ext uri="{FF2B5EF4-FFF2-40B4-BE49-F238E27FC236}">
+                    <a16:creationId xmlns:a16="http://schemas.microsoft.com/office/drawing/2014/main" id="{6F550A50-7FAF-420E-A55C-DC9454B5FA09}"/>
+                  </a:ext>
+                </a:extLst>
+              </p:cNvPr>
+              <p:cNvSpPr txBox="1"/>
+              <p:nvPr/>
+            </p:nvSpPr>
+            <p:spPr>
+              <a:xfrm>
+                <a:off x="2303314" y="3557146"/>
+                <a:ext cx="441146" cy="400110"/>
+              </a:xfrm>
+              <a:prstGeom prst="rect">
+                <a:avLst/>
+              </a:prstGeom>
+              <a:noFill/>
+            </p:spPr>
+            <p:txBody>
+              <a:bodyPr wrap="none" rtlCol="0">
+                <a:spAutoFit/>
+              </a:bodyPr>
+              <a:lstStyle/>
+              <a:p>
+                <a:r>
+                  <a:rPr lang="ja-JP" altLang="en-US" sz="2000" dirty="0">
+                    <a:solidFill>
+                      <a:srgbClr val="FF0000"/>
+                    </a:solidFill>
+                    <a:latin typeface="M+ 1c light" panose="020B0403020204020204" pitchFamily="50" charset="-128"/>
+                    <a:ea typeface="M+ 1c light" panose="020B0403020204020204" pitchFamily="50" charset="-128"/>
+                    <a:cs typeface="M+ 1c light" panose="020B0403020204020204" pitchFamily="50" charset="-128"/>
+                  </a:rPr>
+                  <a:t>④</a:t>
+                </a:r>
+                <a:endParaRPr kumimoji="1" lang="ja-JP" altLang="en-US" sz="2000" dirty="0">
+                  <a:solidFill>
+                    <a:srgbClr val="FF0000"/>
+                  </a:solidFill>
+                  <a:latin typeface="M+ 1c light" panose="020B0403020204020204" pitchFamily="50" charset="-128"/>
+                  <a:ea typeface="M+ 1c light" panose="020B0403020204020204" pitchFamily="50" charset="-128"/>
+                  <a:cs typeface="M+ 1c light" panose="020B0403020204020204" pitchFamily="50" charset="-128"/>
+                </a:endParaRPr>
+              </a:p>
+            </p:txBody>
+          </p:sp>
+          <p:sp>
+            <p:nvSpPr>
+              <p:cNvPr id="107" name="テキスト ボックス 106">
+                <a:extLst>
+                  <a:ext uri="{FF2B5EF4-FFF2-40B4-BE49-F238E27FC236}">
+                    <a16:creationId xmlns:a16="http://schemas.microsoft.com/office/drawing/2014/main" id="{1F355C78-067E-4203-AD7C-16AB1501EC7F}"/>
+                  </a:ext>
+                </a:extLst>
+              </p:cNvPr>
+              <p:cNvSpPr txBox="1"/>
+              <p:nvPr/>
+            </p:nvSpPr>
+            <p:spPr>
+              <a:xfrm>
+                <a:off x="3449509" y="3557146"/>
+                <a:ext cx="441146" cy="400110"/>
+              </a:xfrm>
+              <a:prstGeom prst="rect">
+                <a:avLst/>
+              </a:prstGeom>
+              <a:noFill/>
+            </p:spPr>
+            <p:txBody>
+              <a:bodyPr wrap="none" rtlCol="0">
+                <a:spAutoFit/>
+              </a:bodyPr>
+              <a:lstStyle/>
+              <a:p>
+                <a:r>
+                  <a:rPr kumimoji="1" lang="ja-JP" altLang="en-US" sz="2000" dirty="0">
+                    <a:solidFill>
+                      <a:srgbClr val="FF0000"/>
+                    </a:solidFill>
+                    <a:latin typeface="M+ 1c light" panose="020B0403020204020204" pitchFamily="50" charset="-128"/>
+                    <a:ea typeface="M+ 1c light" panose="020B0403020204020204" pitchFamily="50" charset="-128"/>
+                    <a:cs typeface="M+ 1c light" panose="020B0403020204020204" pitchFamily="50" charset="-128"/>
+                  </a:rPr>
+                  <a:t>⑥</a:t>
+                </a:r>
+              </a:p>
+            </p:txBody>
+          </p:sp>
+          <p:sp>
+            <p:nvSpPr>
+              <p:cNvPr id="108" name="テキスト ボックス 107">
+                <a:extLst>
+                  <a:ext uri="{FF2B5EF4-FFF2-40B4-BE49-F238E27FC236}">
+                    <a16:creationId xmlns:a16="http://schemas.microsoft.com/office/drawing/2014/main" id="{B38A7207-F34B-49AA-B6C3-8D6BE1AE1584}"/>
+                  </a:ext>
+                </a:extLst>
+              </p:cNvPr>
+              <p:cNvSpPr txBox="1"/>
+              <p:nvPr/>
+            </p:nvSpPr>
+            <p:spPr>
+              <a:xfrm>
+                <a:off x="2336325" y="4954717"/>
+                <a:ext cx="441146" cy="400110"/>
+              </a:xfrm>
+              <a:prstGeom prst="rect">
+                <a:avLst/>
+              </a:prstGeom>
+              <a:noFill/>
+            </p:spPr>
+            <p:txBody>
+              <a:bodyPr wrap="none" rtlCol="0">
+                <a:spAutoFit/>
+              </a:bodyPr>
+              <a:lstStyle/>
+              <a:p>
+                <a:r>
+                  <a:rPr kumimoji="1" lang="ja-JP" altLang="en-US" sz="2000" dirty="0">
+                    <a:solidFill>
+                      <a:srgbClr val="FF0000"/>
+                    </a:solidFill>
+                    <a:latin typeface="M+ 1c light" panose="020B0403020204020204" pitchFamily="50" charset="-128"/>
+                    <a:ea typeface="M+ 1c light" panose="020B0403020204020204" pitchFamily="50" charset="-128"/>
+                    <a:cs typeface="M+ 1c light" panose="020B0403020204020204" pitchFamily="50" charset="-128"/>
+                  </a:rPr>
+                  <a:t>⑤</a:t>
+                </a:r>
+              </a:p>
+            </p:txBody>
+          </p:sp>
+          <p:sp>
+            <p:nvSpPr>
+              <p:cNvPr id="109" name="テキスト ボックス 108">
+                <a:extLst>
+                  <a:ext uri="{FF2B5EF4-FFF2-40B4-BE49-F238E27FC236}">
+                    <a16:creationId xmlns:a16="http://schemas.microsoft.com/office/drawing/2014/main" id="{48D4FBBA-B3DD-4739-9130-FBF47CBEDB23}"/>
+                  </a:ext>
+                </a:extLst>
+              </p:cNvPr>
+              <p:cNvSpPr txBox="1"/>
+              <p:nvPr/>
+            </p:nvSpPr>
+            <p:spPr>
+              <a:xfrm>
+                <a:off x="3506582" y="4954717"/>
+                <a:ext cx="441146" cy="400110"/>
+              </a:xfrm>
+              <a:prstGeom prst="rect">
+                <a:avLst/>
+              </a:prstGeom>
+              <a:noFill/>
+            </p:spPr>
+            <p:txBody>
+              <a:bodyPr wrap="none" rtlCol="0">
+                <a:spAutoFit/>
+              </a:bodyPr>
+              <a:lstStyle/>
+              <a:p>
+                <a:r>
+                  <a:rPr kumimoji="1" lang="ja-JP" altLang="en-US" sz="2000" dirty="0">
+                    <a:solidFill>
+                      <a:srgbClr val="FF0000"/>
+                    </a:solidFill>
+                    <a:latin typeface="M+ 1c light" panose="020B0403020204020204" pitchFamily="50" charset="-128"/>
+                    <a:ea typeface="M+ 1c light" panose="020B0403020204020204" pitchFamily="50" charset="-128"/>
+                    <a:cs typeface="M+ 1c light" panose="020B0403020204020204" pitchFamily="50" charset="-128"/>
+                  </a:rPr>
+                  <a:t>⑦</a:t>
+                </a:r>
+              </a:p>
+            </p:txBody>
+          </p:sp>
+        </p:grpSp>
+        <p:grpSp>
+          <p:nvGrpSpPr>
+            <p:cNvPr id="111" name="グループ化 110">
+              <a:extLst>
+                <a:ext uri="{FF2B5EF4-FFF2-40B4-BE49-F238E27FC236}">
+                  <a16:creationId xmlns:a16="http://schemas.microsoft.com/office/drawing/2014/main" id="{E4A18C20-3966-4DEC-99D6-6E4D6C1276B5}"/>
+                </a:ext>
+              </a:extLst>
+            </p:cNvPr>
+            <p:cNvGrpSpPr/>
+            <p:nvPr/>
+          </p:nvGrpSpPr>
+          <p:grpSpPr>
+            <a:xfrm>
+              <a:off x="4963684" y="477906"/>
+              <a:ext cx="3474439" cy="5834662"/>
+              <a:chOff x="1274532" y="477906"/>
+              <a:chExt cx="3474439" cy="5834662"/>
+            </a:xfrm>
+          </p:grpSpPr>
+          <p:sp>
+            <p:nvSpPr>
+              <p:cNvPr id="112" name="正方形/長方形 111">
+                <a:extLst>
+                  <a:ext uri="{FF2B5EF4-FFF2-40B4-BE49-F238E27FC236}">
+                    <a16:creationId xmlns:a16="http://schemas.microsoft.com/office/drawing/2014/main" id="{348CFB20-0954-4766-A633-083DAE8F99CA}"/>
+                  </a:ext>
+                </a:extLst>
+              </p:cNvPr>
+              <p:cNvSpPr/>
+              <p:nvPr/>
+            </p:nvSpPr>
+            <p:spPr>
+              <a:xfrm>
+                <a:off x="1274532" y="477906"/>
+                <a:ext cx="3474439" cy="5834662"/>
+              </a:xfrm>
+              <a:prstGeom prst="rect">
+                <a:avLst/>
+              </a:prstGeom>
+              <a:noFill/>
+              <a:ln w="6350">
+                <a:solidFill>
+                  <a:schemeClr val="tx1"/>
+                </a:solidFill>
+                <a:prstDash val="dash"/>
+              </a:ln>
+            </p:spPr>
+            <p:style>
+              <a:lnRef idx="2">
+                <a:schemeClr val="accent1">
+                  <a:shade val="50000"/>
+                </a:schemeClr>
+              </a:lnRef>
+              <a:fillRef idx="1">
+                <a:schemeClr val="accent1"/>
+              </a:fillRef>
+              <a:effectRef idx="0">
+                <a:schemeClr val="accent1"/>
+              </a:effectRef>
+              <a:fontRef idx="minor">
+                <a:schemeClr val="lt1"/>
+              </a:fontRef>
+            </p:style>
+            <p:txBody>
+              <a:bodyPr rtlCol="0" anchor="t"/>
+              <a:lstStyle/>
+              <a:p>
+                <a:pPr algn="ctr"/>
+                <a:r>
+                  <a:rPr lang="en-US" altLang="ja-JP" dirty="0">
+                    <a:solidFill>
+                      <a:schemeClr val="tx1"/>
+                    </a:solidFill>
+                    <a:latin typeface="M+ 1c light" panose="020B0403020204020204" pitchFamily="50" charset="-128"/>
+                    <a:ea typeface="M+ 1c light" panose="020B0403020204020204" pitchFamily="50" charset="-128"/>
+                    <a:cs typeface="M+ 1c light" panose="020B0403020204020204" pitchFamily="50" charset="-128"/>
+                  </a:rPr>
+                  <a:t>OnUnloaded and OnClosed</a:t>
+                </a:r>
+              </a:p>
+              <a:p>
+                <a:pPr algn="r"/>
+                <a:r>
+                  <a:rPr lang="en-US" altLang="ja-JP" dirty="0">
+                    <a:solidFill>
+                      <a:srgbClr val="C00000"/>
+                    </a:solidFill>
+                    <a:latin typeface="M+ 1c light" panose="020B0403020204020204" pitchFamily="50" charset="-128"/>
+                    <a:ea typeface="M+ 1c light" panose="020B0403020204020204" pitchFamily="50" charset="-128"/>
+                    <a:cs typeface="M+ 1c light" panose="020B0403020204020204" pitchFamily="50" charset="-128"/>
+                  </a:rPr>
+                  <a:t>Bottom-up</a:t>
+                </a:r>
+              </a:p>
+              <a:p>
+                <a:pPr algn="r"/>
+                <a:r>
+                  <a:rPr lang="en-US" altLang="ja-JP" dirty="0">
+                    <a:solidFill>
+                      <a:srgbClr val="C00000"/>
+                    </a:solidFill>
+                    <a:latin typeface="M+ 1c light" panose="020B0403020204020204" pitchFamily="50" charset="-128"/>
+                    <a:ea typeface="M+ 1c light" panose="020B0403020204020204" pitchFamily="50" charset="-128"/>
+                    <a:cs typeface="M+ 1c light" panose="020B0403020204020204" pitchFamily="50" charset="-128"/>
+                  </a:rPr>
+                  <a:t>Notification</a:t>
+                </a:r>
+              </a:p>
+            </p:txBody>
+          </p:sp>
+          <p:pic>
+            <p:nvPicPr>
+              <p:cNvPr id="113" name="図 112">
+                <a:extLst>
+                  <a:ext uri="{FF2B5EF4-FFF2-40B4-BE49-F238E27FC236}">
+                    <a16:creationId xmlns:a16="http://schemas.microsoft.com/office/drawing/2014/main" id="{02FBB626-69CB-4D3C-BA53-B826B3BE38FD}"/>
+                  </a:ext>
+                </a:extLst>
+              </p:cNvPr>
+              <p:cNvPicPr>
+                <a:picLocks noChangeAspect="1"/>
+              </p:cNvPicPr>
+              <p:nvPr/>
+            </p:nvPicPr>
+            <p:blipFill>
+              <a:blip r:embed="rId2">
+                <a:extLst>
+                  <a:ext uri="{28A0092B-C50C-407E-A947-70E740481C1C}">
+                    <a14:useLocalDpi xmlns:a14="http://schemas.microsoft.com/office/drawing/2010/main" val="0"/>
+                  </a:ext>
+                </a:extLst>
+              </a:blip>
+              <a:stretch>
+                <a:fillRect/>
+              </a:stretch>
+            </p:blipFill>
+            <p:spPr>
+              <a:xfrm>
+                <a:off x="2401453" y="862041"/>
+                <a:ext cx="538909" cy="936000"/>
+              </a:xfrm>
+              <a:prstGeom prst="rect">
+                <a:avLst/>
+              </a:prstGeom>
+            </p:spPr>
+          </p:pic>
+          <p:sp>
+            <p:nvSpPr>
+              <p:cNvPr id="114" name="テキスト ボックス 113">
+                <a:extLst>
+                  <a:ext uri="{FF2B5EF4-FFF2-40B4-BE49-F238E27FC236}">
+                    <a16:creationId xmlns:a16="http://schemas.microsoft.com/office/drawing/2014/main" id="{8F377106-0768-4AFF-B30B-E34D5BC54E59}"/>
+                  </a:ext>
+                </a:extLst>
+              </p:cNvPr>
+              <p:cNvSpPr txBox="1"/>
+              <p:nvPr/>
+            </p:nvSpPr>
+            <p:spPr>
+              <a:xfrm>
+                <a:off x="2030905" y="1781029"/>
+                <a:ext cx="1268296" cy="246221"/>
+              </a:xfrm>
+              <a:prstGeom prst="rect">
+                <a:avLst/>
+              </a:prstGeom>
+              <a:noFill/>
+            </p:spPr>
+            <p:txBody>
+              <a:bodyPr wrap="none" rtlCol="0">
+                <a:spAutoFit/>
+              </a:bodyPr>
+              <a:lstStyle/>
+              <a:p>
+                <a:pPr algn="ctr"/>
+                <a:r>
+                  <a:rPr lang="en-US" altLang="ja-JP" sz="1000" dirty="0">
+                    <a:latin typeface="M+ 2p light" panose="020B0402020203020204" pitchFamily="50" charset="-128"/>
+                    <a:ea typeface="M+ 2p light" panose="020B0402020203020204" pitchFamily="50" charset="-128"/>
+                    <a:cs typeface="M+ 2p light" panose="020B0402020203020204" pitchFamily="50" charset="-128"/>
+                  </a:rPr>
+                  <a:t>MasterDetailPage</a:t>
+                </a:r>
+                <a:endParaRPr lang="ja-JP" altLang="en-US" sz="1000" dirty="0">
+                  <a:latin typeface="M+ 2p light" panose="020B0402020203020204" pitchFamily="50" charset="-128"/>
+                  <a:ea typeface="M+ 2p light" panose="020B0402020203020204" pitchFamily="50" charset="-128"/>
+                  <a:cs typeface="M+ 2p light" panose="020B0402020203020204" pitchFamily="50" charset="-128"/>
+                </a:endParaRPr>
+              </a:p>
+            </p:txBody>
+          </p:sp>
+          <p:sp>
+            <p:nvSpPr>
+              <p:cNvPr id="115" name="テキスト ボックス 114">
+                <a:extLst>
+                  <a:ext uri="{FF2B5EF4-FFF2-40B4-BE49-F238E27FC236}">
+                    <a16:creationId xmlns:a16="http://schemas.microsoft.com/office/drawing/2014/main" id="{765F4499-7C39-4FC6-A654-AAC3FB01AA4A}"/>
+                  </a:ext>
+                </a:extLst>
+              </p:cNvPr>
+              <p:cNvSpPr txBox="1"/>
+              <p:nvPr/>
+            </p:nvSpPr>
+            <p:spPr>
+              <a:xfrm>
+                <a:off x="2235531" y="1188158"/>
+                <a:ext cx="870751" cy="276999"/>
+              </a:xfrm>
+              <a:prstGeom prst="rect">
+                <a:avLst/>
+              </a:prstGeom>
+              <a:noFill/>
+            </p:spPr>
+            <p:txBody>
+              <a:bodyPr wrap="none" rtlCol="0">
+                <a:spAutoFit/>
+              </a:bodyPr>
+              <a:lstStyle/>
+              <a:p>
+                <a:pPr algn="ctr"/>
+                <a:r>
+                  <a:rPr lang="en-US" altLang="ja-JP" sz="1200" dirty="0">
+                    <a:solidFill>
+                      <a:srgbClr val="002060"/>
+                    </a:solidFill>
+                    <a:latin typeface="M+ 2p light" panose="020B0402020203020204" pitchFamily="50" charset="-128"/>
+                    <a:ea typeface="M+ 2p light" panose="020B0402020203020204" pitchFamily="50" charset="-128"/>
+                    <a:cs typeface="M+ 2p light" panose="020B0402020203020204" pitchFamily="50" charset="-128"/>
+                  </a:rPr>
+                  <a:t>MainPage</a:t>
+                </a:r>
+                <a:endParaRPr lang="ja-JP" altLang="en-US" sz="1200" dirty="0">
+                  <a:solidFill>
+                    <a:srgbClr val="002060"/>
+                  </a:solidFill>
+                  <a:latin typeface="M+ 2p light" panose="020B0402020203020204" pitchFamily="50" charset="-128"/>
+                  <a:ea typeface="M+ 2p light" panose="020B0402020203020204" pitchFamily="50" charset="-128"/>
+                  <a:cs typeface="M+ 2p light" panose="020B0402020203020204" pitchFamily="50" charset="-128"/>
+                </a:endParaRPr>
+              </a:p>
+            </p:txBody>
+          </p:sp>
+          <p:grpSp>
+            <p:nvGrpSpPr>
+              <p:cNvPr id="116" name="グループ化 115">
+                <a:extLst>
+                  <a:ext uri="{FF2B5EF4-FFF2-40B4-BE49-F238E27FC236}">
+                    <a16:creationId xmlns:a16="http://schemas.microsoft.com/office/drawing/2014/main" id="{7AD5A5AD-0860-4056-8BEE-4BC472BD49BF}"/>
+                  </a:ext>
+                </a:extLst>
+              </p:cNvPr>
+              <p:cNvGrpSpPr/>
+              <p:nvPr/>
+            </p:nvGrpSpPr>
+            <p:grpSpPr>
+              <a:xfrm>
+                <a:off x="2363787" y="4805088"/>
+                <a:ext cx="978152" cy="1398012"/>
+                <a:chOff x="2363787" y="5238222"/>
+                <a:chExt cx="978152" cy="1398012"/>
+              </a:xfrm>
+            </p:grpSpPr>
+            <p:pic>
+              <p:nvPicPr>
+                <p:cNvPr id="154" name="図 153">
+                  <a:extLst>
+                    <a:ext uri="{FF2B5EF4-FFF2-40B4-BE49-F238E27FC236}">
+                      <a16:creationId xmlns:a16="http://schemas.microsoft.com/office/drawing/2014/main" id="{14A6EB4F-D251-48B6-9A57-965C1EEC75E6}"/>
+                    </a:ext>
+                  </a:extLst>
+                </p:cNvPr>
+                <p:cNvPicPr>
+                  <a:picLocks noChangeAspect="1"/>
+                </p:cNvPicPr>
+                <p:nvPr/>
+              </p:nvPicPr>
+              <p:blipFill>
+                <a:blip r:embed="rId3">
+                  <a:extLst>
+                    <a:ext uri="{28A0092B-C50C-407E-A947-70E740481C1C}">
+                      <a14:useLocalDpi xmlns:a14="http://schemas.microsoft.com/office/drawing/2010/main" val="0"/>
+                    </a:ext>
+                  </a:extLst>
+                </a:blip>
+                <a:stretch>
+                  <a:fillRect/>
+                </a:stretch>
+              </p:blipFill>
+              <p:spPr>
+                <a:xfrm>
+                  <a:off x="2583409" y="5454013"/>
+                  <a:ext cx="538909" cy="936000"/>
+                </a:xfrm>
+                <a:prstGeom prst="rect">
+                  <a:avLst/>
+                </a:prstGeom>
+              </p:spPr>
+            </p:pic>
+            <p:sp>
+              <p:nvSpPr>
+                <p:cNvPr id="155" name="テキスト ボックス 154">
+                  <a:extLst>
+                    <a:ext uri="{FF2B5EF4-FFF2-40B4-BE49-F238E27FC236}">
+                      <a16:creationId xmlns:a16="http://schemas.microsoft.com/office/drawing/2014/main" id="{AE7E99C3-6823-4443-87F8-9D0C3909D8C3}"/>
+                    </a:ext>
+                  </a:extLst>
+                </p:cNvPr>
+                <p:cNvSpPr txBox="1"/>
+                <p:nvPr/>
+              </p:nvSpPr>
+              <p:spPr>
+                <a:xfrm>
+                  <a:off x="2472791" y="5855513"/>
+                  <a:ext cx="760144" cy="276999"/>
+                </a:xfrm>
+                <a:prstGeom prst="rect">
+                  <a:avLst/>
+                </a:prstGeom>
+                <a:noFill/>
+              </p:spPr>
+              <p:txBody>
+                <a:bodyPr wrap="none" rtlCol="0">
+                  <a:spAutoFit/>
+                </a:bodyPr>
+                <a:lstStyle/>
+                <a:p>
+                  <a:pPr algn="ctr"/>
+                  <a:r>
+                    <a:rPr lang="en-US" altLang="ja-JP" sz="1200" dirty="0">
+                      <a:solidFill>
+                        <a:srgbClr val="002060"/>
+                      </a:solidFill>
+                      <a:latin typeface="M+ 2p light" panose="020B0402020203020204" pitchFamily="50" charset="-128"/>
+                      <a:ea typeface="M+ 2p light" panose="020B0402020203020204" pitchFamily="50" charset="-128"/>
+                      <a:cs typeface="M+ 2p light" panose="020B0402020203020204" pitchFamily="50" charset="-128"/>
+                    </a:rPr>
+                    <a:t>Current</a:t>
+                  </a:r>
+                  <a:endParaRPr lang="ja-JP" altLang="en-US" sz="1200" dirty="0">
+                    <a:solidFill>
+                      <a:srgbClr val="002060"/>
+                    </a:solidFill>
+                    <a:latin typeface="M+ 2p light" panose="020B0402020203020204" pitchFamily="50" charset="-128"/>
+                    <a:ea typeface="M+ 2p light" panose="020B0402020203020204" pitchFamily="50" charset="-128"/>
+                    <a:cs typeface="M+ 2p light" panose="020B0402020203020204" pitchFamily="50" charset="-128"/>
+                  </a:endParaRPr>
+                </a:p>
+              </p:txBody>
+            </p:sp>
+            <p:sp>
+              <p:nvSpPr>
+                <p:cNvPr id="156" name="テキスト ボックス 155">
+                  <a:extLst>
+                    <a:ext uri="{FF2B5EF4-FFF2-40B4-BE49-F238E27FC236}">
+                      <a16:creationId xmlns:a16="http://schemas.microsoft.com/office/drawing/2014/main" id="{D4F43B43-63CD-45F2-B09C-43CFB853C603}"/>
+                    </a:ext>
+                  </a:extLst>
+                </p:cNvPr>
+                <p:cNvSpPr txBox="1"/>
+                <p:nvPr/>
+              </p:nvSpPr>
+              <p:spPr>
+                <a:xfrm>
+                  <a:off x="2363787" y="6390013"/>
+                  <a:ext cx="978152" cy="246221"/>
+                </a:xfrm>
+                <a:prstGeom prst="rect">
+                  <a:avLst/>
+                </a:prstGeom>
+                <a:noFill/>
+              </p:spPr>
+              <p:txBody>
+                <a:bodyPr wrap="none" rtlCol="0">
+                  <a:spAutoFit/>
+                </a:bodyPr>
+                <a:lstStyle/>
+                <a:p>
+                  <a:pPr algn="ctr"/>
+                  <a:r>
+                    <a:rPr lang="en-US" altLang="ja-JP" sz="1000" dirty="0">
+                      <a:latin typeface="M+ 2p light" panose="020B0402020203020204" pitchFamily="50" charset="-128"/>
+                      <a:ea typeface="M+ 2p light" panose="020B0402020203020204" pitchFamily="50" charset="-128"/>
+                      <a:cs typeface="M+ 2p light" panose="020B0402020203020204" pitchFamily="50" charset="-128"/>
+                    </a:rPr>
+                    <a:t>ContentPage</a:t>
+                  </a:r>
+                  <a:endParaRPr lang="ja-JP" altLang="en-US" sz="1000" dirty="0">
+                    <a:latin typeface="M+ 2p light" panose="020B0402020203020204" pitchFamily="50" charset="-128"/>
+                    <a:ea typeface="M+ 2p light" panose="020B0402020203020204" pitchFamily="50" charset="-128"/>
+                    <a:cs typeface="M+ 2p light" panose="020B0402020203020204" pitchFamily="50" charset="-128"/>
+                  </a:endParaRPr>
+                </a:p>
+              </p:txBody>
+            </p:sp>
+            <p:sp>
+              <p:nvSpPr>
+                <p:cNvPr id="157" name="三角形 14">
+                  <a:extLst>
+                    <a:ext uri="{FF2B5EF4-FFF2-40B4-BE49-F238E27FC236}">
+                      <a16:creationId xmlns:a16="http://schemas.microsoft.com/office/drawing/2014/main" id="{8E594CA6-0A45-4BF8-ABEB-0AD37136FC9A}"/>
+                    </a:ext>
+                  </a:extLst>
+                </p:cNvPr>
+                <p:cNvSpPr/>
+                <p:nvPr/>
+              </p:nvSpPr>
+              <p:spPr>
+                <a:xfrm rot="10800000">
+                  <a:off x="2721168" y="5238222"/>
+                  <a:ext cx="263391" cy="167557"/>
+                </a:xfrm>
+                <a:prstGeom prst="triangle">
+                  <a:avLst/>
+                </a:prstGeom>
+                <a:solidFill>
+                  <a:srgbClr val="0099FF"/>
+                </a:solidFill>
+                <a:ln>
+                  <a:noFill/>
+                </a:ln>
+              </p:spPr>
+              <p:style>
+                <a:lnRef idx="2">
+                  <a:schemeClr val="accent1">
+                    <a:shade val="50000"/>
+                  </a:schemeClr>
+                </a:lnRef>
+                <a:fillRef idx="1">
+                  <a:schemeClr val="accent1"/>
+                </a:fillRef>
+                <a:effectRef idx="0">
+                  <a:schemeClr val="accent1"/>
+                </a:effectRef>
+                <a:fontRef idx="minor">
+                  <a:schemeClr val="lt1"/>
+                </a:fontRef>
+              </p:style>
+              <p:txBody>
+                <a:bodyPr rtlCol="0" anchor="ctr"/>
+                <a:lstStyle/>
+                <a:p>
+                  <a:pPr algn="ctr"/>
+                  <a:endParaRPr lang="ja-JP" altLang="en-US" sz="1000" dirty="0">
+                    <a:latin typeface="M+ 2p light" panose="020B0402020203020204" pitchFamily="50" charset="-128"/>
+                    <a:ea typeface="M+ 2p light" panose="020B0402020203020204" pitchFamily="50" charset="-128"/>
+                    <a:cs typeface="M+ 2p light" panose="020B0402020203020204" pitchFamily="50" charset="-128"/>
+                  </a:endParaRPr>
+                </a:p>
+              </p:txBody>
+            </p:sp>
+          </p:grpSp>
+          <p:grpSp>
+            <p:nvGrpSpPr>
+              <p:cNvPr id="117" name="グループ化 116">
+                <a:extLst>
+                  <a:ext uri="{FF2B5EF4-FFF2-40B4-BE49-F238E27FC236}">
+                    <a16:creationId xmlns:a16="http://schemas.microsoft.com/office/drawing/2014/main" id="{FCD2C3F7-92BE-469C-9881-521949A3999E}"/>
+                  </a:ext>
+                </a:extLst>
+              </p:cNvPr>
+              <p:cNvGrpSpPr/>
+              <p:nvPr/>
+            </p:nvGrpSpPr>
+            <p:grpSpPr>
+              <a:xfrm>
+                <a:off x="3481884" y="4811724"/>
+                <a:ext cx="978152" cy="1360565"/>
+                <a:chOff x="3481884" y="5252879"/>
+                <a:chExt cx="978152" cy="1360565"/>
+              </a:xfrm>
+            </p:grpSpPr>
+            <p:pic>
+              <p:nvPicPr>
+                <p:cNvPr id="150" name="図 149">
+                  <a:extLst>
+                    <a:ext uri="{FF2B5EF4-FFF2-40B4-BE49-F238E27FC236}">
+                      <a16:creationId xmlns:a16="http://schemas.microsoft.com/office/drawing/2014/main" id="{609A262B-B945-4965-9A01-B77F52757C72}"/>
+                    </a:ext>
+                  </a:extLst>
+                </p:cNvPr>
+                <p:cNvPicPr>
+                  <a:picLocks noChangeAspect="1"/>
+                </p:cNvPicPr>
+                <p:nvPr/>
+              </p:nvPicPr>
+              <p:blipFill>
+                <a:blip r:embed="rId3">
+                  <a:extLst>
+                    <a:ext uri="{28A0092B-C50C-407E-A947-70E740481C1C}">
+                      <a14:useLocalDpi xmlns:a14="http://schemas.microsoft.com/office/drawing/2010/main" val="0"/>
+                    </a:ext>
+                  </a:extLst>
+                </a:blip>
+                <a:stretch>
+                  <a:fillRect/>
+                </a:stretch>
+              </p:blipFill>
+              <p:spPr>
+                <a:xfrm>
+                  <a:off x="3701506" y="5454013"/>
+                  <a:ext cx="538909" cy="936000"/>
+                </a:xfrm>
+                <a:prstGeom prst="rect">
+                  <a:avLst/>
+                </a:prstGeom>
+              </p:spPr>
+            </p:pic>
+            <p:sp>
+              <p:nvSpPr>
+                <p:cNvPr id="151" name="テキスト ボックス 150">
+                  <a:extLst>
+                    <a:ext uri="{FF2B5EF4-FFF2-40B4-BE49-F238E27FC236}">
+                      <a16:creationId xmlns:a16="http://schemas.microsoft.com/office/drawing/2014/main" id="{21C4A9AA-A6AA-4B69-A0C9-5E591FB24BCA}"/>
+                    </a:ext>
+                  </a:extLst>
+                </p:cNvPr>
+                <p:cNvSpPr txBox="1"/>
+                <p:nvPr/>
+              </p:nvSpPr>
+              <p:spPr>
+                <a:xfrm>
+                  <a:off x="3590888" y="5855513"/>
+                  <a:ext cx="760144" cy="276999"/>
+                </a:xfrm>
+                <a:prstGeom prst="rect">
+                  <a:avLst/>
+                </a:prstGeom>
+                <a:noFill/>
+              </p:spPr>
+              <p:txBody>
+                <a:bodyPr wrap="none" rtlCol="0">
+                  <a:spAutoFit/>
+                </a:bodyPr>
+                <a:lstStyle/>
+                <a:p>
+                  <a:pPr algn="ctr"/>
+                  <a:r>
+                    <a:rPr lang="en-US" altLang="ja-JP" sz="1200" dirty="0">
+                      <a:solidFill>
+                        <a:srgbClr val="002060"/>
+                      </a:solidFill>
+                      <a:latin typeface="M+ 2p light" panose="020B0402020203020204" pitchFamily="50" charset="-128"/>
+                      <a:ea typeface="M+ 2p light" panose="020B0402020203020204" pitchFamily="50" charset="-128"/>
+                      <a:cs typeface="M+ 2p light" panose="020B0402020203020204" pitchFamily="50" charset="-128"/>
+                    </a:rPr>
+                    <a:t>Current</a:t>
+                  </a:r>
+                  <a:endParaRPr lang="ja-JP" altLang="en-US" sz="1200" dirty="0">
+                    <a:solidFill>
+                      <a:srgbClr val="002060"/>
+                    </a:solidFill>
+                    <a:latin typeface="M+ 2p light" panose="020B0402020203020204" pitchFamily="50" charset="-128"/>
+                    <a:ea typeface="M+ 2p light" panose="020B0402020203020204" pitchFamily="50" charset="-128"/>
+                    <a:cs typeface="M+ 2p light" panose="020B0402020203020204" pitchFamily="50" charset="-128"/>
+                  </a:endParaRPr>
+                </a:p>
+              </p:txBody>
+            </p:sp>
+            <p:sp>
+              <p:nvSpPr>
+                <p:cNvPr id="152" name="テキスト ボックス 151">
+                  <a:extLst>
+                    <a:ext uri="{FF2B5EF4-FFF2-40B4-BE49-F238E27FC236}">
+                      <a16:creationId xmlns:a16="http://schemas.microsoft.com/office/drawing/2014/main" id="{B5EAA920-F60C-4D45-B52C-B59ED0E414D9}"/>
+                    </a:ext>
+                  </a:extLst>
+                </p:cNvPr>
+                <p:cNvSpPr txBox="1"/>
+                <p:nvPr/>
+              </p:nvSpPr>
+              <p:spPr>
+                <a:xfrm>
+                  <a:off x="3481884" y="6367223"/>
+                  <a:ext cx="978152" cy="246221"/>
+                </a:xfrm>
+                <a:prstGeom prst="rect">
+                  <a:avLst/>
+                </a:prstGeom>
+                <a:noFill/>
+              </p:spPr>
+              <p:txBody>
+                <a:bodyPr wrap="none" rtlCol="0">
+                  <a:spAutoFit/>
+                </a:bodyPr>
+                <a:lstStyle/>
+                <a:p>
+                  <a:pPr algn="ctr"/>
+                  <a:r>
+                    <a:rPr lang="en-US" altLang="ja-JP" sz="1000" dirty="0">
+                      <a:latin typeface="M+ 2p light" panose="020B0402020203020204" pitchFamily="50" charset="-128"/>
+                      <a:ea typeface="M+ 2p light" panose="020B0402020203020204" pitchFamily="50" charset="-128"/>
+                      <a:cs typeface="M+ 2p light" panose="020B0402020203020204" pitchFamily="50" charset="-128"/>
+                    </a:rPr>
+                    <a:t>ContentPage</a:t>
+                  </a:r>
+                  <a:endParaRPr lang="ja-JP" altLang="en-US" sz="1000" dirty="0">
+                    <a:latin typeface="M+ 2p light" panose="020B0402020203020204" pitchFamily="50" charset="-128"/>
+                    <a:ea typeface="M+ 2p light" panose="020B0402020203020204" pitchFamily="50" charset="-128"/>
+                    <a:cs typeface="M+ 2p light" panose="020B0402020203020204" pitchFamily="50" charset="-128"/>
+                  </a:endParaRPr>
+                </a:p>
+              </p:txBody>
+            </p:sp>
+            <p:sp>
+              <p:nvSpPr>
+                <p:cNvPr id="153" name="三角形 14">
+                  <a:extLst>
+                    <a:ext uri="{FF2B5EF4-FFF2-40B4-BE49-F238E27FC236}">
+                      <a16:creationId xmlns:a16="http://schemas.microsoft.com/office/drawing/2014/main" id="{51F99C98-3613-4EE2-B97A-683CD9A4BBC8}"/>
+                    </a:ext>
+                  </a:extLst>
+                </p:cNvPr>
+                <p:cNvSpPr/>
+                <p:nvPr/>
+              </p:nvSpPr>
+              <p:spPr>
+                <a:xfrm rot="10800000">
+                  <a:off x="3839265" y="5252879"/>
+                  <a:ext cx="263391" cy="167557"/>
+                </a:xfrm>
+                <a:prstGeom prst="triangle">
+                  <a:avLst/>
+                </a:prstGeom>
+                <a:solidFill>
+                  <a:srgbClr val="0099FF"/>
+                </a:solidFill>
+                <a:ln>
+                  <a:noFill/>
+                </a:ln>
+              </p:spPr>
+              <p:style>
+                <a:lnRef idx="2">
+                  <a:schemeClr val="accent1">
+                    <a:shade val="50000"/>
+                  </a:schemeClr>
+                </a:lnRef>
+                <a:fillRef idx="1">
+                  <a:schemeClr val="accent1"/>
+                </a:fillRef>
+                <a:effectRef idx="0">
+                  <a:schemeClr val="accent1"/>
+                </a:effectRef>
+                <a:fontRef idx="minor">
+                  <a:schemeClr val="lt1"/>
+                </a:fontRef>
+              </p:style>
+              <p:txBody>
+                <a:bodyPr rtlCol="0" anchor="ctr"/>
+                <a:lstStyle/>
+                <a:p>
+                  <a:pPr algn="ctr"/>
+                  <a:endParaRPr lang="ja-JP" altLang="en-US" sz="1000" dirty="0">
+                    <a:latin typeface="M+ 2p light" panose="020B0402020203020204" pitchFamily="50" charset="-128"/>
+                    <a:ea typeface="M+ 2p light" panose="020B0402020203020204" pitchFamily="50" charset="-128"/>
+                    <a:cs typeface="M+ 2p light" panose="020B0402020203020204" pitchFamily="50" charset="-128"/>
+                  </a:endParaRPr>
+                </a:p>
+              </p:txBody>
+            </p:sp>
+          </p:grpSp>
+          <p:grpSp>
+            <p:nvGrpSpPr>
+              <p:cNvPr id="118" name="グループ化 117">
+                <a:extLst>
+                  <a:ext uri="{FF2B5EF4-FFF2-40B4-BE49-F238E27FC236}">
+                    <a16:creationId xmlns:a16="http://schemas.microsoft.com/office/drawing/2014/main" id="{EF192088-1515-45C1-A38B-9C2ED1F4B9F5}"/>
+                  </a:ext>
+                </a:extLst>
+              </p:cNvPr>
+              <p:cNvGrpSpPr/>
+              <p:nvPr/>
+            </p:nvGrpSpPr>
+            <p:grpSpPr>
+              <a:xfrm>
+                <a:off x="2264072" y="3417337"/>
+                <a:ext cx="1133644" cy="1376850"/>
+                <a:chOff x="2264072" y="3706093"/>
+                <a:chExt cx="1133644" cy="1376850"/>
+              </a:xfrm>
+            </p:grpSpPr>
+            <p:pic>
+              <p:nvPicPr>
+                <p:cNvPr id="146" name="図 145">
+                  <a:extLst>
+                    <a:ext uri="{FF2B5EF4-FFF2-40B4-BE49-F238E27FC236}">
+                      <a16:creationId xmlns:a16="http://schemas.microsoft.com/office/drawing/2014/main" id="{3E7002F3-20AB-413C-B520-90BB0ABCADEF}"/>
+                    </a:ext>
+                  </a:extLst>
+                </p:cNvPr>
+                <p:cNvPicPr>
+                  <a:picLocks noChangeAspect="1"/>
+                </p:cNvPicPr>
+                <p:nvPr/>
+              </p:nvPicPr>
+              <p:blipFill>
+                <a:blip r:embed="rId4">
+                  <a:extLst>
+                    <a:ext uri="{28A0092B-C50C-407E-A947-70E740481C1C}">
+                      <a14:useLocalDpi xmlns:a14="http://schemas.microsoft.com/office/drawing/2010/main" val="0"/>
+                    </a:ext>
+                  </a:extLst>
+                </a:blip>
+                <a:stretch>
+                  <a:fillRect/>
+                </a:stretch>
+              </p:blipFill>
+              <p:spPr>
+                <a:xfrm>
+                  <a:off x="2561440" y="3916818"/>
+                  <a:ext cx="538909" cy="936000"/>
+                </a:xfrm>
+                <a:prstGeom prst="rect">
+                  <a:avLst/>
+                </a:prstGeom>
+              </p:spPr>
+            </p:pic>
+            <p:sp>
+              <p:nvSpPr>
+                <p:cNvPr id="147" name="テキスト ボックス 146">
+                  <a:extLst>
+                    <a:ext uri="{FF2B5EF4-FFF2-40B4-BE49-F238E27FC236}">
+                      <a16:creationId xmlns:a16="http://schemas.microsoft.com/office/drawing/2014/main" id="{7012FFF2-E482-459F-AEDB-4519C96B6E79}"/>
+                    </a:ext>
+                  </a:extLst>
+                </p:cNvPr>
+                <p:cNvSpPr txBox="1"/>
+                <p:nvPr/>
+              </p:nvSpPr>
+              <p:spPr>
+                <a:xfrm>
+                  <a:off x="2264072" y="4836722"/>
+                  <a:ext cx="1133644" cy="246221"/>
+                </a:xfrm>
+                <a:prstGeom prst="rect">
+                  <a:avLst/>
+                </a:prstGeom>
+                <a:noFill/>
+              </p:spPr>
+              <p:txBody>
+                <a:bodyPr wrap="none" rtlCol="0">
+                  <a:spAutoFit/>
+                </a:bodyPr>
+                <a:lstStyle/>
+                <a:p>
+                  <a:pPr algn="ctr"/>
+                  <a:r>
+                    <a:rPr lang="en-US" altLang="ja-JP" sz="1000" dirty="0">
+                      <a:latin typeface="M+ 2p light" panose="020B0402020203020204" pitchFamily="50" charset="-128"/>
+                      <a:ea typeface="M+ 2p light" panose="020B0402020203020204" pitchFamily="50" charset="-128"/>
+                      <a:cs typeface="M+ 2p light" panose="020B0402020203020204" pitchFamily="50" charset="-128"/>
+                    </a:rPr>
+                    <a:t>NavigationPage</a:t>
+                  </a:r>
+                  <a:endParaRPr lang="ja-JP" altLang="en-US" sz="1000" dirty="0">
+                    <a:latin typeface="M+ 2p light" panose="020B0402020203020204" pitchFamily="50" charset="-128"/>
+                    <a:ea typeface="M+ 2p light" panose="020B0402020203020204" pitchFamily="50" charset="-128"/>
+                    <a:cs typeface="M+ 2p light" panose="020B0402020203020204" pitchFamily="50" charset="-128"/>
+                  </a:endParaRPr>
+                </a:p>
+              </p:txBody>
+            </p:sp>
+            <p:sp>
+              <p:nvSpPr>
+                <p:cNvPr id="148" name="テキスト ボックス 147">
+                  <a:extLst>
+                    <a:ext uri="{FF2B5EF4-FFF2-40B4-BE49-F238E27FC236}">
+                      <a16:creationId xmlns:a16="http://schemas.microsoft.com/office/drawing/2014/main" id="{A691FCC1-98D7-4615-AFE3-6D5D0C68014C}"/>
+                    </a:ext>
+                  </a:extLst>
+                </p:cNvPr>
+                <p:cNvSpPr txBox="1"/>
+                <p:nvPr/>
+              </p:nvSpPr>
+              <p:spPr>
+                <a:xfrm>
+                  <a:off x="2555017" y="4318318"/>
+                  <a:ext cx="551754" cy="276999"/>
+                </a:xfrm>
+                <a:prstGeom prst="rect">
+                  <a:avLst/>
+                </a:prstGeom>
+                <a:noFill/>
+              </p:spPr>
+              <p:txBody>
+                <a:bodyPr wrap="none" rtlCol="0">
+                  <a:spAutoFit/>
+                </a:bodyPr>
+                <a:lstStyle/>
+                <a:p>
+                  <a:pPr algn="ctr"/>
+                  <a:r>
+                    <a:rPr lang="en-US" altLang="ja-JP" sz="1200" dirty="0">
+                      <a:solidFill>
+                        <a:srgbClr val="002060"/>
+                      </a:solidFill>
+                      <a:latin typeface="M+ 2p light" panose="020B0402020203020204" pitchFamily="50" charset="-128"/>
+                      <a:ea typeface="M+ 2p light" panose="020B0402020203020204" pitchFamily="50" charset="-128"/>
+                      <a:cs typeface="M+ 2p light" panose="020B0402020203020204" pitchFamily="50" charset="-128"/>
+                    </a:rPr>
+                    <a:t>Tab1</a:t>
+                  </a:r>
+                  <a:endParaRPr lang="ja-JP" altLang="en-US" sz="1200" dirty="0">
+                    <a:solidFill>
+                      <a:srgbClr val="002060"/>
+                    </a:solidFill>
+                    <a:latin typeface="M+ 2p light" panose="020B0402020203020204" pitchFamily="50" charset="-128"/>
+                    <a:ea typeface="M+ 2p light" panose="020B0402020203020204" pitchFamily="50" charset="-128"/>
+                    <a:cs typeface="M+ 2p light" panose="020B0402020203020204" pitchFamily="50" charset="-128"/>
+                  </a:endParaRPr>
+                </a:p>
+              </p:txBody>
+            </p:sp>
+            <p:sp>
+              <p:nvSpPr>
+                <p:cNvPr id="149" name="三角形 14">
+                  <a:extLst>
+                    <a:ext uri="{FF2B5EF4-FFF2-40B4-BE49-F238E27FC236}">
+                      <a16:creationId xmlns:a16="http://schemas.microsoft.com/office/drawing/2014/main" id="{0A8D7A2A-DD3F-44E8-9F94-8EA8C2DCE23A}"/>
+                    </a:ext>
+                  </a:extLst>
+                </p:cNvPr>
+                <p:cNvSpPr/>
+                <p:nvPr/>
+              </p:nvSpPr>
+              <p:spPr>
+                <a:xfrm rot="10800000">
+                  <a:off x="2699199" y="3706093"/>
+                  <a:ext cx="263391" cy="167557"/>
+                </a:xfrm>
+                <a:prstGeom prst="triangle">
+                  <a:avLst/>
+                </a:prstGeom>
+                <a:solidFill>
+                  <a:srgbClr val="0099FF"/>
+                </a:solidFill>
+                <a:ln>
+                  <a:noFill/>
+                </a:ln>
+              </p:spPr>
+              <p:style>
+                <a:lnRef idx="2">
+                  <a:schemeClr val="accent1">
+                    <a:shade val="50000"/>
+                  </a:schemeClr>
+                </a:lnRef>
+                <a:fillRef idx="1">
+                  <a:schemeClr val="accent1"/>
+                </a:fillRef>
+                <a:effectRef idx="0">
+                  <a:schemeClr val="accent1"/>
+                </a:effectRef>
+                <a:fontRef idx="minor">
+                  <a:schemeClr val="lt1"/>
+                </a:fontRef>
+              </p:style>
+              <p:txBody>
+                <a:bodyPr rtlCol="0" anchor="ctr"/>
+                <a:lstStyle/>
+                <a:p>
+                  <a:pPr algn="ctr"/>
+                  <a:endParaRPr lang="ja-JP" altLang="en-US" sz="1000" dirty="0">
+                    <a:latin typeface="M+ 2p light" panose="020B0402020203020204" pitchFamily="50" charset="-128"/>
+                    <a:ea typeface="M+ 2p light" panose="020B0402020203020204" pitchFamily="50" charset="-128"/>
+                    <a:cs typeface="M+ 2p light" panose="020B0402020203020204" pitchFamily="50" charset="-128"/>
+                  </a:endParaRPr>
+                </a:p>
+              </p:txBody>
+            </p:sp>
+          </p:grpSp>
+          <p:grpSp>
+            <p:nvGrpSpPr>
+              <p:cNvPr id="119" name="グループ化 118">
+                <a:extLst>
+                  <a:ext uri="{FF2B5EF4-FFF2-40B4-BE49-F238E27FC236}">
+                    <a16:creationId xmlns:a16="http://schemas.microsoft.com/office/drawing/2014/main" id="{32290536-21FE-4FC5-AD44-FC00D9F64065}"/>
+                  </a:ext>
+                </a:extLst>
+              </p:cNvPr>
+              <p:cNvGrpSpPr/>
+              <p:nvPr/>
+            </p:nvGrpSpPr>
+            <p:grpSpPr>
+              <a:xfrm>
+                <a:off x="3404138" y="3417337"/>
+                <a:ext cx="1133644" cy="1376851"/>
+                <a:chOff x="3404138" y="3706093"/>
+                <a:chExt cx="1133644" cy="1376851"/>
+              </a:xfrm>
+            </p:grpSpPr>
+            <p:pic>
+              <p:nvPicPr>
+                <p:cNvPr id="142" name="図 141">
+                  <a:extLst>
+                    <a:ext uri="{FF2B5EF4-FFF2-40B4-BE49-F238E27FC236}">
+                      <a16:creationId xmlns:a16="http://schemas.microsoft.com/office/drawing/2014/main" id="{D365A527-28C5-49B5-8CD7-4A9B422B69A5}"/>
+                    </a:ext>
+                  </a:extLst>
+                </p:cNvPr>
+                <p:cNvPicPr>
+                  <a:picLocks noChangeAspect="1"/>
+                </p:cNvPicPr>
+                <p:nvPr/>
+              </p:nvPicPr>
+              <p:blipFill>
+                <a:blip r:embed="rId4">
+                  <a:extLst>
+                    <a:ext uri="{28A0092B-C50C-407E-A947-70E740481C1C}">
+                      <a14:useLocalDpi xmlns:a14="http://schemas.microsoft.com/office/drawing/2010/main" val="0"/>
+                    </a:ext>
+                  </a:extLst>
+                </a:blip>
+                <a:stretch>
+                  <a:fillRect/>
+                </a:stretch>
+              </p:blipFill>
+              <p:spPr>
+                <a:xfrm>
+                  <a:off x="3701506" y="3908164"/>
+                  <a:ext cx="538909" cy="936000"/>
+                </a:xfrm>
+                <a:prstGeom prst="rect">
+                  <a:avLst/>
+                </a:prstGeom>
+              </p:spPr>
+            </p:pic>
+            <p:sp>
+              <p:nvSpPr>
+                <p:cNvPr id="143" name="テキスト ボックス 142">
+                  <a:extLst>
+                    <a:ext uri="{FF2B5EF4-FFF2-40B4-BE49-F238E27FC236}">
+                      <a16:creationId xmlns:a16="http://schemas.microsoft.com/office/drawing/2014/main" id="{B799A6A1-8D2E-4DC8-9E6F-B0B9195698BC}"/>
+                    </a:ext>
+                  </a:extLst>
+                </p:cNvPr>
+                <p:cNvSpPr txBox="1"/>
+                <p:nvPr/>
+              </p:nvSpPr>
+              <p:spPr>
+                <a:xfrm>
+                  <a:off x="3404138" y="4836723"/>
+                  <a:ext cx="1133644" cy="246221"/>
+                </a:xfrm>
+                <a:prstGeom prst="rect">
+                  <a:avLst/>
+                </a:prstGeom>
+                <a:noFill/>
+              </p:spPr>
+              <p:txBody>
+                <a:bodyPr wrap="none" rtlCol="0">
+                  <a:spAutoFit/>
+                </a:bodyPr>
+                <a:lstStyle/>
+                <a:p>
+                  <a:pPr algn="ctr"/>
+                  <a:r>
+                    <a:rPr lang="en-US" altLang="ja-JP" sz="1000" dirty="0">
+                      <a:latin typeface="M+ 2p light" panose="020B0402020203020204" pitchFamily="50" charset="-128"/>
+                      <a:ea typeface="M+ 2p light" panose="020B0402020203020204" pitchFamily="50" charset="-128"/>
+                      <a:cs typeface="M+ 2p light" panose="020B0402020203020204" pitchFamily="50" charset="-128"/>
+                    </a:rPr>
+                    <a:t>NavigationPage</a:t>
+                  </a:r>
+                  <a:endParaRPr lang="ja-JP" altLang="en-US" sz="1000" dirty="0">
+                    <a:latin typeface="M+ 2p light" panose="020B0402020203020204" pitchFamily="50" charset="-128"/>
+                    <a:ea typeface="M+ 2p light" panose="020B0402020203020204" pitchFamily="50" charset="-128"/>
+                    <a:cs typeface="M+ 2p light" panose="020B0402020203020204" pitchFamily="50" charset="-128"/>
+                  </a:endParaRPr>
+                </a:p>
+              </p:txBody>
+            </p:sp>
+            <p:sp>
+              <p:nvSpPr>
+                <p:cNvPr id="144" name="テキスト ボックス 143">
+                  <a:extLst>
+                    <a:ext uri="{FF2B5EF4-FFF2-40B4-BE49-F238E27FC236}">
+                      <a16:creationId xmlns:a16="http://schemas.microsoft.com/office/drawing/2014/main" id="{B717B399-0BFB-4845-B7AD-DCFF03505943}"/>
+                    </a:ext>
+                  </a:extLst>
+                </p:cNvPr>
+                <p:cNvSpPr txBox="1"/>
+                <p:nvPr/>
+              </p:nvSpPr>
+              <p:spPr>
+                <a:xfrm>
+                  <a:off x="3695083" y="4309664"/>
+                  <a:ext cx="551754" cy="276999"/>
+                </a:xfrm>
+                <a:prstGeom prst="rect">
+                  <a:avLst/>
+                </a:prstGeom>
+                <a:noFill/>
+              </p:spPr>
+              <p:txBody>
+                <a:bodyPr wrap="none" rtlCol="0">
+                  <a:spAutoFit/>
+                </a:bodyPr>
+                <a:lstStyle/>
+                <a:p>
+                  <a:pPr algn="ctr"/>
+                  <a:r>
+                    <a:rPr lang="en-US" altLang="ja-JP" sz="1200" dirty="0">
+                      <a:solidFill>
+                        <a:srgbClr val="002060"/>
+                      </a:solidFill>
+                      <a:latin typeface="M+ 2p light" panose="020B0402020203020204" pitchFamily="50" charset="-128"/>
+                      <a:ea typeface="M+ 2p light" panose="020B0402020203020204" pitchFamily="50" charset="-128"/>
+                      <a:cs typeface="M+ 2p light" panose="020B0402020203020204" pitchFamily="50" charset="-128"/>
+                    </a:rPr>
+                    <a:t>Tab2</a:t>
+                  </a:r>
+                  <a:endParaRPr lang="ja-JP" altLang="en-US" sz="1200" dirty="0">
+                    <a:solidFill>
+                      <a:srgbClr val="002060"/>
+                    </a:solidFill>
+                    <a:latin typeface="M+ 2p light" panose="020B0402020203020204" pitchFamily="50" charset="-128"/>
+                    <a:ea typeface="M+ 2p light" panose="020B0402020203020204" pitchFamily="50" charset="-128"/>
+                    <a:cs typeface="M+ 2p light" panose="020B0402020203020204" pitchFamily="50" charset="-128"/>
+                  </a:endParaRPr>
+                </a:p>
+              </p:txBody>
+            </p:sp>
+            <p:sp>
+              <p:nvSpPr>
+                <p:cNvPr id="145" name="三角形 14">
+                  <a:extLst>
+                    <a:ext uri="{FF2B5EF4-FFF2-40B4-BE49-F238E27FC236}">
+                      <a16:creationId xmlns:a16="http://schemas.microsoft.com/office/drawing/2014/main" id="{2245206E-4019-48D9-B6AD-D0263CFA3A20}"/>
+                    </a:ext>
+                  </a:extLst>
+                </p:cNvPr>
+                <p:cNvSpPr/>
+                <p:nvPr/>
+              </p:nvSpPr>
+              <p:spPr>
+                <a:xfrm rot="10800000">
+                  <a:off x="3839265" y="3706093"/>
+                  <a:ext cx="263391" cy="167557"/>
+                </a:xfrm>
+                <a:prstGeom prst="triangle">
+                  <a:avLst/>
+                </a:prstGeom>
+                <a:solidFill>
+                  <a:srgbClr val="0099FF"/>
+                </a:solidFill>
+                <a:ln>
+                  <a:noFill/>
+                </a:ln>
+              </p:spPr>
+              <p:style>
+                <a:lnRef idx="2">
+                  <a:schemeClr val="accent1">
+                    <a:shade val="50000"/>
+                  </a:schemeClr>
+                </a:lnRef>
+                <a:fillRef idx="1">
+                  <a:schemeClr val="accent1"/>
+                </a:fillRef>
+                <a:effectRef idx="0">
+                  <a:schemeClr val="accent1"/>
+                </a:effectRef>
+                <a:fontRef idx="minor">
+                  <a:schemeClr val="lt1"/>
+                </a:fontRef>
+              </p:style>
+              <p:txBody>
+                <a:bodyPr rtlCol="0" anchor="ctr"/>
+                <a:lstStyle/>
+                <a:p>
+                  <a:pPr algn="ctr"/>
+                  <a:endParaRPr lang="ja-JP" altLang="en-US" sz="1000" dirty="0">
+                    <a:latin typeface="M+ 2p light" panose="020B0402020203020204" pitchFamily="50" charset="-128"/>
+                    <a:ea typeface="M+ 2p light" panose="020B0402020203020204" pitchFamily="50" charset="-128"/>
+                    <a:cs typeface="M+ 2p light" panose="020B0402020203020204" pitchFamily="50" charset="-128"/>
+                  </a:endParaRPr>
+                </a:p>
+              </p:txBody>
+            </p:sp>
+          </p:grpSp>
+          <p:sp>
+            <p:nvSpPr>
+              <p:cNvPr id="120" name="テキスト ボックス 119">
+                <a:extLst>
+                  <a:ext uri="{FF2B5EF4-FFF2-40B4-BE49-F238E27FC236}">
+                    <a16:creationId xmlns:a16="http://schemas.microsoft.com/office/drawing/2014/main" id="{A7336BBB-DEC7-400A-BA69-CC4C5679D5B6}"/>
+                  </a:ext>
+                </a:extLst>
+              </p:cNvPr>
+              <p:cNvSpPr txBox="1"/>
+              <p:nvPr/>
+            </p:nvSpPr>
+            <p:spPr>
+              <a:xfrm>
+                <a:off x="2142263" y="788702"/>
+                <a:ext cx="441146" cy="400110"/>
+              </a:xfrm>
+              <a:prstGeom prst="rect">
+                <a:avLst/>
+              </a:prstGeom>
+              <a:noFill/>
+            </p:spPr>
+            <p:txBody>
+              <a:bodyPr wrap="none" rtlCol="0">
+                <a:spAutoFit/>
+              </a:bodyPr>
+              <a:lstStyle/>
+              <a:p>
+                <a:r>
+                  <a:rPr lang="ja-JP" altLang="en-US" sz="2000" dirty="0">
+                    <a:solidFill>
+                      <a:srgbClr val="FF0000"/>
+                    </a:solidFill>
+                    <a:latin typeface="M+ 1c light" panose="020B0403020204020204" pitchFamily="50" charset="-128"/>
+                    <a:ea typeface="M+ 1c light" panose="020B0403020204020204" pitchFamily="50" charset="-128"/>
+                    <a:cs typeface="M+ 1c light" panose="020B0403020204020204" pitchFamily="50" charset="-128"/>
+                  </a:rPr>
+                  <a:t>⑦</a:t>
+                </a:r>
+                <a:endParaRPr kumimoji="1" lang="ja-JP" altLang="en-US" sz="2000" dirty="0">
+                  <a:solidFill>
+                    <a:srgbClr val="FF0000"/>
+                  </a:solidFill>
+                  <a:latin typeface="M+ 1c light" panose="020B0403020204020204" pitchFamily="50" charset="-128"/>
+                  <a:ea typeface="M+ 1c light" panose="020B0403020204020204" pitchFamily="50" charset="-128"/>
+                  <a:cs typeface="M+ 1c light" panose="020B0403020204020204" pitchFamily="50" charset="-128"/>
+                </a:endParaRPr>
+              </a:p>
+            </p:txBody>
+          </p:sp>
+          <p:sp>
+            <p:nvSpPr>
+              <p:cNvPr id="121" name="矢印: 下 120">
+                <a:extLst>
+                  <a:ext uri="{FF2B5EF4-FFF2-40B4-BE49-F238E27FC236}">
+                    <a16:creationId xmlns:a16="http://schemas.microsoft.com/office/drawing/2014/main" id="{842A5511-3E15-4964-9D3C-C6461E5949AC}"/>
+                  </a:ext>
+                </a:extLst>
+              </p:cNvPr>
+              <p:cNvSpPr/>
+              <p:nvPr/>
+            </p:nvSpPr>
+            <p:spPr>
+              <a:xfrm rot="10800000">
+                <a:off x="4468854" y="1436369"/>
+                <a:ext cx="213330" cy="4766731"/>
+              </a:xfrm>
+              <a:prstGeom prst="downArrow">
+                <a:avLst/>
+              </a:prstGeom>
+              <a:solidFill>
+                <a:srgbClr val="C00000"/>
+              </a:solidFill>
+              <a:ln>
+                <a:solidFill>
+                  <a:srgbClr val="C00000"/>
+                </a:solidFill>
+              </a:ln>
+            </p:spPr>
+            <p:style>
+              <a:lnRef idx="2">
+                <a:schemeClr val="accent1">
+                  <a:shade val="50000"/>
+                </a:schemeClr>
+              </a:lnRef>
+              <a:fillRef idx="1">
+                <a:schemeClr val="accent1"/>
+              </a:fillRef>
+              <a:effectRef idx="0">
+                <a:schemeClr val="accent1"/>
+              </a:effectRef>
+              <a:fontRef idx="minor">
+                <a:schemeClr val="lt1"/>
+              </a:fontRef>
+            </p:style>
+            <p:txBody>
+              <a:bodyPr rtlCol="0" anchor="ctr"/>
+              <a:lstStyle/>
+              <a:p>
+                <a:pPr algn="ctr"/>
+                <a:endParaRPr kumimoji="1" lang="ja-JP" altLang="en-US"/>
+              </a:p>
+            </p:txBody>
+          </p:sp>
+          <p:grpSp>
+            <p:nvGrpSpPr>
+              <p:cNvPr id="122" name="グループ化 121">
+                <a:extLst>
+                  <a:ext uri="{FF2B5EF4-FFF2-40B4-BE49-F238E27FC236}">
+                    <a16:creationId xmlns:a16="http://schemas.microsoft.com/office/drawing/2014/main" id="{7D005707-F6C8-448F-BB37-D7CE8D5BC655}"/>
+                  </a:ext>
+                </a:extLst>
+              </p:cNvPr>
+              <p:cNvGrpSpPr/>
+              <p:nvPr/>
+            </p:nvGrpSpPr>
+            <p:grpSpPr>
+              <a:xfrm>
+                <a:off x="1533192" y="2035630"/>
+                <a:ext cx="978152" cy="1383198"/>
+                <a:chOff x="1533192" y="2123861"/>
+                <a:chExt cx="978152" cy="1383198"/>
+              </a:xfrm>
+            </p:grpSpPr>
+            <p:sp>
+              <p:nvSpPr>
+                <p:cNvPr id="136" name="テキスト ボックス 135">
+                  <a:extLst>
+                    <a:ext uri="{FF2B5EF4-FFF2-40B4-BE49-F238E27FC236}">
+                      <a16:creationId xmlns:a16="http://schemas.microsoft.com/office/drawing/2014/main" id="{A4FD26C8-8957-4DD0-860A-E3315F58B611}"/>
+                    </a:ext>
+                  </a:extLst>
+                </p:cNvPr>
+                <p:cNvSpPr txBox="1"/>
+                <p:nvPr/>
+              </p:nvSpPr>
+              <p:spPr>
+                <a:xfrm>
+                  <a:off x="1533192" y="3260838"/>
+                  <a:ext cx="978152" cy="246221"/>
+                </a:xfrm>
+                <a:prstGeom prst="rect">
+                  <a:avLst/>
+                </a:prstGeom>
+                <a:noFill/>
+              </p:spPr>
+              <p:txBody>
+                <a:bodyPr wrap="none" rtlCol="0">
+                  <a:spAutoFit/>
+                </a:bodyPr>
+                <a:lstStyle/>
+                <a:p>
+                  <a:pPr algn="ctr"/>
+                  <a:r>
+                    <a:rPr lang="en-US" altLang="ja-JP" sz="1000" dirty="0">
+                      <a:latin typeface="M+ 2p light" panose="020B0402020203020204" pitchFamily="50" charset="-128"/>
+                      <a:ea typeface="M+ 2p light" panose="020B0402020203020204" pitchFamily="50" charset="-128"/>
+                      <a:cs typeface="M+ 2p light" panose="020B0402020203020204" pitchFamily="50" charset="-128"/>
+                    </a:rPr>
+                    <a:t>ContentPage</a:t>
+                  </a:r>
+                  <a:endParaRPr lang="ja-JP" altLang="en-US" sz="1000" dirty="0">
+                    <a:latin typeface="M+ 2p light" panose="020B0402020203020204" pitchFamily="50" charset="-128"/>
+                    <a:ea typeface="M+ 2p light" panose="020B0402020203020204" pitchFamily="50" charset="-128"/>
+                    <a:cs typeface="M+ 2p light" panose="020B0402020203020204" pitchFamily="50" charset="-128"/>
+                  </a:endParaRPr>
+                </a:p>
+              </p:txBody>
+            </p:sp>
+            <p:sp>
+              <p:nvSpPr>
+                <p:cNvPr id="137" name="テキスト ボックス 136">
+                  <a:extLst>
+                    <a:ext uri="{FF2B5EF4-FFF2-40B4-BE49-F238E27FC236}">
+                      <a16:creationId xmlns:a16="http://schemas.microsoft.com/office/drawing/2014/main" id="{CEFD0939-7263-4953-8E18-7CF798621810}"/>
+                    </a:ext>
+                  </a:extLst>
+                </p:cNvPr>
+                <p:cNvSpPr txBox="1"/>
+                <p:nvPr/>
+              </p:nvSpPr>
+              <p:spPr>
+                <a:xfrm>
+                  <a:off x="1665118" y="2728172"/>
+                  <a:ext cx="697627" cy="276999"/>
+                </a:xfrm>
+                <a:prstGeom prst="rect">
+                  <a:avLst/>
+                </a:prstGeom>
+                <a:noFill/>
+              </p:spPr>
+              <p:txBody>
+                <a:bodyPr wrap="none" rtlCol="0">
+                  <a:spAutoFit/>
+                </a:bodyPr>
+                <a:lstStyle/>
+                <a:p>
+                  <a:pPr algn="ctr"/>
+                  <a:r>
+                    <a:rPr lang="en-US" altLang="ja-JP" sz="1200" dirty="0">
+                      <a:solidFill>
+                        <a:srgbClr val="002060"/>
+                      </a:solidFill>
+                      <a:latin typeface="M+ 2p light" panose="020B0402020203020204" pitchFamily="50" charset="-128"/>
+                      <a:ea typeface="M+ 2p light" panose="020B0402020203020204" pitchFamily="50" charset="-128"/>
+                      <a:cs typeface="M+ 2p light" panose="020B0402020203020204" pitchFamily="50" charset="-128"/>
+                    </a:rPr>
+                    <a:t>Master</a:t>
+                  </a:r>
+                  <a:endParaRPr lang="ja-JP" altLang="en-US" sz="1200" dirty="0">
+                    <a:solidFill>
+                      <a:srgbClr val="002060"/>
+                    </a:solidFill>
+                    <a:latin typeface="M+ 2p light" panose="020B0402020203020204" pitchFamily="50" charset="-128"/>
+                    <a:ea typeface="M+ 2p light" panose="020B0402020203020204" pitchFamily="50" charset="-128"/>
+                    <a:cs typeface="M+ 2p light" panose="020B0402020203020204" pitchFamily="50" charset="-128"/>
+                  </a:endParaRPr>
+                </a:p>
+              </p:txBody>
+            </p:sp>
+            <p:grpSp>
+              <p:nvGrpSpPr>
+                <p:cNvPr id="138" name="グループ化 137">
+                  <a:extLst>
+                    <a:ext uri="{FF2B5EF4-FFF2-40B4-BE49-F238E27FC236}">
+                      <a16:creationId xmlns:a16="http://schemas.microsoft.com/office/drawing/2014/main" id="{51DE13E8-BFF8-4F97-8706-FB46A935488A}"/>
+                    </a:ext>
+                  </a:extLst>
+                </p:cNvPr>
+                <p:cNvGrpSpPr/>
+                <p:nvPr/>
+              </p:nvGrpSpPr>
+              <p:grpSpPr>
+                <a:xfrm>
+                  <a:off x="1742668" y="2123861"/>
+                  <a:ext cx="538909" cy="1163249"/>
+                  <a:chOff x="1742668" y="2123861"/>
+                  <a:chExt cx="538909" cy="1163249"/>
+                </a:xfrm>
+              </p:grpSpPr>
+              <p:pic>
+                <p:nvPicPr>
+                  <p:cNvPr id="140" name="図 139">
+                    <a:extLst>
+                      <a:ext uri="{FF2B5EF4-FFF2-40B4-BE49-F238E27FC236}">
+                        <a16:creationId xmlns:a16="http://schemas.microsoft.com/office/drawing/2014/main" id="{EEEA4162-DAD4-4B0F-8EEE-FC004109944B}"/>
+                      </a:ext>
+                    </a:extLst>
+                  </p:cNvPr>
+                  <p:cNvPicPr>
+                    <a:picLocks noChangeAspect="1"/>
+                  </p:cNvPicPr>
+                  <p:nvPr/>
+                </p:nvPicPr>
+                <p:blipFill>
+                  <a:blip r:embed="rId3">
+                    <a:extLst>
+                      <a:ext uri="{28A0092B-C50C-407E-A947-70E740481C1C}">
+                        <a14:useLocalDpi xmlns:a14="http://schemas.microsoft.com/office/drawing/2010/main" val="0"/>
+                      </a:ext>
+                    </a:extLst>
+                  </a:blip>
+                  <a:stretch>
+                    <a:fillRect/>
+                  </a:stretch>
+                </p:blipFill>
+                <p:spPr>
+                  <a:xfrm>
+                    <a:off x="1742668" y="2351110"/>
+                    <a:ext cx="538909" cy="936000"/>
+                  </a:xfrm>
+                  <a:prstGeom prst="rect">
+                    <a:avLst/>
+                  </a:prstGeom>
+                </p:spPr>
+              </p:pic>
+              <p:sp>
+                <p:nvSpPr>
+                  <p:cNvPr id="141" name="三角形 14">
+                    <a:extLst>
+                      <a:ext uri="{FF2B5EF4-FFF2-40B4-BE49-F238E27FC236}">
+                        <a16:creationId xmlns:a16="http://schemas.microsoft.com/office/drawing/2014/main" id="{5EA67388-6E45-4C1C-9AEB-892B2D3B31EF}"/>
+                      </a:ext>
+                    </a:extLst>
+                  </p:cNvPr>
+                  <p:cNvSpPr/>
+                  <p:nvPr/>
+                </p:nvSpPr>
+                <p:spPr>
+                  <a:xfrm rot="10800000">
+                    <a:off x="1876599" y="2123861"/>
+                    <a:ext cx="263391" cy="167557"/>
+                  </a:xfrm>
+                  <a:prstGeom prst="triangle">
+                    <a:avLst/>
+                  </a:prstGeom>
+                  <a:solidFill>
+                    <a:srgbClr val="0099FF"/>
+                  </a:solidFill>
+                  <a:ln>
+                    <a:noFill/>
+                  </a:ln>
+                </p:spPr>
+                <p:style>
+                  <a:lnRef idx="2">
+                    <a:schemeClr val="accent1">
+                      <a:shade val="50000"/>
+                    </a:schemeClr>
+                  </a:lnRef>
+                  <a:fillRef idx="1">
+                    <a:schemeClr val="accent1"/>
+                  </a:fillRef>
+                  <a:effectRef idx="0">
+                    <a:schemeClr val="accent1"/>
+                  </a:effectRef>
+                  <a:fontRef idx="minor">
+                    <a:schemeClr val="lt1"/>
+                  </a:fontRef>
+                </p:style>
+                <p:txBody>
+                  <a:bodyPr rtlCol="0" anchor="ctr"/>
+                  <a:lstStyle/>
+                  <a:p>
+                    <a:pPr algn="ctr"/>
+                    <a:endParaRPr lang="ja-JP" altLang="en-US" sz="1000" dirty="0">
+                      <a:latin typeface="M+ 2p light" panose="020B0402020203020204" pitchFamily="50" charset="-128"/>
+                      <a:ea typeface="M+ 2p light" panose="020B0402020203020204" pitchFamily="50" charset="-128"/>
+                      <a:cs typeface="M+ 2p light" panose="020B0402020203020204" pitchFamily="50" charset="-128"/>
+                    </a:endParaRPr>
+                  </a:p>
+                </p:txBody>
+              </p:sp>
+            </p:grpSp>
+            <p:sp>
+              <p:nvSpPr>
+                <p:cNvPr id="139" name="テキスト ボックス 138">
+                  <a:extLst>
+                    <a:ext uri="{FF2B5EF4-FFF2-40B4-BE49-F238E27FC236}">
+                      <a16:creationId xmlns:a16="http://schemas.microsoft.com/office/drawing/2014/main" id="{697CACB7-9B33-411A-9677-0AAC138137CB}"/>
+                    </a:ext>
+                  </a:extLst>
+                </p:cNvPr>
+                <p:cNvSpPr txBox="1"/>
+                <p:nvPr/>
+              </p:nvSpPr>
+              <p:spPr>
+                <a:xfrm>
+                  <a:off x="1665118" y="2668938"/>
+                  <a:ext cx="697627" cy="276999"/>
+                </a:xfrm>
+                <a:prstGeom prst="rect">
+                  <a:avLst/>
+                </a:prstGeom>
+                <a:noFill/>
+              </p:spPr>
+              <p:txBody>
+                <a:bodyPr wrap="none" rtlCol="0">
+                  <a:spAutoFit/>
+                </a:bodyPr>
+                <a:lstStyle/>
+                <a:p>
+                  <a:pPr algn="ctr"/>
+                  <a:r>
+                    <a:rPr lang="en-US" altLang="ja-JP" sz="1200" dirty="0">
+                      <a:solidFill>
+                        <a:srgbClr val="002060"/>
+                      </a:solidFill>
+                      <a:latin typeface="M+ 2p light" panose="020B0402020203020204" pitchFamily="50" charset="-128"/>
+                      <a:ea typeface="M+ 2p light" panose="020B0402020203020204" pitchFamily="50" charset="-128"/>
+                      <a:cs typeface="M+ 2p light" panose="020B0402020203020204" pitchFamily="50" charset="-128"/>
+                    </a:rPr>
+                    <a:t>Master</a:t>
+                  </a:r>
+                  <a:endParaRPr lang="ja-JP" altLang="en-US" sz="1200" dirty="0">
+                    <a:solidFill>
+                      <a:srgbClr val="002060"/>
+                    </a:solidFill>
+                    <a:latin typeface="M+ 2p light" panose="020B0402020203020204" pitchFamily="50" charset="-128"/>
+                    <a:ea typeface="M+ 2p light" panose="020B0402020203020204" pitchFamily="50" charset="-128"/>
+                    <a:cs typeface="M+ 2p light" panose="020B0402020203020204" pitchFamily="50" charset="-128"/>
+                  </a:endParaRPr>
+                </a:p>
+              </p:txBody>
+            </p:sp>
+          </p:grpSp>
+          <p:grpSp>
+            <p:nvGrpSpPr>
+              <p:cNvPr id="123" name="グループ化 122">
+                <a:extLst>
+                  <a:ext uri="{FF2B5EF4-FFF2-40B4-BE49-F238E27FC236}">
+                    <a16:creationId xmlns:a16="http://schemas.microsoft.com/office/drawing/2014/main" id="{B17E5511-1A7B-4721-8744-5FB4BAFC8B7F}"/>
+                  </a:ext>
+                </a:extLst>
+              </p:cNvPr>
+              <p:cNvGrpSpPr/>
+              <p:nvPr/>
+            </p:nvGrpSpPr>
+            <p:grpSpPr>
+              <a:xfrm>
+                <a:off x="2906639" y="2039197"/>
+                <a:ext cx="914032" cy="1379631"/>
+                <a:chOff x="2906639" y="2127428"/>
+                <a:chExt cx="914032" cy="1379631"/>
+              </a:xfrm>
+            </p:grpSpPr>
+            <p:sp>
+              <p:nvSpPr>
+                <p:cNvPr id="130" name="テキスト ボックス 129">
+                  <a:extLst>
+                    <a:ext uri="{FF2B5EF4-FFF2-40B4-BE49-F238E27FC236}">
+                      <a16:creationId xmlns:a16="http://schemas.microsoft.com/office/drawing/2014/main" id="{62152BC6-94B9-482E-9BF0-5F7974AEC336}"/>
+                    </a:ext>
+                  </a:extLst>
+                </p:cNvPr>
+                <p:cNvSpPr txBox="1"/>
+                <p:nvPr/>
+              </p:nvSpPr>
+              <p:spPr>
+                <a:xfrm>
+                  <a:off x="2906639" y="3260838"/>
+                  <a:ext cx="914032" cy="246221"/>
+                </a:xfrm>
+                <a:prstGeom prst="rect">
+                  <a:avLst/>
+                </a:prstGeom>
+                <a:noFill/>
+              </p:spPr>
+              <p:txBody>
+                <a:bodyPr wrap="none" rtlCol="0">
+                  <a:spAutoFit/>
+                </a:bodyPr>
+                <a:lstStyle/>
+                <a:p>
+                  <a:pPr algn="ctr"/>
+                  <a:r>
+                    <a:rPr lang="en-US" altLang="ja-JP" sz="1000" dirty="0">
+                      <a:latin typeface="M+ 2p light" panose="020B0402020203020204" pitchFamily="50" charset="-128"/>
+                      <a:ea typeface="M+ 2p light" panose="020B0402020203020204" pitchFamily="50" charset="-128"/>
+                      <a:cs typeface="M+ 2p light" panose="020B0402020203020204" pitchFamily="50" charset="-128"/>
+                    </a:rPr>
+                    <a:t>TabbedPage</a:t>
+                  </a:r>
+                  <a:endParaRPr lang="ja-JP" altLang="en-US" sz="1000" dirty="0">
+                    <a:latin typeface="M+ 2p light" panose="020B0402020203020204" pitchFamily="50" charset="-128"/>
+                    <a:ea typeface="M+ 2p light" panose="020B0402020203020204" pitchFamily="50" charset="-128"/>
+                    <a:cs typeface="M+ 2p light" panose="020B0402020203020204" pitchFamily="50" charset="-128"/>
+                  </a:endParaRPr>
+                </a:p>
+              </p:txBody>
+            </p:sp>
+            <p:sp>
+              <p:nvSpPr>
+                <p:cNvPr id="131" name="テキスト ボックス 130">
+                  <a:extLst>
+                    <a:ext uri="{FF2B5EF4-FFF2-40B4-BE49-F238E27FC236}">
+                      <a16:creationId xmlns:a16="http://schemas.microsoft.com/office/drawing/2014/main" id="{38A3A504-7192-4E4D-B6BE-5F161523AA70}"/>
+                    </a:ext>
+                  </a:extLst>
+                </p:cNvPr>
+                <p:cNvSpPr txBox="1"/>
+                <p:nvPr/>
+              </p:nvSpPr>
+              <p:spPr>
+                <a:xfrm>
+                  <a:off x="3052512" y="2754701"/>
+                  <a:ext cx="622286" cy="276999"/>
+                </a:xfrm>
+                <a:prstGeom prst="rect">
+                  <a:avLst/>
+                </a:prstGeom>
+                <a:noFill/>
+              </p:spPr>
+              <p:txBody>
+                <a:bodyPr wrap="none" rtlCol="0">
+                  <a:spAutoFit/>
+                </a:bodyPr>
+                <a:lstStyle/>
+                <a:p>
+                  <a:pPr algn="r"/>
+                  <a:r>
+                    <a:rPr lang="en-US" altLang="ja-JP" sz="1200" dirty="0">
+                      <a:solidFill>
+                        <a:srgbClr val="002060"/>
+                      </a:solidFill>
+                      <a:latin typeface="M+ 2p light" panose="020B0402020203020204" pitchFamily="50" charset="-128"/>
+                      <a:ea typeface="M+ 2p light" panose="020B0402020203020204" pitchFamily="50" charset="-128"/>
+                      <a:cs typeface="M+ 2p light" panose="020B0402020203020204" pitchFamily="50" charset="-128"/>
+                    </a:rPr>
+                    <a:t>Detail</a:t>
+                  </a:r>
+                  <a:endParaRPr lang="ja-JP" altLang="en-US" sz="1200" dirty="0">
+                    <a:solidFill>
+                      <a:srgbClr val="002060"/>
+                    </a:solidFill>
+                    <a:latin typeface="M+ 2p light" panose="020B0402020203020204" pitchFamily="50" charset="-128"/>
+                    <a:ea typeface="M+ 2p light" panose="020B0402020203020204" pitchFamily="50" charset="-128"/>
+                    <a:cs typeface="M+ 2p light" panose="020B0402020203020204" pitchFamily="50" charset="-128"/>
+                  </a:endParaRPr>
+                </a:p>
+              </p:txBody>
+            </p:sp>
+            <p:grpSp>
+              <p:nvGrpSpPr>
+                <p:cNvPr id="132" name="グループ化 131">
+                  <a:extLst>
+                    <a:ext uri="{FF2B5EF4-FFF2-40B4-BE49-F238E27FC236}">
+                      <a16:creationId xmlns:a16="http://schemas.microsoft.com/office/drawing/2014/main" id="{CAAB7540-FFD4-4DF3-9568-C42CB2417BE9}"/>
+                    </a:ext>
+                  </a:extLst>
+                </p:cNvPr>
+                <p:cNvGrpSpPr/>
+                <p:nvPr/>
+              </p:nvGrpSpPr>
+              <p:grpSpPr>
+                <a:xfrm>
+                  <a:off x="3094201" y="2127428"/>
+                  <a:ext cx="538909" cy="1146538"/>
+                  <a:chOff x="3082970" y="2127428"/>
+                  <a:chExt cx="538909" cy="1146538"/>
+                </a:xfrm>
+              </p:grpSpPr>
+              <p:pic>
+                <p:nvPicPr>
+                  <p:cNvPr id="134" name="図 133">
+                    <a:extLst>
+                      <a:ext uri="{FF2B5EF4-FFF2-40B4-BE49-F238E27FC236}">
+                        <a16:creationId xmlns:a16="http://schemas.microsoft.com/office/drawing/2014/main" id="{B4CD1AA4-AB9F-4E70-B01E-1BE4969519FE}"/>
+                      </a:ext>
+                    </a:extLst>
+                  </p:cNvPr>
+                  <p:cNvPicPr>
+                    <a:picLocks noChangeAspect="1"/>
+                  </p:cNvPicPr>
+                  <p:nvPr/>
+                </p:nvPicPr>
+                <p:blipFill>
+                  <a:blip r:embed="rId5">
+                    <a:extLst>
+                      <a:ext uri="{28A0092B-C50C-407E-A947-70E740481C1C}">
+                        <a14:useLocalDpi xmlns:a14="http://schemas.microsoft.com/office/drawing/2010/main" val="0"/>
+                      </a:ext>
+                    </a:extLst>
+                  </a:blip>
+                  <a:stretch>
+                    <a:fillRect/>
+                  </a:stretch>
+                </p:blipFill>
+                <p:spPr>
+                  <a:xfrm>
+                    <a:off x="3082970" y="2337966"/>
+                    <a:ext cx="538909" cy="936000"/>
+                  </a:xfrm>
+                  <a:prstGeom prst="rect">
+                    <a:avLst/>
+                  </a:prstGeom>
+                </p:spPr>
+              </p:pic>
+              <p:sp>
+                <p:nvSpPr>
+                  <p:cNvPr id="135" name="三角形 14">
+                    <a:extLst>
+                      <a:ext uri="{FF2B5EF4-FFF2-40B4-BE49-F238E27FC236}">
+                        <a16:creationId xmlns:a16="http://schemas.microsoft.com/office/drawing/2014/main" id="{4A4AF95D-4E6A-4457-8B05-AE45ABF34723}"/>
+                      </a:ext>
+                    </a:extLst>
+                  </p:cNvPr>
+                  <p:cNvSpPr/>
+                  <p:nvPr/>
+                </p:nvSpPr>
+                <p:spPr>
+                  <a:xfrm rot="10800000">
+                    <a:off x="3231960" y="2127428"/>
+                    <a:ext cx="263391" cy="167557"/>
+                  </a:xfrm>
+                  <a:prstGeom prst="triangle">
+                    <a:avLst/>
+                  </a:prstGeom>
+                  <a:solidFill>
+                    <a:srgbClr val="0099FF"/>
+                  </a:solidFill>
+                  <a:ln>
+                    <a:noFill/>
+                  </a:ln>
+                </p:spPr>
+                <p:style>
+                  <a:lnRef idx="2">
+                    <a:schemeClr val="accent1">
+                      <a:shade val="50000"/>
+                    </a:schemeClr>
+                  </a:lnRef>
+                  <a:fillRef idx="1">
+                    <a:schemeClr val="accent1"/>
+                  </a:fillRef>
+                  <a:effectRef idx="0">
+                    <a:schemeClr val="accent1"/>
+                  </a:effectRef>
+                  <a:fontRef idx="minor">
+                    <a:schemeClr val="lt1"/>
+                  </a:fontRef>
+                </p:style>
+                <p:txBody>
+                  <a:bodyPr rtlCol="0" anchor="ctr"/>
+                  <a:lstStyle/>
+                  <a:p>
+                    <a:pPr algn="ctr"/>
+                    <a:endParaRPr lang="ja-JP" altLang="en-US" sz="1000" dirty="0">
+                      <a:latin typeface="M+ 2p light" panose="020B0402020203020204" pitchFamily="50" charset="-128"/>
+                      <a:ea typeface="M+ 2p light" panose="020B0402020203020204" pitchFamily="50" charset="-128"/>
+                      <a:cs typeface="M+ 2p light" panose="020B0402020203020204" pitchFamily="50" charset="-128"/>
+                    </a:endParaRPr>
+                  </a:p>
+                </p:txBody>
+              </p:sp>
+            </p:grpSp>
+            <p:sp>
+              <p:nvSpPr>
+                <p:cNvPr id="133" name="テキスト ボックス 132">
+                  <a:extLst>
+                    <a:ext uri="{FF2B5EF4-FFF2-40B4-BE49-F238E27FC236}">
+                      <a16:creationId xmlns:a16="http://schemas.microsoft.com/office/drawing/2014/main" id="{D5E84C0B-C049-464D-8F64-7E809C10B4E6}"/>
+                    </a:ext>
+                  </a:extLst>
+                </p:cNvPr>
+                <p:cNvSpPr txBox="1"/>
+                <p:nvPr/>
+              </p:nvSpPr>
+              <p:spPr>
+                <a:xfrm>
+                  <a:off x="3052512" y="2684528"/>
+                  <a:ext cx="622286" cy="276999"/>
+                </a:xfrm>
+                <a:prstGeom prst="rect">
+                  <a:avLst/>
+                </a:prstGeom>
+                <a:noFill/>
+              </p:spPr>
+              <p:txBody>
+                <a:bodyPr wrap="none" rtlCol="0">
+                  <a:spAutoFit/>
+                </a:bodyPr>
+                <a:lstStyle/>
+                <a:p>
+                  <a:pPr algn="ctr"/>
+                  <a:r>
+                    <a:rPr lang="en-US" altLang="ja-JP" sz="1200" dirty="0">
+                      <a:solidFill>
+                        <a:srgbClr val="002060"/>
+                      </a:solidFill>
+                      <a:latin typeface="M+ 2p light" panose="020B0402020203020204" pitchFamily="50" charset="-128"/>
+                      <a:ea typeface="M+ 2p light" panose="020B0402020203020204" pitchFamily="50" charset="-128"/>
+                      <a:cs typeface="M+ 2p light" panose="020B0402020203020204" pitchFamily="50" charset="-128"/>
+                    </a:rPr>
+                    <a:t>Detail</a:t>
+                  </a:r>
+                  <a:endParaRPr lang="ja-JP" altLang="en-US" sz="1200" dirty="0">
+                    <a:solidFill>
+                      <a:srgbClr val="002060"/>
+                    </a:solidFill>
+                    <a:latin typeface="M+ 2p light" panose="020B0402020203020204" pitchFamily="50" charset="-128"/>
+                    <a:ea typeface="M+ 2p light" panose="020B0402020203020204" pitchFamily="50" charset="-128"/>
+                    <a:cs typeface="M+ 2p light" panose="020B0402020203020204" pitchFamily="50" charset="-128"/>
+                  </a:endParaRPr>
+                </a:p>
+              </p:txBody>
+            </p:sp>
+          </p:grpSp>
+          <p:sp>
+            <p:nvSpPr>
+              <p:cNvPr id="124" name="テキスト ボックス 123">
+                <a:extLst>
+                  <a:ext uri="{FF2B5EF4-FFF2-40B4-BE49-F238E27FC236}">
+                    <a16:creationId xmlns:a16="http://schemas.microsoft.com/office/drawing/2014/main" id="{7E28041A-FB54-48BE-9DC2-D2F360A6A750}"/>
+                  </a:ext>
+                </a:extLst>
+              </p:cNvPr>
+              <p:cNvSpPr txBox="1"/>
+              <p:nvPr/>
+            </p:nvSpPr>
+            <p:spPr>
+              <a:xfrm>
+                <a:off x="1460732" y="2182587"/>
+                <a:ext cx="441146" cy="400110"/>
+              </a:xfrm>
+              <a:prstGeom prst="rect">
+                <a:avLst/>
+              </a:prstGeom>
+              <a:noFill/>
+            </p:spPr>
+            <p:txBody>
+              <a:bodyPr wrap="none" rtlCol="0">
+                <a:spAutoFit/>
+              </a:bodyPr>
+              <a:lstStyle/>
+              <a:p>
+                <a:r>
+                  <a:rPr lang="ja-JP" altLang="en-US" sz="2000" dirty="0">
+                    <a:solidFill>
+                      <a:srgbClr val="FF0000"/>
+                    </a:solidFill>
+                    <a:latin typeface="M+ 1c light" panose="020B0403020204020204" pitchFamily="50" charset="-128"/>
+                    <a:ea typeface="M+ 1c light" panose="020B0403020204020204" pitchFamily="50" charset="-128"/>
+                    <a:cs typeface="M+ 1c light" panose="020B0403020204020204" pitchFamily="50" charset="-128"/>
+                  </a:rPr>
+                  <a:t>⑥</a:t>
+                </a:r>
+                <a:endParaRPr kumimoji="1" lang="ja-JP" altLang="en-US" sz="2000" dirty="0">
+                  <a:solidFill>
+                    <a:srgbClr val="FF0000"/>
+                  </a:solidFill>
+                  <a:latin typeface="M+ 1c light" panose="020B0403020204020204" pitchFamily="50" charset="-128"/>
+                  <a:ea typeface="M+ 1c light" panose="020B0403020204020204" pitchFamily="50" charset="-128"/>
+                  <a:cs typeface="M+ 1c light" panose="020B0403020204020204" pitchFamily="50" charset="-128"/>
+                </a:endParaRPr>
+              </a:p>
+            </p:txBody>
+          </p:sp>
+          <p:sp>
+            <p:nvSpPr>
+              <p:cNvPr id="125" name="テキスト ボックス 124">
+                <a:extLst>
+                  <a:ext uri="{FF2B5EF4-FFF2-40B4-BE49-F238E27FC236}">
+                    <a16:creationId xmlns:a16="http://schemas.microsoft.com/office/drawing/2014/main" id="{B5F9B43B-8C91-4B66-82FA-0A2C45CFAFDA}"/>
+                  </a:ext>
+                </a:extLst>
+              </p:cNvPr>
+              <p:cNvSpPr txBox="1"/>
+              <p:nvPr/>
+            </p:nvSpPr>
+            <p:spPr>
+              <a:xfrm>
+                <a:off x="2852784" y="2176966"/>
+                <a:ext cx="441146" cy="400110"/>
+              </a:xfrm>
+              <a:prstGeom prst="rect">
+                <a:avLst/>
+              </a:prstGeom>
+              <a:noFill/>
+            </p:spPr>
+            <p:txBody>
+              <a:bodyPr wrap="none" rtlCol="0">
+                <a:spAutoFit/>
+              </a:bodyPr>
+              <a:lstStyle/>
+              <a:p>
+                <a:r>
+                  <a:rPr kumimoji="1" lang="ja-JP" altLang="en-US" sz="2000" dirty="0">
+                    <a:solidFill>
+                      <a:srgbClr val="FF0000"/>
+                    </a:solidFill>
+                    <a:latin typeface="M+ 1c light" panose="020B0403020204020204" pitchFamily="50" charset="-128"/>
+                    <a:ea typeface="M+ 1c light" panose="020B0403020204020204" pitchFamily="50" charset="-128"/>
+                    <a:cs typeface="M+ 1c light" panose="020B0403020204020204" pitchFamily="50" charset="-128"/>
+                  </a:rPr>
+                  <a:t>⑤</a:t>
+                </a:r>
+              </a:p>
+            </p:txBody>
+          </p:sp>
+          <p:sp>
+            <p:nvSpPr>
+              <p:cNvPr id="126" name="テキスト ボックス 125">
+                <a:extLst>
+                  <a:ext uri="{FF2B5EF4-FFF2-40B4-BE49-F238E27FC236}">
+                    <a16:creationId xmlns:a16="http://schemas.microsoft.com/office/drawing/2014/main" id="{21111B86-3962-4461-A4A6-9F8CC5B0EF1B}"/>
+                  </a:ext>
+                </a:extLst>
+              </p:cNvPr>
+              <p:cNvSpPr txBox="1"/>
+              <p:nvPr/>
+            </p:nvSpPr>
+            <p:spPr>
+              <a:xfrm>
+                <a:off x="2303314" y="3557146"/>
+                <a:ext cx="441146" cy="400110"/>
+              </a:xfrm>
+              <a:prstGeom prst="rect">
+                <a:avLst/>
+              </a:prstGeom>
+              <a:noFill/>
+            </p:spPr>
+            <p:txBody>
+              <a:bodyPr wrap="none" rtlCol="0">
+                <a:spAutoFit/>
+              </a:bodyPr>
+              <a:lstStyle/>
+              <a:p>
+                <a:r>
+                  <a:rPr lang="ja-JP" altLang="en-US" sz="2000" dirty="0">
+                    <a:solidFill>
+                      <a:srgbClr val="FF0000"/>
+                    </a:solidFill>
+                    <a:latin typeface="M+ 1c light" panose="020B0403020204020204" pitchFamily="50" charset="-128"/>
+                    <a:ea typeface="M+ 1c light" panose="020B0403020204020204" pitchFamily="50" charset="-128"/>
+                    <a:cs typeface="M+ 1c light" panose="020B0403020204020204" pitchFamily="50" charset="-128"/>
+                  </a:rPr>
+                  <a:t>④</a:t>
+                </a:r>
+                <a:endParaRPr kumimoji="1" lang="ja-JP" altLang="en-US" sz="2000" dirty="0">
+                  <a:solidFill>
+                    <a:srgbClr val="FF0000"/>
+                  </a:solidFill>
+                  <a:latin typeface="M+ 1c light" panose="020B0403020204020204" pitchFamily="50" charset="-128"/>
+                  <a:ea typeface="M+ 1c light" panose="020B0403020204020204" pitchFamily="50" charset="-128"/>
+                  <a:cs typeface="M+ 1c light" panose="020B0403020204020204" pitchFamily="50" charset="-128"/>
+                </a:endParaRPr>
+              </a:p>
+            </p:txBody>
+          </p:sp>
+          <p:sp>
+            <p:nvSpPr>
+              <p:cNvPr id="127" name="テキスト ボックス 126">
+                <a:extLst>
+                  <a:ext uri="{FF2B5EF4-FFF2-40B4-BE49-F238E27FC236}">
+                    <a16:creationId xmlns:a16="http://schemas.microsoft.com/office/drawing/2014/main" id="{58252F42-8E0D-4281-81F8-70C3C70724B6}"/>
+                  </a:ext>
+                </a:extLst>
+              </p:cNvPr>
+              <p:cNvSpPr txBox="1"/>
+              <p:nvPr/>
+            </p:nvSpPr>
+            <p:spPr>
+              <a:xfrm>
+                <a:off x="3449509" y="3557146"/>
+                <a:ext cx="441146" cy="400110"/>
+              </a:xfrm>
+              <a:prstGeom prst="rect">
+                <a:avLst/>
+              </a:prstGeom>
+              <a:noFill/>
+            </p:spPr>
+            <p:txBody>
+              <a:bodyPr wrap="none" rtlCol="0">
+                <a:spAutoFit/>
+              </a:bodyPr>
+              <a:lstStyle/>
+              <a:p>
+                <a:r>
+                  <a:rPr lang="ja-JP" altLang="en-US" sz="2000" dirty="0">
+                    <a:solidFill>
+                      <a:srgbClr val="FF0000"/>
+                    </a:solidFill>
+                    <a:latin typeface="M+ 1c light" panose="020B0403020204020204" pitchFamily="50" charset="-128"/>
+                    <a:ea typeface="M+ 1c light" panose="020B0403020204020204" pitchFamily="50" charset="-128"/>
+                    <a:cs typeface="M+ 1c light" panose="020B0403020204020204" pitchFamily="50" charset="-128"/>
+                  </a:rPr>
+                  <a:t>②</a:t>
+                </a:r>
+                <a:endParaRPr kumimoji="1" lang="ja-JP" altLang="en-US" sz="2000" dirty="0">
+                  <a:solidFill>
+                    <a:srgbClr val="FF0000"/>
+                  </a:solidFill>
+                  <a:latin typeface="M+ 1c light" panose="020B0403020204020204" pitchFamily="50" charset="-128"/>
+                  <a:ea typeface="M+ 1c light" panose="020B0403020204020204" pitchFamily="50" charset="-128"/>
+                  <a:cs typeface="M+ 1c light" panose="020B0403020204020204" pitchFamily="50" charset="-128"/>
+                </a:endParaRPr>
+              </a:p>
+            </p:txBody>
+          </p:sp>
+          <p:sp>
+            <p:nvSpPr>
+              <p:cNvPr id="128" name="テキスト ボックス 127">
+                <a:extLst>
+                  <a:ext uri="{FF2B5EF4-FFF2-40B4-BE49-F238E27FC236}">
+                    <a16:creationId xmlns:a16="http://schemas.microsoft.com/office/drawing/2014/main" id="{5F20CFBF-BE92-4AA0-8E25-472C3D2CBAD4}"/>
+                  </a:ext>
+                </a:extLst>
+              </p:cNvPr>
+              <p:cNvSpPr txBox="1"/>
+              <p:nvPr/>
+            </p:nvSpPr>
+            <p:spPr>
+              <a:xfrm>
+                <a:off x="2336325" y="4954717"/>
+                <a:ext cx="441146" cy="400110"/>
+              </a:xfrm>
+              <a:prstGeom prst="rect">
+                <a:avLst/>
+              </a:prstGeom>
+              <a:noFill/>
+            </p:spPr>
+            <p:txBody>
+              <a:bodyPr wrap="none" rtlCol="0">
+                <a:spAutoFit/>
+              </a:bodyPr>
+              <a:lstStyle/>
+              <a:p>
+                <a:r>
+                  <a:rPr lang="ja-JP" altLang="en-US" sz="2000" dirty="0">
+                    <a:solidFill>
+                      <a:srgbClr val="FF0000"/>
+                    </a:solidFill>
+                    <a:latin typeface="M+ 1c light" panose="020B0403020204020204" pitchFamily="50" charset="-128"/>
+                    <a:ea typeface="M+ 1c light" panose="020B0403020204020204" pitchFamily="50" charset="-128"/>
+                    <a:cs typeface="M+ 1c light" panose="020B0403020204020204" pitchFamily="50" charset="-128"/>
+                  </a:rPr>
+                  <a:t>③</a:t>
+                </a:r>
+                <a:endParaRPr kumimoji="1" lang="ja-JP" altLang="en-US" sz="2000" dirty="0">
+                  <a:solidFill>
+                    <a:srgbClr val="FF0000"/>
+                  </a:solidFill>
+                  <a:latin typeface="M+ 1c light" panose="020B0403020204020204" pitchFamily="50" charset="-128"/>
+                  <a:ea typeface="M+ 1c light" panose="020B0403020204020204" pitchFamily="50" charset="-128"/>
+                  <a:cs typeface="M+ 1c light" panose="020B0403020204020204" pitchFamily="50" charset="-128"/>
+                </a:endParaRPr>
+              </a:p>
+            </p:txBody>
+          </p:sp>
+          <p:sp>
+            <p:nvSpPr>
+              <p:cNvPr id="129" name="テキスト ボックス 128">
+                <a:extLst>
+                  <a:ext uri="{FF2B5EF4-FFF2-40B4-BE49-F238E27FC236}">
+                    <a16:creationId xmlns:a16="http://schemas.microsoft.com/office/drawing/2014/main" id="{267DF69F-777A-4FB2-84E9-BB2DB6A7E2E5}"/>
+                  </a:ext>
+                </a:extLst>
+              </p:cNvPr>
+              <p:cNvSpPr txBox="1"/>
+              <p:nvPr/>
+            </p:nvSpPr>
+            <p:spPr>
+              <a:xfrm>
+                <a:off x="3506582" y="4954717"/>
+                <a:ext cx="441146" cy="400110"/>
+              </a:xfrm>
+              <a:prstGeom prst="rect">
+                <a:avLst/>
+              </a:prstGeom>
+              <a:noFill/>
+            </p:spPr>
+            <p:txBody>
+              <a:bodyPr wrap="none" rtlCol="0">
+                <a:spAutoFit/>
+              </a:bodyPr>
+              <a:lstStyle/>
+              <a:p>
+                <a:r>
+                  <a:rPr kumimoji="1" lang="ja-JP" altLang="en-US" sz="2000" dirty="0">
+                    <a:solidFill>
+                      <a:srgbClr val="FF0000"/>
+                    </a:solidFill>
+                    <a:latin typeface="M+ 1c light" panose="020B0403020204020204" pitchFamily="50" charset="-128"/>
+                    <a:ea typeface="M+ 1c light" panose="020B0403020204020204" pitchFamily="50" charset="-128"/>
+                    <a:cs typeface="M+ 1c light" panose="020B0403020204020204" pitchFamily="50" charset="-128"/>
+                  </a:rPr>
+                  <a:t>①</a:t>
+                </a:r>
+              </a:p>
+            </p:txBody>
+          </p:sp>
+        </p:grpSp>
+      </p:grpSp>
+      <p:sp>
+        <p:nvSpPr>
+          <p:cNvPr id="159" name="テキスト ボックス 158">
+            <a:extLst>
+              <a:ext uri="{FF2B5EF4-FFF2-40B4-BE49-F238E27FC236}">
+                <a16:creationId xmlns:a16="http://schemas.microsoft.com/office/drawing/2014/main" id="{4DD745F6-75ED-4CF0-82F3-49695A5A9A5A}"/>
+              </a:ext>
+            </a:extLst>
+          </p:cNvPr>
+          <p:cNvSpPr txBox="1"/>
+          <p:nvPr/>
+        </p:nvSpPr>
+        <p:spPr>
+          <a:xfrm>
+            <a:off x="2966940" y="571644"/>
+            <a:ext cx="5540299" cy="369332"/>
+          </a:xfrm>
+          <a:prstGeom prst="rect">
+            <a:avLst/>
+          </a:prstGeom>
+          <a:noFill/>
+        </p:spPr>
+        <p:txBody>
+          <a:bodyPr wrap="none" rtlCol="0">
+            <a:spAutoFit/>
+          </a:bodyPr>
+          <a:lstStyle/>
+          <a:p>
+            <a:pPr algn="ctr"/>
+            <a:r>
+              <a:rPr lang="en-US" altLang="ja-JP" dirty="0">
+                <a:latin typeface="M+ 1c light" panose="020B0403020204020204" pitchFamily="50" charset="-128"/>
+                <a:ea typeface="M+ 1c light" panose="020B0403020204020204" pitchFamily="50" charset="-128"/>
+                <a:cs typeface="M+ 1c light" panose="020B0403020204020204" pitchFamily="50" charset="-128"/>
+              </a:rPr>
+              <a:t>Example of push or pop complex MasterDetailPage</a:t>
+            </a:r>
+            <a:endParaRPr kumimoji="1" lang="ja-JP" altLang="en-US" dirty="0">
+              <a:latin typeface="M+ 1c light" panose="020B0403020204020204" pitchFamily="50" charset="-128"/>
+              <a:ea typeface="M+ 1c light" panose="020B0403020204020204" pitchFamily="50" charset="-128"/>
+              <a:cs typeface="M+ 1c light" panose="020B0403020204020204" pitchFamily="50" charset="-128"/>
+            </a:endParaRPr>
+          </a:p>
+        </p:txBody>
+      </p:sp>
+    </p:spTree>
+    <p:extLst>
+      <p:ext uri="{BB962C8B-B14F-4D97-AF65-F5344CB8AC3E}">
+        <p14:creationId xmlns:p14="http://schemas.microsoft.com/office/powerpoint/2010/main" val="1065577086"/>
+      </p:ext>
+    </p:extLst>
+  </p:cSld>
+  <p:clrMapOvr>
+    <a:masterClrMapping/>
+  </p:clrMapOvr>
+</p:sld>
+</file>
+
+<file path=ppt/slides/slide4.xml><?xml version="1.0" encoding="utf-8"?>
+<p:sld xmlns:a="http://schemas.openxmlformats.org/drawingml/2006/main" xmlns:r="http://schemas.openxmlformats.org/officeDocument/2006/relationships" xmlns:p="http://schemas.openxmlformats.org/presentationml/2006/main">
+  <p:cSld>
+    <p:spTree>
+      <p:nvGrpSpPr>
+        <p:cNvPr id="1" name=""/>
+        <p:cNvGrpSpPr/>
+        <p:nvPr/>
+      </p:nvGrpSpPr>
+      <p:grpSpPr>
+        <a:xfrm>
+          <a:off x="0" y="0"/>
+          <a:ext cx="0" cy="0"/>
+          <a:chOff x="0" y="0"/>
+          <a:chExt cx="0" cy="0"/>
+        </a:xfrm>
+      </p:grpSpPr>
+      <p:sp>
+        <p:nvSpPr>
+          <p:cNvPr id="49" name="テキスト ボックス 48">
+            <a:extLst>
+              <a:ext uri="{FF2B5EF4-FFF2-40B4-BE49-F238E27FC236}">
+                <a16:creationId xmlns:a16="http://schemas.microsoft.com/office/drawing/2014/main" id="{5E85C461-08C2-401A-8227-74F07743644D}"/>
+              </a:ext>
+            </a:extLst>
+          </p:cNvPr>
+          <p:cNvSpPr txBox="1"/>
+          <p:nvPr/>
+        </p:nvSpPr>
+        <p:spPr>
+          <a:xfrm>
+            <a:off x="3897576" y="163691"/>
+            <a:ext cx="4618573" cy="461665"/>
+          </a:xfrm>
+          <a:prstGeom prst="rect">
+            <a:avLst/>
+          </a:prstGeom>
+          <a:noFill/>
+        </p:spPr>
+        <p:txBody>
+          <a:bodyPr wrap="none" rtlCol="0">
+            <a:spAutoFit/>
+          </a:bodyPr>
+          <a:lstStyle/>
+          <a:p>
+            <a:pPr algn="ctr"/>
+            <a:r>
+              <a:rPr lang="en-US" altLang="ja-JP" sz="2400" dirty="0">
+                <a:solidFill>
+                  <a:srgbClr val="002060"/>
+                </a:solidFill>
+                <a:latin typeface="M+ 1c light" panose="020B0403020204020204" pitchFamily="50" charset="-128"/>
+                <a:ea typeface="M+ 1c light" panose="020B0403020204020204" pitchFamily="50" charset="-128"/>
+                <a:cs typeface="M+ 1c light" panose="020B0403020204020204" pitchFamily="50" charset="-128"/>
+              </a:rPr>
+              <a:t>Simple and intuitive operability</a:t>
+            </a:r>
+            <a:endParaRPr kumimoji="1" lang="ja-JP" altLang="en-US" sz="2400" dirty="0">
+              <a:solidFill>
+                <a:srgbClr val="002060"/>
+              </a:solidFill>
+              <a:latin typeface="M+ 1c light" panose="020B0403020204020204" pitchFamily="50" charset="-128"/>
+              <a:ea typeface="M+ 1c light" panose="020B0403020204020204" pitchFamily="50" charset="-128"/>
+              <a:cs typeface="M+ 1c light" panose="020B0403020204020204" pitchFamily="50" charset="-128"/>
+            </a:endParaRPr>
+          </a:p>
+        </p:txBody>
+      </p:sp>
+      <p:sp>
+        <p:nvSpPr>
+          <p:cNvPr id="23" name="テキスト ボックス 22">
+            <a:extLst>
+              <a:ext uri="{FF2B5EF4-FFF2-40B4-BE49-F238E27FC236}">
+                <a16:creationId xmlns:a16="http://schemas.microsoft.com/office/drawing/2014/main" id="{F4E9924A-0220-411F-BDC7-39EC77E1D6B2}"/>
+              </a:ext>
+            </a:extLst>
+          </p:cNvPr>
+          <p:cNvSpPr txBox="1"/>
+          <p:nvPr/>
+        </p:nvSpPr>
+        <p:spPr>
+          <a:xfrm>
+            <a:off x="1334778" y="667720"/>
+            <a:ext cx="5149167" cy="400110"/>
+          </a:xfrm>
+          <a:prstGeom prst="rect">
+            <a:avLst/>
+          </a:prstGeom>
+          <a:noFill/>
+        </p:spPr>
+        <p:txBody>
+          <a:bodyPr wrap="none" rtlCol="0">
+            <a:spAutoFit/>
+          </a:bodyPr>
+          <a:lstStyle/>
+          <a:p>
+            <a:pPr algn="ctr"/>
+            <a:r>
+              <a:rPr lang="en-US" altLang="ja-JP" sz="2000" dirty="0">
+                <a:latin typeface="M+ 1c light" panose="020B0403020204020204" pitchFamily="50" charset="-128"/>
+                <a:ea typeface="M+ 1c light" panose="020B0403020204020204" pitchFamily="50" charset="-128"/>
+                <a:cs typeface="M+ 1c light" panose="020B0403020204020204" pitchFamily="50" charset="-128"/>
+              </a:rPr>
+              <a:t>KAMISHIBAI Page Navigation in two steps.</a:t>
+            </a:r>
+            <a:endParaRPr kumimoji="1" lang="ja-JP" altLang="en-US" sz="2000" dirty="0">
+              <a:latin typeface="M+ 1c light" panose="020B0403020204020204" pitchFamily="50" charset="-128"/>
+              <a:ea typeface="M+ 1c light" panose="020B0403020204020204" pitchFamily="50" charset="-128"/>
+              <a:cs typeface="M+ 1c light" panose="020B0403020204020204" pitchFamily="50" charset="-128"/>
+            </a:endParaRPr>
+          </a:p>
+        </p:txBody>
+      </p:sp>
+      <p:grpSp>
+        <p:nvGrpSpPr>
+          <p:cNvPr id="4" name="グループ化 3">
+            <a:extLst>
+              <a:ext uri="{FF2B5EF4-FFF2-40B4-BE49-F238E27FC236}">
+                <a16:creationId xmlns:a16="http://schemas.microsoft.com/office/drawing/2014/main" id="{BF6EC446-DA72-40C0-8A28-C151CB515F89}"/>
+              </a:ext>
+            </a:extLst>
+          </p:cNvPr>
+          <p:cNvGrpSpPr/>
+          <p:nvPr/>
+        </p:nvGrpSpPr>
+        <p:grpSpPr>
+          <a:xfrm>
+            <a:off x="1334778" y="1265609"/>
+            <a:ext cx="9161771" cy="1706191"/>
+            <a:chOff x="2563503" y="1132259"/>
+            <a:chExt cx="9161771" cy="1706191"/>
+          </a:xfrm>
+        </p:grpSpPr>
+        <p:sp>
+          <p:nvSpPr>
+            <p:cNvPr id="22" name="正方形/長方形 21">
+              <a:extLst>
+                <a:ext uri="{FF2B5EF4-FFF2-40B4-BE49-F238E27FC236}">
+                  <a16:creationId xmlns:a16="http://schemas.microsoft.com/office/drawing/2014/main" id="{A13D286C-3F86-4F55-B853-6121523AD832}"/>
+                </a:ext>
+              </a:extLst>
+            </p:cNvPr>
+            <p:cNvSpPr/>
+            <p:nvPr/>
+          </p:nvSpPr>
+          <p:spPr>
+            <a:xfrm>
+              <a:off x="2563503" y="1132259"/>
+              <a:ext cx="8323572" cy="1706191"/>
+            </a:xfrm>
+            <a:prstGeom prst="rect">
+              <a:avLst/>
+            </a:prstGeom>
+            <a:noFill/>
+            <a:ln w="6350">
+              <a:noFill/>
+              <a:prstDash val="dash"/>
+            </a:ln>
+          </p:spPr>
+          <p:style>
+            <a:lnRef idx="2">
+              <a:schemeClr val="accent1">
+                <a:shade val="50000"/>
+              </a:schemeClr>
+            </a:lnRef>
+            <a:fillRef idx="1">
+              <a:schemeClr val="accent1"/>
+            </a:fillRef>
+            <a:effectRef idx="0">
+              <a:schemeClr val="accent1"/>
+            </a:effectRef>
+            <a:fontRef idx="minor">
+              <a:schemeClr val="lt1"/>
+            </a:fontRef>
+          </p:style>
+          <p:txBody>
+            <a:bodyPr rtlCol="0" anchor="t"/>
+            <a:lstStyle/>
+            <a:p>
+              <a:r>
+                <a:rPr lang="en-US" altLang="ja-JP" dirty="0">
+                  <a:solidFill>
+                    <a:schemeClr val="tx1"/>
+                  </a:solidFill>
+                  <a:latin typeface="M+ 1c light" panose="020B0403020204020204" pitchFamily="50" charset="-128"/>
+                  <a:ea typeface="M+ 1c light" panose="020B0403020204020204" pitchFamily="50" charset="-128"/>
+                  <a:cs typeface="M+ 1c light" panose="020B0403020204020204" pitchFamily="50" charset="-128"/>
+                </a:rPr>
+                <a:t>Step1. Send Page navigation request from View Model</a:t>
+              </a:r>
+              <a:br>
+                <a:rPr lang="en-US" altLang="ja-JP" dirty="0">
+                  <a:solidFill>
+                    <a:schemeClr val="tx1"/>
+                  </a:solidFill>
+                  <a:latin typeface="M+ 1c light" panose="020B0403020204020204" pitchFamily="50" charset="-128"/>
+                  <a:ea typeface="M+ 1c light" panose="020B0403020204020204" pitchFamily="50" charset="-128"/>
+                  <a:cs typeface="M+ 1c light" panose="020B0403020204020204" pitchFamily="50" charset="-128"/>
+                </a:rPr>
+              </a:br>
+              <a:endParaRPr lang="en-US" altLang="ja-JP" dirty="0">
+                <a:solidFill>
+                  <a:schemeClr val="tx1"/>
+                </a:solidFill>
+                <a:latin typeface="M+ 1c light" panose="020B0403020204020204" pitchFamily="50" charset="-128"/>
+                <a:ea typeface="M+ 1c light" panose="020B0403020204020204" pitchFamily="50" charset="-128"/>
+                <a:cs typeface="M+ 1c light" panose="020B0403020204020204" pitchFamily="50" charset="-128"/>
+              </a:endParaRPr>
+            </a:p>
+            <a:p>
+              <a:endParaRPr lang="en-US" altLang="ja-JP" sz="1600" dirty="0">
+                <a:solidFill>
+                  <a:schemeClr val="tx1"/>
+                </a:solidFill>
+                <a:latin typeface="M+ 1c light" panose="020B0403020204020204" pitchFamily="50" charset="-128"/>
+                <a:ea typeface="M+ 1c light" panose="020B0403020204020204" pitchFamily="50" charset="-128"/>
+                <a:cs typeface="M+ 1c light" panose="020B0403020204020204" pitchFamily="50" charset="-128"/>
+              </a:endParaRPr>
+            </a:p>
+            <a:p>
+              <a:endParaRPr lang="en-US" altLang="ja-JP" sz="1600" dirty="0">
+                <a:solidFill>
+                  <a:schemeClr val="tx1"/>
+                </a:solidFill>
+                <a:latin typeface="M+ 1c light" panose="020B0403020204020204" pitchFamily="50" charset="-128"/>
+                <a:ea typeface="M+ 1c light" panose="020B0403020204020204" pitchFamily="50" charset="-128"/>
+                <a:cs typeface="M+ 1c light" panose="020B0403020204020204" pitchFamily="50" charset="-128"/>
+              </a:endParaRPr>
+            </a:p>
+            <a:p>
+              <a:endParaRPr lang="en-US" altLang="ja-JP" sz="1600" dirty="0">
+                <a:solidFill>
+                  <a:schemeClr val="tx1"/>
+                </a:solidFill>
+                <a:latin typeface="M+ 1c light" panose="020B0403020204020204" pitchFamily="50" charset="-128"/>
+                <a:ea typeface="M+ 1c light" panose="020B0403020204020204" pitchFamily="50" charset="-128"/>
+                <a:cs typeface="M+ 1c light" panose="020B0403020204020204" pitchFamily="50" charset="-128"/>
+              </a:endParaRPr>
+            </a:p>
+            <a:p>
+              <a:r>
+                <a:rPr lang="en-US" altLang="ja-JP" sz="1400" dirty="0">
+                  <a:solidFill>
+                    <a:schemeClr val="tx1"/>
+                  </a:solidFill>
+                  <a:latin typeface="M+ 1c light" panose="020B0403020204020204" pitchFamily="50" charset="-128"/>
+                  <a:ea typeface="M+ 1c light" panose="020B0403020204020204" pitchFamily="50" charset="-128"/>
+                  <a:cs typeface="M+ 1c light" panose="020B0403020204020204" pitchFamily="50" charset="-128"/>
+                </a:rPr>
+                <a:t>When executing Command, it is sending RequestSecondPage request.</a:t>
+              </a:r>
+              <a:endParaRPr kumimoji="1" lang="ja-JP" altLang="en-US" sz="1400" dirty="0">
+                <a:solidFill>
+                  <a:schemeClr val="tx1"/>
+                </a:solidFill>
+                <a:latin typeface="M+ 1c light" panose="020B0403020204020204" pitchFamily="50" charset="-128"/>
+                <a:ea typeface="M+ 1c light" panose="020B0403020204020204" pitchFamily="50" charset="-128"/>
+                <a:cs typeface="M+ 1c light" panose="020B0403020204020204" pitchFamily="50" charset="-128"/>
+              </a:endParaRPr>
+            </a:p>
+          </p:txBody>
+        </p:sp>
+        <p:sp>
+          <p:nvSpPr>
+            <p:cNvPr id="3" name="Rectangle 2">
+              <a:extLst>
+                <a:ext uri="{FF2B5EF4-FFF2-40B4-BE49-F238E27FC236}">
+                  <a16:creationId xmlns:a16="http://schemas.microsoft.com/office/drawing/2014/main" id="{E50E78A7-24DB-4C5E-ACDC-DABA460329D0}"/>
+                </a:ext>
+              </a:extLst>
+            </p:cNvPr>
+            <p:cNvSpPr>
+              <a:spLocks noChangeArrowheads="1"/>
+            </p:cNvSpPr>
+            <p:nvPr/>
+          </p:nvSpPr>
+          <p:spPr bwMode="auto">
+            <a:xfrm>
+              <a:off x="2657787" y="1527817"/>
+              <a:ext cx="9067487" cy="864440"/>
+            </a:xfrm>
+            <a:prstGeom prst="rect">
+              <a:avLst/>
+            </a:prstGeom>
+            <a:solidFill>
+              <a:srgbClr val="F6F8FA"/>
+            </a:solidFill>
+            <a:ln>
+              <a:noFill/>
+            </a:ln>
+            <a:effectLst/>
+            <a:extLst>
+              <a:ext uri="{91240B29-F687-4F45-9708-019B960494DF}">
+                <a14:hiddenLine xmlns:a14="http://schemas.microsoft.com/office/drawing/2010/main" w="9525">
+                  <a:solidFill>
+                    <a:schemeClr val="tx1"/>
+                  </a:solidFill>
+                  <a:miter lim="800000"/>
+                  <a:headEnd/>
+                  <a:tailEnd/>
+                </a14:hiddenLine>
+              </a:ext>
+              <a:ext uri="{AF507438-7753-43E0-B8FC-AC1667EBCBE1}">
+                <a14:hiddenEffects xmlns:a14="http://schemas.microsoft.com/office/drawing/2010/main">
+                  <a:effectLst>
+                    <a:outerShdw dist="35921" dir="2700000" algn="ctr" rotWithShape="0">
+                      <a:schemeClr val="bg2"/>
+                    </a:outerShdw>
+                  </a:effectLst>
+                </a14:hiddenEffects>
+              </a:ext>
+            </a:extLst>
+          </p:spPr>
+          <p:txBody>
+            <a:bodyPr vert="horz" wrap="square" lIns="108000" tIns="108000" rIns="108000" bIns="108000" numCol="1" anchor="ctr" anchorCtr="0" compatLnSpc="1">
+              <a:prstTxWarp prst="textNoShape">
+                <a:avLst/>
+              </a:prstTxWarp>
+              <a:spAutoFit/>
+            </a:bodyPr>
+            <a:lstStyle/>
+            <a:p>
+              <a:pPr marL="0" marR="0" lvl="0" indent="0" algn="l" defTabSz="914400" rtl="0" eaLnBrk="0" fontAlgn="base" latinLnBrk="0" hangingPunct="0">
+                <a:lnSpc>
+                  <a:spcPct val="100000"/>
+                </a:lnSpc>
+                <a:spcBef>
+                  <a:spcPct val="0"/>
+                </a:spcBef>
+                <a:spcAft>
+                  <a:spcPct val="0"/>
+                </a:spcAft>
+                <a:buClrTx/>
+                <a:buSzTx/>
+                <a:buFontTx/>
+                <a:buNone/>
+                <a:tabLst/>
+              </a:pPr>
+              <a:r>
+                <a:rPr kumimoji="0" lang="en-US" altLang="ja-JP" sz="1400" b="0" i="0" u="none" strike="noStrike" cap="none" normalizeH="0" baseline="0" dirty="0">
+                  <a:ln>
+                    <a:noFill/>
+                  </a:ln>
+                  <a:solidFill>
+                    <a:srgbClr val="D73A49"/>
+                  </a:solidFill>
+                  <a:effectLst/>
+                  <a:latin typeface="M+ 1c light" panose="020B0403020204020204" pitchFamily="50" charset="-128"/>
+                  <a:ea typeface="M+ 1c light" panose="020B0403020204020204" pitchFamily="50" charset="-128"/>
+                  <a:cs typeface="M+ 1c light" panose="020B0403020204020204" pitchFamily="50" charset="-128"/>
+                </a:rPr>
+                <a:t>P</a:t>
+              </a:r>
+              <a:r>
+                <a:rPr kumimoji="0" lang="ja-JP" altLang="ja-JP" sz="1400" b="0" i="0" u="none" strike="noStrike" cap="none" normalizeH="0" baseline="0" dirty="0">
+                  <a:ln>
+                    <a:noFill/>
+                  </a:ln>
+                  <a:solidFill>
+                    <a:srgbClr val="D73A49"/>
+                  </a:solidFill>
+                  <a:effectLst/>
+                  <a:latin typeface="M+ 1c light" panose="020B0403020204020204" pitchFamily="50" charset="-128"/>
+                  <a:ea typeface="M+ 1c light" panose="020B0403020204020204" pitchFamily="50" charset="-128"/>
+                  <a:cs typeface="M+ 1c light" panose="020B0403020204020204" pitchFamily="50" charset="-128"/>
+                </a:rPr>
+                <a:t>ublic</a:t>
+              </a:r>
+              <a:r>
+                <a:rPr kumimoji="0" lang="ja-JP" altLang="ja-JP" sz="1400" b="0" i="0" u="none" strike="noStrike" cap="none" normalizeH="0" baseline="0" dirty="0">
+                  <a:ln>
+                    <a:noFill/>
+                  </a:ln>
+                  <a:solidFill>
+                    <a:srgbClr val="24292E"/>
+                  </a:solidFill>
+                  <a:effectLst/>
+                  <a:latin typeface="M+ 1c light" panose="020B0403020204020204" pitchFamily="50" charset="-128"/>
+                  <a:ea typeface="M+ 1c light" panose="020B0403020204020204" pitchFamily="50" charset="-128"/>
+                  <a:cs typeface="M+ 1c light" panose="020B0403020204020204" pitchFamily="50" charset="-128"/>
+                </a:rPr>
+                <a:t> </a:t>
+              </a:r>
+              <a:r>
+                <a:rPr kumimoji="0" lang="ja-JP" altLang="ja-JP" sz="1400" b="0" i="0" u="none" strike="noStrike" cap="none" normalizeH="0" baseline="0" dirty="0">
+                  <a:ln>
+                    <a:noFill/>
+                  </a:ln>
+                  <a:solidFill>
+                    <a:srgbClr val="6F42C1"/>
+                  </a:solidFill>
+                  <a:effectLst/>
+                  <a:latin typeface="M+ 1c light" panose="020B0403020204020204" pitchFamily="50" charset="-128"/>
+                  <a:ea typeface="M+ 1c light" panose="020B0403020204020204" pitchFamily="50" charset="-128"/>
+                  <a:cs typeface="M+ 1c light" panose="020B0403020204020204" pitchFamily="50" charset="-128"/>
+                </a:rPr>
+                <a:t>I</a:t>
+              </a:r>
+              <a:r>
+                <a:rPr kumimoji="0" lang="en-US" altLang="ja-JP" sz="1400" b="0" i="0" u="none" strike="noStrike" cap="none" normalizeH="0" baseline="0" dirty="0">
+                  <a:ln>
+                    <a:noFill/>
+                  </a:ln>
+                  <a:solidFill>
+                    <a:srgbClr val="6F42C1"/>
+                  </a:solidFill>
+                  <a:effectLst/>
+                  <a:latin typeface="M+ 1c light" panose="020B0403020204020204" pitchFamily="50" charset="-128"/>
+                  <a:ea typeface="M+ 1c light" panose="020B0403020204020204" pitchFamily="50" charset="-128"/>
+                  <a:cs typeface="M+ 1c light" panose="020B0403020204020204" pitchFamily="50" charset="-128"/>
+                </a:rPr>
+                <a:t>c</a:t>
+              </a:r>
+              <a:r>
+                <a:rPr kumimoji="0" lang="ja-JP" altLang="ja-JP" sz="1400" b="0" i="0" u="none" strike="noStrike" cap="none" normalizeH="0" baseline="0" dirty="0">
+                  <a:ln>
+                    <a:noFill/>
+                  </a:ln>
+                  <a:solidFill>
+                    <a:srgbClr val="6F42C1"/>
+                  </a:solidFill>
+                  <a:effectLst/>
+                  <a:latin typeface="M+ 1c light" panose="020B0403020204020204" pitchFamily="50" charset="-128"/>
+                  <a:ea typeface="M+ 1c light" panose="020B0403020204020204" pitchFamily="50" charset="-128"/>
+                  <a:cs typeface="M+ 1c light" panose="020B0403020204020204" pitchFamily="50" charset="-128"/>
+                </a:rPr>
+                <a:t>ommand</a:t>
+              </a:r>
+              <a:r>
+                <a:rPr kumimoji="0" lang="ja-JP" altLang="ja-JP" sz="1400" b="0" i="0" u="none" strike="noStrike" cap="none" normalizeH="0" baseline="0" dirty="0">
+                  <a:ln>
+                    <a:noFill/>
+                  </a:ln>
+                  <a:solidFill>
+                    <a:srgbClr val="24292E"/>
+                  </a:solidFill>
+                  <a:effectLst/>
+                  <a:latin typeface="M+ 1c light" panose="020B0403020204020204" pitchFamily="50" charset="-128"/>
+                  <a:ea typeface="M+ 1c light" panose="020B0403020204020204" pitchFamily="50" charset="-128"/>
+                  <a:cs typeface="M+ 1c light" panose="020B0403020204020204" pitchFamily="50" charset="-128"/>
+                </a:rPr>
+                <a:t> </a:t>
+              </a:r>
+              <a:r>
+                <a:rPr kumimoji="0" lang="ja-JP" altLang="ja-JP" sz="1400" b="0" i="0" u="none" strike="noStrike" cap="none" normalizeH="0" baseline="0" dirty="0">
+                  <a:ln>
+                    <a:noFill/>
+                  </a:ln>
+                  <a:solidFill>
+                    <a:srgbClr val="6F42C1"/>
+                  </a:solidFill>
+                  <a:effectLst/>
+                  <a:latin typeface="M+ 1c light" panose="020B0403020204020204" pitchFamily="50" charset="-128"/>
+                  <a:ea typeface="M+ 1c light" panose="020B0403020204020204" pitchFamily="50" charset="-128"/>
+                  <a:cs typeface="M+ 1c light" panose="020B0403020204020204" pitchFamily="50" charset="-128"/>
+                </a:rPr>
+                <a:t>NavigateCommand</a:t>
+              </a:r>
+              <a:r>
+                <a:rPr kumimoji="0" lang="ja-JP" altLang="ja-JP" sz="1400" b="0" i="0" u="none" strike="noStrike" cap="none" normalizeH="0" baseline="0" dirty="0">
+                  <a:ln>
+                    <a:noFill/>
+                  </a:ln>
+                  <a:solidFill>
+                    <a:srgbClr val="24292E"/>
+                  </a:solidFill>
+                  <a:effectLst/>
+                  <a:latin typeface="M+ 1c light" panose="020B0403020204020204" pitchFamily="50" charset="-128"/>
+                  <a:ea typeface="M+ 1c light" panose="020B0403020204020204" pitchFamily="50" charset="-128"/>
+                  <a:cs typeface="M+ 1c light" panose="020B0403020204020204" pitchFamily="50" charset="-128"/>
+                </a:rPr>
+                <a:t> =&gt; new </a:t>
+              </a:r>
+              <a:r>
+                <a:rPr kumimoji="0" lang="ja-JP" altLang="ja-JP" sz="1400" b="0" i="0" u="none" strike="noStrike" cap="none" normalizeH="0" baseline="0" dirty="0">
+                  <a:ln>
+                    <a:noFill/>
+                  </a:ln>
+                  <a:solidFill>
+                    <a:srgbClr val="6F42C1"/>
+                  </a:solidFill>
+                  <a:effectLst/>
+                  <a:latin typeface="M+ 1c light" panose="020B0403020204020204" pitchFamily="50" charset="-128"/>
+                  <a:ea typeface="M+ 1c light" panose="020B0403020204020204" pitchFamily="50" charset="-128"/>
+                  <a:cs typeface="M+ 1c light" panose="020B0403020204020204" pitchFamily="50" charset="-128"/>
+                </a:rPr>
+                <a:t>Command</a:t>
+              </a:r>
+              <a:r>
+                <a:rPr kumimoji="0" lang="ja-JP" altLang="ja-JP" sz="1400" b="0" i="0" u="none" strike="noStrike" cap="none" normalizeH="0" baseline="0" dirty="0">
+                  <a:ln>
+                    <a:noFill/>
+                  </a:ln>
+                  <a:solidFill>
+                    <a:srgbClr val="24292E"/>
+                  </a:solidFill>
+                  <a:effectLst/>
+                  <a:latin typeface="M+ 1c light" panose="020B0403020204020204" pitchFamily="50" charset="-128"/>
+                  <a:ea typeface="M+ 1c light" panose="020B0403020204020204" pitchFamily="50" charset="-128"/>
+                  <a:cs typeface="M+ 1c light" panose="020B0403020204020204" pitchFamily="50" charset="-128"/>
+                </a:rPr>
+                <a:t>(() =&gt; RequestSecondPage.RaiseAsync()); </a:t>
+              </a:r>
+              <a:endParaRPr kumimoji="0" lang="en-US" altLang="ja-JP" sz="1400" b="0" i="0" u="none" strike="noStrike" cap="none" normalizeH="0" baseline="0" dirty="0">
+                <a:ln>
+                  <a:noFill/>
+                </a:ln>
+                <a:solidFill>
+                  <a:srgbClr val="24292E"/>
+                </a:solidFill>
+                <a:effectLst/>
+                <a:latin typeface="M+ 1c light" panose="020B0403020204020204" pitchFamily="50" charset="-128"/>
+                <a:ea typeface="M+ 1c light" panose="020B0403020204020204" pitchFamily="50" charset="-128"/>
+                <a:cs typeface="M+ 1c light" panose="020B0403020204020204" pitchFamily="50" charset="-128"/>
+              </a:endParaRPr>
+            </a:p>
+            <a:p>
+              <a:pPr marL="0" marR="0" lvl="0" indent="0" algn="l" defTabSz="914400" rtl="0" eaLnBrk="0" fontAlgn="base" latinLnBrk="0" hangingPunct="0">
+                <a:lnSpc>
+                  <a:spcPct val="100000"/>
+                </a:lnSpc>
+                <a:spcBef>
+                  <a:spcPct val="0"/>
+                </a:spcBef>
+                <a:spcAft>
+                  <a:spcPct val="0"/>
+                </a:spcAft>
+                <a:buClrTx/>
+                <a:buSzTx/>
+                <a:buFontTx/>
+                <a:buNone/>
+                <a:tabLst/>
+              </a:pPr>
+              <a:endParaRPr kumimoji="0" lang="en-US" altLang="ja-JP" sz="1400" dirty="0">
+                <a:solidFill>
+                  <a:srgbClr val="24292E"/>
+                </a:solidFill>
+                <a:latin typeface="M+ 1c light" panose="020B0403020204020204" pitchFamily="50" charset="-128"/>
+                <a:ea typeface="M+ 1c light" panose="020B0403020204020204" pitchFamily="50" charset="-128"/>
+                <a:cs typeface="M+ 1c light" panose="020B0403020204020204" pitchFamily="50" charset="-128"/>
+              </a:endParaRPr>
+            </a:p>
+            <a:p>
+              <a:pPr marL="0" marR="0" lvl="0" indent="0" algn="l" defTabSz="914400" rtl="0" eaLnBrk="0" fontAlgn="base" latinLnBrk="0" hangingPunct="0">
+                <a:lnSpc>
+                  <a:spcPct val="100000"/>
+                </a:lnSpc>
+                <a:spcBef>
+                  <a:spcPct val="0"/>
+                </a:spcBef>
+                <a:spcAft>
+                  <a:spcPct val="0"/>
+                </a:spcAft>
+                <a:buClrTx/>
+                <a:buSzTx/>
+                <a:buFontTx/>
+                <a:buNone/>
+                <a:tabLst/>
+              </a:pPr>
+              <a:r>
+                <a:rPr kumimoji="0" lang="ja-JP" altLang="ja-JP" sz="1400" b="0" i="0" u="none" strike="noStrike" cap="none" normalizeH="0" baseline="0" dirty="0">
+                  <a:ln>
+                    <a:noFill/>
+                  </a:ln>
+                  <a:solidFill>
+                    <a:srgbClr val="D73A49"/>
+                  </a:solidFill>
+                  <a:effectLst/>
+                  <a:latin typeface="M+ 1c light" panose="020B0403020204020204" pitchFamily="50" charset="-128"/>
+                  <a:ea typeface="M+ 1c light" panose="020B0403020204020204" pitchFamily="50" charset="-128"/>
+                  <a:cs typeface="M+ 1c light" panose="020B0403020204020204" pitchFamily="50" charset="-128"/>
+                </a:rPr>
+                <a:t>public</a:t>
+              </a:r>
+              <a:r>
+                <a:rPr kumimoji="0" lang="ja-JP" altLang="ja-JP" sz="1400" b="0" i="0" u="none" strike="noStrike" cap="none" normalizeH="0" baseline="0" dirty="0">
+                  <a:ln>
+                    <a:noFill/>
+                  </a:ln>
+                  <a:solidFill>
+                    <a:srgbClr val="24292E"/>
+                  </a:solidFill>
+                  <a:effectLst/>
+                  <a:latin typeface="M+ 1c light" panose="020B0403020204020204" pitchFamily="50" charset="-128"/>
+                  <a:ea typeface="M+ 1c light" panose="020B0403020204020204" pitchFamily="50" charset="-128"/>
+                  <a:cs typeface="M+ 1c light" panose="020B0403020204020204" pitchFamily="50" charset="-128"/>
+                </a:rPr>
+                <a:t> </a:t>
+              </a:r>
+              <a:r>
+                <a:rPr kumimoji="0" lang="ja-JP" altLang="ja-JP" sz="1400" b="0" i="0" u="none" strike="noStrike" cap="none" normalizeH="0" baseline="0" dirty="0">
+                  <a:ln>
+                    <a:noFill/>
+                  </a:ln>
+                  <a:solidFill>
+                    <a:srgbClr val="6F42C1"/>
+                  </a:solidFill>
+                  <a:effectLst/>
+                  <a:latin typeface="M+ 1c light" panose="020B0403020204020204" pitchFamily="50" charset="-128"/>
+                  <a:ea typeface="M+ 1c light" panose="020B0403020204020204" pitchFamily="50" charset="-128"/>
+                  <a:cs typeface="M+ 1c light" panose="020B0403020204020204" pitchFamily="50" charset="-128"/>
+                </a:rPr>
+                <a:t>INavigationRequest</a:t>
+              </a:r>
+              <a:r>
+                <a:rPr kumimoji="0" lang="ja-JP" altLang="ja-JP" sz="1400" b="0" i="0" u="none" strike="noStrike" cap="none" normalizeH="0" baseline="0" dirty="0">
+                  <a:ln>
+                    <a:noFill/>
+                  </a:ln>
+                  <a:solidFill>
+                    <a:srgbClr val="24292E"/>
+                  </a:solidFill>
+                  <a:effectLst/>
+                  <a:latin typeface="M+ 1c light" panose="020B0403020204020204" pitchFamily="50" charset="-128"/>
+                  <a:ea typeface="M+ 1c light" panose="020B0403020204020204" pitchFamily="50" charset="-128"/>
+                  <a:cs typeface="M+ 1c light" panose="020B0403020204020204" pitchFamily="50" charset="-128"/>
+                </a:rPr>
+                <a:t> RequestSecondPage { </a:t>
+              </a:r>
+              <a:r>
+                <a:rPr kumimoji="0" lang="ja-JP" altLang="ja-JP" sz="1400" b="0" i="0" u="none" strike="noStrike" cap="none" normalizeH="0" baseline="0" dirty="0">
+                  <a:ln>
+                    <a:noFill/>
+                  </a:ln>
+                  <a:solidFill>
+                    <a:srgbClr val="D73A49"/>
+                  </a:solidFill>
+                  <a:effectLst/>
+                  <a:latin typeface="M+ 1c light" panose="020B0403020204020204" pitchFamily="50" charset="-128"/>
+                  <a:ea typeface="M+ 1c light" panose="020B0403020204020204" pitchFamily="50" charset="-128"/>
+                  <a:cs typeface="M+ 1c light" panose="020B0403020204020204" pitchFamily="50" charset="-128"/>
+                </a:rPr>
+                <a:t>get</a:t>
+              </a:r>
+              <a:r>
+                <a:rPr kumimoji="0" lang="ja-JP" altLang="ja-JP" sz="1400" b="0" i="0" u="none" strike="noStrike" cap="none" normalizeH="0" baseline="0" dirty="0">
+                  <a:ln>
+                    <a:noFill/>
+                  </a:ln>
+                  <a:solidFill>
+                    <a:srgbClr val="24292E"/>
+                  </a:solidFill>
+                  <a:effectLst/>
+                  <a:latin typeface="M+ 1c light" panose="020B0403020204020204" pitchFamily="50" charset="-128"/>
+                  <a:ea typeface="M+ 1c light" panose="020B0403020204020204" pitchFamily="50" charset="-128"/>
+                  <a:cs typeface="M+ 1c light" panose="020B0403020204020204" pitchFamily="50" charset="-128"/>
+                </a:rPr>
+                <a:t>; } = </a:t>
+              </a:r>
+              <a:r>
+                <a:rPr kumimoji="0" lang="ja-JP" altLang="ja-JP" sz="1400" b="0" i="0" u="none" strike="noStrike" cap="none" normalizeH="0" baseline="0" dirty="0">
+                  <a:ln>
+                    <a:noFill/>
+                  </a:ln>
+                  <a:solidFill>
+                    <a:srgbClr val="D73A49"/>
+                  </a:solidFill>
+                  <a:effectLst/>
+                  <a:latin typeface="M+ 1c light" panose="020B0403020204020204" pitchFamily="50" charset="-128"/>
+                  <a:ea typeface="M+ 1c light" panose="020B0403020204020204" pitchFamily="50" charset="-128"/>
+                  <a:cs typeface="M+ 1c light" panose="020B0403020204020204" pitchFamily="50" charset="-128"/>
+                </a:rPr>
+                <a:t>new</a:t>
+              </a:r>
+              <a:r>
+                <a:rPr kumimoji="0" lang="ja-JP" altLang="ja-JP" sz="1400" b="0" i="0" u="none" strike="noStrike" cap="none" normalizeH="0" baseline="0" dirty="0">
+                  <a:ln>
+                    <a:noFill/>
+                  </a:ln>
+                  <a:solidFill>
+                    <a:srgbClr val="24292E"/>
+                  </a:solidFill>
+                  <a:effectLst/>
+                  <a:latin typeface="M+ 1c light" panose="020B0403020204020204" pitchFamily="50" charset="-128"/>
+                  <a:ea typeface="M+ 1c light" panose="020B0403020204020204" pitchFamily="50" charset="-128"/>
+                  <a:cs typeface="M+ 1c light" panose="020B0403020204020204" pitchFamily="50" charset="-128"/>
+                </a:rPr>
+                <a:t> </a:t>
+              </a:r>
+              <a:r>
+                <a:rPr kumimoji="0" lang="ja-JP" altLang="ja-JP" sz="1400" b="0" i="0" u="none" strike="noStrike" cap="none" normalizeH="0" baseline="0" dirty="0">
+                  <a:ln>
+                    <a:noFill/>
+                  </a:ln>
+                  <a:solidFill>
+                    <a:srgbClr val="6F42C1"/>
+                  </a:solidFill>
+                  <a:effectLst/>
+                  <a:latin typeface="M+ 1c light" panose="020B0403020204020204" pitchFamily="50" charset="-128"/>
+                  <a:ea typeface="M+ 1c light" panose="020B0403020204020204" pitchFamily="50" charset="-128"/>
+                  <a:cs typeface="M+ 1c light" panose="020B0403020204020204" pitchFamily="50" charset="-128"/>
+                </a:rPr>
+                <a:t>NavigationRequest</a:t>
+              </a:r>
+              <a:r>
+                <a:rPr kumimoji="0" lang="ja-JP" altLang="ja-JP" sz="1400" b="0" i="0" u="none" strike="noStrike" cap="none" normalizeH="0" baseline="0" dirty="0">
+                  <a:ln>
+                    <a:noFill/>
+                  </a:ln>
+                  <a:solidFill>
+                    <a:srgbClr val="24292E"/>
+                  </a:solidFill>
+                  <a:effectLst/>
+                  <a:latin typeface="M+ 1c light" panose="020B0403020204020204" pitchFamily="50" charset="-128"/>
+                  <a:ea typeface="M+ 1c light" panose="020B0403020204020204" pitchFamily="50" charset="-128"/>
+                  <a:cs typeface="M+ 1c light" panose="020B0403020204020204" pitchFamily="50" charset="-128"/>
+                </a:rPr>
+                <a:t>();</a:t>
+              </a:r>
+              <a:r>
+                <a:rPr kumimoji="0" lang="ja-JP" altLang="ja-JP" sz="1400" b="0" i="0" u="none" strike="noStrike" cap="none" normalizeH="0" baseline="0" dirty="0">
+                  <a:ln>
+                    <a:noFill/>
+                  </a:ln>
+                  <a:solidFill>
+                    <a:schemeClr val="tx1"/>
+                  </a:solidFill>
+                  <a:effectLst/>
+                  <a:latin typeface="M+ 1c light" panose="020B0403020204020204" pitchFamily="50" charset="-128"/>
+                  <a:ea typeface="M+ 1c light" panose="020B0403020204020204" pitchFamily="50" charset="-128"/>
+                  <a:cs typeface="M+ 1c light" panose="020B0403020204020204" pitchFamily="50" charset="-128"/>
+                </a:rPr>
+                <a:t> </a:t>
+              </a:r>
+            </a:p>
+          </p:txBody>
+        </p:sp>
+      </p:grpSp>
+      <p:cxnSp>
+        <p:nvCxnSpPr>
+          <p:cNvPr id="6" name="直線コネクタ 5">
+            <a:extLst>
+              <a:ext uri="{FF2B5EF4-FFF2-40B4-BE49-F238E27FC236}">
+                <a16:creationId xmlns:a16="http://schemas.microsoft.com/office/drawing/2014/main" id="{8EC69A6F-6D6C-4926-B839-8044DCBB683E}"/>
+              </a:ext>
+            </a:extLst>
+          </p:cNvPr>
+          <p:cNvCxnSpPr>
+            <a:cxnSpLocks/>
+          </p:cNvCxnSpPr>
+          <p:nvPr/>
+        </p:nvCxnSpPr>
+        <p:spPr>
+          <a:xfrm>
+            <a:off x="1429063" y="1247775"/>
+            <a:ext cx="9555601" cy="17834"/>
+          </a:xfrm>
+          <a:prstGeom prst="line">
+            <a:avLst/>
+          </a:prstGeom>
+        </p:spPr>
+        <p:style>
+          <a:lnRef idx="1">
+            <a:schemeClr val="accent1"/>
+          </a:lnRef>
+          <a:fillRef idx="0">
+            <a:schemeClr val="accent1"/>
+          </a:fillRef>
+          <a:effectRef idx="0">
+            <a:schemeClr val="accent1"/>
+          </a:effectRef>
+          <a:fontRef idx="minor">
+            <a:schemeClr val="tx1"/>
+          </a:fontRef>
+        </p:style>
+      </p:cxnSp>
+      <p:sp>
+        <p:nvSpPr>
+          <p:cNvPr id="32" name="正方形/長方形 31">
+            <a:extLst>
+              <a:ext uri="{FF2B5EF4-FFF2-40B4-BE49-F238E27FC236}">
+                <a16:creationId xmlns:a16="http://schemas.microsoft.com/office/drawing/2014/main" id="{F9FD1993-29CF-4288-B920-162DF0F60C53}"/>
+              </a:ext>
+            </a:extLst>
+          </p:cNvPr>
+          <p:cNvSpPr/>
+          <p:nvPr/>
+        </p:nvSpPr>
+        <p:spPr>
+          <a:xfrm>
+            <a:off x="1334778" y="3214721"/>
+            <a:ext cx="9649886" cy="3357529"/>
+          </a:xfrm>
+          <a:prstGeom prst="rect">
+            <a:avLst/>
+          </a:prstGeom>
+          <a:noFill/>
+          <a:ln w="6350">
+            <a:noFill/>
+            <a:prstDash val="dash"/>
+          </a:ln>
+        </p:spPr>
+        <p:style>
+          <a:lnRef idx="2">
+            <a:schemeClr val="accent1">
+              <a:shade val="50000"/>
+            </a:schemeClr>
+          </a:lnRef>
+          <a:fillRef idx="1">
+            <a:schemeClr val="accent1"/>
+          </a:fillRef>
+          <a:effectRef idx="0">
+            <a:schemeClr val="accent1"/>
+          </a:effectRef>
+          <a:fontRef idx="minor">
+            <a:schemeClr val="lt1"/>
+          </a:fontRef>
+        </p:style>
+        <p:txBody>
+          <a:bodyPr rtlCol="0" anchor="t"/>
+          <a:lstStyle/>
+          <a:p>
+            <a:r>
+              <a:rPr lang="en-US" altLang="ja-JP" dirty="0">
+                <a:solidFill>
+                  <a:schemeClr val="tx1"/>
+                </a:solidFill>
+                <a:latin typeface="M+ 1c light" panose="020B0403020204020204" pitchFamily="50" charset="-128"/>
+                <a:ea typeface="M+ 1c light" panose="020B0403020204020204" pitchFamily="50" charset="-128"/>
+                <a:cs typeface="M+ 1c light" panose="020B0403020204020204" pitchFamily="50" charset="-128"/>
+              </a:rPr>
+              <a:t>Step2. Based on Page navigation request, navigation Page on the View layer</a:t>
+            </a:r>
+            <a:br>
+              <a:rPr lang="en-US" altLang="ja-JP" dirty="0">
+                <a:solidFill>
+                  <a:schemeClr val="tx1"/>
+                </a:solidFill>
+                <a:latin typeface="M+ 1c light" panose="020B0403020204020204" pitchFamily="50" charset="-128"/>
+                <a:ea typeface="M+ 1c light" panose="020B0403020204020204" pitchFamily="50" charset="-128"/>
+                <a:cs typeface="M+ 1c light" panose="020B0403020204020204" pitchFamily="50" charset="-128"/>
+              </a:rPr>
+            </a:br>
+            <a:endParaRPr lang="en-US" altLang="ja-JP" dirty="0">
+              <a:solidFill>
+                <a:schemeClr val="tx1"/>
+              </a:solidFill>
+              <a:latin typeface="M+ 1c light" panose="020B0403020204020204" pitchFamily="50" charset="-128"/>
+              <a:ea typeface="M+ 1c light" panose="020B0403020204020204" pitchFamily="50" charset="-128"/>
+              <a:cs typeface="M+ 1c light" panose="020B0403020204020204" pitchFamily="50" charset="-128"/>
+            </a:endParaRPr>
+          </a:p>
+          <a:p>
+            <a:endParaRPr lang="en-US" altLang="ja-JP" sz="1600" dirty="0">
+              <a:solidFill>
+                <a:schemeClr val="tx1"/>
+              </a:solidFill>
+              <a:latin typeface="M+ 1c light" panose="020B0403020204020204" pitchFamily="50" charset="-128"/>
+              <a:ea typeface="M+ 1c light" panose="020B0403020204020204" pitchFamily="50" charset="-128"/>
+              <a:cs typeface="M+ 1c light" panose="020B0403020204020204" pitchFamily="50" charset="-128"/>
+            </a:endParaRPr>
+          </a:p>
+          <a:p>
+            <a:endParaRPr lang="en-US" altLang="ja-JP" sz="1600" dirty="0">
+              <a:solidFill>
+                <a:schemeClr val="tx1"/>
+              </a:solidFill>
+              <a:latin typeface="M+ 1c light" panose="020B0403020204020204" pitchFamily="50" charset="-128"/>
+              <a:ea typeface="M+ 1c light" panose="020B0403020204020204" pitchFamily="50" charset="-128"/>
+              <a:cs typeface="M+ 1c light" panose="020B0403020204020204" pitchFamily="50" charset="-128"/>
+            </a:endParaRPr>
+          </a:p>
+          <a:p>
+            <a:endParaRPr lang="en-US" altLang="ja-JP" sz="1600" dirty="0">
+              <a:solidFill>
+                <a:schemeClr val="tx1"/>
+              </a:solidFill>
+              <a:latin typeface="M+ 1c light" panose="020B0403020204020204" pitchFamily="50" charset="-128"/>
+              <a:ea typeface="M+ 1c light" panose="020B0403020204020204" pitchFamily="50" charset="-128"/>
+              <a:cs typeface="M+ 1c light" panose="020B0403020204020204" pitchFamily="50" charset="-128"/>
+            </a:endParaRPr>
+          </a:p>
+          <a:p>
+            <a:endParaRPr lang="en-US" altLang="ja-JP" sz="1400" dirty="0">
+              <a:solidFill>
+                <a:schemeClr val="tx1"/>
+              </a:solidFill>
+              <a:latin typeface="M+ 1c light" panose="020B0403020204020204" pitchFamily="50" charset="-128"/>
+              <a:ea typeface="M+ 1c light" panose="020B0403020204020204" pitchFamily="50" charset="-128"/>
+              <a:cs typeface="M+ 1c light" panose="020B0403020204020204" pitchFamily="50" charset="-128"/>
+            </a:endParaRPr>
+          </a:p>
+          <a:p>
+            <a:endParaRPr lang="en-US" altLang="ja-JP" sz="1400" dirty="0">
+              <a:solidFill>
+                <a:schemeClr val="tx1"/>
+              </a:solidFill>
+              <a:latin typeface="M+ 1c light" panose="020B0403020204020204" pitchFamily="50" charset="-128"/>
+              <a:ea typeface="M+ 1c light" panose="020B0403020204020204" pitchFamily="50" charset="-128"/>
+              <a:cs typeface="M+ 1c light" panose="020B0403020204020204" pitchFamily="50" charset="-128"/>
+            </a:endParaRPr>
+          </a:p>
+          <a:p>
+            <a:endParaRPr lang="en-US" altLang="ja-JP" sz="1400" dirty="0">
+              <a:solidFill>
+                <a:schemeClr val="tx1"/>
+              </a:solidFill>
+              <a:latin typeface="M+ 1c light" panose="020B0403020204020204" pitchFamily="50" charset="-128"/>
+              <a:ea typeface="M+ 1c light" panose="020B0403020204020204" pitchFamily="50" charset="-128"/>
+              <a:cs typeface="M+ 1c light" panose="020B0403020204020204" pitchFamily="50" charset="-128"/>
+            </a:endParaRPr>
+          </a:p>
+          <a:p>
+            <a:endParaRPr lang="en-US" altLang="ja-JP" sz="1400" dirty="0">
+              <a:solidFill>
+                <a:schemeClr val="tx1"/>
+              </a:solidFill>
+              <a:latin typeface="M+ 1c light" panose="020B0403020204020204" pitchFamily="50" charset="-128"/>
+              <a:ea typeface="M+ 1c light" panose="020B0403020204020204" pitchFamily="50" charset="-128"/>
+              <a:cs typeface="M+ 1c light" panose="020B0403020204020204" pitchFamily="50" charset="-128"/>
+            </a:endParaRPr>
+          </a:p>
+          <a:p>
+            <a:endParaRPr lang="en-US" altLang="ja-JP" sz="1400" dirty="0">
+              <a:solidFill>
+                <a:schemeClr val="tx1"/>
+              </a:solidFill>
+              <a:latin typeface="M+ 1c light" panose="020B0403020204020204" pitchFamily="50" charset="-128"/>
+              <a:ea typeface="M+ 1c light" panose="020B0403020204020204" pitchFamily="50" charset="-128"/>
+              <a:cs typeface="M+ 1c light" panose="020B0403020204020204" pitchFamily="50" charset="-128"/>
+            </a:endParaRPr>
+          </a:p>
+          <a:p>
+            <a:endParaRPr lang="en-US" altLang="ja-JP" sz="1400" dirty="0">
+              <a:solidFill>
+                <a:schemeClr val="tx1"/>
+              </a:solidFill>
+              <a:latin typeface="M+ 1c light" panose="020B0403020204020204" pitchFamily="50" charset="-128"/>
+              <a:ea typeface="M+ 1c light" panose="020B0403020204020204" pitchFamily="50" charset="-128"/>
+              <a:cs typeface="M+ 1c light" panose="020B0403020204020204" pitchFamily="50" charset="-128"/>
+            </a:endParaRPr>
+          </a:p>
+          <a:p>
+            <a:r>
+              <a:rPr lang="en-US" altLang="ja-JP" sz="1400" dirty="0">
+                <a:solidFill>
+                  <a:schemeClr val="tx1"/>
+                </a:solidFill>
+                <a:latin typeface="M+ 1c light" panose="020B0403020204020204" pitchFamily="50" charset="-128"/>
+                <a:ea typeface="M+ 1c light" panose="020B0403020204020204" pitchFamily="50" charset="-128"/>
+                <a:cs typeface="M+ 1c light" panose="020B0403020204020204" pitchFamily="50" charset="-128"/>
+              </a:rPr>
+              <a:t>Notice the PushModalAsync Behavior.</a:t>
+            </a:r>
+          </a:p>
+          <a:p>
+            <a:r>
+              <a:rPr lang="en-US" altLang="ja-JP" sz="1400" dirty="0">
+                <a:solidFill>
+                  <a:schemeClr val="tx1"/>
+                </a:solidFill>
+                <a:latin typeface="M+ 1c light" panose="020B0403020204020204" pitchFamily="50" charset="-128"/>
+                <a:ea typeface="M+ 1c light" panose="020B0403020204020204" pitchFamily="50" charset="-128"/>
+                <a:cs typeface="M+ 1c light" panose="020B0403020204020204" pitchFamily="50" charset="-128"/>
+              </a:rPr>
+              <a:t>Based on RequestSecondPage Navigation request, it is defined to make a Modal Navigation to SecondPage.</a:t>
+            </a:r>
+            <a:endParaRPr kumimoji="1" lang="ja-JP" altLang="en-US" sz="1400" dirty="0">
+              <a:solidFill>
+                <a:schemeClr val="tx1"/>
+              </a:solidFill>
+              <a:latin typeface="M+ 1c light" panose="020B0403020204020204" pitchFamily="50" charset="-128"/>
+              <a:ea typeface="M+ 1c light" panose="020B0403020204020204" pitchFamily="50" charset="-128"/>
+              <a:cs typeface="M+ 1c light" panose="020B0403020204020204" pitchFamily="50" charset="-128"/>
+            </a:endParaRPr>
+          </a:p>
+        </p:txBody>
+      </p:sp>
+      <p:cxnSp>
+        <p:nvCxnSpPr>
+          <p:cNvPr id="39" name="直線コネクタ 38">
+            <a:extLst>
+              <a:ext uri="{FF2B5EF4-FFF2-40B4-BE49-F238E27FC236}">
+                <a16:creationId xmlns:a16="http://schemas.microsoft.com/office/drawing/2014/main" id="{A596180E-1EC6-419C-9AD1-331D8A0A38C9}"/>
+              </a:ext>
+            </a:extLst>
+          </p:cNvPr>
+          <p:cNvCxnSpPr>
+            <a:cxnSpLocks/>
+          </p:cNvCxnSpPr>
+          <p:nvPr/>
+        </p:nvCxnSpPr>
+        <p:spPr>
+          <a:xfrm>
+            <a:off x="1429063" y="3196887"/>
+            <a:ext cx="9555601" cy="0"/>
+          </a:xfrm>
+          <a:prstGeom prst="line">
+            <a:avLst/>
+          </a:prstGeom>
+        </p:spPr>
+        <p:style>
+          <a:lnRef idx="1">
+            <a:schemeClr val="accent1"/>
+          </a:lnRef>
+          <a:fillRef idx="0">
+            <a:schemeClr val="accent1"/>
+          </a:fillRef>
+          <a:effectRef idx="0">
+            <a:schemeClr val="accent1"/>
+          </a:effectRef>
+          <a:fontRef idx="minor">
+            <a:schemeClr val="tx1"/>
+          </a:fontRef>
+        </p:style>
+      </p:cxnSp>
+      <p:sp>
+        <p:nvSpPr>
+          <p:cNvPr id="7" name="Rectangle 3">
+            <a:extLst>
+              <a:ext uri="{FF2B5EF4-FFF2-40B4-BE49-F238E27FC236}">
+                <a16:creationId xmlns:a16="http://schemas.microsoft.com/office/drawing/2014/main" id="{95A60D79-33DE-48E4-9B77-A8AF33423221}"/>
+              </a:ext>
+            </a:extLst>
+          </p:cNvPr>
+          <p:cNvSpPr>
+            <a:spLocks noChangeArrowheads="1"/>
+          </p:cNvSpPr>
+          <p:nvPr/>
+        </p:nvSpPr>
+        <p:spPr bwMode="auto">
+          <a:xfrm>
+            <a:off x="1429062" y="3603019"/>
+            <a:ext cx="9555602" cy="2157102"/>
+          </a:xfrm>
+          <a:prstGeom prst="rect">
+            <a:avLst/>
+          </a:prstGeom>
+          <a:solidFill>
+            <a:srgbClr val="F6F8FA"/>
+          </a:solidFill>
+          <a:ln>
+            <a:noFill/>
+          </a:ln>
+          <a:effectLst/>
+          <a:extLst>
+            <a:ext uri="{91240B29-F687-4F45-9708-019B960494DF}">
+              <a14:hiddenLine xmlns:a14="http://schemas.microsoft.com/office/drawing/2010/main" w="9525">
+                <a:solidFill>
+                  <a:schemeClr val="tx1"/>
+                </a:solidFill>
+                <a:miter lim="800000"/>
+                <a:headEnd/>
+                <a:tailEnd/>
+              </a14:hiddenLine>
+            </a:ext>
+            <a:ext uri="{AF507438-7753-43E0-B8FC-AC1667EBCBE1}">
+              <a14:hiddenEffects xmlns:a14="http://schemas.microsoft.com/office/drawing/2010/main">
+                <a:effectLst>
+                  <a:outerShdw dist="35921" dir="2700000" algn="ctr" rotWithShape="0">
+                    <a:schemeClr val="bg2"/>
+                  </a:outerShdw>
+                </a:effectLst>
+              </a14:hiddenEffects>
+            </a:ext>
+          </a:extLst>
+        </p:spPr>
+        <p:txBody>
+          <a:bodyPr vert="horz" wrap="none" lIns="108000" tIns="108000" rIns="108000" bIns="108000" numCol="1" anchor="ctr" anchorCtr="0" compatLnSpc="1">
+            <a:prstTxWarp prst="textNoShape">
+              <a:avLst/>
+            </a:prstTxWarp>
+            <a:spAutoFit/>
+          </a:bodyPr>
+          <a:lstStyle/>
+          <a:p>
+            <a:pPr marL="0" marR="0" lvl="0" indent="0" algn="l" defTabSz="914400" rtl="0" eaLnBrk="0" fontAlgn="base" latinLnBrk="0" hangingPunct="0">
+              <a:lnSpc>
+                <a:spcPct val="100000"/>
+              </a:lnSpc>
+              <a:spcBef>
+                <a:spcPct val="0"/>
+              </a:spcBef>
+              <a:spcAft>
+                <a:spcPct val="0"/>
+              </a:spcAft>
+              <a:buClrTx/>
+              <a:buSzTx/>
+              <a:buFontTx/>
+              <a:buNone/>
+              <a:tabLst/>
+            </a:pPr>
+            <a:r>
+              <a:rPr kumimoji="0" lang="ja-JP" altLang="ja-JP" sz="1400" b="0" i="0" u="none" strike="noStrike" cap="none" normalizeH="0" baseline="0" dirty="0">
+                <a:ln>
+                  <a:noFill/>
+                </a:ln>
+                <a:solidFill>
+                  <a:srgbClr val="24292E"/>
+                </a:solidFill>
+                <a:effectLst/>
+                <a:latin typeface="M+ 1c light" panose="020B0403020204020204" pitchFamily="50" charset="-128"/>
+                <a:ea typeface="M+ 1c light" panose="020B0403020204020204" pitchFamily="50" charset="-128"/>
+                <a:cs typeface="M+ 1c light" panose="020B0403020204020204" pitchFamily="50" charset="-128"/>
+              </a:rPr>
+              <a:t>&lt;?</a:t>
+            </a:r>
+            <a:r>
+              <a:rPr kumimoji="0" lang="ja-JP" altLang="ja-JP" sz="1400" b="0" i="0" u="none" strike="noStrike" cap="none" normalizeH="0" baseline="0" dirty="0">
+                <a:ln>
+                  <a:noFill/>
+                </a:ln>
+                <a:solidFill>
+                  <a:srgbClr val="22863A"/>
+                </a:solidFill>
+                <a:effectLst/>
+                <a:latin typeface="M+ 1c light" panose="020B0403020204020204" pitchFamily="50" charset="-128"/>
+                <a:ea typeface="M+ 1c light" panose="020B0403020204020204" pitchFamily="50" charset="-128"/>
+                <a:cs typeface="M+ 1c light" panose="020B0403020204020204" pitchFamily="50" charset="-128"/>
+              </a:rPr>
+              <a:t>xml</a:t>
+            </a:r>
+            <a:r>
+              <a:rPr kumimoji="0" lang="ja-JP" altLang="ja-JP" sz="1400" b="0" i="0" u="none" strike="noStrike" cap="none" normalizeH="0" baseline="0" dirty="0">
+                <a:ln>
+                  <a:noFill/>
+                </a:ln>
+                <a:solidFill>
+                  <a:srgbClr val="6F42C1"/>
+                </a:solidFill>
+                <a:effectLst/>
+                <a:latin typeface="M+ 1c light" panose="020B0403020204020204" pitchFamily="50" charset="-128"/>
+                <a:ea typeface="M+ 1c light" panose="020B0403020204020204" pitchFamily="50" charset="-128"/>
+                <a:cs typeface="M+ 1c light" panose="020B0403020204020204" pitchFamily="50" charset="-128"/>
+              </a:rPr>
+              <a:t> version</a:t>
+            </a:r>
+            <a:r>
+              <a:rPr kumimoji="0" lang="ja-JP" altLang="ja-JP" sz="1400" b="0" i="0" u="none" strike="noStrike" cap="none" normalizeH="0" baseline="0" dirty="0">
+                <a:ln>
+                  <a:noFill/>
+                </a:ln>
+                <a:solidFill>
+                  <a:srgbClr val="24292E"/>
+                </a:solidFill>
+                <a:effectLst/>
+                <a:latin typeface="M+ 1c light" panose="020B0403020204020204" pitchFamily="50" charset="-128"/>
+                <a:ea typeface="M+ 1c light" panose="020B0403020204020204" pitchFamily="50" charset="-128"/>
+                <a:cs typeface="M+ 1c light" panose="020B0403020204020204" pitchFamily="50" charset="-128"/>
+              </a:rPr>
+              <a:t>=</a:t>
+            </a:r>
+            <a:r>
+              <a:rPr kumimoji="0" lang="ja-JP" altLang="ja-JP" sz="1400" b="0" i="0" u="none" strike="noStrike" cap="none" normalizeH="0" baseline="0" dirty="0">
+                <a:ln>
+                  <a:noFill/>
+                </a:ln>
+                <a:solidFill>
+                  <a:srgbClr val="032F62"/>
+                </a:solidFill>
+                <a:effectLst/>
+                <a:latin typeface="M+ 1c light" panose="020B0403020204020204" pitchFamily="50" charset="-128"/>
+                <a:ea typeface="M+ 1c light" panose="020B0403020204020204" pitchFamily="50" charset="-128"/>
+                <a:cs typeface="M+ 1c light" panose="020B0403020204020204" pitchFamily="50" charset="-128"/>
+              </a:rPr>
+              <a:t>"1.0"</a:t>
+            </a:r>
+            <a:r>
+              <a:rPr kumimoji="0" lang="ja-JP" altLang="ja-JP" sz="1400" b="0" i="0" u="none" strike="noStrike" cap="none" normalizeH="0" baseline="0" dirty="0">
+                <a:ln>
+                  <a:noFill/>
+                </a:ln>
+                <a:solidFill>
+                  <a:srgbClr val="6F42C1"/>
+                </a:solidFill>
+                <a:effectLst/>
+                <a:latin typeface="M+ 1c light" panose="020B0403020204020204" pitchFamily="50" charset="-128"/>
+                <a:ea typeface="M+ 1c light" panose="020B0403020204020204" pitchFamily="50" charset="-128"/>
+                <a:cs typeface="M+ 1c light" panose="020B0403020204020204" pitchFamily="50" charset="-128"/>
+              </a:rPr>
+              <a:t> encoding</a:t>
+            </a:r>
+            <a:r>
+              <a:rPr kumimoji="0" lang="ja-JP" altLang="ja-JP" sz="1400" b="0" i="0" u="none" strike="noStrike" cap="none" normalizeH="0" baseline="0" dirty="0">
+                <a:ln>
+                  <a:noFill/>
+                </a:ln>
+                <a:solidFill>
+                  <a:srgbClr val="24292E"/>
+                </a:solidFill>
+                <a:effectLst/>
+                <a:latin typeface="M+ 1c light" panose="020B0403020204020204" pitchFamily="50" charset="-128"/>
+                <a:ea typeface="M+ 1c light" panose="020B0403020204020204" pitchFamily="50" charset="-128"/>
+                <a:cs typeface="M+ 1c light" panose="020B0403020204020204" pitchFamily="50" charset="-128"/>
+              </a:rPr>
+              <a:t>=</a:t>
+            </a:r>
+            <a:r>
+              <a:rPr kumimoji="0" lang="ja-JP" altLang="ja-JP" sz="1400" b="0" i="0" u="none" strike="noStrike" cap="none" normalizeH="0" baseline="0" dirty="0">
+                <a:ln>
+                  <a:noFill/>
+                </a:ln>
+                <a:solidFill>
+                  <a:srgbClr val="032F62"/>
+                </a:solidFill>
+                <a:effectLst/>
+                <a:latin typeface="M+ 1c light" panose="020B0403020204020204" pitchFamily="50" charset="-128"/>
+                <a:ea typeface="M+ 1c light" panose="020B0403020204020204" pitchFamily="50" charset="-128"/>
+                <a:cs typeface="M+ 1c light" panose="020B0403020204020204" pitchFamily="50" charset="-128"/>
+              </a:rPr>
+              <a:t>"utf-8"</a:t>
+            </a:r>
+            <a:r>
+              <a:rPr kumimoji="0" lang="ja-JP" altLang="ja-JP" sz="1400" b="0" i="0" u="none" strike="noStrike" cap="none" normalizeH="0" baseline="0" dirty="0">
+                <a:ln>
+                  <a:noFill/>
+                </a:ln>
+                <a:solidFill>
+                  <a:srgbClr val="24292E"/>
+                </a:solidFill>
+                <a:effectLst/>
+                <a:latin typeface="M+ 1c light" panose="020B0403020204020204" pitchFamily="50" charset="-128"/>
+                <a:ea typeface="M+ 1c light" panose="020B0403020204020204" pitchFamily="50" charset="-128"/>
+                <a:cs typeface="M+ 1c light" panose="020B0403020204020204" pitchFamily="50" charset="-128"/>
+              </a:rPr>
+              <a:t> ?&gt; </a:t>
+            </a:r>
+            <a:endParaRPr kumimoji="0" lang="en-US" altLang="ja-JP" sz="1400" b="0" i="0" u="none" strike="noStrike" cap="none" normalizeH="0" baseline="0" dirty="0">
+              <a:ln>
+                <a:noFill/>
+              </a:ln>
+              <a:solidFill>
+                <a:srgbClr val="24292E"/>
+              </a:solidFill>
+              <a:effectLst/>
+              <a:latin typeface="M+ 1c light" panose="020B0403020204020204" pitchFamily="50" charset="-128"/>
+              <a:ea typeface="M+ 1c light" panose="020B0403020204020204" pitchFamily="50" charset="-128"/>
+              <a:cs typeface="M+ 1c light" panose="020B0403020204020204" pitchFamily="50" charset="-128"/>
+            </a:endParaRPr>
+          </a:p>
+          <a:p>
+            <a:pPr marL="0" marR="0" lvl="0" indent="0" algn="l" defTabSz="914400" rtl="0" eaLnBrk="0" fontAlgn="base" latinLnBrk="0" hangingPunct="0">
+              <a:lnSpc>
+                <a:spcPct val="100000"/>
+              </a:lnSpc>
+              <a:spcBef>
+                <a:spcPct val="0"/>
+              </a:spcBef>
+              <a:spcAft>
+                <a:spcPct val="0"/>
+              </a:spcAft>
+              <a:buClrTx/>
+              <a:buSzTx/>
+              <a:buFontTx/>
+              <a:buNone/>
+              <a:tabLst/>
+            </a:pPr>
+            <a:r>
+              <a:rPr kumimoji="0" lang="ja-JP" altLang="ja-JP" sz="1400" b="0" i="0" u="none" strike="noStrike" cap="none" normalizeH="0" baseline="0" dirty="0">
+                <a:ln>
+                  <a:noFill/>
+                </a:ln>
+                <a:solidFill>
+                  <a:srgbClr val="24292E"/>
+                </a:solidFill>
+                <a:effectLst/>
+                <a:latin typeface="M+ 1c light" panose="020B0403020204020204" pitchFamily="50" charset="-128"/>
+                <a:ea typeface="M+ 1c light" panose="020B0403020204020204" pitchFamily="50" charset="-128"/>
+                <a:cs typeface="M+ 1c light" panose="020B0403020204020204" pitchFamily="50" charset="-128"/>
+              </a:rPr>
+              <a:t>&lt;</a:t>
+            </a:r>
+            <a:r>
+              <a:rPr kumimoji="0" lang="ja-JP" altLang="ja-JP" sz="1400" b="0" i="0" u="none" strike="noStrike" cap="none" normalizeH="0" baseline="0" dirty="0">
+                <a:ln>
+                  <a:noFill/>
+                </a:ln>
+                <a:solidFill>
+                  <a:srgbClr val="22863A"/>
+                </a:solidFill>
+                <a:effectLst/>
+                <a:latin typeface="M+ 1c light" panose="020B0403020204020204" pitchFamily="50" charset="-128"/>
+                <a:ea typeface="M+ 1c light" panose="020B0403020204020204" pitchFamily="50" charset="-128"/>
+                <a:cs typeface="M+ 1c light" panose="020B0403020204020204" pitchFamily="50" charset="-128"/>
+              </a:rPr>
+              <a:t>ContentPage</a:t>
+            </a:r>
+            <a:r>
+              <a:rPr kumimoji="0" lang="ja-JP" altLang="ja-JP" sz="1400" b="0" i="0" u="none" strike="noStrike" cap="none" normalizeH="0" baseline="0" dirty="0">
+                <a:ln>
+                  <a:noFill/>
+                </a:ln>
+                <a:solidFill>
+                  <a:srgbClr val="24292E"/>
+                </a:solidFill>
+                <a:effectLst/>
+                <a:latin typeface="M+ 1c light" panose="020B0403020204020204" pitchFamily="50" charset="-128"/>
+                <a:ea typeface="M+ 1c light" panose="020B0403020204020204" pitchFamily="50" charset="-128"/>
+                <a:cs typeface="M+ 1c light" panose="020B0403020204020204" pitchFamily="50" charset="-128"/>
+              </a:rPr>
+              <a:t> </a:t>
+            </a:r>
+            <a:r>
+              <a:rPr kumimoji="0" lang="ja-JP" altLang="ja-JP" sz="1400" b="0" i="0" u="none" strike="noStrike" cap="none" normalizeH="0" baseline="0" dirty="0" err="1">
+                <a:ln>
+                  <a:noFill/>
+                </a:ln>
+                <a:solidFill>
+                  <a:srgbClr val="24292E"/>
+                </a:solidFill>
+                <a:effectLst/>
+                <a:latin typeface="M+ 1c light" panose="020B0403020204020204" pitchFamily="50" charset="-128"/>
+                <a:ea typeface="M+ 1c light" panose="020B0403020204020204" pitchFamily="50" charset="-128"/>
+                <a:cs typeface="M+ 1c light" panose="020B0403020204020204" pitchFamily="50" charset="-128"/>
+              </a:rPr>
+              <a:t>...</a:t>
+            </a:r>
+            <a:r>
+              <a:rPr kumimoji="0" lang="ja-JP" altLang="ja-JP" sz="1400" b="0" i="0" u="none" strike="noStrike" cap="none" normalizeH="0" baseline="0" dirty="0">
+                <a:ln>
+                  <a:noFill/>
+                </a:ln>
+                <a:solidFill>
+                  <a:srgbClr val="24292E"/>
+                </a:solidFill>
+                <a:effectLst/>
+                <a:latin typeface="M+ 1c light" panose="020B0403020204020204" pitchFamily="50" charset="-128"/>
+                <a:ea typeface="M+ 1c light" panose="020B0403020204020204" pitchFamily="50" charset="-128"/>
+                <a:cs typeface="M+ 1c light" panose="020B0403020204020204" pitchFamily="50" charset="-128"/>
+              </a:rPr>
+              <a:t>&gt;</a:t>
+            </a:r>
+            <a:endParaRPr kumimoji="0" lang="en-US" altLang="ja-JP" sz="1400" b="0" i="0" u="none" strike="noStrike" cap="none" normalizeH="0" baseline="0" dirty="0">
+              <a:ln>
+                <a:noFill/>
+              </a:ln>
+              <a:solidFill>
+                <a:srgbClr val="24292E"/>
+              </a:solidFill>
+              <a:effectLst/>
+              <a:latin typeface="M+ 1c light" panose="020B0403020204020204" pitchFamily="50" charset="-128"/>
+              <a:ea typeface="M+ 1c light" panose="020B0403020204020204" pitchFamily="50" charset="-128"/>
+              <a:cs typeface="M+ 1c light" panose="020B0403020204020204" pitchFamily="50" charset="-128"/>
+            </a:endParaRPr>
+          </a:p>
+          <a:p>
+            <a:pPr marL="0" marR="0" lvl="0" indent="0" algn="l" defTabSz="914400" rtl="0" eaLnBrk="0" fontAlgn="base" latinLnBrk="0" hangingPunct="0">
+              <a:lnSpc>
+                <a:spcPct val="100000"/>
+              </a:lnSpc>
+              <a:spcBef>
+                <a:spcPct val="0"/>
+              </a:spcBef>
+              <a:spcAft>
+                <a:spcPct val="0"/>
+              </a:spcAft>
+              <a:buClrTx/>
+              <a:buSzTx/>
+              <a:buFontTx/>
+              <a:buNone/>
+              <a:tabLst/>
+            </a:pPr>
+            <a:r>
+              <a:rPr kumimoji="0" lang="en-US" altLang="ja-JP" sz="1400" dirty="0">
+                <a:solidFill>
+                  <a:srgbClr val="24292E"/>
+                </a:solidFill>
+                <a:latin typeface="M+ 1c light" panose="020B0403020204020204" pitchFamily="50" charset="-128"/>
+                <a:ea typeface="M+ 1c light" panose="020B0403020204020204" pitchFamily="50" charset="-128"/>
+                <a:cs typeface="M+ 1c light" panose="020B0403020204020204" pitchFamily="50" charset="-128"/>
+              </a:rPr>
+              <a:t>    </a:t>
+            </a:r>
+            <a:r>
+              <a:rPr kumimoji="0" lang="ja-JP" altLang="ja-JP" sz="1400" b="0" i="0" u="none" strike="noStrike" cap="none" normalizeH="0" baseline="0" dirty="0">
+                <a:ln>
+                  <a:noFill/>
+                </a:ln>
+                <a:solidFill>
+                  <a:srgbClr val="24292E"/>
+                </a:solidFill>
+                <a:effectLst/>
+                <a:latin typeface="M+ 1c light" panose="020B0403020204020204" pitchFamily="50" charset="-128"/>
+                <a:ea typeface="M+ 1c light" panose="020B0403020204020204" pitchFamily="50" charset="-128"/>
+                <a:cs typeface="M+ 1c light" panose="020B0403020204020204" pitchFamily="50" charset="-128"/>
+              </a:rPr>
+              <a:t>&lt;</a:t>
+            </a:r>
+            <a:r>
+              <a:rPr kumimoji="0" lang="ja-JP" altLang="ja-JP" sz="1400" b="0" i="0" u="none" strike="noStrike" cap="none" normalizeH="0" baseline="0" dirty="0">
+                <a:ln>
+                  <a:noFill/>
+                </a:ln>
+                <a:solidFill>
+                  <a:srgbClr val="22863A"/>
+                </a:solidFill>
+                <a:effectLst/>
+                <a:latin typeface="M+ 1c light" panose="020B0403020204020204" pitchFamily="50" charset="-128"/>
+                <a:ea typeface="M+ 1c light" panose="020B0403020204020204" pitchFamily="50" charset="-128"/>
+                <a:cs typeface="M+ 1c light" panose="020B0403020204020204" pitchFamily="50" charset="-128"/>
+              </a:rPr>
+              <a:t>ContentPage</a:t>
+            </a:r>
+            <a:r>
+              <a:rPr kumimoji="0" lang="ja-JP" altLang="ja-JP" sz="1400" b="0" i="0" u="none" strike="noStrike" cap="none" normalizeH="0" baseline="0" dirty="0">
+                <a:ln>
+                  <a:noFill/>
+                </a:ln>
+                <a:solidFill>
+                  <a:srgbClr val="24292E"/>
+                </a:solidFill>
+                <a:effectLst/>
+                <a:latin typeface="M+ 1c light" panose="020B0403020204020204" pitchFamily="50" charset="-128"/>
+                <a:ea typeface="M+ 1c light" panose="020B0403020204020204" pitchFamily="50" charset="-128"/>
+                <a:cs typeface="M+ 1c light" panose="020B0403020204020204" pitchFamily="50" charset="-128"/>
+              </a:rPr>
+              <a:t>.Behaviors&gt; </a:t>
+            </a:r>
+            <a:endParaRPr kumimoji="0" lang="en-US" altLang="ja-JP" sz="1400" b="0" i="0" u="none" strike="noStrike" cap="none" normalizeH="0" baseline="0" dirty="0">
+              <a:ln>
+                <a:noFill/>
+              </a:ln>
+              <a:solidFill>
+                <a:srgbClr val="24292E"/>
+              </a:solidFill>
+              <a:effectLst/>
+              <a:latin typeface="M+ 1c light" panose="020B0403020204020204" pitchFamily="50" charset="-128"/>
+              <a:ea typeface="M+ 1c light" panose="020B0403020204020204" pitchFamily="50" charset="-128"/>
+              <a:cs typeface="M+ 1c light" panose="020B0403020204020204" pitchFamily="50" charset="-128"/>
+            </a:endParaRPr>
+          </a:p>
+          <a:p>
+            <a:pPr marL="0" marR="0" lvl="0" indent="0" algn="l" defTabSz="914400" rtl="0" eaLnBrk="0" fontAlgn="base" latinLnBrk="0" hangingPunct="0">
+              <a:lnSpc>
+                <a:spcPct val="100000"/>
+              </a:lnSpc>
+              <a:spcBef>
+                <a:spcPct val="0"/>
+              </a:spcBef>
+              <a:spcAft>
+                <a:spcPct val="0"/>
+              </a:spcAft>
+              <a:buClrTx/>
+              <a:buSzTx/>
+              <a:buFontTx/>
+              <a:buNone/>
+              <a:tabLst/>
+            </a:pPr>
+            <a:r>
+              <a:rPr kumimoji="0" lang="en-US" altLang="ja-JP" sz="1400" b="0" i="0" u="none" strike="noStrike" cap="none" normalizeH="0" baseline="0" dirty="0">
+                <a:ln>
+                  <a:noFill/>
+                </a:ln>
+                <a:solidFill>
+                  <a:srgbClr val="24292E"/>
+                </a:solidFill>
+                <a:effectLst/>
+                <a:latin typeface="M+ 1c light" panose="020B0403020204020204" pitchFamily="50" charset="-128"/>
+                <a:ea typeface="M+ 1c light" panose="020B0403020204020204" pitchFamily="50" charset="-128"/>
+                <a:cs typeface="M+ 1c light" panose="020B0403020204020204" pitchFamily="50" charset="-128"/>
+              </a:rPr>
+              <a:t> </a:t>
+            </a:r>
+            <a:r>
+              <a:rPr kumimoji="0" lang="ja-JP" altLang="ja-JP" sz="1400" b="0" i="0" u="none" strike="noStrike" cap="none" normalizeH="0" baseline="0" dirty="0">
+                <a:ln>
+                  <a:noFill/>
+                </a:ln>
+                <a:solidFill>
+                  <a:srgbClr val="24292E"/>
+                </a:solidFill>
+                <a:effectLst/>
+                <a:latin typeface="M+ 1c light" panose="020B0403020204020204" pitchFamily="50" charset="-128"/>
+                <a:ea typeface="M+ 1c light" panose="020B0403020204020204" pitchFamily="50" charset="-128"/>
+                <a:cs typeface="M+ 1c light" panose="020B0403020204020204" pitchFamily="50" charset="-128"/>
+              </a:rPr>
+              <a:t>       &lt;</a:t>
+            </a:r>
+            <a:r>
+              <a:rPr kumimoji="0" lang="ja-JP" altLang="ja-JP" sz="1400" b="0" i="0" u="none" strike="noStrike" cap="none" normalizeH="0" baseline="0" dirty="0">
+                <a:ln>
+                  <a:noFill/>
+                </a:ln>
+                <a:solidFill>
+                  <a:srgbClr val="22863A"/>
+                </a:solidFill>
+                <a:effectLst/>
+                <a:latin typeface="M+ 1c light" panose="020B0403020204020204" pitchFamily="50" charset="-128"/>
+                <a:ea typeface="M+ 1c light" panose="020B0403020204020204" pitchFamily="50" charset="-128"/>
+                <a:cs typeface="M+ 1c light" panose="020B0403020204020204" pitchFamily="50" charset="-128"/>
+              </a:rPr>
+              <a:t>mvvm:PushModalAsync</a:t>
+            </a:r>
+            <a:r>
+              <a:rPr kumimoji="0" lang="ja-JP" altLang="ja-JP" sz="1400" b="0" i="0" u="none" strike="noStrike" cap="none" normalizeH="0" baseline="0" dirty="0">
+                <a:ln>
+                  <a:noFill/>
+                </a:ln>
+                <a:solidFill>
+                  <a:srgbClr val="24292E"/>
+                </a:solidFill>
+                <a:effectLst/>
+                <a:latin typeface="M+ 1c light" panose="020B0403020204020204" pitchFamily="50" charset="-128"/>
+                <a:ea typeface="M+ 1c light" panose="020B0403020204020204" pitchFamily="50" charset="-128"/>
+                <a:cs typeface="M+ 1c light" panose="020B0403020204020204" pitchFamily="50" charset="-128"/>
+              </a:rPr>
+              <a:t> </a:t>
+            </a:r>
+            <a:r>
+              <a:rPr kumimoji="0" lang="ja-JP" altLang="ja-JP" sz="1400" b="0" i="0" u="none" strike="noStrike" cap="none" normalizeH="0" baseline="0" dirty="0">
+                <a:ln>
+                  <a:noFill/>
+                </a:ln>
+                <a:solidFill>
+                  <a:srgbClr val="6F42C1"/>
+                </a:solidFill>
+                <a:effectLst/>
+                <a:latin typeface="M+ 1c light" panose="020B0403020204020204" pitchFamily="50" charset="-128"/>
+                <a:ea typeface="M+ 1c light" panose="020B0403020204020204" pitchFamily="50" charset="-128"/>
+                <a:cs typeface="M+ 1c light" panose="020B0403020204020204" pitchFamily="50" charset="-128"/>
+              </a:rPr>
+              <a:t>Request</a:t>
+            </a:r>
+            <a:r>
+              <a:rPr kumimoji="0" lang="ja-JP" altLang="ja-JP" sz="1400" b="0" i="0" u="none" strike="noStrike" cap="none" normalizeH="0" baseline="0" dirty="0">
+                <a:ln>
+                  <a:noFill/>
+                </a:ln>
+                <a:solidFill>
+                  <a:srgbClr val="24292E"/>
+                </a:solidFill>
+                <a:effectLst/>
+                <a:latin typeface="M+ 1c light" panose="020B0403020204020204" pitchFamily="50" charset="-128"/>
+                <a:ea typeface="M+ 1c light" panose="020B0403020204020204" pitchFamily="50" charset="-128"/>
+                <a:cs typeface="M+ 1c light" panose="020B0403020204020204" pitchFamily="50" charset="-128"/>
+              </a:rPr>
+              <a:t>=</a:t>
+            </a:r>
+            <a:r>
+              <a:rPr kumimoji="0" lang="ja-JP" altLang="ja-JP" sz="1400" b="0" i="0" u="none" strike="noStrike" cap="none" normalizeH="0" baseline="0" dirty="0">
+                <a:ln>
+                  <a:noFill/>
+                </a:ln>
+                <a:solidFill>
+                  <a:srgbClr val="032F62"/>
+                </a:solidFill>
+                <a:effectLst/>
+                <a:latin typeface="M+ 1c light" panose="020B0403020204020204" pitchFamily="50" charset="-128"/>
+                <a:ea typeface="M+ 1c light" panose="020B0403020204020204" pitchFamily="50" charset="-128"/>
+                <a:cs typeface="M+ 1c light" panose="020B0403020204020204" pitchFamily="50" charset="-128"/>
+              </a:rPr>
+              <a:t>"{Binding RequestSecondPage}"</a:t>
+            </a:r>
+            <a:r>
+              <a:rPr kumimoji="0" lang="ja-JP" altLang="ja-JP" sz="1400" b="0" i="0" u="none" strike="noStrike" cap="none" normalizeH="0" baseline="0" dirty="0">
+                <a:ln>
+                  <a:noFill/>
+                </a:ln>
+                <a:solidFill>
+                  <a:srgbClr val="24292E"/>
+                </a:solidFill>
+                <a:effectLst/>
+                <a:latin typeface="M+ 1c light" panose="020B0403020204020204" pitchFamily="50" charset="-128"/>
+                <a:ea typeface="M+ 1c light" panose="020B0403020204020204" pitchFamily="50" charset="-128"/>
+                <a:cs typeface="M+ 1c light" panose="020B0403020204020204" pitchFamily="50" charset="-128"/>
+              </a:rPr>
+              <a:t> </a:t>
+            </a:r>
+            <a:r>
+              <a:rPr kumimoji="0" lang="ja-JP" altLang="ja-JP" sz="1400" b="0" i="0" u="none" strike="noStrike" cap="none" normalizeH="0" baseline="0" dirty="0">
+                <a:ln>
+                  <a:noFill/>
+                </a:ln>
+                <a:solidFill>
+                  <a:srgbClr val="6F42C1"/>
+                </a:solidFill>
+                <a:effectLst/>
+                <a:latin typeface="M+ 1c light" panose="020B0403020204020204" pitchFamily="50" charset="-128"/>
+                <a:ea typeface="M+ 1c light" panose="020B0403020204020204" pitchFamily="50" charset="-128"/>
+                <a:cs typeface="M+ 1c light" panose="020B0403020204020204" pitchFamily="50" charset="-128"/>
+              </a:rPr>
+              <a:t>x:TypeArguments</a:t>
+            </a:r>
+            <a:r>
+              <a:rPr kumimoji="0" lang="ja-JP" altLang="ja-JP" sz="1400" b="0" i="0" u="none" strike="noStrike" cap="none" normalizeH="0" baseline="0" dirty="0">
+                <a:ln>
+                  <a:noFill/>
+                </a:ln>
+                <a:solidFill>
+                  <a:srgbClr val="24292E"/>
+                </a:solidFill>
+                <a:effectLst/>
+                <a:latin typeface="M+ 1c light" panose="020B0403020204020204" pitchFamily="50" charset="-128"/>
+                <a:ea typeface="M+ 1c light" panose="020B0403020204020204" pitchFamily="50" charset="-128"/>
+                <a:cs typeface="M+ 1c light" panose="020B0403020204020204" pitchFamily="50" charset="-128"/>
+              </a:rPr>
+              <a:t>=</a:t>
+            </a:r>
+            <a:r>
+              <a:rPr kumimoji="0" lang="ja-JP" altLang="ja-JP" sz="1400" b="0" i="0" u="none" strike="noStrike" cap="none" normalizeH="0" baseline="0" dirty="0">
+                <a:ln>
+                  <a:noFill/>
+                </a:ln>
+                <a:solidFill>
+                  <a:srgbClr val="032F62"/>
+                </a:solidFill>
+                <a:effectLst/>
+                <a:latin typeface="M+ 1c light" panose="020B0403020204020204" pitchFamily="50" charset="-128"/>
+                <a:ea typeface="M+ 1c light" panose="020B0403020204020204" pitchFamily="50" charset="-128"/>
+                <a:cs typeface="M+ 1c light" panose="020B0403020204020204" pitchFamily="50" charset="-128"/>
+              </a:rPr>
+              <a:t>"views:SecondPage"</a:t>
+            </a:r>
+            <a:r>
+              <a:rPr kumimoji="0" lang="ja-JP" altLang="ja-JP" sz="1400" b="0" i="0" u="none" strike="noStrike" cap="none" normalizeH="0" baseline="0" dirty="0">
+                <a:ln>
+                  <a:noFill/>
+                </a:ln>
+                <a:solidFill>
+                  <a:srgbClr val="24292E"/>
+                </a:solidFill>
+                <a:effectLst/>
+                <a:latin typeface="M+ 1c light" panose="020B0403020204020204" pitchFamily="50" charset="-128"/>
+                <a:ea typeface="M+ 1c light" panose="020B0403020204020204" pitchFamily="50" charset="-128"/>
+                <a:cs typeface="M+ 1c light" panose="020B0403020204020204" pitchFamily="50" charset="-128"/>
+              </a:rPr>
+              <a:t>/&gt;</a:t>
+            </a:r>
+            <a:endParaRPr kumimoji="0" lang="en-US" altLang="ja-JP" sz="1400" b="0" i="0" u="none" strike="noStrike" cap="none" normalizeH="0" baseline="0" dirty="0">
+              <a:ln>
+                <a:noFill/>
+              </a:ln>
+              <a:solidFill>
+                <a:srgbClr val="24292E"/>
+              </a:solidFill>
+              <a:effectLst/>
+              <a:latin typeface="M+ 1c light" panose="020B0403020204020204" pitchFamily="50" charset="-128"/>
+              <a:ea typeface="M+ 1c light" panose="020B0403020204020204" pitchFamily="50" charset="-128"/>
+              <a:cs typeface="M+ 1c light" panose="020B0403020204020204" pitchFamily="50" charset="-128"/>
+            </a:endParaRPr>
+          </a:p>
+          <a:p>
+            <a:pPr marL="0" marR="0" lvl="0" indent="0" algn="l" defTabSz="914400" rtl="0" eaLnBrk="0" fontAlgn="base" latinLnBrk="0" hangingPunct="0">
+              <a:lnSpc>
+                <a:spcPct val="100000"/>
+              </a:lnSpc>
+              <a:spcBef>
+                <a:spcPct val="0"/>
+              </a:spcBef>
+              <a:spcAft>
+                <a:spcPct val="0"/>
+              </a:spcAft>
+              <a:buClrTx/>
+              <a:buSzTx/>
+              <a:buFontTx/>
+              <a:buNone/>
+              <a:tabLst/>
+            </a:pPr>
+            <a:r>
+              <a:rPr kumimoji="0" lang="en-US" altLang="ja-JP" sz="1400" dirty="0">
+                <a:solidFill>
+                  <a:srgbClr val="24292E"/>
+                </a:solidFill>
+                <a:latin typeface="M+ 1c light" panose="020B0403020204020204" pitchFamily="50" charset="-128"/>
+                <a:ea typeface="M+ 1c light" panose="020B0403020204020204" pitchFamily="50" charset="-128"/>
+                <a:cs typeface="M+ 1c light" panose="020B0403020204020204" pitchFamily="50" charset="-128"/>
+              </a:rPr>
+              <a:t>    </a:t>
+            </a:r>
+            <a:r>
+              <a:rPr kumimoji="0" lang="ja-JP" altLang="ja-JP" sz="1400" b="0" i="0" u="none" strike="noStrike" cap="none" normalizeH="0" baseline="0" dirty="0">
+                <a:ln>
+                  <a:noFill/>
+                </a:ln>
+                <a:solidFill>
+                  <a:srgbClr val="24292E"/>
+                </a:solidFill>
+                <a:effectLst/>
+                <a:latin typeface="M+ 1c light" panose="020B0403020204020204" pitchFamily="50" charset="-128"/>
+                <a:ea typeface="M+ 1c light" panose="020B0403020204020204" pitchFamily="50" charset="-128"/>
+                <a:cs typeface="M+ 1c light" panose="020B0403020204020204" pitchFamily="50" charset="-128"/>
+              </a:rPr>
+              <a:t>&lt;/</a:t>
+            </a:r>
+            <a:r>
+              <a:rPr kumimoji="0" lang="ja-JP" altLang="ja-JP" sz="1400" b="0" i="0" u="none" strike="noStrike" cap="none" normalizeH="0" baseline="0" dirty="0">
+                <a:ln>
+                  <a:noFill/>
+                </a:ln>
+                <a:solidFill>
+                  <a:srgbClr val="22863A"/>
+                </a:solidFill>
+                <a:effectLst/>
+                <a:latin typeface="M+ 1c light" panose="020B0403020204020204" pitchFamily="50" charset="-128"/>
+                <a:ea typeface="M+ 1c light" panose="020B0403020204020204" pitchFamily="50" charset="-128"/>
+                <a:cs typeface="M+ 1c light" panose="020B0403020204020204" pitchFamily="50" charset="-128"/>
+              </a:rPr>
+              <a:t>ContentPage</a:t>
+            </a:r>
+            <a:r>
+              <a:rPr kumimoji="0" lang="ja-JP" altLang="ja-JP" sz="1400" b="0" i="0" u="none" strike="noStrike" cap="none" normalizeH="0" baseline="0" dirty="0">
+                <a:ln>
+                  <a:noFill/>
+                </a:ln>
+                <a:solidFill>
+                  <a:srgbClr val="24292E"/>
+                </a:solidFill>
+                <a:effectLst/>
+                <a:latin typeface="M+ 1c light" panose="020B0403020204020204" pitchFamily="50" charset="-128"/>
+                <a:ea typeface="M+ 1c light" panose="020B0403020204020204" pitchFamily="50" charset="-128"/>
+                <a:cs typeface="M+ 1c light" panose="020B0403020204020204" pitchFamily="50" charset="-128"/>
+              </a:rPr>
+              <a:t>.Behaviors&gt; </a:t>
+            </a:r>
+            <a:endParaRPr kumimoji="0" lang="en-US" altLang="ja-JP" sz="1400" b="0" i="0" u="none" strike="noStrike" cap="none" normalizeH="0" baseline="0" dirty="0">
+              <a:ln>
+                <a:noFill/>
+              </a:ln>
+              <a:solidFill>
+                <a:srgbClr val="24292E"/>
+              </a:solidFill>
+              <a:effectLst/>
+              <a:latin typeface="M+ 1c light" panose="020B0403020204020204" pitchFamily="50" charset="-128"/>
+              <a:ea typeface="M+ 1c light" panose="020B0403020204020204" pitchFamily="50" charset="-128"/>
+              <a:cs typeface="M+ 1c light" panose="020B0403020204020204" pitchFamily="50" charset="-128"/>
+            </a:endParaRPr>
+          </a:p>
+          <a:p>
+            <a:pPr marL="0" marR="0" lvl="0" indent="0" algn="l" defTabSz="914400" rtl="0" eaLnBrk="0" fontAlgn="base" latinLnBrk="0" hangingPunct="0">
+              <a:lnSpc>
+                <a:spcPct val="100000"/>
+              </a:lnSpc>
+              <a:spcBef>
+                <a:spcPct val="0"/>
+              </a:spcBef>
+              <a:spcAft>
+                <a:spcPct val="0"/>
+              </a:spcAft>
+              <a:buClrTx/>
+              <a:buSzTx/>
+              <a:buFontTx/>
+              <a:buNone/>
+              <a:tabLst/>
+            </a:pPr>
+            <a:r>
+              <a:rPr kumimoji="0" lang="en-US" altLang="ja-JP" sz="1400" dirty="0">
+                <a:solidFill>
+                  <a:srgbClr val="24292E"/>
+                </a:solidFill>
+                <a:latin typeface="M+ 1c light" panose="020B0403020204020204" pitchFamily="50" charset="-128"/>
+                <a:ea typeface="M+ 1c light" panose="020B0403020204020204" pitchFamily="50" charset="-128"/>
+                <a:cs typeface="M+ 1c light" panose="020B0403020204020204" pitchFamily="50" charset="-128"/>
+              </a:rPr>
+              <a:t>    </a:t>
+            </a:r>
+            <a:r>
+              <a:rPr kumimoji="0" lang="ja-JP" altLang="ja-JP" sz="1400" b="0" i="0" u="none" strike="noStrike" cap="none" normalizeH="0" baseline="0" dirty="0">
+                <a:ln>
+                  <a:noFill/>
+                </a:ln>
+                <a:solidFill>
+                  <a:srgbClr val="24292E"/>
+                </a:solidFill>
+                <a:effectLst/>
+                <a:latin typeface="M+ 1c light" panose="020B0403020204020204" pitchFamily="50" charset="-128"/>
+                <a:ea typeface="M+ 1c light" panose="020B0403020204020204" pitchFamily="50" charset="-128"/>
+                <a:cs typeface="M+ 1c light" panose="020B0403020204020204" pitchFamily="50" charset="-128"/>
+              </a:rPr>
+              <a:t>&lt;</a:t>
+            </a:r>
+            <a:r>
+              <a:rPr kumimoji="0" lang="ja-JP" altLang="ja-JP" sz="1400" b="0" i="0" u="none" strike="noStrike" cap="none" normalizeH="0" baseline="0" dirty="0">
+                <a:ln>
+                  <a:noFill/>
+                </a:ln>
+                <a:solidFill>
+                  <a:srgbClr val="22863A"/>
+                </a:solidFill>
+                <a:effectLst/>
+                <a:latin typeface="M+ 1c light" panose="020B0403020204020204" pitchFamily="50" charset="-128"/>
+                <a:ea typeface="M+ 1c light" panose="020B0403020204020204" pitchFamily="50" charset="-128"/>
+                <a:cs typeface="M+ 1c light" panose="020B0403020204020204" pitchFamily="50" charset="-128"/>
+              </a:rPr>
+              <a:t>StackLayout</a:t>
+            </a:r>
+            <a:r>
+              <a:rPr kumimoji="0" lang="ja-JP" altLang="ja-JP" sz="1400" b="0" i="0" u="none" strike="noStrike" cap="none" normalizeH="0" baseline="0" dirty="0">
+                <a:ln>
+                  <a:noFill/>
+                </a:ln>
+                <a:solidFill>
+                  <a:srgbClr val="24292E"/>
+                </a:solidFill>
+                <a:effectLst/>
+                <a:latin typeface="M+ 1c light" panose="020B0403020204020204" pitchFamily="50" charset="-128"/>
+                <a:ea typeface="M+ 1c light" panose="020B0403020204020204" pitchFamily="50" charset="-128"/>
+                <a:cs typeface="M+ 1c light" panose="020B0403020204020204" pitchFamily="50" charset="-128"/>
+              </a:rPr>
+              <a:t>&gt; </a:t>
+            </a:r>
+            <a:endParaRPr kumimoji="0" lang="en-US" altLang="ja-JP" sz="1400" b="0" i="0" u="none" strike="noStrike" cap="none" normalizeH="0" baseline="0" dirty="0">
+              <a:ln>
+                <a:noFill/>
+              </a:ln>
+              <a:solidFill>
+                <a:srgbClr val="24292E"/>
+              </a:solidFill>
+              <a:effectLst/>
+              <a:latin typeface="M+ 1c light" panose="020B0403020204020204" pitchFamily="50" charset="-128"/>
+              <a:ea typeface="M+ 1c light" panose="020B0403020204020204" pitchFamily="50" charset="-128"/>
+              <a:cs typeface="M+ 1c light" panose="020B0403020204020204" pitchFamily="50" charset="-128"/>
+            </a:endParaRPr>
+          </a:p>
+          <a:p>
+            <a:pPr marL="0" marR="0" lvl="0" indent="0" algn="l" defTabSz="914400" rtl="0" eaLnBrk="0" fontAlgn="base" latinLnBrk="0" hangingPunct="0">
+              <a:lnSpc>
+                <a:spcPct val="100000"/>
+              </a:lnSpc>
+              <a:spcBef>
+                <a:spcPct val="0"/>
+              </a:spcBef>
+              <a:spcAft>
+                <a:spcPct val="0"/>
+              </a:spcAft>
+              <a:buClrTx/>
+              <a:buSzTx/>
+              <a:buFontTx/>
+              <a:buNone/>
+              <a:tabLst/>
+            </a:pPr>
+            <a:r>
+              <a:rPr kumimoji="0" lang="en-US" altLang="ja-JP" sz="1400" dirty="0">
+                <a:solidFill>
+                  <a:srgbClr val="24292E"/>
+                </a:solidFill>
+                <a:latin typeface="M+ 1c light" panose="020B0403020204020204" pitchFamily="50" charset="-128"/>
+                <a:ea typeface="M+ 1c light" panose="020B0403020204020204" pitchFamily="50" charset="-128"/>
+                <a:cs typeface="M+ 1c light" panose="020B0403020204020204" pitchFamily="50" charset="-128"/>
+              </a:rPr>
+              <a:t>        </a:t>
+            </a:r>
+            <a:r>
+              <a:rPr kumimoji="0" lang="ja-JP" altLang="ja-JP" sz="1400" b="0" i="0" u="none" strike="noStrike" cap="none" normalizeH="0" baseline="0" dirty="0">
+                <a:ln>
+                  <a:noFill/>
+                </a:ln>
+                <a:solidFill>
+                  <a:srgbClr val="24292E"/>
+                </a:solidFill>
+                <a:effectLst/>
+                <a:latin typeface="M+ 1c light" panose="020B0403020204020204" pitchFamily="50" charset="-128"/>
+                <a:ea typeface="M+ 1c light" panose="020B0403020204020204" pitchFamily="50" charset="-128"/>
+                <a:cs typeface="M+ 1c light" panose="020B0403020204020204" pitchFamily="50" charset="-128"/>
+              </a:rPr>
+              <a:t>&lt;</a:t>
+            </a:r>
+            <a:r>
+              <a:rPr kumimoji="0" lang="ja-JP" altLang="ja-JP" sz="1400" b="0" i="0" u="none" strike="noStrike" cap="none" normalizeH="0" baseline="0" dirty="0">
+                <a:ln>
+                  <a:noFill/>
+                </a:ln>
+                <a:solidFill>
+                  <a:srgbClr val="22863A"/>
+                </a:solidFill>
+                <a:effectLst/>
+                <a:latin typeface="M+ 1c light" panose="020B0403020204020204" pitchFamily="50" charset="-128"/>
+                <a:ea typeface="M+ 1c light" panose="020B0403020204020204" pitchFamily="50" charset="-128"/>
+                <a:cs typeface="M+ 1c light" panose="020B0403020204020204" pitchFamily="50" charset="-128"/>
+              </a:rPr>
+              <a:t>Button</a:t>
+            </a:r>
+            <a:r>
+              <a:rPr kumimoji="0" lang="ja-JP" altLang="ja-JP" sz="1400" b="0" i="0" u="none" strike="noStrike" cap="none" normalizeH="0" baseline="0" dirty="0">
+                <a:ln>
+                  <a:noFill/>
+                </a:ln>
+                <a:solidFill>
+                  <a:srgbClr val="24292E"/>
+                </a:solidFill>
+                <a:effectLst/>
+                <a:latin typeface="M+ 1c light" panose="020B0403020204020204" pitchFamily="50" charset="-128"/>
+                <a:ea typeface="M+ 1c light" panose="020B0403020204020204" pitchFamily="50" charset="-128"/>
+                <a:cs typeface="M+ 1c light" panose="020B0403020204020204" pitchFamily="50" charset="-128"/>
+              </a:rPr>
+              <a:t> </a:t>
+            </a:r>
+            <a:r>
+              <a:rPr kumimoji="0" lang="ja-JP" altLang="ja-JP" sz="1400" b="0" i="0" u="none" strike="noStrike" cap="none" normalizeH="0" baseline="0" dirty="0">
+                <a:ln>
+                  <a:noFill/>
+                </a:ln>
+                <a:solidFill>
+                  <a:srgbClr val="6F42C1"/>
+                </a:solidFill>
+                <a:effectLst/>
+                <a:latin typeface="M+ 1c light" panose="020B0403020204020204" pitchFamily="50" charset="-128"/>
+                <a:ea typeface="M+ 1c light" panose="020B0403020204020204" pitchFamily="50" charset="-128"/>
+                <a:cs typeface="M+ 1c light" panose="020B0403020204020204" pitchFamily="50" charset="-128"/>
+              </a:rPr>
+              <a:t>Text</a:t>
+            </a:r>
+            <a:r>
+              <a:rPr kumimoji="0" lang="ja-JP" altLang="ja-JP" sz="1400" b="0" i="0" u="none" strike="noStrike" cap="none" normalizeH="0" baseline="0" dirty="0">
+                <a:ln>
+                  <a:noFill/>
+                </a:ln>
+                <a:solidFill>
+                  <a:srgbClr val="24292E"/>
+                </a:solidFill>
+                <a:effectLst/>
+                <a:latin typeface="M+ 1c light" panose="020B0403020204020204" pitchFamily="50" charset="-128"/>
+                <a:ea typeface="M+ 1c light" panose="020B0403020204020204" pitchFamily="50" charset="-128"/>
+                <a:cs typeface="M+ 1c light" panose="020B0403020204020204" pitchFamily="50" charset="-128"/>
+              </a:rPr>
+              <a:t>=</a:t>
+            </a:r>
+            <a:r>
+              <a:rPr kumimoji="0" lang="ja-JP" altLang="ja-JP" sz="1400" b="0" i="0" u="none" strike="noStrike" cap="none" normalizeH="0" baseline="0" dirty="0">
+                <a:ln>
+                  <a:noFill/>
+                </a:ln>
+                <a:solidFill>
+                  <a:srgbClr val="032F62"/>
+                </a:solidFill>
+                <a:effectLst/>
+                <a:latin typeface="M+ 1c light" panose="020B0403020204020204" pitchFamily="50" charset="-128"/>
+                <a:ea typeface="M+ 1c light" panose="020B0403020204020204" pitchFamily="50" charset="-128"/>
+                <a:cs typeface="M+ 1c light" panose="020B0403020204020204" pitchFamily="50" charset="-128"/>
+              </a:rPr>
+              <a:t>"Navigate to Second"</a:t>
+            </a:r>
+            <a:r>
+              <a:rPr kumimoji="0" lang="ja-JP" altLang="ja-JP" sz="1400" b="0" i="0" u="none" strike="noStrike" cap="none" normalizeH="0" baseline="0" dirty="0">
+                <a:ln>
+                  <a:noFill/>
+                </a:ln>
+                <a:solidFill>
+                  <a:srgbClr val="24292E"/>
+                </a:solidFill>
+                <a:effectLst/>
+                <a:latin typeface="M+ 1c light" panose="020B0403020204020204" pitchFamily="50" charset="-128"/>
+                <a:ea typeface="M+ 1c light" panose="020B0403020204020204" pitchFamily="50" charset="-128"/>
+                <a:cs typeface="M+ 1c light" panose="020B0403020204020204" pitchFamily="50" charset="-128"/>
+              </a:rPr>
+              <a:t> </a:t>
+            </a:r>
+            <a:r>
+              <a:rPr kumimoji="0" lang="ja-JP" altLang="ja-JP" sz="1400" b="0" i="0" u="none" strike="noStrike" cap="none" normalizeH="0" baseline="0" dirty="0">
+                <a:ln>
+                  <a:noFill/>
+                </a:ln>
+                <a:solidFill>
+                  <a:srgbClr val="6F42C1"/>
+                </a:solidFill>
+                <a:effectLst/>
+                <a:latin typeface="M+ 1c light" panose="020B0403020204020204" pitchFamily="50" charset="-128"/>
+                <a:ea typeface="M+ 1c light" panose="020B0403020204020204" pitchFamily="50" charset="-128"/>
+                <a:cs typeface="M+ 1c light" panose="020B0403020204020204" pitchFamily="50" charset="-128"/>
+              </a:rPr>
+              <a:t>Command</a:t>
+            </a:r>
+            <a:r>
+              <a:rPr kumimoji="0" lang="ja-JP" altLang="ja-JP" sz="1400" b="0" i="0" u="none" strike="noStrike" cap="none" normalizeH="0" baseline="0" dirty="0">
+                <a:ln>
+                  <a:noFill/>
+                </a:ln>
+                <a:solidFill>
+                  <a:srgbClr val="24292E"/>
+                </a:solidFill>
+                <a:effectLst/>
+                <a:latin typeface="M+ 1c light" panose="020B0403020204020204" pitchFamily="50" charset="-128"/>
+                <a:ea typeface="M+ 1c light" panose="020B0403020204020204" pitchFamily="50" charset="-128"/>
+                <a:cs typeface="M+ 1c light" panose="020B0403020204020204" pitchFamily="50" charset="-128"/>
+              </a:rPr>
+              <a:t>=</a:t>
+            </a:r>
+            <a:r>
+              <a:rPr kumimoji="0" lang="ja-JP" altLang="ja-JP" sz="1400" b="0" i="0" u="none" strike="noStrike" cap="none" normalizeH="0" baseline="0" dirty="0">
+                <a:ln>
+                  <a:noFill/>
+                </a:ln>
+                <a:solidFill>
+                  <a:srgbClr val="032F62"/>
+                </a:solidFill>
+                <a:effectLst/>
+                <a:latin typeface="M+ 1c light" panose="020B0403020204020204" pitchFamily="50" charset="-128"/>
+                <a:ea typeface="M+ 1c light" panose="020B0403020204020204" pitchFamily="50" charset="-128"/>
+                <a:cs typeface="M+ 1c light" panose="020B0403020204020204" pitchFamily="50" charset="-128"/>
+              </a:rPr>
+              <a:t>"{Binding NavigateCommand}"</a:t>
+            </a:r>
+            <a:r>
+              <a:rPr kumimoji="0" lang="ja-JP" altLang="ja-JP" sz="1400" b="0" i="0" u="none" strike="noStrike" cap="none" normalizeH="0" baseline="0" dirty="0">
+                <a:ln>
+                  <a:noFill/>
+                </a:ln>
+                <a:solidFill>
+                  <a:srgbClr val="24292E"/>
+                </a:solidFill>
+                <a:effectLst/>
+                <a:latin typeface="M+ 1c light" panose="020B0403020204020204" pitchFamily="50" charset="-128"/>
+                <a:ea typeface="M+ 1c light" panose="020B0403020204020204" pitchFamily="50" charset="-128"/>
+                <a:cs typeface="M+ 1c light" panose="020B0403020204020204" pitchFamily="50" charset="-128"/>
+              </a:rPr>
+              <a:t>/&gt; </a:t>
+            </a:r>
+            <a:endParaRPr kumimoji="0" lang="en-US" altLang="ja-JP" sz="1400" b="0" i="0" u="none" strike="noStrike" cap="none" normalizeH="0" baseline="0" dirty="0">
+              <a:ln>
+                <a:noFill/>
+              </a:ln>
+              <a:solidFill>
+                <a:srgbClr val="24292E"/>
+              </a:solidFill>
+              <a:effectLst/>
+              <a:latin typeface="M+ 1c light" panose="020B0403020204020204" pitchFamily="50" charset="-128"/>
+              <a:ea typeface="M+ 1c light" panose="020B0403020204020204" pitchFamily="50" charset="-128"/>
+              <a:cs typeface="M+ 1c light" panose="020B0403020204020204" pitchFamily="50" charset="-128"/>
+            </a:endParaRPr>
+          </a:p>
+          <a:p>
+            <a:pPr marL="0" marR="0" lvl="0" indent="0" algn="l" defTabSz="914400" rtl="0" eaLnBrk="0" fontAlgn="base" latinLnBrk="0" hangingPunct="0">
+              <a:lnSpc>
+                <a:spcPct val="100000"/>
+              </a:lnSpc>
+              <a:spcBef>
+                <a:spcPct val="0"/>
+              </a:spcBef>
+              <a:spcAft>
+                <a:spcPct val="0"/>
+              </a:spcAft>
+              <a:buClrTx/>
+              <a:buSzTx/>
+              <a:buFontTx/>
+              <a:buNone/>
+              <a:tabLst/>
+            </a:pPr>
+            <a:r>
+              <a:rPr kumimoji="0" lang="en-US" altLang="ja-JP" sz="1400" dirty="0">
+                <a:solidFill>
+                  <a:srgbClr val="24292E"/>
+                </a:solidFill>
+                <a:latin typeface="M+ 1c light" panose="020B0403020204020204" pitchFamily="50" charset="-128"/>
+                <a:ea typeface="M+ 1c light" panose="020B0403020204020204" pitchFamily="50" charset="-128"/>
+                <a:cs typeface="M+ 1c light" panose="020B0403020204020204" pitchFamily="50" charset="-128"/>
+              </a:rPr>
+              <a:t>    </a:t>
+            </a:r>
+            <a:r>
+              <a:rPr kumimoji="0" lang="ja-JP" altLang="ja-JP" sz="1400" b="0" i="0" u="none" strike="noStrike" cap="none" normalizeH="0" baseline="0" dirty="0">
+                <a:ln>
+                  <a:noFill/>
+                </a:ln>
+                <a:solidFill>
+                  <a:srgbClr val="24292E"/>
+                </a:solidFill>
+                <a:effectLst/>
+                <a:latin typeface="M+ 1c light" panose="020B0403020204020204" pitchFamily="50" charset="-128"/>
+                <a:ea typeface="M+ 1c light" panose="020B0403020204020204" pitchFamily="50" charset="-128"/>
+                <a:cs typeface="M+ 1c light" panose="020B0403020204020204" pitchFamily="50" charset="-128"/>
+              </a:rPr>
+              <a:t>&lt;/</a:t>
+            </a:r>
+            <a:r>
+              <a:rPr kumimoji="0" lang="ja-JP" altLang="ja-JP" sz="1400" b="0" i="0" u="none" strike="noStrike" cap="none" normalizeH="0" baseline="0" dirty="0">
+                <a:ln>
+                  <a:noFill/>
+                </a:ln>
+                <a:solidFill>
+                  <a:srgbClr val="22863A"/>
+                </a:solidFill>
+                <a:effectLst/>
+                <a:latin typeface="M+ 1c light" panose="020B0403020204020204" pitchFamily="50" charset="-128"/>
+                <a:ea typeface="M+ 1c light" panose="020B0403020204020204" pitchFamily="50" charset="-128"/>
+                <a:cs typeface="M+ 1c light" panose="020B0403020204020204" pitchFamily="50" charset="-128"/>
+              </a:rPr>
+              <a:t>StackLayout</a:t>
+            </a:r>
+            <a:r>
+              <a:rPr kumimoji="0" lang="ja-JP" altLang="ja-JP" sz="1400" b="0" i="0" u="none" strike="noStrike" cap="none" normalizeH="0" baseline="0" dirty="0">
+                <a:ln>
+                  <a:noFill/>
+                </a:ln>
+                <a:solidFill>
+                  <a:srgbClr val="24292E"/>
+                </a:solidFill>
+                <a:effectLst/>
+                <a:latin typeface="M+ 1c light" panose="020B0403020204020204" pitchFamily="50" charset="-128"/>
+                <a:ea typeface="M+ 1c light" panose="020B0403020204020204" pitchFamily="50" charset="-128"/>
+                <a:cs typeface="M+ 1c light" panose="020B0403020204020204" pitchFamily="50" charset="-128"/>
+              </a:rPr>
+              <a:t>&gt; </a:t>
+            </a:r>
+            <a:endParaRPr kumimoji="0" lang="en-US" altLang="ja-JP" sz="1400" b="0" i="0" u="none" strike="noStrike" cap="none" normalizeH="0" baseline="0" dirty="0">
+              <a:ln>
+                <a:noFill/>
+              </a:ln>
+              <a:solidFill>
+                <a:srgbClr val="24292E"/>
+              </a:solidFill>
+              <a:effectLst/>
+              <a:latin typeface="M+ 1c light" panose="020B0403020204020204" pitchFamily="50" charset="-128"/>
+              <a:ea typeface="M+ 1c light" panose="020B0403020204020204" pitchFamily="50" charset="-128"/>
+              <a:cs typeface="M+ 1c light" panose="020B0403020204020204" pitchFamily="50" charset="-128"/>
+            </a:endParaRPr>
+          </a:p>
+          <a:p>
+            <a:pPr marL="0" marR="0" lvl="0" indent="0" algn="l" defTabSz="914400" rtl="0" eaLnBrk="0" fontAlgn="base" latinLnBrk="0" hangingPunct="0">
+              <a:lnSpc>
+                <a:spcPct val="100000"/>
+              </a:lnSpc>
+              <a:spcBef>
+                <a:spcPct val="0"/>
+              </a:spcBef>
+              <a:spcAft>
+                <a:spcPct val="0"/>
+              </a:spcAft>
+              <a:buClrTx/>
+              <a:buSzTx/>
+              <a:buFontTx/>
+              <a:buNone/>
+              <a:tabLst/>
+            </a:pPr>
+            <a:r>
+              <a:rPr kumimoji="0" lang="ja-JP" altLang="ja-JP" sz="1400" b="0" i="0" u="none" strike="noStrike" cap="none" normalizeH="0" baseline="0" dirty="0">
+                <a:ln>
+                  <a:noFill/>
+                </a:ln>
+                <a:solidFill>
+                  <a:srgbClr val="24292E"/>
+                </a:solidFill>
+                <a:effectLst/>
+                <a:latin typeface="M+ 1c light" panose="020B0403020204020204" pitchFamily="50" charset="-128"/>
+                <a:ea typeface="M+ 1c light" panose="020B0403020204020204" pitchFamily="50" charset="-128"/>
+                <a:cs typeface="M+ 1c light" panose="020B0403020204020204" pitchFamily="50" charset="-128"/>
+              </a:rPr>
+              <a:t>&lt;/</a:t>
+            </a:r>
+            <a:r>
+              <a:rPr kumimoji="0" lang="ja-JP" altLang="ja-JP" sz="1400" b="0" i="0" u="none" strike="noStrike" cap="none" normalizeH="0" baseline="0" dirty="0">
+                <a:ln>
+                  <a:noFill/>
+                </a:ln>
+                <a:solidFill>
+                  <a:srgbClr val="22863A"/>
+                </a:solidFill>
+                <a:effectLst/>
+                <a:latin typeface="M+ 1c light" panose="020B0403020204020204" pitchFamily="50" charset="-128"/>
+                <a:ea typeface="M+ 1c light" panose="020B0403020204020204" pitchFamily="50" charset="-128"/>
+                <a:cs typeface="M+ 1c light" panose="020B0403020204020204" pitchFamily="50" charset="-128"/>
+              </a:rPr>
+              <a:t>ContentPage</a:t>
+            </a:r>
+            <a:r>
+              <a:rPr kumimoji="0" lang="ja-JP" altLang="ja-JP" sz="1400" b="0" i="0" u="none" strike="noStrike" cap="none" normalizeH="0" baseline="0" dirty="0">
+                <a:ln>
+                  <a:noFill/>
+                </a:ln>
+                <a:solidFill>
+                  <a:srgbClr val="24292E"/>
+                </a:solidFill>
+                <a:effectLst/>
+                <a:latin typeface="M+ 1c light" panose="020B0403020204020204" pitchFamily="50" charset="-128"/>
+                <a:ea typeface="M+ 1c light" panose="020B0403020204020204" pitchFamily="50" charset="-128"/>
+                <a:cs typeface="M+ 1c light" panose="020B0403020204020204" pitchFamily="50" charset="-128"/>
+              </a:rPr>
+              <a:t>&gt;</a:t>
+            </a:r>
+            <a:r>
+              <a:rPr kumimoji="0" lang="ja-JP" altLang="ja-JP" sz="1400" b="0" i="0" u="none" strike="noStrike" cap="none" normalizeH="0" baseline="0" dirty="0">
+                <a:ln>
+                  <a:noFill/>
+                </a:ln>
+                <a:solidFill>
+                  <a:schemeClr val="tx1"/>
+                </a:solidFill>
+                <a:effectLst/>
+                <a:latin typeface="M+ 1c light" panose="020B0403020204020204" pitchFamily="50" charset="-128"/>
+                <a:ea typeface="M+ 1c light" panose="020B0403020204020204" pitchFamily="50" charset="-128"/>
+                <a:cs typeface="M+ 1c light" panose="020B0403020204020204" pitchFamily="50" charset="-128"/>
+              </a:rPr>
+              <a:t> </a:t>
+            </a:r>
+          </a:p>
+        </p:txBody>
+      </p:sp>
+    </p:spTree>
+    <p:extLst>
+      <p:ext uri="{BB962C8B-B14F-4D97-AF65-F5344CB8AC3E}">
+        <p14:creationId xmlns:p14="http://schemas.microsoft.com/office/powerpoint/2010/main" val="3529838796"/>
       </p:ext>
     </p:extLst>
   </p:cSld>
@@ -5101,4 +13167,299 @@
     </a:ext>
   </a:extLst>
 </a:theme>
+</file>
+
+<file path=ppt/theme/theme2.xml><?xml version="1.0" encoding="utf-8"?>
+<a:theme xmlns:a="http://schemas.openxmlformats.org/drawingml/2006/main" name="Office テーマ">
+  <a:themeElements>
+    <a:clrScheme name="Office">
+      <a:dk1>
+        <a:sysClr val="windowText" lastClr="000000"/>
+      </a:dk1>
+      <a:lt1>
+        <a:sysClr val="window" lastClr="FFFFFF"/>
+      </a:lt1>
+      <a:dk2>
+        <a:srgbClr val="44546A"/>
+      </a:dk2>
+      <a:lt2>
+        <a:srgbClr val="E7E6E6"/>
+      </a:lt2>
+      <a:accent1>
+        <a:srgbClr val="4472C4"/>
+      </a:accent1>
+      <a:accent2>
+        <a:srgbClr val="ED7D31"/>
+      </a:accent2>
+      <a:accent3>
+        <a:srgbClr val="A5A5A5"/>
+      </a:accent3>
+      <a:accent4>
+        <a:srgbClr val="FFC000"/>
+      </a:accent4>
+      <a:accent5>
+        <a:srgbClr val="5B9BD5"/>
+      </a:accent5>
+      <a:accent6>
+        <a:srgbClr val="70AD47"/>
+      </a:accent6>
+      <a:hlink>
+        <a:srgbClr val="0563C1"/>
+      </a:hlink>
+      <a:folHlink>
+        <a:srgbClr val="954F72"/>
+      </a:folHlink>
+    </a:clrScheme>
+    <a:fontScheme name="Office">
+      <a:majorFont>
+        <a:latin typeface="游ゴシック Light" panose="020F0302020204030204"/>
+        <a:ea typeface=""/>
+        <a:cs typeface=""/>
+        <a:font script="Jpan" typeface="游ゴシック Light"/>
+        <a:font script="Hang" typeface="맑은 고딕"/>
+        <a:font script="Hans" typeface="等线 Light"/>
+        <a:font script="Hant" typeface="新細明體"/>
+        <a:font script="Arab" typeface="Times New Roman"/>
+        <a:font script="Hebr" typeface="Times New Roman"/>
+        <a:font script="Thai" typeface="Angsana New"/>
+        <a:font script="Ethi" typeface="Nyala"/>
+        <a:font script="Beng" typeface="Vrinda"/>
+        <a:font script="Gujr" typeface="Shruti"/>
+        <a:font script="Khmr" typeface="MoolBoran"/>
+        <a:font script="Knda" typeface="Tunga"/>
+        <a:font script="Guru" typeface="Raavi"/>
+        <a:font script="Cans" typeface="Euphemia"/>
+        <a:font script="Cher" typeface="Plantagenet Cherokee"/>
+        <a:font script="Yiii" typeface="Microsoft Yi Baiti"/>
+        <a:font script="Tibt" typeface="Microsoft Himalaya"/>
+        <a:font script="Thaa" typeface="MV Boli"/>
+        <a:font script="Deva" typeface="Mangal"/>
+        <a:font script="Telu" typeface="Gautami"/>
+        <a:font script="Taml" typeface="Latha"/>
+        <a:font script="Syrc" typeface="Estrangelo Edessa"/>
+        <a:font script="Orya" typeface="Kalinga"/>
+        <a:font script="Mlym" typeface="Kartika"/>
+        <a:font script="Laoo" typeface="DokChampa"/>
+        <a:font script="Sinh" typeface="Iskoola Pota"/>
+        <a:font script="Mong" typeface="Mongolian Baiti"/>
+        <a:font script="Viet" typeface="Times New Roman"/>
+        <a:font script="Uigh" typeface="Microsoft Uighur"/>
+        <a:font script="Geor" typeface="Sylfaen"/>
+        <a:font script="Armn" typeface="Arial"/>
+        <a:font script="Bugi" typeface="Leelawadee UI"/>
+        <a:font script="Bopo" typeface="Microsoft JhengHei"/>
+        <a:font script="Java" typeface="Javanese Text"/>
+        <a:font script="Lisu" typeface="Segoe UI"/>
+        <a:font script="Mymr" typeface="Myanmar Text"/>
+        <a:font script="Nkoo" typeface="Ebrima"/>
+        <a:font script="Olck" typeface="Nirmala UI"/>
+        <a:font script="Osma" typeface="Ebrima"/>
+        <a:font script="Phag" typeface="Phagspa"/>
+        <a:font script="Syrn" typeface="Estrangelo Edessa"/>
+        <a:font script="Syrj" typeface="Estrangelo Edessa"/>
+        <a:font script="Syre" typeface="Estrangelo Edessa"/>
+        <a:font script="Sora" typeface="Nirmala UI"/>
+        <a:font script="Tale" typeface="Microsoft Tai Le"/>
+        <a:font script="Talu" typeface="Microsoft New Tai Lue"/>
+        <a:font script="Tfng" typeface="Ebrima"/>
+      </a:majorFont>
+      <a:minorFont>
+        <a:latin typeface="游ゴシック" panose="020F0502020204030204"/>
+        <a:ea typeface=""/>
+        <a:cs typeface=""/>
+        <a:font script="Jpan" typeface="游ゴシック"/>
+        <a:font script="Hang" typeface="맑은 고딕"/>
+        <a:font script="Hans" typeface="等线"/>
+        <a:font script="Hant" typeface="新細明體"/>
+        <a:font script="Arab" typeface="Arial"/>
+        <a:font script="Hebr" typeface="Arial"/>
+        <a:font script="Thai" typeface="Cordia New"/>
+        <a:font script="Ethi" typeface="Nyala"/>
+        <a:font script="Beng" typeface="Vrinda"/>
+        <a:font script="Gujr" typeface="Shruti"/>
+        <a:font script="Khmr" typeface="DaunPenh"/>
+        <a:font script="Knda" typeface="Tunga"/>
+        <a:font script="Guru" typeface="Raavi"/>
+        <a:font script="Cans" typeface="Euphemia"/>
+        <a:font script="Cher" typeface="Plantagenet Cherokee"/>
+        <a:font script="Yiii" typeface="Microsoft Yi Baiti"/>
+        <a:font script="Tibt" typeface="Microsoft Himalaya"/>
+        <a:font script="Thaa" typeface="MV Boli"/>
+        <a:font script="Deva" typeface="Mangal"/>
+        <a:font script="Telu" typeface="Gautami"/>
+        <a:font script="Taml" typeface="Latha"/>
+        <a:font script="Syrc" typeface="Estrangelo Edessa"/>
+        <a:font script="Orya" typeface="Kalinga"/>
+        <a:font script="Mlym" typeface="Kartika"/>
+        <a:font script="Laoo" typeface="DokChampa"/>
+        <a:font script="Sinh" typeface="Iskoola Pota"/>
+        <a:font script="Mong" typeface="Mongolian Baiti"/>
+        <a:font script="Viet" typeface="Arial"/>
+        <a:font script="Uigh" typeface="Microsoft Uighur"/>
+        <a:font script="Geor" typeface="Sylfaen"/>
+        <a:font script="Armn" typeface="Arial"/>
+        <a:font script="Bugi" typeface="Leelawadee UI"/>
+        <a:font script="Bopo" typeface="Microsoft JhengHei"/>
+        <a:font script="Java" typeface="Javanese Text"/>
+        <a:font script="Lisu" typeface="Segoe UI"/>
+        <a:font script="Mymr" typeface="Myanmar Text"/>
+        <a:font script="Nkoo" typeface="Ebrima"/>
+        <a:font script="Olck" typeface="Nirmala UI"/>
+        <a:font script="Osma" typeface="Ebrima"/>
+        <a:font script="Phag" typeface="Phagspa"/>
+        <a:font script="Syrn" typeface="Estrangelo Edessa"/>
+        <a:font script="Syrj" typeface="Estrangelo Edessa"/>
+        <a:font script="Syre" typeface="Estrangelo Edessa"/>
+        <a:font script="Sora" typeface="Nirmala UI"/>
+        <a:font script="Tale" typeface="Microsoft Tai Le"/>
+        <a:font script="Talu" typeface="Microsoft New Tai Lue"/>
+        <a:font script="Tfng" typeface="Ebrima"/>
+      </a:minorFont>
+    </a:fontScheme>
+    <a:fmtScheme name="Office">
+      <a:fillStyleLst>
+        <a:solidFill>
+          <a:schemeClr val="phClr"/>
+        </a:solidFill>
+        <a:gradFill rotWithShape="1">
+          <a:gsLst>
+            <a:gs pos="0">
+              <a:schemeClr val="phClr">
+                <a:lumMod val="110000"/>
+                <a:satMod val="105000"/>
+                <a:tint val="67000"/>
+              </a:schemeClr>
+            </a:gs>
+            <a:gs pos="50000">
+              <a:schemeClr val="phClr">
+                <a:lumMod val="105000"/>
+                <a:satMod val="103000"/>
+                <a:tint val="73000"/>
+              </a:schemeClr>
+            </a:gs>
+            <a:gs pos="100000">
+              <a:schemeClr val="phClr">
+                <a:lumMod val="105000"/>
+                <a:satMod val="109000"/>
+                <a:tint val="81000"/>
+              </a:schemeClr>
+            </a:gs>
+          </a:gsLst>
+          <a:lin ang="5400000" scaled="0"/>
+        </a:gradFill>
+        <a:gradFill rotWithShape="1">
+          <a:gsLst>
+            <a:gs pos="0">
+              <a:schemeClr val="phClr">
+                <a:satMod val="103000"/>
+                <a:lumMod val="102000"/>
+                <a:tint val="94000"/>
+              </a:schemeClr>
+            </a:gs>
+            <a:gs pos="50000">
+              <a:schemeClr val="phClr">
+                <a:satMod val="110000"/>
+                <a:lumMod val="100000"/>
+                <a:shade val="100000"/>
+              </a:schemeClr>
+            </a:gs>
+            <a:gs pos="100000">
+              <a:schemeClr val="phClr">
+                <a:lumMod val="99000"/>
+                <a:satMod val="120000"/>
+                <a:shade val="78000"/>
+              </a:schemeClr>
+            </a:gs>
+          </a:gsLst>
+          <a:lin ang="5400000" scaled="0"/>
+        </a:gradFill>
+      </a:fillStyleLst>
+      <a:lnStyleLst>
+        <a:ln w="6350" cap="flat" cmpd="sng" algn="ctr">
+          <a:solidFill>
+            <a:schemeClr val="phClr"/>
+          </a:solidFill>
+          <a:prstDash val="solid"/>
+          <a:miter lim="800000"/>
+        </a:ln>
+        <a:ln w="12700" cap="flat" cmpd="sng" algn="ctr">
+          <a:solidFill>
+            <a:schemeClr val="phClr"/>
+          </a:solidFill>
+          <a:prstDash val="solid"/>
+          <a:miter lim="800000"/>
+        </a:ln>
+        <a:ln w="19050" cap="flat" cmpd="sng" algn="ctr">
+          <a:solidFill>
+            <a:schemeClr val="phClr"/>
+          </a:solidFill>
+          <a:prstDash val="solid"/>
+          <a:miter lim="800000"/>
+        </a:ln>
+      </a:lnStyleLst>
+      <a:effectStyleLst>
+        <a:effectStyle>
+          <a:effectLst/>
+        </a:effectStyle>
+        <a:effectStyle>
+          <a:effectLst/>
+        </a:effectStyle>
+        <a:effectStyle>
+          <a:effectLst>
+            <a:outerShdw blurRad="57150" dist="19050" dir="5400000" algn="ctr" rotWithShape="0">
+              <a:srgbClr val="000000">
+                <a:alpha val="63000"/>
+              </a:srgbClr>
+            </a:outerShdw>
+          </a:effectLst>
+        </a:effectStyle>
+      </a:effectStyleLst>
+      <a:bgFillStyleLst>
+        <a:solidFill>
+          <a:schemeClr val="phClr"/>
+        </a:solidFill>
+        <a:solidFill>
+          <a:schemeClr val="phClr">
+            <a:tint val="95000"/>
+            <a:satMod val="170000"/>
+          </a:schemeClr>
+        </a:solidFill>
+        <a:gradFill rotWithShape="1">
+          <a:gsLst>
+            <a:gs pos="0">
+              <a:schemeClr val="phClr">
+                <a:tint val="93000"/>
+                <a:satMod val="150000"/>
+                <a:shade val="98000"/>
+                <a:lumMod val="102000"/>
+              </a:schemeClr>
+            </a:gs>
+            <a:gs pos="50000">
+              <a:schemeClr val="phClr">
+                <a:tint val="98000"/>
+                <a:satMod val="130000"/>
+                <a:shade val="90000"/>
+                <a:lumMod val="103000"/>
+              </a:schemeClr>
+            </a:gs>
+            <a:gs pos="100000">
+              <a:schemeClr val="phClr">
+                <a:shade val="63000"/>
+                <a:satMod val="120000"/>
+              </a:schemeClr>
+            </a:gs>
+          </a:gsLst>
+          <a:lin ang="5400000" scaled="0"/>
+        </a:gradFill>
+      </a:bgFillStyleLst>
+    </a:fmtScheme>
+  </a:themeElements>
+  <a:objectDefaults/>
+  <a:extraClrSchemeLst/>
+  <a:extLst>
+    <a:ext uri="{05A4C25C-085E-4340-85A3-A5531E510DB2}">
+      <thm15:themeFamily xmlns:thm15="http://schemas.microsoft.com/office/thememl/2012/main" name="Office Theme" id="{62F939B6-93AF-4DB8-9C6B-D6C7DFDC589F}" vid="{4A3C46E8-61CC-4603-A589-7422A47A8E4A}"/>
+    </a:ext>
+  </a:extLst>
+</a:theme>
 </file>
--- a/Document/KAMISHIBAI.pptx
+++ b/Document/KAMISHIBAI.pptx
@@ -5,13 +5,14 @@
     <p:sldMasterId id="2147483648" r:id="rId1"/>
   </p:sldMasterIdLst>
   <p:notesMasterIdLst>
-    <p:notesMasterId r:id="rId6"/>
+    <p:notesMasterId r:id="rId7"/>
   </p:notesMasterIdLst>
   <p:sldIdLst>
     <p:sldId id="256" r:id="rId2"/>
     <p:sldId id="257" r:id="rId3"/>
-    <p:sldId id="261" r:id="rId4"/>
-    <p:sldId id="262" r:id="rId5"/>
+    <p:sldId id="263" r:id="rId4"/>
+    <p:sldId id="261" r:id="rId5"/>
+    <p:sldId id="262" r:id="rId6"/>
   </p:sldIdLst>
   <p:sldSz cx="12192000" cy="6858000"/>
   <p:notesSz cx="6858000" cy="9144000"/>
@@ -6468,6 +6469,1219 @@
 </file>
 
 <file path=ppt/slides/slide3.xml><?xml version="1.0" encoding="utf-8"?>
+<p:sld xmlns:a="http://schemas.openxmlformats.org/drawingml/2006/main" xmlns:r="http://schemas.openxmlformats.org/officeDocument/2006/relationships" xmlns:p="http://schemas.openxmlformats.org/presentationml/2006/main">
+  <p:cSld>
+    <p:spTree>
+      <p:nvGrpSpPr>
+        <p:cNvPr id="1" name=""/>
+        <p:cNvGrpSpPr/>
+        <p:nvPr/>
+      </p:nvGrpSpPr>
+      <p:grpSpPr>
+        <a:xfrm>
+          <a:off x="0" y="0"/>
+          <a:ext cx="0" cy="0"/>
+          <a:chOff x="0" y="0"/>
+          <a:chExt cx="0" cy="0"/>
+        </a:xfrm>
+      </p:grpSpPr>
+      <p:sp>
+        <p:nvSpPr>
+          <p:cNvPr id="26" name="正方形/長方形 25">
+            <a:extLst>
+              <a:ext uri="{FF2B5EF4-FFF2-40B4-BE49-F238E27FC236}">
+                <a16:creationId xmlns:a16="http://schemas.microsoft.com/office/drawing/2014/main" id="{91A7D5FE-1977-42E9-8A82-84E56426F230}"/>
+              </a:ext>
+            </a:extLst>
+          </p:cNvPr>
+          <p:cNvSpPr/>
+          <p:nvPr/>
+        </p:nvSpPr>
+        <p:spPr>
+          <a:xfrm>
+            <a:off x="3093622" y="959305"/>
+            <a:ext cx="2802355" cy="4490287"/>
+          </a:xfrm>
+          <a:prstGeom prst="rect">
+            <a:avLst/>
+          </a:prstGeom>
+          <a:noFill/>
+          <a:ln w="6350">
+            <a:solidFill>
+              <a:schemeClr val="tx1"/>
+            </a:solidFill>
+            <a:prstDash val="dash"/>
+          </a:ln>
+        </p:spPr>
+        <p:style>
+          <a:lnRef idx="2">
+            <a:schemeClr val="accent1">
+              <a:shade val="50000"/>
+            </a:schemeClr>
+          </a:lnRef>
+          <a:fillRef idx="1">
+            <a:schemeClr val="accent1"/>
+          </a:fillRef>
+          <a:effectRef idx="0">
+            <a:schemeClr val="accent1"/>
+          </a:effectRef>
+          <a:fontRef idx="minor">
+            <a:schemeClr val="lt1"/>
+          </a:fontRef>
+        </p:style>
+        <p:txBody>
+          <a:bodyPr rtlCol="0" anchor="t"/>
+          <a:lstStyle/>
+          <a:p>
+            <a:pPr algn="ctr"/>
+            <a:r>
+              <a:rPr lang="en-US" altLang="ja-JP" dirty="0">
+                <a:solidFill>
+                  <a:schemeClr val="tx1"/>
+                </a:solidFill>
+                <a:latin typeface="M+ 1c light" panose="020B0403020204020204" pitchFamily="50" charset="-128"/>
+                <a:ea typeface="M+ 1c light" panose="020B0403020204020204" pitchFamily="50" charset="-128"/>
+                <a:cs typeface="M+ 1c light" panose="020B0403020204020204" pitchFamily="50" charset="-128"/>
+              </a:rPr>
+              <a:t>Forward Navigation</a:t>
+            </a:r>
+            <a:endParaRPr kumimoji="1" lang="ja-JP" altLang="en-US" dirty="0">
+              <a:solidFill>
+                <a:schemeClr val="tx1"/>
+              </a:solidFill>
+              <a:latin typeface="M+ 1c light" panose="020B0403020204020204" pitchFamily="50" charset="-128"/>
+              <a:ea typeface="M+ 1c light" panose="020B0403020204020204" pitchFamily="50" charset="-128"/>
+              <a:cs typeface="M+ 1c light" panose="020B0403020204020204" pitchFamily="50" charset="-128"/>
+            </a:endParaRPr>
+          </a:p>
+        </p:txBody>
+      </p:sp>
+      <p:grpSp>
+        <p:nvGrpSpPr>
+          <p:cNvPr id="37" name="グループ化 36">
+            <a:extLst>
+              <a:ext uri="{FF2B5EF4-FFF2-40B4-BE49-F238E27FC236}">
+                <a16:creationId xmlns:a16="http://schemas.microsoft.com/office/drawing/2014/main" id="{B5A5DDAB-098A-45BB-89DE-D5C0BF37A3F4}"/>
+              </a:ext>
+            </a:extLst>
+          </p:cNvPr>
+          <p:cNvGrpSpPr/>
+          <p:nvPr/>
+        </p:nvGrpSpPr>
+        <p:grpSpPr>
+          <a:xfrm>
+            <a:off x="3401969" y="3557376"/>
+            <a:ext cx="2204289" cy="1644314"/>
+            <a:chOff x="2094996" y="3457072"/>
+            <a:chExt cx="1887958" cy="1451812"/>
+          </a:xfrm>
+        </p:grpSpPr>
+        <p:sp>
+          <p:nvSpPr>
+            <p:cNvPr id="29" name="正方形/長方形 28">
+              <a:extLst>
+                <a:ext uri="{FF2B5EF4-FFF2-40B4-BE49-F238E27FC236}">
+                  <a16:creationId xmlns:a16="http://schemas.microsoft.com/office/drawing/2014/main" id="{64224B44-5198-4D88-9573-A9AA26F0206A}"/>
+                </a:ext>
+              </a:extLst>
+            </p:cNvPr>
+            <p:cNvSpPr/>
+            <p:nvPr/>
+          </p:nvSpPr>
+          <p:spPr>
+            <a:xfrm>
+              <a:off x="2094996" y="3457072"/>
+              <a:ext cx="1887958" cy="1451812"/>
+            </a:xfrm>
+            <a:prstGeom prst="rect">
+              <a:avLst/>
+            </a:prstGeom>
+            <a:noFill/>
+            <a:ln/>
+          </p:spPr>
+          <p:style>
+            <a:lnRef idx="2">
+              <a:schemeClr val="accent5"/>
+            </a:lnRef>
+            <a:fillRef idx="1">
+              <a:schemeClr val="lt1"/>
+            </a:fillRef>
+            <a:effectRef idx="0">
+              <a:schemeClr val="accent5"/>
+            </a:effectRef>
+            <a:fontRef idx="minor">
+              <a:schemeClr val="dk1"/>
+            </a:fontRef>
+          </p:style>
+          <p:txBody>
+            <a:bodyPr rtlCol="0" anchor="ctr"/>
+            <a:lstStyle/>
+            <a:p>
+              <a:pPr algn="ctr">
+                <a:lnSpc>
+                  <a:spcPct val="150000"/>
+                </a:lnSpc>
+              </a:pPr>
+              <a:r>
+                <a:rPr lang="en-US" altLang="ja-JP" sz="2400" dirty="0">
+                  <a:solidFill>
+                    <a:srgbClr val="002060"/>
+                  </a:solidFill>
+                  <a:latin typeface="M+ 1c light" panose="020B0403020204020204" pitchFamily="50" charset="-128"/>
+                  <a:ea typeface="M+ 1c light" panose="020B0403020204020204" pitchFamily="50" charset="-128"/>
+                  <a:cs typeface="M+ 1c light" panose="020B0403020204020204" pitchFamily="50" charset="-128"/>
+                </a:rPr>
+                <a:t>Page2</a:t>
+              </a:r>
+            </a:p>
+          </p:txBody>
+        </p:sp>
+        <p:sp>
+          <p:nvSpPr>
+            <p:cNvPr id="33" name="テキスト ボックス 32">
+              <a:extLst>
+                <a:ext uri="{FF2B5EF4-FFF2-40B4-BE49-F238E27FC236}">
+                  <a16:creationId xmlns:a16="http://schemas.microsoft.com/office/drawing/2014/main" id="{65A207C0-D1D2-4A82-B423-58FA80B0CC8C}"/>
+                </a:ext>
+              </a:extLst>
+            </p:cNvPr>
+            <p:cNvSpPr txBox="1"/>
+            <p:nvPr/>
+          </p:nvSpPr>
+          <p:spPr>
+            <a:xfrm>
+              <a:off x="2094996" y="3457072"/>
+              <a:ext cx="1370888" cy="738664"/>
+            </a:xfrm>
+            <a:prstGeom prst="rect">
+              <a:avLst/>
+            </a:prstGeom>
+            <a:noFill/>
+          </p:spPr>
+          <p:txBody>
+            <a:bodyPr wrap="none" rtlCol="0">
+              <a:spAutoFit/>
+            </a:bodyPr>
+            <a:lstStyle/>
+            <a:p>
+              <a:r>
+                <a:rPr lang="ja-JP" altLang="en-US" sz="1400" dirty="0">
+                  <a:solidFill>
+                    <a:srgbClr val="FF0000"/>
+                  </a:solidFill>
+                  <a:latin typeface="M+ 1c light" panose="020B0403020204020204" pitchFamily="50" charset="-128"/>
+                  <a:ea typeface="M+ 1c light" panose="020B0403020204020204" pitchFamily="50" charset="-128"/>
+                  <a:cs typeface="M+ 1c light" panose="020B0403020204020204" pitchFamily="50" charset="-128"/>
+                </a:rPr>
+                <a:t>① </a:t>
+              </a:r>
+              <a:r>
+                <a:rPr lang="en-US" altLang="ja-JP" sz="1400" dirty="0">
+                  <a:solidFill>
+                    <a:srgbClr val="FF0000"/>
+                  </a:solidFill>
+                  <a:latin typeface="M+ 1c light" panose="020B0403020204020204" pitchFamily="50" charset="-128"/>
+                  <a:ea typeface="M+ 1c light" panose="020B0403020204020204" pitchFamily="50" charset="-128"/>
+                  <a:cs typeface="M+ 1c light" panose="020B0403020204020204" pitchFamily="50" charset="-128"/>
+                </a:rPr>
+                <a:t>new</a:t>
+              </a:r>
+              <a:endParaRPr kumimoji="1" lang="en-US" altLang="ja-JP" sz="1400" dirty="0">
+                <a:solidFill>
+                  <a:srgbClr val="FF0000"/>
+                </a:solidFill>
+                <a:latin typeface="M+ 1c light" panose="020B0403020204020204" pitchFamily="50" charset="-128"/>
+                <a:ea typeface="M+ 1c light" panose="020B0403020204020204" pitchFamily="50" charset="-128"/>
+                <a:cs typeface="M+ 1c light" panose="020B0403020204020204" pitchFamily="50" charset="-128"/>
+              </a:endParaRPr>
+            </a:p>
+            <a:p>
+              <a:r>
+                <a:rPr kumimoji="1" lang="ja-JP" altLang="en-US" sz="1400" dirty="0">
+                  <a:solidFill>
+                    <a:srgbClr val="FF0000"/>
+                  </a:solidFill>
+                  <a:latin typeface="M+ 1c light" panose="020B0403020204020204" pitchFamily="50" charset="-128"/>
+                  <a:ea typeface="M+ 1c light" panose="020B0403020204020204" pitchFamily="50" charset="-128"/>
+                  <a:cs typeface="M+ 1c light" panose="020B0403020204020204" pitchFamily="50" charset="-128"/>
+                </a:rPr>
+                <a:t>② </a:t>
+              </a:r>
+              <a:r>
+                <a:rPr kumimoji="1" lang="en-US" altLang="ja-JP" sz="1400" dirty="0">
+                  <a:solidFill>
+                    <a:srgbClr val="FF0000"/>
+                  </a:solidFill>
+                  <a:latin typeface="M+ 1c light" panose="020B0403020204020204" pitchFamily="50" charset="-128"/>
+                  <a:ea typeface="M+ 1c light" panose="020B0403020204020204" pitchFamily="50" charset="-128"/>
+                  <a:cs typeface="M+ 1c light" panose="020B0403020204020204" pitchFamily="50" charset="-128"/>
+                </a:rPr>
+                <a:t>OnInitialize</a:t>
+              </a:r>
+            </a:p>
+            <a:p>
+              <a:r>
+                <a:rPr lang="ja-JP" altLang="en-US" sz="1400" dirty="0">
+                  <a:solidFill>
+                    <a:srgbClr val="FF0000"/>
+                  </a:solidFill>
+                  <a:latin typeface="M+ 1c light" panose="020B0403020204020204" pitchFamily="50" charset="-128"/>
+                  <a:ea typeface="M+ 1c light" panose="020B0403020204020204" pitchFamily="50" charset="-128"/>
+                  <a:cs typeface="M+ 1c light" panose="020B0403020204020204" pitchFamily="50" charset="-128"/>
+                </a:rPr>
+                <a:t>④ </a:t>
+              </a:r>
+              <a:r>
+                <a:rPr lang="en-US" altLang="ja-JP" sz="1400" dirty="0">
+                  <a:solidFill>
+                    <a:srgbClr val="FF0000"/>
+                  </a:solidFill>
+                  <a:latin typeface="M+ 1c light" panose="020B0403020204020204" pitchFamily="50" charset="-128"/>
+                  <a:ea typeface="M+ 1c light" panose="020B0403020204020204" pitchFamily="50" charset="-128"/>
+                  <a:cs typeface="M+ 1c light" panose="020B0403020204020204" pitchFamily="50" charset="-128"/>
+                </a:rPr>
+                <a:t>OnLoaded</a:t>
+              </a:r>
+              <a:endParaRPr kumimoji="1" lang="ja-JP" altLang="en-US" sz="1400" dirty="0">
+                <a:solidFill>
+                  <a:srgbClr val="FF0000"/>
+                </a:solidFill>
+                <a:latin typeface="M+ 1c light" panose="020B0403020204020204" pitchFamily="50" charset="-128"/>
+                <a:ea typeface="M+ 1c light" panose="020B0403020204020204" pitchFamily="50" charset="-128"/>
+                <a:cs typeface="M+ 1c light" panose="020B0403020204020204" pitchFamily="50" charset="-128"/>
+              </a:endParaRPr>
+            </a:p>
+          </p:txBody>
+        </p:sp>
+      </p:grpSp>
+      <p:cxnSp>
+        <p:nvCxnSpPr>
+          <p:cNvPr id="31" name="直線矢印コネクタ 30">
+            <a:extLst>
+              <a:ext uri="{FF2B5EF4-FFF2-40B4-BE49-F238E27FC236}">
+                <a16:creationId xmlns:a16="http://schemas.microsoft.com/office/drawing/2014/main" id="{68077DE2-2B30-4019-95A5-BAD7A2B494D5}"/>
+              </a:ext>
+            </a:extLst>
+          </p:cNvPr>
+          <p:cNvCxnSpPr>
+            <a:cxnSpLocks/>
+            <a:stCxn id="28" idx="2"/>
+            <a:endCxn id="29" idx="0"/>
+          </p:cNvCxnSpPr>
+          <p:nvPr/>
+        </p:nvCxnSpPr>
+        <p:spPr>
+          <a:xfrm>
+            <a:off x="4504114" y="3014199"/>
+            <a:ext cx="0" cy="543177"/>
+          </a:xfrm>
+          <a:prstGeom prst="straightConnector1">
+            <a:avLst/>
+          </a:prstGeom>
+          <a:ln w="9525">
+            <a:tailEnd type="triangle" w="lg" len="lg"/>
+          </a:ln>
+        </p:spPr>
+        <p:style>
+          <a:lnRef idx="1">
+            <a:schemeClr val="accent1"/>
+          </a:lnRef>
+          <a:fillRef idx="0">
+            <a:schemeClr val="accent1"/>
+          </a:fillRef>
+          <a:effectRef idx="0">
+            <a:schemeClr val="accent1"/>
+          </a:effectRef>
+          <a:fontRef idx="minor">
+            <a:schemeClr val="tx1"/>
+          </a:fontRef>
+        </p:style>
+      </p:cxnSp>
+      <p:sp>
+        <p:nvSpPr>
+          <p:cNvPr id="34" name="テキスト ボックス 33">
+            <a:extLst>
+              <a:ext uri="{FF2B5EF4-FFF2-40B4-BE49-F238E27FC236}">
+                <a16:creationId xmlns:a16="http://schemas.microsoft.com/office/drawing/2014/main" id="{52BCF789-D766-41EF-95C2-E7C6EDE6E0A6}"/>
+              </a:ext>
+            </a:extLst>
+          </p:cNvPr>
+          <p:cNvSpPr txBox="1"/>
+          <p:nvPr/>
+        </p:nvSpPr>
+        <p:spPr>
+          <a:xfrm>
+            <a:off x="4487407" y="3131899"/>
+            <a:ext cx="801823" cy="307777"/>
+          </a:xfrm>
+          <a:prstGeom prst="rect">
+            <a:avLst/>
+          </a:prstGeom>
+          <a:noFill/>
+        </p:spPr>
+        <p:txBody>
+          <a:bodyPr wrap="none" rtlCol="0">
+            <a:spAutoFit/>
+          </a:bodyPr>
+          <a:lstStyle/>
+          <a:p>
+            <a:r>
+              <a:rPr lang="ja-JP" altLang="en-US" sz="1400" dirty="0">
+                <a:solidFill>
+                  <a:srgbClr val="FF0000"/>
+                </a:solidFill>
+                <a:latin typeface="M+ 1c light" panose="020B0403020204020204" pitchFamily="50" charset="-128"/>
+                <a:ea typeface="M+ 1c light" panose="020B0403020204020204" pitchFamily="50" charset="-128"/>
+                <a:cs typeface="M+ 1c light" panose="020B0403020204020204" pitchFamily="50" charset="-128"/>
+              </a:rPr>
+              <a:t>③</a:t>
+            </a:r>
+            <a:r>
+              <a:rPr kumimoji="1" lang="ja-JP" altLang="en-US" sz="1400" dirty="0">
+                <a:solidFill>
+                  <a:srgbClr val="FF0000"/>
+                </a:solidFill>
+                <a:latin typeface="M+ 1c light" panose="020B0403020204020204" pitchFamily="50" charset="-128"/>
+                <a:ea typeface="M+ 1c light" panose="020B0403020204020204" pitchFamily="50" charset="-128"/>
+                <a:cs typeface="M+ 1c light" panose="020B0403020204020204" pitchFamily="50" charset="-128"/>
+              </a:rPr>
+              <a:t> </a:t>
+            </a:r>
+            <a:r>
+              <a:rPr kumimoji="1" lang="en-US" altLang="ja-JP" sz="1400" dirty="0">
+                <a:solidFill>
+                  <a:srgbClr val="FF0000"/>
+                </a:solidFill>
+                <a:latin typeface="M+ 1c light" panose="020B0403020204020204" pitchFamily="50" charset="-128"/>
+                <a:ea typeface="M+ 1c light" panose="020B0403020204020204" pitchFamily="50" charset="-128"/>
+                <a:cs typeface="M+ 1c light" panose="020B0403020204020204" pitchFamily="50" charset="-128"/>
+              </a:rPr>
+              <a:t>Push</a:t>
+            </a:r>
+            <a:endParaRPr kumimoji="1" lang="ja-JP" altLang="en-US" sz="1400" dirty="0">
+              <a:solidFill>
+                <a:srgbClr val="FF0000"/>
+              </a:solidFill>
+              <a:latin typeface="M+ 1c light" panose="020B0403020204020204" pitchFamily="50" charset="-128"/>
+              <a:ea typeface="M+ 1c light" panose="020B0403020204020204" pitchFamily="50" charset="-128"/>
+              <a:cs typeface="M+ 1c light" panose="020B0403020204020204" pitchFamily="50" charset="-128"/>
+            </a:endParaRPr>
+          </a:p>
+        </p:txBody>
+      </p:sp>
+      <p:grpSp>
+        <p:nvGrpSpPr>
+          <p:cNvPr id="38" name="グループ化 37">
+            <a:extLst>
+              <a:ext uri="{FF2B5EF4-FFF2-40B4-BE49-F238E27FC236}">
+                <a16:creationId xmlns:a16="http://schemas.microsoft.com/office/drawing/2014/main" id="{F4DD19B6-6324-43FA-BA69-D0467D7C0445}"/>
+              </a:ext>
+            </a:extLst>
+          </p:cNvPr>
+          <p:cNvGrpSpPr/>
+          <p:nvPr/>
+        </p:nvGrpSpPr>
+        <p:grpSpPr>
+          <a:xfrm>
+            <a:off x="3399924" y="1400466"/>
+            <a:ext cx="2204288" cy="1613733"/>
+            <a:chOff x="2094996" y="970548"/>
+            <a:chExt cx="1891469" cy="1187115"/>
+          </a:xfrm>
+        </p:grpSpPr>
+        <p:sp>
+          <p:nvSpPr>
+            <p:cNvPr id="28" name="正方形/長方形 27">
+              <a:extLst>
+                <a:ext uri="{FF2B5EF4-FFF2-40B4-BE49-F238E27FC236}">
+                  <a16:creationId xmlns:a16="http://schemas.microsoft.com/office/drawing/2014/main" id="{99F3F675-4868-46B6-B31C-FC195A51865E}"/>
+                </a:ext>
+              </a:extLst>
+            </p:cNvPr>
+            <p:cNvSpPr/>
+            <p:nvPr/>
+          </p:nvSpPr>
+          <p:spPr>
+            <a:xfrm>
+              <a:off x="2098507" y="970548"/>
+              <a:ext cx="1887958" cy="1187115"/>
+            </a:xfrm>
+            <a:prstGeom prst="rect">
+              <a:avLst/>
+            </a:prstGeom>
+            <a:noFill/>
+            <a:ln/>
+          </p:spPr>
+          <p:style>
+            <a:lnRef idx="2">
+              <a:schemeClr val="accent5"/>
+            </a:lnRef>
+            <a:fillRef idx="1">
+              <a:schemeClr val="lt1"/>
+            </a:fillRef>
+            <a:effectRef idx="0">
+              <a:schemeClr val="accent5"/>
+            </a:effectRef>
+            <a:fontRef idx="minor">
+              <a:schemeClr val="dk1"/>
+            </a:fontRef>
+          </p:style>
+          <p:txBody>
+            <a:bodyPr rtlCol="0" anchor="ctr"/>
+            <a:lstStyle/>
+            <a:p>
+              <a:pPr algn="ctr">
+                <a:lnSpc>
+                  <a:spcPct val="150000"/>
+                </a:lnSpc>
+              </a:pPr>
+              <a:r>
+                <a:rPr lang="en-US" altLang="ja-JP" sz="2400" dirty="0">
+                  <a:solidFill>
+                    <a:srgbClr val="002060"/>
+                  </a:solidFill>
+                  <a:latin typeface="M+ 1c light" panose="020B0403020204020204" pitchFamily="50" charset="-128"/>
+                  <a:ea typeface="M+ 1c light" panose="020B0403020204020204" pitchFamily="50" charset="-128"/>
+                  <a:cs typeface="M+ 1c light" panose="020B0403020204020204" pitchFamily="50" charset="-128"/>
+                </a:rPr>
+                <a:t>Page1</a:t>
+              </a:r>
+            </a:p>
+          </p:txBody>
+        </p:sp>
+        <p:sp>
+          <p:nvSpPr>
+            <p:cNvPr id="36" name="テキスト ボックス 35">
+              <a:extLst>
+                <a:ext uri="{FF2B5EF4-FFF2-40B4-BE49-F238E27FC236}">
+                  <a16:creationId xmlns:a16="http://schemas.microsoft.com/office/drawing/2014/main" id="{D97E5F6A-3896-4AB8-A469-41FF98681C20}"/>
+                </a:ext>
+              </a:extLst>
+            </p:cNvPr>
+            <p:cNvSpPr txBox="1"/>
+            <p:nvPr/>
+          </p:nvSpPr>
+          <p:spPr>
+            <a:xfrm>
+              <a:off x="2094996" y="970548"/>
+              <a:ext cx="1396536" cy="307777"/>
+            </a:xfrm>
+            <a:prstGeom prst="rect">
+              <a:avLst/>
+            </a:prstGeom>
+            <a:noFill/>
+          </p:spPr>
+          <p:txBody>
+            <a:bodyPr wrap="none" rtlCol="0">
+              <a:spAutoFit/>
+            </a:bodyPr>
+            <a:lstStyle/>
+            <a:p>
+              <a:r>
+                <a:rPr lang="ja-JP" altLang="en-US" sz="1400" dirty="0">
+                  <a:solidFill>
+                    <a:srgbClr val="FF0000"/>
+                  </a:solidFill>
+                  <a:latin typeface="M+ 1c light" panose="020B0403020204020204" pitchFamily="50" charset="-128"/>
+                  <a:ea typeface="M+ 1c light" panose="020B0403020204020204" pitchFamily="50" charset="-128"/>
+                  <a:cs typeface="M+ 1c light" panose="020B0403020204020204" pitchFamily="50" charset="-128"/>
+                </a:rPr>
+                <a:t>⑤</a:t>
+              </a:r>
+              <a:r>
+                <a:rPr kumimoji="1" lang="ja-JP" altLang="en-US" sz="1400" dirty="0">
+                  <a:solidFill>
+                    <a:srgbClr val="FF0000"/>
+                  </a:solidFill>
+                  <a:latin typeface="M+ 1c light" panose="020B0403020204020204" pitchFamily="50" charset="-128"/>
+                  <a:ea typeface="M+ 1c light" panose="020B0403020204020204" pitchFamily="50" charset="-128"/>
+                  <a:cs typeface="M+ 1c light" panose="020B0403020204020204" pitchFamily="50" charset="-128"/>
+                </a:rPr>
+                <a:t> </a:t>
+              </a:r>
+              <a:r>
+                <a:rPr kumimoji="1" lang="en-US" altLang="ja-JP" sz="1400" dirty="0">
+                  <a:solidFill>
+                    <a:srgbClr val="FF0000"/>
+                  </a:solidFill>
+                  <a:latin typeface="M+ 1c light" panose="020B0403020204020204" pitchFamily="50" charset="-128"/>
+                  <a:ea typeface="M+ 1c light" panose="020B0403020204020204" pitchFamily="50" charset="-128"/>
+                  <a:cs typeface="M+ 1c light" panose="020B0403020204020204" pitchFamily="50" charset="-128"/>
+                </a:rPr>
+                <a:t>OnUnloaded</a:t>
+              </a:r>
+              <a:endParaRPr kumimoji="1" lang="ja-JP" altLang="en-US" sz="1400" dirty="0">
+                <a:solidFill>
+                  <a:srgbClr val="FF0000"/>
+                </a:solidFill>
+                <a:latin typeface="M+ 1c light" panose="020B0403020204020204" pitchFamily="50" charset="-128"/>
+                <a:ea typeface="M+ 1c light" panose="020B0403020204020204" pitchFamily="50" charset="-128"/>
+                <a:cs typeface="M+ 1c light" panose="020B0403020204020204" pitchFamily="50" charset="-128"/>
+              </a:endParaRPr>
+            </a:p>
+          </p:txBody>
+        </p:sp>
+      </p:grpSp>
+      <p:sp>
+        <p:nvSpPr>
+          <p:cNvPr id="40" name="正方形/長方形 39">
+            <a:extLst>
+              <a:ext uri="{FF2B5EF4-FFF2-40B4-BE49-F238E27FC236}">
+                <a16:creationId xmlns:a16="http://schemas.microsoft.com/office/drawing/2014/main" id="{51B86ED7-EB8E-4818-97E6-F3E898100350}"/>
+              </a:ext>
+            </a:extLst>
+          </p:cNvPr>
+          <p:cNvSpPr/>
+          <p:nvPr/>
+        </p:nvSpPr>
+        <p:spPr>
+          <a:xfrm>
+            <a:off x="6281989" y="959305"/>
+            <a:ext cx="2795336" cy="4490287"/>
+          </a:xfrm>
+          <a:prstGeom prst="rect">
+            <a:avLst/>
+          </a:prstGeom>
+          <a:noFill/>
+          <a:ln w="6350">
+            <a:solidFill>
+              <a:schemeClr val="tx1"/>
+            </a:solidFill>
+            <a:prstDash val="dash"/>
+          </a:ln>
+        </p:spPr>
+        <p:style>
+          <a:lnRef idx="2">
+            <a:schemeClr val="accent1">
+              <a:shade val="50000"/>
+            </a:schemeClr>
+          </a:lnRef>
+          <a:fillRef idx="1">
+            <a:schemeClr val="accent1"/>
+          </a:fillRef>
+          <a:effectRef idx="0">
+            <a:schemeClr val="accent1"/>
+          </a:effectRef>
+          <a:fontRef idx="minor">
+            <a:schemeClr val="lt1"/>
+          </a:fontRef>
+        </p:style>
+        <p:txBody>
+          <a:bodyPr rtlCol="0" anchor="t"/>
+          <a:lstStyle/>
+          <a:p>
+            <a:pPr algn="ctr"/>
+            <a:r>
+              <a:rPr lang="en-US" altLang="ja-JP" dirty="0">
+                <a:solidFill>
+                  <a:schemeClr val="tx1"/>
+                </a:solidFill>
+                <a:latin typeface="M+ 1c light" panose="020B0403020204020204" pitchFamily="50" charset="-128"/>
+                <a:ea typeface="M+ 1c light" panose="020B0403020204020204" pitchFamily="50" charset="-128"/>
+                <a:cs typeface="M+ 1c light" panose="020B0403020204020204" pitchFamily="50" charset="-128"/>
+              </a:rPr>
+              <a:t>Backward Navigation</a:t>
+            </a:r>
+            <a:endParaRPr kumimoji="1" lang="ja-JP" altLang="en-US" dirty="0">
+              <a:solidFill>
+                <a:schemeClr val="tx1"/>
+              </a:solidFill>
+              <a:latin typeface="M+ 1c light" panose="020B0403020204020204" pitchFamily="50" charset="-128"/>
+              <a:ea typeface="M+ 1c light" panose="020B0403020204020204" pitchFamily="50" charset="-128"/>
+              <a:cs typeface="M+ 1c light" panose="020B0403020204020204" pitchFamily="50" charset="-128"/>
+            </a:endParaRPr>
+          </a:p>
+        </p:txBody>
+      </p:sp>
+      <p:grpSp>
+        <p:nvGrpSpPr>
+          <p:cNvPr id="41" name="グループ化 40">
+            <a:extLst>
+              <a:ext uri="{FF2B5EF4-FFF2-40B4-BE49-F238E27FC236}">
+                <a16:creationId xmlns:a16="http://schemas.microsoft.com/office/drawing/2014/main" id="{88C559DB-C481-4FD9-84B9-97B08CEFD1D7}"/>
+              </a:ext>
+            </a:extLst>
+          </p:cNvPr>
+          <p:cNvGrpSpPr/>
+          <p:nvPr/>
+        </p:nvGrpSpPr>
+        <p:grpSpPr>
+          <a:xfrm>
+            <a:off x="6593844" y="3557375"/>
+            <a:ext cx="2204289" cy="1644314"/>
+            <a:chOff x="2094996" y="3457072"/>
+            <a:chExt cx="1887958" cy="1451812"/>
+          </a:xfrm>
+        </p:grpSpPr>
+        <p:sp>
+          <p:nvSpPr>
+            <p:cNvPr id="42" name="正方形/長方形 41">
+              <a:extLst>
+                <a:ext uri="{FF2B5EF4-FFF2-40B4-BE49-F238E27FC236}">
+                  <a16:creationId xmlns:a16="http://schemas.microsoft.com/office/drawing/2014/main" id="{0ACDC586-CCA8-4CFF-BB3E-535DCA9FC97B}"/>
+                </a:ext>
+              </a:extLst>
+            </p:cNvPr>
+            <p:cNvSpPr/>
+            <p:nvPr/>
+          </p:nvSpPr>
+          <p:spPr>
+            <a:xfrm>
+              <a:off x="2094996" y="3457072"/>
+              <a:ext cx="1887958" cy="1451812"/>
+            </a:xfrm>
+            <a:prstGeom prst="rect">
+              <a:avLst/>
+            </a:prstGeom>
+            <a:noFill/>
+            <a:ln/>
+          </p:spPr>
+          <p:style>
+            <a:lnRef idx="2">
+              <a:schemeClr val="accent5"/>
+            </a:lnRef>
+            <a:fillRef idx="1">
+              <a:schemeClr val="lt1"/>
+            </a:fillRef>
+            <a:effectRef idx="0">
+              <a:schemeClr val="accent5"/>
+            </a:effectRef>
+            <a:fontRef idx="minor">
+              <a:schemeClr val="dk1"/>
+            </a:fontRef>
+          </p:style>
+          <p:txBody>
+            <a:bodyPr rtlCol="0" anchor="ctr"/>
+            <a:lstStyle/>
+            <a:p>
+              <a:pPr algn="ctr">
+                <a:lnSpc>
+                  <a:spcPct val="150000"/>
+                </a:lnSpc>
+              </a:pPr>
+              <a:r>
+                <a:rPr lang="en-US" altLang="ja-JP" sz="2400" dirty="0">
+                  <a:solidFill>
+                    <a:srgbClr val="002060"/>
+                  </a:solidFill>
+                  <a:latin typeface="M+ 1c light" panose="020B0403020204020204" pitchFamily="50" charset="-128"/>
+                  <a:ea typeface="M+ 1c light" panose="020B0403020204020204" pitchFamily="50" charset="-128"/>
+                  <a:cs typeface="M+ 1c light" panose="020B0403020204020204" pitchFamily="50" charset="-128"/>
+                </a:rPr>
+                <a:t>Page2</a:t>
+              </a:r>
+            </a:p>
+          </p:txBody>
+        </p:sp>
+        <p:sp>
+          <p:nvSpPr>
+            <p:cNvPr id="43" name="テキスト ボックス 42">
+              <a:extLst>
+                <a:ext uri="{FF2B5EF4-FFF2-40B4-BE49-F238E27FC236}">
+                  <a16:creationId xmlns:a16="http://schemas.microsoft.com/office/drawing/2014/main" id="{2A353D41-87EA-42FA-8D43-BE9F78B93043}"/>
+                </a:ext>
+              </a:extLst>
+            </p:cNvPr>
+            <p:cNvSpPr txBox="1"/>
+            <p:nvPr/>
+          </p:nvSpPr>
+          <p:spPr>
+            <a:xfrm>
+              <a:off x="2094996" y="3457072"/>
+              <a:ext cx="1180131" cy="307777"/>
+            </a:xfrm>
+            <a:prstGeom prst="rect">
+              <a:avLst/>
+            </a:prstGeom>
+            <a:noFill/>
+          </p:spPr>
+          <p:txBody>
+            <a:bodyPr wrap="none" rtlCol="0">
+              <a:spAutoFit/>
+            </a:bodyPr>
+            <a:lstStyle/>
+            <a:p>
+              <a:r>
+                <a:rPr lang="ja-JP" altLang="en-US" sz="1400" dirty="0">
+                  <a:solidFill>
+                    <a:srgbClr val="FF0000"/>
+                  </a:solidFill>
+                  <a:latin typeface="M+ 1c light" panose="020B0403020204020204" pitchFamily="50" charset="-128"/>
+                  <a:ea typeface="M+ 1c light" panose="020B0403020204020204" pitchFamily="50" charset="-128"/>
+                  <a:cs typeface="M+ 1c light" panose="020B0403020204020204" pitchFamily="50" charset="-128"/>
+                </a:rPr>
+                <a:t>③ </a:t>
+              </a:r>
+              <a:r>
+                <a:rPr lang="en-US" altLang="ja-JP" sz="1400" dirty="0">
+                  <a:solidFill>
+                    <a:srgbClr val="FF0000"/>
+                  </a:solidFill>
+                  <a:latin typeface="M+ 1c light" panose="020B0403020204020204" pitchFamily="50" charset="-128"/>
+                  <a:ea typeface="M+ 1c light" panose="020B0403020204020204" pitchFamily="50" charset="-128"/>
+                  <a:cs typeface="M+ 1c light" panose="020B0403020204020204" pitchFamily="50" charset="-128"/>
+                </a:rPr>
+                <a:t>OnClosed</a:t>
+              </a:r>
+              <a:endParaRPr kumimoji="1" lang="ja-JP" altLang="en-US" sz="1400" dirty="0">
+                <a:solidFill>
+                  <a:srgbClr val="FF0000"/>
+                </a:solidFill>
+                <a:latin typeface="M+ 1c light" panose="020B0403020204020204" pitchFamily="50" charset="-128"/>
+                <a:ea typeface="M+ 1c light" panose="020B0403020204020204" pitchFamily="50" charset="-128"/>
+                <a:cs typeface="M+ 1c light" panose="020B0403020204020204" pitchFamily="50" charset="-128"/>
+              </a:endParaRPr>
+            </a:p>
+          </p:txBody>
+        </p:sp>
+      </p:grpSp>
+      <p:cxnSp>
+        <p:nvCxnSpPr>
+          <p:cNvPr id="44" name="直線矢印コネクタ 43">
+            <a:extLst>
+              <a:ext uri="{FF2B5EF4-FFF2-40B4-BE49-F238E27FC236}">
+                <a16:creationId xmlns:a16="http://schemas.microsoft.com/office/drawing/2014/main" id="{DBEAA1BC-D39F-4EB5-98BF-35D8B131F41B}"/>
+              </a:ext>
+            </a:extLst>
+          </p:cNvPr>
+          <p:cNvCxnSpPr>
+            <a:cxnSpLocks/>
+            <a:stCxn id="47" idx="2"/>
+            <a:endCxn id="42" idx="0"/>
+          </p:cNvCxnSpPr>
+          <p:nvPr/>
+        </p:nvCxnSpPr>
+        <p:spPr>
+          <a:xfrm flipH="1">
+            <a:off x="7695989" y="3014198"/>
+            <a:ext cx="1" cy="543177"/>
+          </a:xfrm>
+          <a:prstGeom prst="straightConnector1">
+            <a:avLst/>
+          </a:prstGeom>
+          <a:ln w="9525">
+            <a:headEnd type="triangle" w="lg" len="lg"/>
+            <a:tailEnd type="none" w="lg" len="lg"/>
+          </a:ln>
+        </p:spPr>
+        <p:style>
+          <a:lnRef idx="1">
+            <a:schemeClr val="accent1"/>
+          </a:lnRef>
+          <a:fillRef idx="0">
+            <a:schemeClr val="accent1"/>
+          </a:fillRef>
+          <a:effectRef idx="0">
+            <a:schemeClr val="accent1"/>
+          </a:effectRef>
+          <a:fontRef idx="minor">
+            <a:schemeClr val="tx1"/>
+          </a:fontRef>
+        </p:style>
+      </p:cxnSp>
+      <p:sp>
+        <p:nvSpPr>
+          <p:cNvPr id="45" name="テキスト ボックス 44">
+            <a:extLst>
+              <a:ext uri="{FF2B5EF4-FFF2-40B4-BE49-F238E27FC236}">
+                <a16:creationId xmlns:a16="http://schemas.microsoft.com/office/drawing/2014/main" id="{F22CE8D5-8735-4995-8B8E-F6BC039F5996}"/>
+              </a:ext>
+            </a:extLst>
+          </p:cNvPr>
+          <p:cNvSpPr txBox="1"/>
+          <p:nvPr/>
+        </p:nvSpPr>
+        <p:spPr>
+          <a:xfrm>
+            <a:off x="7695988" y="3135947"/>
+            <a:ext cx="715260" cy="307777"/>
+          </a:xfrm>
+          <a:prstGeom prst="rect">
+            <a:avLst/>
+          </a:prstGeom>
+          <a:noFill/>
+        </p:spPr>
+        <p:txBody>
+          <a:bodyPr wrap="none" rtlCol="0">
+            <a:spAutoFit/>
+          </a:bodyPr>
+          <a:lstStyle/>
+          <a:p>
+            <a:r>
+              <a:rPr lang="ja-JP" altLang="en-US" sz="1400" dirty="0">
+                <a:solidFill>
+                  <a:srgbClr val="FF0000"/>
+                </a:solidFill>
+                <a:latin typeface="M+ 1c light" panose="020B0403020204020204" pitchFamily="50" charset="-128"/>
+                <a:ea typeface="M+ 1c light" panose="020B0403020204020204" pitchFamily="50" charset="-128"/>
+                <a:cs typeface="M+ 1c light" panose="020B0403020204020204" pitchFamily="50" charset="-128"/>
+              </a:rPr>
+              <a:t>①</a:t>
+            </a:r>
+            <a:r>
+              <a:rPr kumimoji="1" lang="ja-JP" altLang="en-US" sz="1400" dirty="0">
+                <a:solidFill>
+                  <a:srgbClr val="FF0000"/>
+                </a:solidFill>
+                <a:latin typeface="M+ 1c light" panose="020B0403020204020204" pitchFamily="50" charset="-128"/>
+                <a:ea typeface="M+ 1c light" panose="020B0403020204020204" pitchFamily="50" charset="-128"/>
+                <a:cs typeface="M+ 1c light" panose="020B0403020204020204" pitchFamily="50" charset="-128"/>
+              </a:rPr>
+              <a:t> </a:t>
+            </a:r>
+            <a:r>
+              <a:rPr lang="en-US" altLang="ja-JP" sz="1400" dirty="0">
+                <a:solidFill>
+                  <a:srgbClr val="FF0000"/>
+                </a:solidFill>
+                <a:latin typeface="M+ 1c light" panose="020B0403020204020204" pitchFamily="50" charset="-128"/>
+                <a:ea typeface="M+ 1c light" panose="020B0403020204020204" pitchFamily="50" charset="-128"/>
+                <a:cs typeface="M+ 1c light" panose="020B0403020204020204" pitchFamily="50" charset="-128"/>
+              </a:rPr>
+              <a:t>Pop</a:t>
+            </a:r>
+            <a:endParaRPr kumimoji="1" lang="ja-JP" altLang="en-US" sz="1400" dirty="0">
+              <a:solidFill>
+                <a:srgbClr val="FF0000"/>
+              </a:solidFill>
+              <a:latin typeface="M+ 1c light" panose="020B0403020204020204" pitchFamily="50" charset="-128"/>
+              <a:ea typeface="M+ 1c light" panose="020B0403020204020204" pitchFamily="50" charset="-128"/>
+              <a:cs typeface="M+ 1c light" panose="020B0403020204020204" pitchFamily="50" charset="-128"/>
+            </a:endParaRPr>
+          </a:p>
+        </p:txBody>
+      </p:sp>
+      <p:grpSp>
+        <p:nvGrpSpPr>
+          <p:cNvPr id="46" name="グループ化 45">
+            <a:extLst>
+              <a:ext uri="{FF2B5EF4-FFF2-40B4-BE49-F238E27FC236}">
+                <a16:creationId xmlns:a16="http://schemas.microsoft.com/office/drawing/2014/main" id="{E1B3AB69-7235-4B8A-BA00-1680D209D8D1}"/>
+              </a:ext>
+            </a:extLst>
+          </p:cNvPr>
+          <p:cNvGrpSpPr/>
+          <p:nvPr/>
+        </p:nvGrpSpPr>
+        <p:grpSpPr>
+          <a:xfrm>
+            <a:off x="6591799" y="1369884"/>
+            <a:ext cx="2204289" cy="1644314"/>
+            <a:chOff x="2094996" y="970548"/>
+            <a:chExt cx="1891469" cy="1187115"/>
+          </a:xfrm>
+        </p:grpSpPr>
+        <p:sp>
+          <p:nvSpPr>
+            <p:cNvPr id="47" name="正方形/長方形 46">
+              <a:extLst>
+                <a:ext uri="{FF2B5EF4-FFF2-40B4-BE49-F238E27FC236}">
+                  <a16:creationId xmlns:a16="http://schemas.microsoft.com/office/drawing/2014/main" id="{C0E0D70A-5184-474F-8BFD-1095D743E5FF}"/>
+                </a:ext>
+              </a:extLst>
+            </p:cNvPr>
+            <p:cNvSpPr/>
+            <p:nvPr/>
+          </p:nvSpPr>
+          <p:spPr>
+            <a:xfrm>
+              <a:off x="2098507" y="970548"/>
+              <a:ext cx="1887958" cy="1187115"/>
+            </a:xfrm>
+            <a:prstGeom prst="rect">
+              <a:avLst/>
+            </a:prstGeom>
+            <a:noFill/>
+            <a:ln/>
+          </p:spPr>
+          <p:style>
+            <a:lnRef idx="2">
+              <a:schemeClr val="accent5"/>
+            </a:lnRef>
+            <a:fillRef idx="1">
+              <a:schemeClr val="lt1"/>
+            </a:fillRef>
+            <a:effectRef idx="0">
+              <a:schemeClr val="accent5"/>
+            </a:effectRef>
+            <a:fontRef idx="minor">
+              <a:schemeClr val="dk1"/>
+            </a:fontRef>
+          </p:style>
+          <p:txBody>
+            <a:bodyPr rtlCol="0" anchor="ctr"/>
+            <a:lstStyle/>
+            <a:p>
+              <a:pPr algn="ctr">
+                <a:lnSpc>
+                  <a:spcPct val="150000"/>
+                </a:lnSpc>
+              </a:pPr>
+              <a:r>
+                <a:rPr lang="en-US" altLang="ja-JP" sz="2400" dirty="0">
+                  <a:solidFill>
+                    <a:srgbClr val="002060"/>
+                  </a:solidFill>
+                  <a:latin typeface="M+ 1c light" panose="020B0403020204020204" pitchFamily="50" charset="-128"/>
+                  <a:ea typeface="M+ 1c light" panose="020B0403020204020204" pitchFamily="50" charset="-128"/>
+                  <a:cs typeface="M+ 1c light" panose="020B0403020204020204" pitchFamily="50" charset="-128"/>
+                </a:rPr>
+                <a:t>Page1</a:t>
+              </a:r>
+            </a:p>
+          </p:txBody>
+        </p:sp>
+        <p:sp>
+          <p:nvSpPr>
+            <p:cNvPr id="48" name="テキスト ボックス 47">
+              <a:extLst>
+                <a:ext uri="{FF2B5EF4-FFF2-40B4-BE49-F238E27FC236}">
+                  <a16:creationId xmlns:a16="http://schemas.microsoft.com/office/drawing/2014/main" id="{ED86B3A7-31AE-4BD1-8896-EF9AACBC26ED}"/>
+                </a:ext>
+              </a:extLst>
+            </p:cNvPr>
+            <p:cNvSpPr txBox="1"/>
+            <p:nvPr/>
+          </p:nvSpPr>
+          <p:spPr>
+            <a:xfrm>
+              <a:off x="2094996" y="970548"/>
+              <a:ext cx="1229824" cy="307777"/>
+            </a:xfrm>
+            <a:prstGeom prst="rect">
+              <a:avLst/>
+            </a:prstGeom>
+            <a:noFill/>
+          </p:spPr>
+          <p:txBody>
+            <a:bodyPr wrap="none" rtlCol="0">
+              <a:spAutoFit/>
+            </a:bodyPr>
+            <a:lstStyle/>
+            <a:p>
+              <a:r>
+                <a:rPr kumimoji="1" lang="ja-JP" altLang="en-US" sz="1400" dirty="0">
+                  <a:solidFill>
+                    <a:srgbClr val="FF0000"/>
+                  </a:solidFill>
+                  <a:latin typeface="M+ 1c light" panose="020B0403020204020204" pitchFamily="50" charset="-128"/>
+                  <a:ea typeface="M+ 1c light" panose="020B0403020204020204" pitchFamily="50" charset="-128"/>
+                  <a:cs typeface="M+ 1c light" panose="020B0403020204020204" pitchFamily="50" charset="-128"/>
+                </a:rPr>
+                <a:t>② </a:t>
+              </a:r>
+              <a:r>
+                <a:rPr kumimoji="1" lang="en-US" altLang="ja-JP" sz="1400" dirty="0">
+                  <a:solidFill>
+                    <a:srgbClr val="FF0000"/>
+                  </a:solidFill>
+                  <a:latin typeface="M+ 1c light" panose="020B0403020204020204" pitchFamily="50" charset="-128"/>
+                  <a:ea typeface="M+ 1c light" panose="020B0403020204020204" pitchFamily="50" charset="-128"/>
+                  <a:cs typeface="M+ 1c light" panose="020B0403020204020204" pitchFamily="50" charset="-128"/>
+                </a:rPr>
+                <a:t>OnLoaded</a:t>
+              </a:r>
+              <a:endParaRPr kumimoji="1" lang="ja-JP" altLang="en-US" sz="1400" dirty="0">
+                <a:solidFill>
+                  <a:srgbClr val="FF0000"/>
+                </a:solidFill>
+                <a:latin typeface="M+ 1c light" panose="020B0403020204020204" pitchFamily="50" charset="-128"/>
+                <a:ea typeface="M+ 1c light" panose="020B0403020204020204" pitchFamily="50" charset="-128"/>
+                <a:cs typeface="M+ 1c light" panose="020B0403020204020204" pitchFamily="50" charset="-128"/>
+              </a:endParaRPr>
+            </a:p>
+          </p:txBody>
+        </p:sp>
+      </p:grpSp>
+      <p:sp>
+        <p:nvSpPr>
+          <p:cNvPr id="49" name="テキスト ボックス 48">
+            <a:extLst>
+              <a:ext uri="{FF2B5EF4-FFF2-40B4-BE49-F238E27FC236}">
+                <a16:creationId xmlns:a16="http://schemas.microsoft.com/office/drawing/2014/main" id="{5E85C461-08C2-401A-8227-74F07743644D}"/>
+              </a:ext>
+            </a:extLst>
+          </p:cNvPr>
+          <p:cNvSpPr txBox="1"/>
+          <p:nvPr/>
+        </p:nvSpPr>
+        <p:spPr>
+          <a:xfrm>
+            <a:off x="4189112" y="445446"/>
+            <a:ext cx="4185761" cy="461665"/>
+          </a:xfrm>
+          <a:prstGeom prst="rect">
+            <a:avLst/>
+          </a:prstGeom>
+          <a:noFill/>
+        </p:spPr>
+        <p:txBody>
+          <a:bodyPr wrap="none" rtlCol="0">
+            <a:spAutoFit/>
+          </a:bodyPr>
+          <a:lstStyle/>
+          <a:p>
+            <a:pPr algn="ctr"/>
+            <a:r>
+              <a:rPr lang="ja-JP" altLang="en-US" sz="2400" dirty="0">
+                <a:solidFill>
+                  <a:srgbClr val="002060"/>
+                </a:solidFill>
+                <a:latin typeface="M+ 1c light" panose="020B0403020204020204" pitchFamily="50" charset="-128"/>
+                <a:ea typeface="M+ 1c light" panose="020B0403020204020204" pitchFamily="50" charset="-128"/>
+                <a:cs typeface="M+ 1c light" panose="020B0403020204020204" pitchFamily="50" charset="-128"/>
+              </a:rPr>
+              <a:t>一貫性を保ったイベント通知</a:t>
+            </a:r>
+            <a:endParaRPr kumimoji="1" lang="ja-JP" altLang="en-US" sz="2400" dirty="0">
+              <a:solidFill>
+                <a:srgbClr val="002060"/>
+              </a:solidFill>
+              <a:latin typeface="M+ 1c light" panose="020B0403020204020204" pitchFamily="50" charset="-128"/>
+              <a:ea typeface="M+ 1c light" panose="020B0403020204020204" pitchFamily="50" charset="-128"/>
+              <a:cs typeface="M+ 1c light" panose="020B0403020204020204" pitchFamily="50" charset="-128"/>
+            </a:endParaRPr>
+          </a:p>
+        </p:txBody>
+      </p:sp>
+      <p:sp>
+        <p:nvSpPr>
+          <p:cNvPr id="50" name="テキスト ボックス 49">
+            <a:extLst>
+              <a:ext uri="{FF2B5EF4-FFF2-40B4-BE49-F238E27FC236}">
+                <a16:creationId xmlns:a16="http://schemas.microsoft.com/office/drawing/2014/main" id="{82355B15-4A3D-4D10-B044-8214F2B0CF3C}"/>
+              </a:ext>
+            </a:extLst>
+          </p:cNvPr>
+          <p:cNvSpPr txBox="1"/>
+          <p:nvPr/>
+        </p:nvSpPr>
+        <p:spPr>
+          <a:xfrm>
+            <a:off x="3093622" y="5501786"/>
+            <a:ext cx="6474849" cy="769441"/>
+          </a:xfrm>
+          <a:prstGeom prst="rect">
+            <a:avLst/>
+          </a:prstGeom>
+          <a:noFill/>
+        </p:spPr>
+        <p:txBody>
+          <a:bodyPr wrap="none" rtlCol="0">
+            <a:spAutoFit/>
+          </a:bodyPr>
+          <a:lstStyle/>
+          <a:p>
+            <a:r>
+              <a:rPr lang="ja-JP" altLang="en-US" dirty="0">
+                <a:latin typeface="M+ 1c light" panose="020B0403020204020204" pitchFamily="50" charset="-128"/>
+                <a:ea typeface="M+ 1c light" panose="020B0403020204020204" pitchFamily="50" charset="-128"/>
+                <a:cs typeface="M+ 1c light" panose="020B0403020204020204" pitchFamily="50" charset="-128"/>
+              </a:rPr>
+              <a:t>全てのページ遷移パターンで同一のルールを保っています。</a:t>
+            </a:r>
+            <a:endParaRPr lang="en-US" altLang="ja-JP" dirty="0">
+              <a:latin typeface="M+ 1c light" panose="020B0403020204020204" pitchFamily="50" charset="-128"/>
+              <a:ea typeface="M+ 1c light" panose="020B0403020204020204" pitchFamily="50" charset="-128"/>
+              <a:cs typeface="M+ 1c light" panose="020B0403020204020204" pitchFamily="50" charset="-128"/>
+            </a:endParaRPr>
+          </a:p>
+          <a:p>
+            <a:r>
+              <a:rPr lang="en-US" altLang="ja-JP" sz="1300" dirty="0">
+                <a:latin typeface="M+ 1c light" panose="020B0403020204020204" pitchFamily="50" charset="-128"/>
+                <a:ea typeface="M+ 1c light" panose="020B0403020204020204" pitchFamily="50" charset="-128"/>
+                <a:cs typeface="M+ 1c light" panose="020B0403020204020204" pitchFamily="50" charset="-128"/>
+              </a:rPr>
+              <a:t>PushAsync, PushModalAsync, PopAsync, PopToRootAsync, PopModalAsync, </a:t>
+            </a:r>
+          </a:p>
+          <a:p>
+            <a:r>
+              <a:rPr lang="en-US" altLang="ja-JP" sz="1300" dirty="0">
+                <a:solidFill>
+                  <a:srgbClr val="C00000"/>
+                </a:solidFill>
+                <a:latin typeface="M+ 1c light" panose="020B0403020204020204" pitchFamily="50" charset="-128"/>
+                <a:ea typeface="M+ 1c light" panose="020B0403020204020204" pitchFamily="50" charset="-128"/>
+                <a:cs typeface="M+ 1c light" panose="020B0403020204020204" pitchFamily="50" charset="-128"/>
+              </a:rPr>
+              <a:t>Navigation Bar, Physical Back Button</a:t>
+            </a:r>
+            <a:r>
+              <a:rPr lang="ja-JP" altLang="en-US" sz="1300" dirty="0">
+                <a:solidFill>
+                  <a:srgbClr val="C00000"/>
+                </a:solidFill>
+                <a:latin typeface="M+ 1c light" panose="020B0403020204020204" pitchFamily="50" charset="-128"/>
+                <a:ea typeface="M+ 1c light" panose="020B0403020204020204" pitchFamily="50" charset="-128"/>
+                <a:cs typeface="M+ 1c light" panose="020B0403020204020204" pitchFamily="50" charset="-128"/>
+              </a:rPr>
+              <a:t> </a:t>
+            </a:r>
+            <a:r>
+              <a:rPr lang="en-US" altLang="ja-JP" sz="1300" dirty="0">
+                <a:solidFill>
+                  <a:srgbClr val="C00000"/>
+                </a:solidFill>
+                <a:latin typeface="M+ 1c light" panose="020B0403020204020204" pitchFamily="50" charset="-128"/>
+                <a:ea typeface="M+ 1c light" panose="020B0403020204020204" pitchFamily="50" charset="-128"/>
+                <a:cs typeface="M+ 1c light" panose="020B0403020204020204" pitchFamily="50" charset="-128"/>
+              </a:rPr>
+              <a:t>is</a:t>
+            </a:r>
+            <a:r>
+              <a:rPr lang="ja-JP" altLang="en-US" sz="1300" dirty="0">
+                <a:solidFill>
+                  <a:srgbClr val="C00000"/>
+                </a:solidFill>
+                <a:latin typeface="M+ 1c light" panose="020B0403020204020204" pitchFamily="50" charset="-128"/>
+                <a:ea typeface="M+ 1c light" panose="020B0403020204020204" pitchFamily="50" charset="-128"/>
+                <a:cs typeface="M+ 1c light" panose="020B0403020204020204" pitchFamily="50" charset="-128"/>
+              </a:rPr>
+              <a:t> </a:t>
+            </a:r>
+            <a:r>
+              <a:rPr lang="en-US" altLang="ja-JP" sz="1300" dirty="0">
+                <a:solidFill>
+                  <a:srgbClr val="C00000"/>
+                </a:solidFill>
+                <a:latin typeface="M+ 1c light" panose="020B0403020204020204" pitchFamily="50" charset="-128"/>
+                <a:ea typeface="M+ 1c light" panose="020B0403020204020204" pitchFamily="50" charset="-128"/>
+                <a:cs typeface="M+ 1c light" panose="020B0403020204020204" pitchFamily="50" charset="-128"/>
+              </a:rPr>
+              <a:t>Pressed, Swipe, Change Tab</a:t>
+            </a:r>
+            <a:r>
+              <a:rPr lang="en-US" altLang="ja-JP" sz="1300" dirty="0">
+                <a:latin typeface="M+ 1c light" panose="020B0403020204020204" pitchFamily="50" charset="-128"/>
+                <a:ea typeface="M+ 1c light" panose="020B0403020204020204" pitchFamily="50" charset="-128"/>
+                <a:cs typeface="M+ 1c light" panose="020B0403020204020204" pitchFamily="50" charset="-128"/>
+              </a:rPr>
+              <a:t> and other.</a:t>
+            </a:r>
+            <a:endParaRPr kumimoji="1" lang="ja-JP" altLang="en-US" sz="1300" dirty="0">
+              <a:latin typeface="M+ 1c light" panose="020B0403020204020204" pitchFamily="50" charset="-128"/>
+              <a:ea typeface="M+ 1c light" panose="020B0403020204020204" pitchFamily="50" charset="-128"/>
+              <a:cs typeface="M+ 1c light" panose="020B0403020204020204" pitchFamily="50" charset="-128"/>
+            </a:endParaRPr>
+          </a:p>
+        </p:txBody>
+      </p:sp>
+    </p:spTree>
+    <p:extLst>
+      <p:ext uri="{BB962C8B-B14F-4D97-AF65-F5344CB8AC3E}">
+        <p14:creationId xmlns:p14="http://schemas.microsoft.com/office/powerpoint/2010/main" val="3075363185"/>
+      </p:ext>
+    </p:extLst>
+  </p:cSld>
+  <p:clrMapOvr>
+    <a:masterClrMapping/>
+  </p:clrMapOvr>
+</p:sld>
+</file>
+
+<file path=ppt/slides/slide4.xml><?xml version="1.0" encoding="utf-8"?>
 <p:sld xmlns:a="http://schemas.openxmlformats.org/drawingml/2006/main" xmlns:r="http://schemas.openxmlformats.org/officeDocument/2006/relationships" xmlns:p="http://schemas.openxmlformats.org/presentationml/2006/main">
   <p:cSld>
     <p:spTree>
@@ -10686,7 +11900,7 @@
 </p:sld>
 </file>
 
-<file path=ppt/slides/slide4.xml><?xml version="1.0" encoding="utf-8"?>
+<file path=ppt/slides/slide5.xml><?xml version="1.0" encoding="utf-8"?>
 <p:sld xmlns:a="http://schemas.openxmlformats.org/drawingml/2006/main" xmlns:r="http://schemas.openxmlformats.org/officeDocument/2006/relationships" xmlns:p="http://schemas.openxmlformats.org/presentationml/2006/main">
   <p:cSld>
     <p:spTree>
